--- a/Presentation/RozsenichBalázs_SzakdolgozatVédésPrezentáció.pptx
+++ b/Presentation/RozsenichBalázs_SzakdolgozatVédésPrezentáció.pptx
@@ -2,8 +2,11 @@
 <file path=ppt/presentation.xml><?xml version="1.0" encoding="utf-8"?>
 <p:presentation xmlns:a="http://schemas.openxmlformats.org/drawingml/2006/main" xmlns:r="http://schemas.openxmlformats.org/officeDocument/2006/relationships" xmlns:p="http://schemas.openxmlformats.org/presentationml/2006/main" autoCompressPictures="0">
   <p:sldMasterIdLst>
-    <p:sldMasterId id="2147483756" r:id="rId1"/>
+    <p:sldMasterId id="2147483780" r:id="rId1"/>
   </p:sldMasterIdLst>
+  <p:notesMasterIdLst>
+    <p:notesMasterId r:id="rId12"/>
+  </p:notesMasterIdLst>
   <p:sldIdLst>
     <p:sldId id="256" r:id="rId2"/>
     <p:sldId id="257" r:id="rId3"/>
@@ -130,6 +133,6625 @@
     </p:ext>
   </p:extLst>
 </p:presentation>
+</file>
+
+<file path=ppt/diagrams/colors1.xml><?xml version="1.0" encoding="utf-8"?>
+<dgm:colorsDef xmlns:dgm="http://schemas.openxmlformats.org/drawingml/2006/diagram" xmlns:a="http://schemas.openxmlformats.org/drawingml/2006/main" uniqueId="urn:microsoft.com/office/officeart/2005/8/colors/accent1_2">
+  <dgm:title val=""/>
+  <dgm:desc val=""/>
+  <dgm:catLst>
+    <dgm:cat type="accent1" pri="11200"/>
+  </dgm:catLst>
+  <dgm:styleLbl name="node0">
+    <dgm:fillClrLst meth="repeat">
+      <a:schemeClr val="accent1"/>
+    </dgm:fillClrLst>
+    <dgm:linClrLst meth="repeat">
+      <a:schemeClr val="lt1"/>
+    </dgm:linClrLst>
+    <dgm:effectClrLst/>
+    <dgm:txLinClrLst/>
+    <dgm:txFillClrLst/>
+    <dgm:txEffectClrLst/>
+  </dgm:styleLbl>
+  <dgm:styleLbl name="alignNode1">
+    <dgm:fillClrLst meth="repeat">
+      <a:schemeClr val="accent1"/>
+    </dgm:fillClrLst>
+    <dgm:linClrLst meth="repeat">
+      <a:schemeClr val="accent1"/>
+    </dgm:linClrLst>
+    <dgm:effectClrLst/>
+    <dgm:txLinClrLst/>
+    <dgm:txFillClrLst/>
+    <dgm:txEffectClrLst/>
+  </dgm:styleLbl>
+  <dgm:styleLbl name="node1">
+    <dgm:fillClrLst meth="repeat">
+      <a:schemeClr val="accent1"/>
+    </dgm:fillClrLst>
+    <dgm:linClrLst meth="repeat">
+      <a:schemeClr val="lt1"/>
+    </dgm:linClrLst>
+    <dgm:effectClrLst/>
+    <dgm:txLinClrLst/>
+    <dgm:txFillClrLst/>
+    <dgm:txEffectClrLst/>
+  </dgm:styleLbl>
+  <dgm:styleLbl name="lnNode1">
+    <dgm:fillClrLst meth="repeat">
+      <a:schemeClr val="accent1"/>
+    </dgm:fillClrLst>
+    <dgm:linClrLst meth="repeat">
+      <a:schemeClr val="lt1"/>
+    </dgm:linClrLst>
+    <dgm:effectClrLst/>
+    <dgm:txLinClrLst/>
+    <dgm:txFillClrLst/>
+    <dgm:txEffectClrLst/>
+  </dgm:styleLbl>
+  <dgm:styleLbl name="vennNode1">
+    <dgm:fillClrLst meth="repeat">
+      <a:schemeClr val="accent1">
+        <a:alpha val="50000"/>
+      </a:schemeClr>
+    </dgm:fillClrLst>
+    <dgm:linClrLst meth="repeat">
+      <a:schemeClr val="lt1"/>
+    </dgm:linClrLst>
+    <dgm:effectClrLst/>
+    <dgm:txLinClrLst/>
+    <dgm:txFillClrLst/>
+    <dgm:txEffectClrLst/>
+  </dgm:styleLbl>
+  <dgm:styleLbl name="node2">
+    <dgm:fillClrLst meth="repeat">
+      <a:schemeClr val="accent1"/>
+    </dgm:fillClrLst>
+    <dgm:linClrLst meth="repeat">
+      <a:schemeClr val="lt1"/>
+    </dgm:linClrLst>
+    <dgm:effectClrLst/>
+    <dgm:txLinClrLst/>
+    <dgm:txFillClrLst/>
+    <dgm:txEffectClrLst/>
+  </dgm:styleLbl>
+  <dgm:styleLbl name="node3">
+    <dgm:fillClrLst meth="repeat">
+      <a:schemeClr val="accent1"/>
+    </dgm:fillClrLst>
+    <dgm:linClrLst meth="repeat">
+      <a:schemeClr val="lt1"/>
+    </dgm:linClrLst>
+    <dgm:effectClrLst/>
+    <dgm:txLinClrLst/>
+    <dgm:txFillClrLst/>
+    <dgm:txEffectClrLst/>
+  </dgm:styleLbl>
+  <dgm:styleLbl name="node4">
+    <dgm:fillClrLst meth="repeat">
+      <a:schemeClr val="accent1"/>
+    </dgm:fillClrLst>
+    <dgm:linClrLst meth="repeat">
+      <a:schemeClr val="lt1"/>
+    </dgm:linClrLst>
+    <dgm:effectClrLst/>
+    <dgm:txLinClrLst/>
+    <dgm:txFillClrLst/>
+    <dgm:txEffectClrLst/>
+  </dgm:styleLbl>
+  <dgm:styleLbl name="fgImgPlace1">
+    <dgm:fillClrLst meth="repeat">
+      <a:schemeClr val="accent1">
+        <a:tint val="50000"/>
+      </a:schemeClr>
+    </dgm:fillClrLst>
+    <dgm:linClrLst meth="repeat">
+      <a:schemeClr val="lt1"/>
+    </dgm:linClrLst>
+    <dgm:effectClrLst/>
+    <dgm:txLinClrLst/>
+    <dgm:txFillClrLst meth="repeat">
+      <a:schemeClr val="lt1"/>
+    </dgm:txFillClrLst>
+    <dgm:txEffectClrLst/>
+  </dgm:styleLbl>
+  <dgm:styleLbl name="alignImgPlace1">
+    <dgm:fillClrLst meth="repeat">
+      <a:schemeClr val="accent1">
+        <a:tint val="50000"/>
+      </a:schemeClr>
+    </dgm:fillClrLst>
+    <dgm:linClrLst meth="repeat">
+      <a:schemeClr val="lt1"/>
+    </dgm:linClrLst>
+    <dgm:effectClrLst/>
+    <dgm:txLinClrLst/>
+    <dgm:txFillClrLst meth="repeat">
+      <a:schemeClr val="lt1"/>
+    </dgm:txFillClrLst>
+    <dgm:txEffectClrLst/>
+  </dgm:styleLbl>
+  <dgm:styleLbl name="bgImgPlace1">
+    <dgm:fillClrLst meth="repeat">
+      <a:schemeClr val="accent1">
+        <a:tint val="50000"/>
+      </a:schemeClr>
+    </dgm:fillClrLst>
+    <dgm:linClrLst meth="repeat">
+      <a:schemeClr val="lt1"/>
+    </dgm:linClrLst>
+    <dgm:effectClrLst/>
+    <dgm:txLinClrLst/>
+    <dgm:txFillClrLst meth="repeat">
+      <a:schemeClr val="lt1"/>
+    </dgm:txFillClrLst>
+    <dgm:txEffectClrLst/>
+  </dgm:styleLbl>
+  <dgm:styleLbl name="sibTrans2D1">
+    <dgm:fillClrLst meth="repeat">
+      <a:schemeClr val="accent1">
+        <a:tint val="60000"/>
+      </a:schemeClr>
+    </dgm:fillClrLst>
+    <dgm:linClrLst meth="repeat">
+      <a:schemeClr val="accent1">
+        <a:tint val="60000"/>
+      </a:schemeClr>
+    </dgm:linClrLst>
+    <dgm:effectClrLst/>
+    <dgm:txLinClrLst/>
+    <dgm:txFillClrLst/>
+    <dgm:txEffectClrLst/>
+  </dgm:styleLbl>
+  <dgm:styleLbl name="fgSibTrans2D1">
+    <dgm:fillClrLst meth="repeat">
+      <a:schemeClr val="accent1">
+        <a:tint val="60000"/>
+      </a:schemeClr>
+    </dgm:fillClrLst>
+    <dgm:linClrLst meth="repeat">
+      <a:schemeClr val="accent1">
+        <a:tint val="60000"/>
+      </a:schemeClr>
+    </dgm:linClrLst>
+    <dgm:effectClrLst/>
+    <dgm:txLinClrLst/>
+    <dgm:txFillClrLst/>
+    <dgm:txEffectClrLst/>
+  </dgm:styleLbl>
+  <dgm:styleLbl name="bgSibTrans2D1">
+    <dgm:fillClrLst meth="repeat">
+      <a:schemeClr val="accent1">
+        <a:tint val="60000"/>
+      </a:schemeClr>
+    </dgm:fillClrLst>
+    <dgm:linClrLst meth="repeat">
+      <a:schemeClr val="accent1">
+        <a:tint val="60000"/>
+      </a:schemeClr>
+    </dgm:linClrLst>
+    <dgm:effectClrLst/>
+    <dgm:txLinClrLst/>
+    <dgm:txFillClrLst/>
+    <dgm:txEffectClrLst/>
+  </dgm:styleLbl>
+  <dgm:styleLbl name="sibTrans1D1">
+    <dgm:fillClrLst meth="repeat">
+      <a:schemeClr val="accent1"/>
+    </dgm:fillClrLst>
+    <dgm:linClrLst meth="repeat">
+      <a:schemeClr val="accent1"/>
+    </dgm:linClrLst>
+    <dgm:effectClrLst/>
+    <dgm:txLinClrLst/>
+    <dgm:txFillClrLst meth="repeat">
+      <a:schemeClr val="tx1"/>
+    </dgm:txFillClrLst>
+    <dgm:txEffectClrLst/>
+  </dgm:styleLbl>
+  <dgm:styleLbl name="callout">
+    <dgm:fillClrLst meth="repeat">
+      <a:schemeClr val="accent1"/>
+    </dgm:fillClrLst>
+    <dgm:linClrLst meth="repeat">
+      <a:schemeClr val="accent1">
+        <a:tint val="50000"/>
+      </a:schemeClr>
+    </dgm:linClrLst>
+    <dgm:effectClrLst/>
+    <dgm:txLinClrLst/>
+    <dgm:txFillClrLst meth="repeat">
+      <a:schemeClr val="tx1"/>
+    </dgm:txFillClrLst>
+    <dgm:txEffectClrLst/>
+  </dgm:styleLbl>
+  <dgm:styleLbl name="asst0">
+    <dgm:fillClrLst meth="repeat">
+      <a:schemeClr val="accent1"/>
+    </dgm:fillClrLst>
+    <dgm:linClrLst meth="repeat">
+      <a:schemeClr val="lt1"/>
+    </dgm:linClrLst>
+    <dgm:effectClrLst/>
+    <dgm:txLinClrLst/>
+    <dgm:txFillClrLst/>
+    <dgm:txEffectClrLst/>
+  </dgm:styleLbl>
+  <dgm:styleLbl name="asst1">
+    <dgm:fillClrLst meth="repeat">
+      <a:schemeClr val="accent1"/>
+    </dgm:fillClrLst>
+    <dgm:linClrLst meth="repeat">
+      <a:schemeClr val="lt1"/>
+    </dgm:linClrLst>
+    <dgm:effectClrLst/>
+    <dgm:txLinClrLst/>
+    <dgm:txFillClrLst/>
+    <dgm:txEffectClrLst/>
+  </dgm:styleLbl>
+  <dgm:styleLbl name="asst2">
+    <dgm:fillClrLst meth="repeat">
+      <a:schemeClr val="accent1"/>
+    </dgm:fillClrLst>
+    <dgm:linClrLst meth="repeat">
+      <a:schemeClr val="lt1"/>
+    </dgm:linClrLst>
+    <dgm:effectClrLst/>
+    <dgm:txLinClrLst/>
+    <dgm:txFillClrLst/>
+    <dgm:txEffectClrLst/>
+  </dgm:styleLbl>
+  <dgm:styleLbl name="asst3">
+    <dgm:fillClrLst meth="repeat">
+      <a:schemeClr val="accent1"/>
+    </dgm:fillClrLst>
+    <dgm:linClrLst meth="repeat">
+      <a:schemeClr val="lt1"/>
+    </dgm:linClrLst>
+    <dgm:effectClrLst/>
+    <dgm:txLinClrLst/>
+    <dgm:txFillClrLst/>
+    <dgm:txEffectClrLst/>
+  </dgm:styleLbl>
+  <dgm:styleLbl name="asst4">
+    <dgm:fillClrLst meth="repeat">
+      <a:schemeClr val="accent1"/>
+    </dgm:fillClrLst>
+    <dgm:linClrLst meth="repeat">
+      <a:schemeClr val="lt1"/>
+    </dgm:linClrLst>
+    <dgm:effectClrLst/>
+    <dgm:txLinClrLst/>
+    <dgm:txFillClrLst/>
+    <dgm:txEffectClrLst/>
+  </dgm:styleLbl>
+  <dgm:styleLbl name="parChTrans2D1">
+    <dgm:fillClrLst meth="repeat">
+      <a:schemeClr val="accent1">
+        <a:tint val="60000"/>
+      </a:schemeClr>
+    </dgm:fillClrLst>
+    <dgm:linClrLst meth="repeat">
+      <a:schemeClr val="accent1">
+        <a:tint val="60000"/>
+      </a:schemeClr>
+    </dgm:linClrLst>
+    <dgm:effectClrLst/>
+    <dgm:txLinClrLst/>
+    <dgm:txFillClrLst meth="repeat">
+      <a:schemeClr val="lt1"/>
+    </dgm:txFillClrLst>
+    <dgm:txEffectClrLst/>
+  </dgm:styleLbl>
+  <dgm:styleLbl name="parChTrans2D2">
+    <dgm:fillClrLst meth="repeat">
+      <a:schemeClr val="accent1"/>
+    </dgm:fillClrLst>
+    <dgm:linClrLst meth="repeat">
+      <a:schemeClr val="accent1"/>
+    </dgm:linClrLst>
+    <dgm:effectClrLst/>
+    <dgm:txLinClrLst/>
+    <dgm:txFillClrLst meth="repeat">
+      <a:schemeClr val="lt1"/>
+    </dgm:txFillClrLst>
+    <dgm:txEffectClrLst/>
+  </dgm:styleLbl>
+  <dgm:styleLbl name="parChTrans2D3">
+    <dgm:fillClrLst meth="repeat">
+      <a:schemeClr val="accent1"/>
+    </dgm:fillClrLst>
+    <dgm:linClrLst meth="repeat">
+      <a:schemeClr val="accent1"/>
+    </dgm:linClrLst>
+    <dgm:effectClrLst/>
+    <dgm:txLinClrLst/>
+    <dgm:txFillClrLst meth="repeat">
+      <a:schemeClr val="lt1"/>
+    </dgm:txFillClrLst>
+    <dgm:txEffectClrLst/>
+  </dgm:styleLbl>
+  <dgm:styleLbl name="parChTrans2D4">
+    <dgm:fillClrLst meth="repeat">
+      <a:schemeClr val="accent1"/>
+    </dgm:fillClrLst>
+    <dgm:linClrLst meth="repeat">
+      <a:schemeClr val="accent1"/>
+    </dgm:linClrLst>
+    <dgm:effectClrLst/>
+    <dgm:txLinClrLst/>
+    <dgm:txFillClrLst meth="repeat">
+      <a:schemeClr val="lt1"/>
+    </dgm:txFillClrLst>
+    <dgm:txEffectClrLst/>
+  </dgm:styleLbl>
+  <dgm:styleLbl name="parChTrans1D1">
+    <dgm:fillClrLst meth="repeat">
+      <a:schemeClr val="accent1"/>
+    </dgm:fillClrLst>
+    <dgm:linClrLst meth="repeat">
+      <a:schemeClr val="accent1">
+        <a:shade val="60000"/>
+      </a:schemeClr>
+    </dgm:linClrLst>
+    <dgm:effectClrLst/>
+    <dgm:txLinClrLst/>
+    <dgm:txFillClrLst meth="repeat">
+      <a:schemeClr val="tx1"/>
+    </dgm:txFillClrLst>
+    <dgm:txEffectClrLst/>
+  </dgm:styleLbl>
+  <dgm:styleLbl name="parChTrans1D2">
+    <dgm:fillClrLst meth="repeat">
+      <a:schemeClr val="accent1"/>
+    </dgm:fillClrLst>
+    <dgm:linClrLst meth="repeat">
+      <a:schemeClr val="accent1">
+        <a:shade val="60000"/>
+      </a:schemeClr>
+    </dgm:linClrLst>
+    <dgm:effectClrLst/>
+    <dgm:txLinClrLst/>
+    <dgm:txFillClrLst meth="repeat">
+      <a:schemeClr val="tx1"/>
+    </dgm:txFillClrLst>
+    <dgm:txEffectClrLst/>
+  </dgm:styleLbl>
+  <dgm:styleLbl name="parChTrans1D3">
+    <dgm:fillClrLst meth="repeat">
+      <a:schemeClr val="accent1"/>
+    </dgm:fillClrLst>
+    <dgm:linClrLst meth="repeat">
+      <a:schemeClr val="accent1">
+        <a:shade val="80000"/>
+      </a:schemeClr>
+    </dgm:linClrLst>
+    <dgm:effectClrLst/>
+    <dgm:txLinClrLst/>
+    <dgm:txFillClrLst meth="repeat">
+      <a:schemeClr val="tx1"/>
+    </dgm:txFillClrLst>
+    <dgm:txEffectClrLst/>
+  </dgm:styleLbl>
+  <dgm:styleLbl name="parChTrans1D4">
+    <dgm:fillClrLst meth="repeat">
+      <a:schemeClr val="accent1"/>
+    </dgm:fillClrLst>
+    <dgm:linClrLst meth="repeat">
+      <a:schemeClr val="accent1">
+        <a:shade val="80000"/>
+      </a:schemeClr>
+    </dgm:linClrLst>
+    <dgm:effectClrLst/>
+    <dgm:txLinClrLst/>
+    <dgm:txFillClrLst meth="repeat">
+      <a:schemeClr val="tx1"/>
+    </dgm:txFillClrLst>
+    <dgm:txEffectClrLst/>
+  </dgm:styleLbl>
+  <dgm:styleLbl name="fgAcc1">
+    <dgm:fillClrLst meth="repeat">
+      <a:schemeClr val="lt1">
+        <a:alpha val="90000"/>
+      </a:schemeClr>
+    </dgm:fillClrLst>
+    <dgm:linClrLst meth="repeat">
+      <a:schemeClr val="accent1"/>
+    </dgm:linClrLst>
+    <dgm:effectClrLst/>
+    <dgm:txLinClrLst/>
+    <dgm:txFillClrLst meth="repeat">
+      <a:schemeClr val="dk1"/>
+    </dgm:txFillClrLst>
+    <dgm:txEffectClrLst/>
+  </dgm:styleLbl>
+  <dgm:styleLbl name="conFgAcc1">
+    <dgm:fillClrLst meth="repeat">
+      <a:schemeClr val="lt1">
+        <a:alpha val="90000"/>
+      </a:schemeClr>
+    </dgm:fillClrLst>
+    <dgm:linClrLst meth="repeat">
+      <a:schemeClr val="accent1"/>
+    </dgm:linClrLst>
+    <dgm:effectClrLst/>
+    <dgm:txLinClrLst/>
+    <dgm:txFillClrLst meth="repeat">
+      <a:schemeClr val="dk1"/>
+    </dgm:txFillClrLst>
+    <dgm:txEffectClrLst/>
+  </dgm:styleLbl>
+  <dgm:styleLbl name="alignAcc1">
+    <dgm:fillClrLst meth="repeat">
+      <a:schemeClr val="lt1">
+        <a:alpha val="90000"/>
+      </a:schemeClr>
+    </dgm:fillClrLst>
+    <dgm:linClrLst meth="repeat">
+      <a:schemeClr val="accent1"/>
+    </dgm:linClrLst>
+    <dgm:effectClrLst/>
+    <dgm:txLinClrLst/>
+    <dgm:txFillClrLst meth="repeat">
+      <a:schemeClr val="dk1"/>
+    </dgm:txFillClrLst>
+    <dgm:txEffectClrLst/>
+  </dgm:styleLbl>
+  <dgm:styleLbl name="trAlignAcc1">
+    <dgm:fillClrLst meth="repeat">
+      <a:schemeClr val="lt1">
+        <a:alpha val="40000"/>
+      </a:schemeClr>
+    </dgm:fillClrLst>
+    <dgm:linClrLst meth="repeat">
+      <a:schemeClr val="accent1"/>
+    </dgm:linClrLst>
+    <dgm:effectClrLst/>
+    <dgm:txLinClrLst/>
+    <dgm:txFillClrLst meth="repeat">
+      <a:schemeClr val="dk1"/>
+    </dgm:txFillClrLst>
+    <dgm:txEffectClrLst/>
+  </dgm:styleLbl>
+  <dgm:styleLbl name="bgAcc1">
+    <dgm:fillClrLst meth="repeat">
+      <a:schemeClr val="lt1">
+        <a:alpha val="90000"/>
+      </a:schemeClr>
+    </dgm:fillClrLst>
+    <dgm:linClrLst meth="repeat">
+      <a:schemeClr val="accent1"/>
+    </dgm:linClrLst>
+    <dgm:effectClrLst/>
+    <dgm:txLinClrLst/>
+    <dgm:txFillClrLst meth="repeat">
+      <a:schemeClr val="dk1"/>
+    </dgm:txFillClrLst>
+    <dgm:txEffectClrLst/>
+  </dgm:styleLbl>
+  <dgm:styleLbl name="solidFgAcc1">
+    <dgm:fillClrLst meth="repeat">
+      <a:schemeClr val="lt1"/>
+    </dgm:fillClrLst>
+    <dgm:linClrLst meth="repeat">
+      <a:schemeClr val="accent1"/>
+    </dgm:linClrLst>
+    <dgm:effectClrLst/>
+    <dgm:txLinClrLst/>
+    <dgm:txFillClrLst meth="repeat">
+      <a:schemeClr val="dk1"/>
+    </dgm:txFillClrLst>
+    <dgm:txEffectClrLst/>
+  </dgm:styleLbl>
+  <dgm:styleLbl name="solidAlignAcc1">
+    <dgm:fillClrLst meth="repeat">
+      <a:schemeClr val="lt1"/>
+    </dgm:fillClrLst>
+    <dgm:linClrLst meth="repeat">
+      <a:schemeClr val="accent1"/>
+    </dgm:linClrLst>
+    <dgm:effectClrLst/>
+    <dgm:txLinClrLst/>
+    <dgm:txFillClrLst meth="repeat">
+      <a:schemeClr val="dk1"/>
+    </dgm:txFillClrLst>
+    <dgm:txEffectClrLst/>
+  </dgm:styleLbl>
+  <dgm:styleLbl name="solidBgAcc1">
+    <dgm:fillClrLst meth="repeat">
+      <a:schemeClr val="lt1"/>
+    </dgm:fillClrLst>
+    <dgm:linClrLst meth="repeat">
+      <a:schemeClr val="accent1"/>
+    </dgm:linClrLst>
+    <dgm:effectClrLst/>
+    <dgm:txLinClrLst/>
+    <dgm:txFillClrLst meth="repeat">
+      <a:schemeClr val="dk1"/>
+    </dgm:txFillClrLst>
+    <dgm:txEffectClrLst/>
+  </dgm:styleLbl>
+  <dgm:styleLbl name="fgAccFollowNode1">
+    <dgm:fillClrLst meth="repeat">
+      <a:schemeClr val="accent1">
+        <a:alpha val="90000"/>
+        <a:tint val="40000"/>
+      </a:schemeClr>
+    </dgm:fillClrLst>
+    <dgm:linClrLst meth="repeat">
+      <a:schemeClr val="accent1">
+        <a:alpha val="90000"/>
+        <a:tint val="40000"/>
+      </a:schemeClr>
+    </dgm:linClrLst>
+    <dgm:effectClrLst/>
+    <dgm:txLinClrLst/>
+    <dgm:txFillClrLst meth="repeat">
+      <a:schemeClr val="dk1"/>
+    </dgm:txFillClrLst>
+    <dgm:txEffectClrLst/>
+  </dgm:styleLbl>
+  <dgm:styleLbl name="alignAccFollowNode1">
+    <dgm:fillClrLst meth="repeat">
+      <a:schemeClr val="accent1">
+        <a:alpha val="90000"/>
+        <a:tint val="40000"/>
+      </a:schemeClr>
+    </dgm:fillClrLst>
+    <dgm:linClrLst meth="repeat">
+      <a:schemeClr val="accent1">
+        <a:alpha val="90000"/>
+        <a:tint val="40000"/>
+      </a:schemeClr>
+    </dgm:linClrLst>
+    <dgm:effectClrLst/>
+    <dgm:txLinClrLst/>
+    <dgm:txFillClrLst meth="repeat">
+      <a:schemeClr val="dk1"/>
+    </dgm:txFillClrLst>
+    <dgm:txEffectClrLst/>
+  </dgm:styleLbl>
+  <dgm:styleLbl name="bgAccFollowNode1">
+    <dgm:fillClrLst meth="repeat">
+      <a:schemeClr val="accent1">
+        <a:alpha val="90000"/>
+        <a:tint val="40000"/>
+      </a:schemeClr>
+    </dgm:fillClrLst>
+    <dgm:linClrLst meth="repeat">
+      <a:schemeClr val="accent1">
+        <a:alpha val="90000"/>
+        <a:tint val="40000"/>
+      </a:schemeClr>
+    </dgm:linClrLst>
+    <dgm:effectClrLst/>
+    <dgm:txLinClrLst/>
+    <dgm:txFillClrLst meth="repeat">
+      <a:schemeClr val="dk1"/>
+    </dgm:txFillClrLst>
+    <dgm:txEffectClrLst/>
+  </dgm:styleLbl>
+  <dgm:styleLbl name="fgAcc0">
+    <dgm:fillClrLst meth="repeat">
+      <a:schemeClr val="lt1">
+        <a:alpha val="90000"/>
+      </a:schemeClr>
+    </dgm:fillClrLst>
+    <dgm:linClrLst meth="repeat">
+      <a:schemeClr val="accent1"/>
+    </dgm:linClrLst>
+    <dgm:effectClrLst/>
+    <dgm:txLinClrLst/>
+    <dgm:txFillClrLst meth="repeat">
+      <a:schemeClr val="dk1"/>
+    </dgm:txFillClrLst>
+    <dgm:txEffectClrLst/>
+  </dgm:styleLbl>
+  <dgm:styleLbl name="fgAcc2">
+    <dgm:fillClrLst meth="repeat">
+      <a:schemeClr val="lt1">
+        <a:alpha val="90000"/>
+      </a:schemeClr>
+    </dgm:fillClrLst>
+    <dgm:linClrLst meth="repeat">
+      <a:schemeClr val="accent1"/>
+    </dgm:linClrLst>
+    <dgm:effectClrLst/>
+    <dgm:txLinClrLst/>
+    <dgm:txFillClrLst meth="repeat">
+      <a:schemeClr val="dk1"/>
+    </dgm:txFillClrLst>
+    <dgm:txEffectClrLst/>
+  </dgm:styleLbl>
+  <dgm:styleLbl name="fgAcc3">
+    <dgm:fillClrLst meth="repeat">
+      <a:schemeClr val="lt1">
+        <a:alpha val="90000"/>
+      </a:schemeClr>
+    </dgm:fillClrLst>
+    <dgm:linClrLst meth="repeat">
+      <a:schemeClr val="accent1"/>
+    </dgm:linClrLst>
+    <dgm:effectClrLst/>
+    <dgm:txLinClrLst/>
+    <dgm:txFillClrLst meth="repeat">
+      <a:schemeClr val="dk1"/>
+    </dgm:txFillClrLst>
+    <dgm:txEffectClrLst/>
+  </dgm:styleLbl>
+  <dgm:styleLbl name="fgAcc4">
+    <dgm:fillClrLst meth="repeat">
+      <a:schemeClr val="lt1">
+        <a:alpha val="90000"/>
+      </a:schemeClr>
+    </dgm:fillClrLst>
+    <dgm:linClrLst meth="repeat">
+      <a:schemeClr val="accent1"/>
+    </dgm:linClrLst>
+    <dgm:effectClrLst/>
+    <dgm:txLinClrLst/>
+    <dgm:txFillClrLst meth="repeat">
+      <a:schemeClr val="dk1"/>
+    </dgm:txFillClrLst>
+    <dgm:txEffectClrLst/>
+  </dgm:styleLbl>
+  <dgm:styleLbl name="bgShp">
+    <dgm:fillClrLst meth="repeat">
+      <a:schemeClr val="accent1">
+        <a:tint val="40000"/>
+      </a:schemeClr>
+    </dgm:fillClrLst>
+    <dgm:linClrLst meth="repeat">
+      <a:schemeClr val="accent1"/>
+    </dgm:linClrLst>
+    <dgm:effectClrLst/>
+    <dgm:txLinClrLst/>
+    <dgm:txFillClrLst meth="repeat">
+      <a:schemeClr val="dk1"/>
+    </dgm:txFillClrLst>
+    <dgm:txEffectClrLst/>
+  </dgm:styleLbl>
+  <dgm:styleLbl name="dkBgShp">
+    <dgm:fillClrLst meth="repeat">
+      <a:schemeClr val="accent1">
+        <a:shade val="80000"/>
+      </a:schemeClr>
+    </dgm:fillClrLst>
+    <dgm:linClrLst meth="repeat">
+      <a:schemeClr val="accent1"/>
+    </dgm:linClrLst>
+    <dgm:effectClrLst/>
+    <dgm:txLinClrLst/>
+    <dgm:txFillClrLst meth="repeat">
+      <a:schemeClr val="lt1"/>
+    </dgm:txFillClrLst>
+    <dgm:txEffectClrLst/>
+  </dgm:styleLbl>
+  <dgm:styleLbl name="trBgShp">
+    <dgm:fillClrLst meth="repeat">
+      <a:schemeClr val="accent1">
+        <a:tint val="50000"/>
+        <a:alpha val="40000"/>
+      </a:schemeClr>
+    </dgm:fillClrLst>
+    <dgm:linClrLst meth="repeat">
+      <a:schemeClr val="accent1"/>
+    </dgm:linClrLst>
+    <dgm:effectClrLst/>
+    <dgm:txLinClrLst/>
+    <dgm:txFillClrLst meth="repeat">
+      <a:schemeClr val="lt1"/>
+    </dgm:txFillClrLst>
+    <dgm:txEffectClrLst/>
+  </dgm:styleLbl>
+  <dgm:styleLbl name="fgShp">
+    <dgm:fillClrLst meth="repeat">
+      <a:schemeClr val="accent1">
+        <a:tint val="60000"/>
+      </a:schemeClr>
+    </dgm:fillClrLst>
+    <dgm:linClrLst meth="repeat">
+      <a:schemeClr val="lt1"/>
+    </dgm:linClrLst>
+    <dgm:effectClrLst/>
+    <dgm:txLinClrLst/>
+    <dgm:txFillClrLst meth="repeat">
+      <a:schemeClr val="dk1"/>
+    </dgm:txFillClrLst>
+    <dgm:txEffectClrLst/>
+  </dgm:styleLbl>
+  <dgm:styleLbl name="revTx">
+    <dgm:fillClrLst meth="repeat">
+      <a:schemeClr val="lt1">
+        <a:alpha val="0"/>
+      </a:schemeClr>
+    </dgm:fillClrLst>
+    <dgm:linClrLst meth="repeat">
+      <a:schemeClr val="dk1">
+        <a:alpha val="0"/>
+      </a:schemeClr>
+    </dgm:linClrLst>
+    <dgm:effectClrLst/>
+    <dgm:txLinClrLst/>
+    <dgm:txFillClrLst meth="repeat">
+      <a:schemeClr val="tx1"/>
+    </dgm:txFillClrLst>
+    <dgm:txEffectClrLst/>
+  </dgm:styleLbl>
+</dgm:colorsDef>
+</file>
+
+<file path=ppt/diagrams/colors2.xml><?xml version="1.0" encoding="utf-8"?>
+<dgm:colorsDef xmlns:dgm="http://schemas.openxmlformats.org/drawingml/2006/diagram" xmlns:a="http://schemas.openxmlformats.org/drawingml/2006/main" uniqueId="urn:microsoft.com/office/officeart/2005/8/colors/accent1_2">
+  <dgm:title val=""/>
+  <dgm:desc val=""/>
+  <dgm:catLst>
+    <dgm:cat type="accent1" pri="11200"/>
+  </dgm:catLst>
+  <dgm:styleLbl name="node0">
+    <dgm:fillClrLst meth="repeat">
+      <a:schemeClr val="accent1"/>
+    </dgm:fillClrLst>
+    <dgm:linClrLst meth="repeat">
+      <a:schemeClr val="lt1"/>
+    </dgm:linClrLst>
+    <dgm:effectClrLst/>
+    <dgm:txLinClrLst/>
+    <dgm:txFillClrLst/>
+    <dgm:txEffectClrLst/>
+  </dgm:styleLbl>
+  <dgm:styleLbl name="alignNode1">
+    <dgm:fillClrLst meth="repeat">
+      <a:schemeClr val="accent1"/>
+    </dgm:fillClrLst>
+    <dgm:linClrLst meth="repeat">
+      <a:schemeClr val="accent1"/>
+    </dgm:linClrLst>
+    <dgm:effectClrLst/>
+    <dgm:txLinClrLst/>
+    <dgm:txFillClrLst/>
+    <dgm:txEffectClrLst/>
+  </dgm:styleLbl>
+  <dgm:styleLbl name="node1">
+    <dgm:fillClrLst meth="repeat">
+      <a:schemeClr val="accent1"/>
+    </dgm:fillClrLst>
+    <dgm:linClrLst meth="repeat">
+      <a:schemeClr val="lt1"/>
+    </dgm:linClrLst>
+    <dgm:effectClrLst/>
+    <dgm:txLinClrLst/>
+    <dgm:txFillClrLst/>
+    <dgm:txEffectClrLst/>
+  </dgm:styleLbl>
+  <dgm:styleLbl name="lnNode1">
+    <dgm:fillClrLst meth="repeat">
+      <a:schemeClr val="accent1"/>
+    </dgm:fillClrLst>
+    <dgm:linClrLst meth="repeat">
+      <a:schemeClr val="lt1"/>
+    </dgm:linClrLst>
+    <dgm:effectClrLst/>
+    <dgm:txLinClrLst/>
+    <dgm:txFillClrLst/>
+    <dgm:txEffectClrLst/>
+  </dgm:styleLbl>
+  <dgm:styleLbl name="vennNode1">
+    <dgm:fillClrLst meth="repeat">
+      <a:schemeClr val="accent1">
+        <a:alpha val="50000"/>
+      </a:schemeClr>
+    </dgm:fillClrLst>
+    <dgm:linClrLst meth="repeat">
+      <a:schemeClr val="lt1"/>
+    </dgm:linClrLst>
+    <dgm:effectClrLst/>
+    <dgm:txLinClrLst/>
+    <dgm:txFillClrLst/>
+    <dgm:txEffectClrLst/>
+  </dgm:styleLbl>
+  <dgm:styleLbl name="node2">
+    <dgm:fillClrLst meth="repeat">
+      <a:schemeClr val="accent1"/>
+    </dgm:fillClrLst>
+    <dgm:linClrLst meth="repeat">
+      <a:schemeClr val="lt1"/>
+    </dgm:linClrLst>
+    <dgm:effectClrLst/>
+    <dgm:txLinClrLst/>
+    <dgm:txFillClrLst/>
+    <dgm:txEffectClrLst/>
+  </dgm:styleLbl>
+  <dgm:styleLbl name="node3">
+    <dgm:fillClrLst meth="repeat">
+      <a:schemeClr val="accent1"/>
+    </dgm:fillClrLst>
+    <dgm:linClrLst meth="repeat">
+      <a:schemeClr val="lt1"/>
+    </dgm:linClrLst>
+    <dgm:effectClrLst/>
+    <dgm:txLinClrLst/>
+    <dgm:txFillClrLst/>
+    <dgm:txEffectClrLst/>
+  </dgm:styleLbl>
+  <dgm:styleLbl name="node4">
+    <dgm:fillClrLst meth="repeat">
+      <a:schemeClr val="accent1"/>
+    </dgm:fillClrLst>
+    <dgm:linClrLst meth="repeat">
+      <a:schemeClr val="lt1"/>
+    </dgm:linClrLst>
+    <dgm:effectClrLst/>
+    <dgm:txLinClrLst/>
+    <dgm:txFillClrLst/>
+    <dgm:txEffectClrLst/>
+  </dgm:styleLbl>
+  <dgm:styleLbl name="fgImgPlace1">
+    <dgm:fillClrLst meth="repeat">
+      <a:schemeClr val="accent1">
+        <a:tint val="50000"/>
+      </a:schemeClr>
+    </dgm:fillClrLst>
+    <dgm:linClrLst meth="repeat">
+      <a:schemeClr val="lt1"/>
+    </dgm:linClrLst>
+    <dgm:effectClrLst/>
+    <dgm:txLinClrLst/>
+    <dgm:txFillClrLst meth="repeat">
+      <a:schemeClr val="lt1"/>
+    </dgm:txFillClrLst>
+    <dgm:txEffectClrLst/>
+  </dgm:styleLbl>
+  <dgm:styleLbl name="alignImgPlace1">
+    <dgm:fillClrLst meth="repeat">
+      <a:schemeClr val="accent1">
+        <a:tint val="50000"/>
+      </a:schemeClr>
+    </dgm:fillClrLst>
+    <dgm:linClrLst meth="repeat">
+      <a:schemeClr val="lt1"/>
+    </dgm:linClrLst>
+    <dgm:effectClrLst/>
+    <dgm:txLinClrLst/>
+    <dgm:txFillClrLst meth="repeat">
+      <a:schemeClr val="lt1"/>
+    </dgm:txFillClrLst>
+    <dgm:txEffectClrLst/>
+  </dgm:styleLbl>
+  <dgm:styleLbl name="bgImgPlace1">
+    <dgm:fillClrLst meth="repeat">
+      <a:schemeClr val="accent1">
+        <a:tint val="50000"/>
+      </a:schemeClr>
+    </dgm:fillClrLst>
+    <dgm:linClrLst meth="repeat">
+      <a:schemeClr val="lt1"/>
+    </dgm:linClrLst>
+    <dgm:effectClrLst/>
+    <dgm:txLinClrLst/>
+    <dgm:txFillClrLst meth="repeat">
+      <a:schemeClr val="lt1"/>
+    </dgm:txFillClrLst>
+    <dgm:txEffectClrLst/>
+  </dgm:styleLbl>
+  <dgm:styleLbl name="sibTrans2D1">
+    <dgm:fillClrLst meth="repeat">
+      <a:schemeClr val="accent1">
+        <a:tint val="60000"/>
+      </a:schemeClr>
+    </dgm:fillClrLst>
+    <dgm:linClrLst meth="repeat">
+      <a:schemeClr val="accent1">
+        <a:tint val="60000"/>
+      </a:schemeClr>
+    </dgm:linClrLst>
+    <dgm:effectClrLst/>
+    <dgm:txLinClrLst/>
+    <dgm:txFillClrLst/>
+    <dgm:txEffectClrLst/>
+  </dgm:styleLbl>
+  <dgm:styleLbl name="fgSibTrans2D1">
+    <dgm:fillClrLst meth="repeat">
+      <a:schemeClr val="accent1">
+        <a:tint val="60000"/>
+      </a:schemeClr>
+    </dgm:fillClrLst>
+    <dgm:linClrLst meth="repeat">
+      <a:schemeClr val="accent1">
+        <a:tint val="60000"/>
+      </a:schemeClr>
+    </dgm:linClrLst>
+    <dgm:effectClrLst/>
+    <dgm:txLinClrLst/>
+    <dgm:txFillClrLst/>
+    <dgm:txEffectClrLst/>
+  </dgm:styleLbl>
+  <dgm:styleLbl name="bgSibTrans2D1">
+    <dgm:fillClrLst meth="repeat">
+      <a:schemeClr val="accent1">
+        <a:tint val="60000"/>
+      </a:schemeClr>
+    </dgm:fillClrLst>
+    <dgm:linClrLst meth="repeat">
+      <a:schemeClr val="accent1">
+        <a:tint val="60000"/>
+      </a:schemeClr>
+    </dgm:linClrLst>
+    <dgm:effectClrLst/>
+    <dgm:txLinClrLst/>
+    <dgm:txFillClrLst/>
+    <dgm:txEffectClrLst/>
+  </dgm:styleLbl>
+  <dgm:styleLbl name="sibTrans1D1">
+    <dgm:fillClrLst meth="repeat">
+      <a:schemeClr val="accent1"/>
+    </dgm:fillClrLst>
+    <dgm:linClrLst meth="repeat">
+      <a:schemeClr val="accent1"/>
+    </dgm:linClrLst>
+    <dgm:effectClrLst/>
+    <dgm:txLinClrLst/>
+    <dgm:txFillClrLst meth="repeat">
+      <a:schemeClr val="tx1"/>
+    </dgm:txFillClrLst>
+    <dgm:txEffectClrLst/>
+  </dgm:styleLbl>
+  <dgm:styleLbl name="callout">
+    <dgm:fillClrLst meth="repeat">
+      <a:schemeClr val="accent1"/>
+    </dgm:fillClrLst>
+    <dgm:linClrLst meth="repeat">
+      <a:schemeClr val="accent1">
+        <a:tint val="50000"/>
+      </a:schemeClr>
+    </dgm:linClrLst>
+    <dgm:effectClrLst/>
+    <dgm:txLinClrLst/>
+    <dgm:txFillClrLst meth="repeat">
+      <a:schemeClr val="tx1"/>
+    </dgm:txFillClrLst>
+    <dgm:txEffectClrLst/>
+  </dgm:styleLbl>
+  <dgm:styleLbl name="asst0">
+    <dgm:fillClrLst meth="repeat">
+      <a:schemeClr val="accent1"/>
+    </dgm:fillClrLst>
+    <dgm:linClrLst meth="repeat">
+      <a:schemeClr val="lt1"/>
+    </dgm:linClrLst>
+    <dgm:effectClrLst/>
+    <dgm:txLinClrLst/>
+    <dgm:txFillClrLst/>
+    <dgm:txEffectClrLst/>
+  </dgm:styleLbl>
+  <dgm:styleLbl name="asst1">
+    <dgm:fillClrLst meth="repeat">
+      <a:schemeClr val="accent1"/>
+    </dgm:fillClrLst>
+    <dgm:linClrLst meth="repeat">
+      <a:schemeClr val="lt1"/>
+    </dgm:linClrLst>
+    <dgm:effectClrLst/>
+    <dgm:txLinClrLst/>
+    <dgm:txFillClrLst/>
+    <dgm:txEffectClrLst/>
+  </dgm:styleLbl>
+  <dgm:styleLbl name="asst2">
+    <dgm:fillClrLst meth="repeat">
+      <a:schemeClr val="accent1"/>
+    </dgm:fillClrLst>
+    <dgm:linClrLst meth="repeat">
+      <a:schemeClr val="lt1"/>
+    </dgm:linClrLst>
+    <dgm:effectClrLst/>
+    <dgm:txLinClrLst/>
+    <dgm:txFillClrLst/>
+    <dgm:txEffectClrLst/>
+  </dgm:styleLbl>
+  <dgm:styleLbl name="asst3">
+    <dgm:fillClrLst meth="repeat">
+      <a:schemeClr val="accent1"/>
+    </dgm:fillClrLst>
+    <dgm:linClrLst meth="repeat">
+      <a:schemeClr val="lt1"/>
+    </dgm:linClrLst>
+    <dgm:effectClrLst/>
+    <dgm:txLinClrLst/>
+    <dgm:txFillClrLst/>
+    <dgm:txEffectClrLst/>
+  </dgm:styleLbl>
+  <dgm:styleLbl name="asst4">
+    <dgm:fillClrLst meth="repeat">
+      <a:schemeClr val="accent1"/>
+    </dgm:fillClrLst>
+    <dgm:linClrLst meth="repeat">
+      <a:schemeClr val="lt1"/>
+    </dgm:linClrLst>
+    <dgm:effectClrLst/>
+    <dgm:txLinClrLst/>
+    <dgm:txFillClrLst/>
+    <dgm:txEffectClrLst/>
+  </dgm:styleLbl>
+  <dgm:styleLbl name="parChTrans2D1">
+    <dgm:fillClrLst meth="repeat">
+      <a:schemeClr val="accent1">
+        <a:tint val="60000"/>
+      </a:schemeClr>
+    </dgm:fillClrLst>
+    <dgm:linClrLst meth="repeat">
+      <a:schemeClr val="accent1">
+        <a:tint val="60000"/>
+      </a:schemeClr>
+    </dgm:linClrLst>
+    <dgm:effectClrLst/>
+    <dgm:txLinClrLst/>
+    <dgm:txFillClrLst meth="repeat">
+      <a:schemeClr val="lt1"/>
+    </dgm:txFillClrLst>
+    <dgm:txEffectClrLst/>
+  </dgm:styleLbl>
+  <dgm:styleLbl name="parChTrans2D2">
+    <dgm:fillClrLst meth="repeat">
+      <a:schemeClr val="accent1"/>
+    </dgm:fillClrLst>
+    <dgm:linClrLst meth="repeat">
+      <a:schemeClr val="accent1"/>
+    </dgm:linClrLst>
+    <dgm:effectClrLst/>
+    <dgm:txLinClrLst/>
+    <dgm:txFillClrLst meth="repeat">
+      <a:schemeClr val="lt1"/>
+    </dgm:txFillClrLst>
+    <dgm:txEffectClrLst/>
+  </dgm:styleLbl>
+  <dgm:styleLbl name="parChTrans2D3">
+    <dgm:fillClrLst meth="repeat">
+      <a:schemeClr val="accent1"/>
+    </dgm:fillClrLst>
+    <dgm:linClrLst meth="repeat">
+      <a:schemeClr val="accent1"/>
+    </dgm:linClrLst>
+    <dgm:effectClrLst/>
+    <dgm:txLinClrLst/>
+    <dgm:txFillClrLst meth="repeat">
+      <a:schemeClr val="lt1"/>
+    </dgm:txFillClrLst>
+    <dgm:txEffectClrLst/>
+  </dgm:styleLbl>
+  <dgm:styleLbl name="parChTrans2D4">
+    <dgm:fillClrLst meth="repeat">
+      <a:schemeClr val="accent1"/>
+    </dgm:fillClrLst>
+    <dgm:linClrLst meth="repeat">
+      <a:schemeClr val="accent1"/>
+    </dgm:linClrLst>
+    <dgm:effectClrLst/>
+    <dgm:txLinClrLst/>
+    <dgm:txFillClrLst meth="repeat">
+      <a:schemeClr val="lt1"/>
+    </dgm:txFillClrLst>
+    <dgm:txEffectClrLst/>
+  </dgm:styleLbl>
+  <dgm:styleLbl name="parChTrans1D1">
+    <dgm:fillClrLst meth="repeat">
+      <a:schemeClr val="accent1"/>
+    </dgm:fillClrLst>
+    <dgm:linClrLst meth="repeat">
+      <a:schemeClr val="accent1">
+        <a:shade val="60000"/>
+      </a:schemeClr>
+    </dgm:linClrLst>
+    <dgm:effectClrLst/>
+    <dgm:txLinClrLst/>
+    <dgm:txFillClrLst meth="repeat">
+      <a:schemeClr val="tx1"/>
+    </dgm:txFillClrLst>
+    <dgm:txEffectClrLst/>
+  </dgm:styleLbl>
+  <dgm:styleLbl name="parChTrans1D2">
+    <dgm:fillClrLst meth="repeat">
+      <a:schemeClr val="accent1"/>
+    </dgm:fillClrLst>
+    <dgm:linClrLst meth="repeat">
+      <a:schemeClr val="accent1">
+        <a:shade val="60000"/>
+      </a:schemeClr>
+    </dgm:linClrLst>
+    <dgm:effectClrLst/>
+    <dgm:txLinClrLst/>
+    <dgm:txFillClrLst meth="repeat">
+      <a:schemeClr val="tx1"/>
+    </dgm:txFillClrLst>
+    <dgm:txEffectClrLst/>
+  </dgm:styleLbl>
+  <dgm:styleLbl name="parChTrans1D3">
+    <dgm:fillClrLst meth="repeat">
+      <a:schemeClr val="accent1"/>
+    </dgm:fillClrLst>
+    <dgm:linClrLst meth="repeat">
+      <a:schemeClr val="accent1">
+        <a:shade val="80000"/>
+      </a:schemeClr>
+    </dgm:linClrLst>
+    <dgm:effectClrLst/>
+    <dgm:txLinClrLst/>
+    <dgm:txFillClrLst meth="repeat">
+      <a:schemeClr val="tx1"/>
+    </dgm:txFillClrLst>
+    <dgm:txEffectClrLst/>
+  </dgm:styleLbl>
+  <dgm:styleLbl name="parChTrans1D4">
+    <dgm:fillClrLst meth="repeat">
+      <a:schemeClr val="accent1"/>
+    </dgm:fillClrLst>
+    <dgm:linClrLst meth="repeat">
+      <a:schemeClr val="accent1">
+        <a:shade val="80000"/>
+      </a:schemeClr>
+    </dgm:linClrLst>
+    <dgm:effectClrLst/>
+    <dgm:txLinClrLst/>
+    <dgm:txFillClrLst meth="repeat">
+      <a:schemeClr val="tx1"/>
+    </dgm:txFillClrLst>
+    <dgm:txEffectClrLst/>
+  </dgm:styleLbl>
+  <dgm:styleLbl name="fgAcc1">
+    <dgm:fillClrLst meth="repeat">
+      <a:schemeClr val="lt1">
+        <a:alpha val="90000"/>
+      </a:schemeClr>
+    </dgm:fillClrLst>
+    <dgm:linClrLst meth="repeat">
+      <a:schemeClr val="accent1"/>
+    </dgm:linClrLst>
+    <dgm:effectClrLst/>
+    <dgm:txLinClrLst/>
+    <dgm:txFillClrLst meth="repeat">
+      <a:schemeClr val="dk1"/>
+    </dgm:txFillClrLst>
+    <dgm:txEffectClrLst/>
+  </dgm:styleLbl>
+  <dgm:styleLbl name="conFgAcc1">
+    <dgm:fillClrLst meth="repeat">
+      <a:schemeClr val="lt1">
+        <a:alpha val="90000"/>
+      </a:schemeClr>
+    </dgm:fillClrLst>
+    <dgm:linClrLst meth="repeat">
+      <a:schemeClr val="accent1"/>
+    </dgm:linClrLst>
+    <dgm:effectClrLst/>
+    <dgm:txLinClrLst/>
+    <dgm:txFillClrLst meth="repeat">
+      <a:schemeClr val="dk1"/>
+    </dgm:txFillClrLst>
+    <dgm:txEffectClrLst/>
+  </dgm:styleLbl>
+  <dgm:styleLbl name="alignAcc1">
+    <dgm:fillClrLst meth="repeat">
+      <a:schemeClr val="lt1">
+        <a:alpha val="90000"/>
+      </a:schemeClr>
+    </dgm:fillClrLst>
+    <dgm:linClrLst meth="repeat">
+      <a:schemeClr val="accent1"/>
+    </dgm:linClrLst>
+    <dgm:effectClrLst/>
+    <dgm:txLinClrLst/>
+    <dgm:txFillClrLst meth="repeat">
+      <a:schemeClr val="dk1"/>
+    </dgm:txFillClrLst>
+    <dgm:txEffectClrLst/>
+  </dgm:styleLbl>
+  <dgm:styleLbl name="trAlignAcc1">
+    <dgm:fillClrLst meth="repeat">
+      <a:schemeClr val="lt1">
+        <a:alpha val="40000"/>
+      </a:schemeClr>
+    </dgm:fillClrLst>
+    <dgm:linClrLst meth="repeat">
+      <a:schemeClr val="accent1"/>
+    </dgm:linClrLst>
+    <dgm:effectClrLst/>
+    <dgm:txLinClrLst/>
+    <dgm:txFillClrLst meth="repeat">
+      <a:schemeClr val="dk1"/>
+    </dgm:txFillClrLst>
+    <dgm:txEffectClrLst/>
+  </dgm:styleLbl>
+  <dgm:styleLbl name="bgAcc1">
+    <dgm:fillClrLst meth="repeat">
+      <a:schemeClr val="lt1">
+        <a:alpha val="90000"/>
+      </a:schemeClr>
+    </dgm:fillClrLst>
+    <dgm:linClrLst meth="repeat">
+      <a:schemeClr val="accent1"/>
+    </dgm:linClrLst>
+    <dgm:effectClrLst/>
+    <dgm:txLinClrLst/>
+    <dgm:txFillClrLst meth="repeat">
+      <a:schemeClr val="dk1"/>
+    </dgm:txFillClrLst>
+    <dgm:txEffectClrLst/>
+  </dgm:styleLbl>
+  <dgm:styleLbl name="solidFgAcc1">
+    <dgm:fillClrLst meth="repeat">
+      <a:schemeClr val="lt1"/>
+    </dgm:fillClrLst>
+    <dgm:linClrLst meth="repeat">
+      <a:schemeClr val="accent1"/>
+    </dgm:linClrLst>
+    <dgm:effectClrLst/>
+    <dgm:txLinClrLst/>
+    <dgm:txFillClrLst meth="repeat">
+      <a:schemeClr val="dk1"/>
+    </dgm:txFillClrLst>
+    <dgm:txEffectClrLst/>
+  </dgm:styleLbl>
+  <dgm:styleLbl name="solidAlignAcc1">
+    <dgm:fillClrLst meth="repeat">
+      <a:schemeClr val="lt1"/>
+    </dgm:fillClrLst>
+    <dgm:linClrLst meth="repeat">
+      <a:schemeClr val="accent1"/>
+    </dgm:linClrLst>
+    <dgm:effectClrLst/>
+    <dgm:txLinClrLst/>
+    <dgm:txFillClrLst meth="repeat">
+      <a:schemeClr val="dk1"/>
+    </dgm:txFillClrLst>
+    <dgm:txEffectClrLst/>
+  </dgm:styleLbl>
+  <dgm:styleLbl name="solidBgAcc1">
+    <dgm:fillClrLst meth="repeat">
+      <a:schemeClr val="lt1"/>
+    </dgm:fillClrLst>
+    <dgm:linClrLst meth="repeat">
+      <a:schemeClr val="accent1"/>
+    </dgm:linClrLst>
+    <dgm:effectClrLst/>
+    <dgm:txLinClrLst/>
+    <dgm:txFillClrLst meth="repeat">
+      <a:schemeClr val="dk1"/>
+    </dgm:txFillClrLst>
+    <dgm:txEffectClrLst/>
+  </dgm:styleLbl>
+  <dgm:styleLbl name="fgAccFollowNode1">
+    <dgm:fillClrLst meth="repeat">
+      <a:schemeClr val="accent1">
+        <a:alpha val="90000"/>
+        <a:tint val="40000"/>
+      </a:schemeClr>
+    </dgm:fillClrLst>
+    <dgm:linClrLst meth="repeat">
+      <a:schemeClr val="accent1">
+        <a:alpha val="90000"/>
+        <a:tint val="40000"/>
+      </a:schemeClr>
+    </dgm:linClrLst>
+    <dgm:effectClrLst/>
+    <dgm:txLinClrLst/>
+    <dgm:txFillClrLst meth="repeat">
+      <a:schemeClr val="dk1"/>
+    </dgm:txFillClrLst>
+    <dgm:txEffectClrLst/>
+  </dgm:styleLbl>
+  <dgm:styleLbl name="alignAccFollowNode1">
+    <dgm:fillClrLst meth="repeat">
+      <a:schemeClr val="accent1">
+        <a:alpha val="90000"/>
+        <a:tint val="40000"/>
+      </a:schemeClr>
+    </dgm:fillClrLst>
+    <dgm:linClrLst meth="repeat">
+      <a:schemeClr val="accent1">
+        <a:alpha val="90000"/>
+        <a:tint val="40000"/>
+      </a:schemeClr>
+    </dgm:linClrLst>
+    <dgm:effectClrLst/>
+    <dgm:txLinClrLst/>
+    <dgm:txFillClrLst meth="repeat">
+      <a:schemeClr val="dk1"/>
+    </dgm:txFillClrLst>
+    <dgm:txEffectClrLst/>
+  </dgm:styleLbl>
+  <dgm:styleLbl name="bgAccFollowNode1">
+    <dgm:fillClrLst meth="repeat">
+      <a:schemeClr val="accent1">
+        <a:alpha val="90000"/>
+        <a:tint val="40000"/>
+      </a:schemeClr>
+    </dgm:fillClrLst>
+    <dgm:linClrLst meth="repeat">
+      <a:schemeClr val="accent1">
+        <a:alpha val="90000"/>
+        <a:tint val="40000"/>
+      </a:schemeClr>
+    </dgm:linClrLst>
+    <dgm:effectClrLst/>
+    <dgm:txLinClrLst/>
+    <dgm:txFillClrLst meth="repeat">
+      <a:schemeClr val="dk1"/>
+    </dgm:txFillClrLst>
+    <dgm:txEffectClrLst/>
+  </dgm:styleLbl>
+  <dgm:styleLbl name="fgAcc0">
+    <dgm:fillClrLst meth="repeat">
+      <a:schemeClr val="lt1">
+        <a:alpha val="90000"/>
+      </a:schemeClr>
+    </dgm:fillClrLst>
+    <dgm:linClrLst meth="repeat">
+      <a:schemeClr val="accent1"/>
+    </dgm:linClrLst>
+    <dgm:effectClrLst/>
+    <dgm:txLinClrLst/>
+    <dgm:txFillClrLst meth="repeat">
+      <a:schemeClr val="dk1"/>
+    </dgm:txFillClrLst>
+    <dgm:txEffectClrLst/>
+  </dgm:styleLbl>
+  <dgm:styleLbl name="fgAcc2">
+    <dgm:fillClrLst meth="repeat">
+      <a:schemeClr val="lt1">
+        <a:alpha val="90000"/>
+      </a:schemeClr>
+    </dgm:fillClrLst>
+    <dgm:linClrLst meth="repeat">
+      <a:schemeClr val="accent1"/>
+    </dgm:linClrLst>
+    <dgm:effectClrLst/>
+    <dgm:txLinClrLst/>
+    <dgm:txFillClrLst meth="repeat">
+      <a:schemeClr val="dk1"/>
+    </dgm:txFillClrLst>
+    <dgm:txEffectClrLst/>
+  </dgm:styleLbl>
+  <dgm:styleLbl name="fgAcc3">
+    <dgm:fillClrLst meth="repeat">
+      <a:schemeClr val="lt1">
+        <a:alpha val="90000"/>
+      </a:schemeClr>
+    </dgm:fillClrLst>
+    <dgm:linClrLst meth="repeat">
+      <a:schemeClr val="accent1"/>
+    </dgm:linClrLst>
+    <dgm:effectClrLst/>
+    <dgm:txLinClrLst/>
+    <dgm:txFillClrLst meth="repeat">
+      <a:schemeClr val="dk1"/>
+    </dgm:txFillClrLst>
+    <dgm:txEffectClrLst/>
+  </dgm:styleLbl>
+  <dgm:styleLbl name="fgAcc4">
+    <dgm:fillClrLst meth="repeat">
+      <a:schemeClr val="lt1">
+        <a:alpha val="90000"/>
+      </a:schemeClr>
+    </dgm:fillClrLst>
+    <dgm:linClrLst meth="repeat">
+      <a:schemeClr val="accent1"/>
+    </dgm:linClrLst>
+    <dgm:effectClrLst/>
+    <dgm:txLinClrLst/>
+    <dgm:txFillClrLst meth="repeat">
+      <a:schemeClr val="dk1"/>
+    </dgm:txFillClrLst>
+    <dgm:txEffectClrLst/>
+  </dgm:styleLbl>
+  <dgm:styleLbl name="bgShp">
+    <dgm:fillClrLst meth="repeat">
+      <a:schemeClr val="accent1">
+        <a:tint val="40000"/>
+      </a:schemeClr>
+    </dgm:fillClrLst>
+    <dgm:linClrLst meth="repeat">
+      <a:schemeClr val="accent1"/>
+    </dgm:linClrLst>
+    <dgm:effectClrLst/>
+    <dgm:txLinClrLst/>
+    <dgm:txFillClrLst meth="repeat">
+      <a:schemeClr val="dk1"/>
+    </dgm:txFillClrLst>
+    <dgm:txEffectClrLst/>
+  </dgm:styleLbl>
+  <dgm:styleLbl name="dkBgShp">
+    <dgm:fillClrLst meth="repeat">
+      <a:schemeClr val="accent1">
+        <a:shade val="80000"/>
+      </a:schemeClr>
+    </dgm:fillClrLst>
+    <dgm:linClrLst meth="repeat">
+      <a:schemeClr val="accent1"/>
+    </dgm:linClrLst>
+    <dgm:effectClrLst/>
+    <dgm:txLinClrLst/>
+    <dgm:txFillClrLst meth="repeat">
+      <a:schemeClr val="lt1"/>
+    </dgm:txFillClrLst>
+    <dgm:txEffectClrLst/>
+  </dgm:styleLbl>
+  <dgm:styleLbl name="trBgShp">
+    <dgm:fillClrLst meth="repeat">
+      <a:schemeClr val="accent1">
+        <a:tint val="50000"/>
+        <a:alpha val="40000"/>
+      </a:schemeClr>
+    </dgm:fillClrLst>
+    <dgm:linClrLst meth="repeat">
+      <a:schemeClr val="accent1"/>
+    </dgm:linClrLst>
+    <dgm:effectClrLst/>
+    <dgm:txLinClrLst/>
+    <dgm:txFillClrLst meth="repeat">
+      <a:schemeClr val="lt1"/>
+    </dgm:txFillClrLst>
+    <dgm:txEffectClrLst/>
+  </dgm:styleLbl>
+  <dgm:styleLbl name="fgShp">
+    <dgm:fillClrLst meth="repeat">
+      <a:schemeClr val="accent1">
+        <a:tint val="60000"/>
+      </a:schemeClr>
+    </dgm:fillClrLst>
+    <dgm:linClrLst meth="repeat">
+      <a:schemeClr val="lt1"/>
+    </dgm:linClrLst>
+    <dgm:effectClrLst/>
+    <dgm:txLinClrLst/>
+    <dgm:txFillClrLst meth="repeat">
+      <a:schemeClr val="dk1"/>
+    </dgm:txFillClrLst>
+    <dgm:txEffectClrLst/>
+  </dgm:styleLbl>
+  <dgm:styleLbl name="revTx">
+    <dgm:fillClrLst meth="repeat">
+      <a:schemeClr val="lt1">
+        <a:alpha val="0"/>
+      </a:schemeClr>
+    </dgm:fillClrLst>
+    <dgm:linClrLst meth="repeat">
+      <a:schemeClr val="dk1">
+        <a:alpha val="0"/>
+      </a:schemeClr>
+    </dgm:linClrLst>
+    <dgm:effectClrLst/>
+    <dgm:txLinClrLst/>
+    <dgm:txFillClrLst meth="repeat">
+      <a:schemeClr val="tx1"/>
+    </dgm:txFillClrLst>
+    <dgm:txEffectClrLst/>
+  </dgm:styleLbl>
+</dgm:colorsDef>
+</file>
+
+<file path=ppt/diagrams/data1.xml><?xml version="1.0" encoding="utf-8"?>
+<dgm:dataModel xmlns:dgm="http://schemas.openxmlformats.org/drawingml/2006/diagram" xmlns:a="http://schemas.openxmlformats.org/drawingml/2006/main">
+  <dgm:ptLst>
+    <dgm:pt modelId="{151E8C2F-E8A8-4DB8-B754-4E9B6E085894}" type="doc">
+      <dgm:prSet loTypeId="urn:microsoft.com/office/officeart/2005/8/layout/radial4" loCatId="relationship" qsTypeId="urn:microsoft.com/office/officeart/2005/8/quickstyle/simple2" qsCatId="simple" csTypeId="urn:microsoft.com/office/officeart/2005/8/colors/accent1_2" csCatId="accent1" phldr="1"/>
+      <dgm:spPr/>
+      <dgm:t>
+        <a:bodyPr/>
+        <a:lstStyle/>
+        <a:p>
+          <a:endParaRPr lang="hu-HU"/>
+        </a:p>
+      </dgm:t>
+    </dgm:pt>
+    <dgm:pt modelId="{5FBB40BC-F987-4F7B-9830-8C5ABA979AF0}">
+      <dgm:prSet phldrT="[Szöveg]" custT="1"/>
+      <dgm:spPr>
+        <a:solidFill>
+          <a:srgbClr val="C00000"/>
+        </a:solidFill>
+      </dgm:spPr>
+      <dgm:t>
+        <a:bodyPr/>
+        <a:lstStyle/>
+        <a:p>
+          <a:r>
+            <a:rPr lang="hu-HU" sz="1800" b="1" dirty="0" smtClean="0">
+              <a:latin typeface="Cambria" panose="02040503050406030204" pitchFamily="18" charset="0"/>
+            </a:rPr>
+            <a:t>Foglalás</a:t>
+          </a:r>
+          <a:endParaRPr lang="hu-HU" sz="1800" b="1" dirty="0">
+            <a:latin typeface="Cambria" panose="02040503050406030204" pitchFamily="18" charset="0"/>
+          </a:endParaRPr>
+        </a:p>
+      </dgm:t>
+    </dgm:pt>
+    <dgm:pt modelId="{2880DA9D-050B-4595-AEA4-12EA4CBC8C89}" type="parTrans" cxnId="{502D436B-581A-4ACB-A0B7-58177413CCBB}">
+      <dgm:prSet/>
+      <dgm:spPr/>
+      <dgm:t>
+        <a:bodyPr/>
+        <a:lstStyle/>
+        <a:p>
+          <a:endParaRPr lang="hu-HU"/>
+        </a:p>
+      </dgm:t>
+    </dgm:pt>
+    <dgm:pt modelId="{0353E2C0-C4FE-408F-B83D-5921AC10CEA8}" type="sibTrans" cxnId="{502D436B-581A-4ACB-A0B7-58177413CCBB}">
+      <dgm:prSet/>
+      <dgm:spPr/>
+      <dgm:t>
+        <a:bodyPr/>
+        <a:lstStyle/>
+        <a:p>
+          <a:endParaRPr lang="hu-HU"/>
+        </a:p>
+      </dgm:t>
+    </dgm:pt>
+    <dgm:pt modelId="{6FCD5F4D-DE34-4502-9027-BE6FAD5298BB}">
+      <dgm:prSet phldrT="[Szöveg]" custT="1"/>
+      <dgm:spPr>
+        <a:solidFill>
+          <a:srgbClr val="C00000"/>
+        </a:solidFill>
+      </dgm:spPr>
+      <dgm:t>
+        <a:bodyPr/>
+        <a:lstStyle/>
+        <a:p>
+          <a:r>
+            <a:rPr lang="hu-HU" sz="1200" b="1" dirty="0" smtClean="0">
+              <a:latin typeface="Cambria" panose="02040503050406030204" pitchFamily="18" charset="0"/>
+            </a:rPr>
+            <a:t>Hotel Sopron:</a:t>
+          </a:r>
+        </a:p>
+        <a:p>
+          <a:r>
+            <a:rPr lang="hu-HU" sz="1200" b="1" dirty="0" smtClean="0">
+              <a:latin typeface="Cambria" panose="02040503050406030204" pitchFamily="18" charset="0"/>
+            </a:rPr>
+            <a:t>2 ágyas szoba</a:t>
+          </a:r>
+          <a:endParaRPr lang="hu-HU" sz="1200" b="1" dirty="0">
+            <a:latin typeface="Cambria" panose="02040503050406030204" pitchFamily="18" charset="0"/>
+          </a:endParaRPr>
+        </a:p>
+      </dgm:t>
+    </dgm:pt>
+    <dgm:pt modelId="{48EED9BC-C2FE-4D26-BC1F-47D7591A3B61}" type="parTrans" cxnId="{6FA023D4-5860-42BB-A945-6DFF62452F44}">
+      <dgm:prSet/>
+      <dgm:spPr>
+        <a:solidFill>
+          <a:srgbClr val="A50021"/>
+        </a:solidFill>
+      </dgm:spPr>
+      <dgm:t>
+        <a:bodyPr/>
+        <a:lstStyle/>
+        <a:p>
+          <a:endParaRPr lang="hu-HU"/>
+        </a:p>
+      </dgm:t>
+    </dgm:pt>
+    <dgm:pt modelId="{30CAEA89-BF97-4881-90F1-60AD2C557784}" type="sibTrans" cxnId="{6FA023D4-5860-42BB-A945-6DFF62452F44}">
+      <dgm:prSet/>
+      <dgm:spPr/>
+      <dgm:t>
+        <a:bodyPr/>
+        <a:lstStyle/>
+        <a:p>
+          <a:endParaRPr lang="hu-HU"/>
+        </a:p>
+      </dgm:t>
+    </dgm:pt>
+    <dgm:pt modelId="{FC88DE5C-3667-4884-AFE9-008BA691009E}">
+      <dgm:prSet phldrT="[Szöveg]" custT="1"/>
+      <dgm:spPr>
+        <a:solidFill>
+          <a:srgbClr val="C00000"/>
+        </a:solidFill>
+      </dgm:spPr>
+      <dgm:t>
+        <a:bodyPr/>
+        <a:lstStyle/>
+        <a:p>
+          <a:r>
+            <a:rPr lang="hu-HU" sz="1200" b="1" dirty="0" smtClean="0">
+              <a:latin typeface="Cambria" panose="02040503050406030204" pitchFamily="18" charset="0"/>
+            </a:rPr>
+            <a:t>Hotel </a:t>
+          </a:r>
+          <a:r>
+            <a:rPr lang="hu-HU" sz="1200" b="1" dirty="0" err="1" smtClean="0">
+              <a:latin typeface="Cambria" panose="02040503050406030204" pitchFamily="18" charset="0"/>
+            </a:rPr>
+            <a:t>Lővér</a:t>
+          </a:r>
+          <a:r>
+            <a:rPr lang="hu-HU" sz="1200" b="1" dirty="0" smtClean="0">
+              <a:latin typeface="Cambria" panose="02040503050406030204" pitchFamily="18" charset="0"/>
+            </a:rPr>
+            <a:t>:</a:t>
+          </a:r>
+        </a:p>
+        <a:p>
+          <a:r>
+            <a:rPr lang="hu-HU" sz="1200" b="1" dirty="0" smtClean="0">
+              <a:latin typeface="Cambria" panose="02040503050406030204" pitchFamily="18" charset="0"/>
+            </a:rPr>
+            <a:t>2+1 ágyas szoba</a:t>
+          </a:r>
+          <a:endParaRPr lang="hu-HU" sz="1200" b="1" dirty="0">
+            <a:latin typeface="Cambria" panose="02040503050406030204" pitchFamily="18" charset="0"/>
+          </a:endParaRPr>
+        </a:p>
+      </dgm:t>
+    </dgm:pt>
+    <dgm:pt modelId="{0AFABDDA-A71F-4EE4-960C-DAEEC8A9190D}" type="parTrans" cxnId="{F2F08C0E-4AD7-482B-8192-1494DCAD37DB}">
+      <dgm:prSet/>
+      <dgm:spPr>
+        <a:solidFill>
+          <a:srgbClr val="A50021"/>
+        </a:solidFill>
+      </dgm:spPr>
+      <dgm:t>
+        <a:bodyPr/>
+        <a:lstStyle/>
+        <a:p>
+          <a:endParaRPr lang="hu-HU"/>
+        </a:p>
+      </dgm:t>
+    </dgm:pt>
+    <dgm:pt modelId="{4A1A84A5-3EA2-49D3-84D5-43DE83881F05}" type="sibTrans" cxnId="{F2F08C0E-4AD7-482B-8192-1494DCAD37DB}">
+      <dgm:prSet/>
+      <dgm:spPr/>
+      <dgm:t>
+        <a:bodyPr/>
+        <a:lstStyle/>
+        <a:p>
+          <a:endParaRPr lang="hu-HU"/>
+        </a:p>
+      </dgm:t>
+    </dgm:pt>
+    <dgm:pt modelId="{FC43A5FC-39BB-4C9E-9EE0-D97344D2EE6A}">
+      <dgm:prSet phldrT="[Szöveg]" custT="1"/>
+      <dgm:spPr>
+        <a:solidFill>
+          <a:srgbClr val="C00000"/>
+        </a:solidFill>
+      </dgm:spPr>
+      <dgm:t>
+        <a:bodyPr/>
+        <a:lstStyle/>
+        <a:p>
+          <a:r>
+            <a:rPr lang="hu-HU" sz="1200" b="1" dirty="0" smtClean="0">
+              <a:latin typeface="Cambria" panose="02040503050406030204" pitchFamily="18" charset="0"/>
+            </a:rPr>
+            <a:t>Hotel </a:t>
+          </a:r>
+          <a:r>
+            <a:rPr lang="hu-HU" sz="1200" b="1" dirty="0" err="1" smtClean="0">
+              <a:latin typeface="Cambria" panose="02040503050406030204" pitchFamily="18" charset="0"/>
+            </a:rPr>
+            <a:t>Fagus</a:t>
+          </a:r>
+          <a:r>
+            <a:rPr lang="hu-HU" sz="1200" b="1" dirty="0" smtClean="0">
+              <a:latin typeface="Cambria" panose="02040503050406030204" pitchFamily="18" charset="0"/>
+            </a:rPr>
+            <a:t>:</a:t>
+          </a:r>
+        </a:p>
+        <a:p>
+          <a:r>
+            <a:rPr lang="hu-HU" sz="1200" b="1" dirty="0" smtClean="0">
+              <a:latin typeface="Cambria" panose="02040503050406030204" pitchFamily="18" charset="0"/>
+            </a:rPr>
+            <a:t>2*</a:t>
+          </a:r>
+          <a:r>
+            <a:rPr lang="hu-HU" sz="1200" b="1" dirty="0" err="1" smtClean="0">
+              <a:latin typeface="Cambria" panose="02040503050406030204" pitchFamily="18" charset="0"/>
+            </a:rPr>
+            <a:t>2</a:t>
+          </a:r>
+          <a:r>
+            <a:rPr lang="hu-HU" sz="1200" b="1" dirty="0" smtClean="0">
+              <a:latin typeface="Cambria" panose="02040503050406030204" pitchFamily="18" charset="0"/>
+            </a:rPr>
+            <a:t> ágyas szoba</a:t>
+          </a:r>
+          <a:endParaRPr lang="hu-HU" sz="1200" b="1" dirty="0">
+            <a:latin typeface="Cambria" panose="02040503050406030204" pitchFamily="18" charset="0"/>
+          </a:endParaRPr>
+        </a:p>
+      </dgm:t>
+    </dgm:pt>
+    <dgm:pt modelId="{47CBDFA6-1989-488D-B8A0-5CCDF7560E58}" type="parTrans" cxnId="{2ABC42D2-097A-4641-B9FF-17FD9D4BBAD4}">
+      <dgm:prSet/>
+      <dgm:spPr>
+        <a:solidFill>
+          <a:srgbClr val="A50021"/>
+        </a:solidFill>
+      </dgm:spPr>
+      <dgm:t>
+        <a:bodyPr/>
+        <a:lstStyle/>
+        <a:p>
+          <a:endParaRPr lang="hu-HU"/>
+        </a:p>
+      </dgm:t>
+    </dgm:pt>
+    <dgm:pt modelId="{0B71B15F-3E6F-42CB-B803-626A6329DF78}" type="sibTrans" cxnId="{2ABC42D2-097A-4641-B9FF-17FD9D4BBAD4}">
+      <dgm:prSet/>
+      <dgm:spPr/>
+      <dgm:t>
+        <a:bodyPr/>
+        <a:lstStyle/>
+        <a:p>
+          <a:endParaRPr lang="hu-HU"/>
+        </a:p>
+      </dgm:t>
+    </dgm:pt>
+    <dgm:pt modelId="{D82A04F4-88B1-490B-BA36-0CB8A3EB788B}">
+      <dgm:prSet phldrT="[Szöveg]" custT="1"/>
+      <dgm:spPr>
+        <a:solidFill>
+          <a:srgbClr val="C00000"/>
+        </a:solidFill>
+      </dgm:spPr>
+      <dgm:t>
+        <a:bodyPr/>
+        <a:lstStyle/>
+        <a:p>
+          <a:r>
+            <a:rPr lang="hu-HU" sz="1200" b="1" dirty="0" smtClean="0">
+              <a:latin typeface="Cambria" panose="02040503050406030204" pitchFamily="18" charset="0"/>
+            </a:rPr>
+            <a:t>Hotel Pannonia:</a:t>
+          </a:r>
+          <a:br>
+            <a:rPr lang="hu-HU" sz="1200" b="1" dirty="0" smtClean="0">
+              <a:latin typeface="Cambria" panose="02040503050406030204" pitchFamily="18" charset="0"/>
+            </a:rPr>
+          </a:br>
+          <a:r>
+            <a:rPr lang="hu-HU" sz="1200" b="1" dirty="0" smtClean="0">
+              <a:latin typeface="Cambria" panose="02040503050406030204" pitchFamily="18" charset="0"/>
+            </a:rPr>
+            <a:t>2 ágyas szoba</a:t>
+          </a:r>
+          <a:endParaRPr lang="hu-HU" sz="1200" b="1" dirty="0">
+            <a:latin typeface="Cambria" panose="02040503050406030204" pitchFamily="18" charset="0"/>
+          </a:endParaRPr>
+        </a:p>
+      </dgm:t>
+    </dgm:pt>
+    <dgm:pt modelId="{92C21C73-8579-4A81-B07B-82A228017854}" type="sibTrans" cxnId="{5F0FC9E8-A6F7-4925-87FA-D0BEC01264F7}">
+      <dgm:prSet/>
+      <dgm:spPr/>
+      <dgm:t>
+        <a:bodyPr/>
+        <a:lstStyle/>
+        <a:p>
+          <a:endParaRPr lang="hu-HU"/>
+        </a:p>
+      </dgm:t>
+    </dgm:pt>
+    <dgm:pt modelId="{38E02B08-CF55-42EC-9B41-F47D65B67A06}" type="parTrans" cxnId="{5F0FC9E8-A6F7-4925-87FA-D0BEC01264F7}">
+      <dgm:prSet/>
+      <dgm:spPr>
+        <a:solidFill>
+          <a:srgbClr val="A50021"/>
+        </a:solidFill>
+      </dgm:spPr>
+      <dgm:t>
+        <a:bodyPr/>
+        <a:lstStyle/>
+        <a:p>
+          <a:endParaRPr lang="hu-HU"/>
+        </a:p>
+      </dgm:t>
+    </dgm:pt>
+    <dgm:pt modelId="{E4A556EF-1B2E-4B53-8D64-1929296113F8}" type="pres">
+      <dgm:prSet presAssocID="{151E8C2F-E8A8-4DB8-B754-4E9B6E085894}" presName="cycle" presStyleCnt="0">
+        <dgm:presLayoutVars>
+          <dgm:chMax val="1"/>
+          <dgm:dir/>
+          <dgm:animLvl val="ctr"/>
+          <dgm:resizeHandles val="exact"/>
+        </dgm:presLayoutVars>
+      </dgm:prSet>
+      <dgm:spPr/>
+      <dgm:t>
+        <a:bodyPr/>
+        <a:lstStyle/>
+        <a:p>
+          <a:endParaRPr lang="hu-HU"/>
+        </a:p>
+      </dgm:t>
+    </dgm:pt>
+    <dgm:pt modelId="{374ABC81-813E-40C2-B9DE-F9574953440B}" type="pres">
+      <dgm:prSet presAssocID="{5FBB40BC-F987-4F7B-9830-8C5ABA979AF0}" presName="centerShape" presStyleLbl="node0" presStyleIdx="0" presStyleCnt="1" custScaleX="104644" custScaleY="104644" custLinFactNeighborX="-7523" custLinFactNeighborY="-41811"/>
+      <dgm:spPr/>
+      <dgm:t>
+        <a:bodyPr/>
+        <a:lstStyle/>
+        <a:p>
+          <a:endParaRPr lang="hu-HU"/>
+        </a:p>
+      </dgm:t>
+    </dgm:pt>
+    <dgm:pt modelId="{288D3448-AC0B-4346-8995-C0CE1237BA38}" type="pres">
+      <dgm:prSet presAssocID="{48EED9BC-C2FE-4D26-BC1F-47D7591A3B61}" presName="parTrans" presStyleLbl="bgSibTrans2D1" presStyleIdx="0" presStyleCnt="4"/>
+      <dgm:spPr/>
+      <dgm:t>
+        <a:bodyPr/>
+        <a:lstStyle/>
+        <a:p>
+          <a:endParaRPr lang="hu-HU"/>
+        </a:p>
+      </dgm:t>
+    </dgm:pt>
+    <dgm:pt modelId="{23B381F0-3A9C-4EBE-824B-0EAEA4E5CCB1}" type="pres">
+      <dgm:prSet presAssocID="{6FCD5F4D-DE34-4502-9027-BE6FAD5298BB}" presName="node" presStyleLbl="node1" presStyleIdx="0" presStyleCnt="4" custScaleX="104644" custScaleY="104644" custRadScaleRad="103208" custRadScaleInc="-29940">
+        <dgm:presLayoutVars>
+          <dgm:bulletEnabled val="1"/>
+        </dgm:presLayoutVars>
+      </dgm:prSet>
+      <dgm:spPr/>
+      <dgm:t>
+        <a:bodyPr/>
+        <a:lstStyle/>
+        <a:p>
+          <a:endParaRPr lang="hu-HU"/>
+        </a:p>
+      </dgm:t>
+    </dgm:pt>
+    <dgm:pt modelId="{285DA794-6286-4ED1-A6C3-1E2C5FBBB3D6}" type="pres">
+      <dgm:prSet presAssocID="{0AFABDDA-A71F-4EE4-960C-DAEEC8A9190D}" presName="parTrans" presStyleLbl="bgSibTrans2D1" presStyleIdx="1" presStyleCnt="4"/>
+      <dgm:spPr/>
+      <dgm:t>
+        <a:bodyPr/>
+        <a:lstStyle/>
+        <a:p>
+          <a:endParaRPr lang="hu-HU"/>
+        </a:p>
+      </dgm:t>
+    </dgm:pt>
+    <dgm:pt modelId="{A8F7A343-6A06-437C-893D-3B19F3BCBD82}" type="pres">
+      <dgm:prSet presAssocID="{FC88DE5C-3667-4884-AFE9-008BA691009E}" presName="node" presStyleLbl="node1" presStyleIdx="1" presStyleCnt="4" custScaleX="104644" custScaleY="104644" custRadScaleRad="168718" custRadScaleInc="-85661">
+        <dgm:presLayoutVars>
+          <dgm:bulletEnabled val="1"/>
+        </dgm:presLayoutVars>
+      </dgm:prSet>
+      <dgm:spPr/>
+      <dgm:t>
+        <a:bodyPr/>
+        <a:lstStyle/>
+        <a:p>
+          <a:endParaRPr lang="hu-HU"/>
+        </a:p>
+      </dgm:t>
+    </dgm:pt>
+    <dgm:pt modelId="{0D685EBD-A143-49F6-84D7-704D888DC775}" type="pres">
+      <dgm:prSet presAssocID="{47CBDFA6-1989-488D-B8A0-5CCDF7560E58}" presName="parTrans" presStyleLbl="bgSibTrans2D1" presStyleIdx="2" presStyleCnt="4"/>
+      <dgm:spPr/>
+      <dgm:t>
+        <a:bodyPr/>
+        <a:lstStyle/>
+        <a:p>
+          <a:endParaRPr lang="hu-HU"/>
+        </a:p>
+      </dgm:t>
+    </dgm:pt>
+    <dgm:pt modelId="{AFA1A005-DAEA-4EAA-940F-6AF45C68EA4F}" type="pres">
+      <dgm:prSet presAssocID="{FC43A5FC-39BB-4C9E-9EE0-D97344D2EE6A}" presName="node" presStyleLbl="node1" presStyleIdx="2" presStyleCnt="4" custScaleX="104644" custScaleY="104644" custRadScaleRad="136867" custRadScaleInc="70429">
+        <dgm:presLayoutVars>
+          <dgm:bulletEnabled val="1"/>
+        </dgm:presLayoutVars>
+      </dgm:prSet>
+      <dgm:spPr/>
+      <dgm:t>
+        <a:bodyPr/>
+        <a:lstStyle/>
+        <a:p>
+          <a:endParaRPr lang="hu-HU"/>
+        </a:p>
+      </dgm:t>
+    </dgm:pt>
+    <dgm:pt modelId="{70A93C5B-D34E-4372-B699-747000757AD2}" type="pres">
+      <dgm:prSet presAssocID="{38E02B08-CF55-42EC-9B41-F47D65B67A06}" presName="parTrans" presStyleLbl="bgSibTrans2D1" presStyleIdx="3" presStyleCnt="4"/>
+      <dgm:spPr/>
+      <dgm:t>
+        <a:bodyPr/>
+        <a:lstStyle/>
+        <a:p>
+          <a:endParaRPr lang="hu-HU"/>
+        </a:p>
+      </dgm:t>
+    </dgm:pt>
+    <dgm:pt modelId="{5684BA46-237B-4BB4-9FB6-67F94D8206E5}" type="pres">
+      <dgm:prSet presAssocID="{D82A04F4-88B1-490B-BA36-0CB8A3EB788B}" presName="node" presStyleLbl="node1" presStyleIdx="3" presStyleCnt="4" custScaleX="104644" custScaleY="104644" custRadScaleRad="77612" custRadScaleInc="29163">
+        <dgm:presLayoutVars>
+          <dgm:bulletEnabled val="1"/>
+        </dgm:presLayoutVars>
+      </dgm:prSet>
+      <dgm:spPr/>
+      <dgm:t>
+        <a:bodyPr/>
+        <a:lstStyle/>
+        <a:p>
+          <a:endParaRPr lang="hu-HU"/>
+        </a:p>
+      </dgm:t>
+    </dgm:pt>
+  </dgm:ptLst>
+  <dgm:cxnLst>
+    <dgm:cxn modelId="{F2F08C0E-4AD7-482B-8192-1494DCAD37DB}" srcId="{5FBB40BC-F987-4F7B-9830-8C5ABA979AF0}" destId="{FC88DE5C-3667-4884-AFE9-008BA691009E}" srcOrd="1" destOrd="0" parTransId="{0AFABDDA-A71F-4EE4-960C-DAEEC8A9190D}" sibTransId="{4A1A84A5-3EA2-49D3-84D5-43DE83881F05}"/>
+    <dgm:cxn modelId="{D8E46527-CFF2-4DE8-B64C-263496540834}" type="presOf" srcId="{6FCD5F4D-DE34-4502-9027-BE6FAD5298BB}" destId="{23B381F0-3A9C-4EBE-824B-0EAEA4E5CCB1}" srcOrd="0" destOrd="0" presId="urn:microsoft.com/office/officeart/2005/8/layout/radial4"/>
+    <dgm:cxn modelId="{83AD5290-839A-403C-A4F3-C3D6B817F4A6}" type="presOf" srcId="{FC88DE5C-3667-4884-AFE9-008BA691009E}" destId="{A8F7A343-6A06-437C-893D-3B19F3BCBD82}" srcOrd="0" destOrd="0" presId="urn:microsoft.com/office/officeart/2005/8/layout/radial4"/>
+    <dgm:cxn modelId="{40D051C8-7761-4A5B-B423-2B43C7FE4303}" type="presOf" srcId="{FC43A5FC-39BB-4C9E-9EE0-D97344D2EE6A}" destId="{AFA1A005-DAEA-4EAA-940F-6AF45C68EA4F}" srcOrd="0" destOrd="0" presId="urn:microsoft.com/office/officeart/2005/8/layout/radial4"/>
+    <dgm:cxn modelId="{CF5257BA-EBD2-426B-85C6-4CB8BC445C54}" type="presOf" srcId="{151E8C2F-E8A8-4DB8-B754-4E9B6E085894}" destId="{E4A556EF-1B2E-4B53-8D64-1929296113F8}" srcOrd="0" destOrd="0" presId="urn:microsoft.com/office/officeart/2005/8/layout/radial4"/>
+    <dgm:cxn modelId="{3275C04C-3914-42F5-99AF-0A947D9D69AA}" type="presOf" srcId="{47CBDFA6-1989-488D-B8A0-5CCDF7560E58}" destId="{0D685EBD-A143-49F6-84D7-704D888DC775}" srcOrd="0" destOrd="0" presId="urn:microsoft.com/office/officeart/2005/8/layout/radial4"/>
+    <dgm:cxn modelId="{2ABC42D2-097A-4641-B9FF-17FD9D4BBAD4}" srcId="{5FBB40BC-F987-4F7B-9830-8C5ABA979AF0}" destId="{FC43A5FC-39BB-4C9E-9EE0-D97344D2EE6A}" srcOrd="2" destOrd="0" parTransId="{47CBDFA6-1989-488D-B8A0-5CCDF7560E58}" sibTransId="{0B71B15F-3E6F-42CB-B803-626A6329DF78}"/>
+    <dgm:cxn modelId="{4848A958-33B1-4329-868E-3CBBABD46D0A}" type="presOf" srcId="{5FBB40BC-F987-4F7B-9830-8C5ABA979AF0}" destId="{374ABC81-813E-40C2-B9DE-F9574953440B}" srcOrd="0" destOrd="0" presId="urn:microsoft.com/office/officeart/2005/8/layout/radial4"/>
+    <dgm:cxn modelId="{531009FC-F0DC-4416-B5FE-DFB302E4314A}" type="presOf" srcId="{48EED9BC-C2FE-4D26-BC1F-47D7591A3B61}" destId="{288D3448-AC0B-4346-8995-C0CE1237BA38}" srcOrd="0" destOrd="0" presId="urn:microsoft.com/office/officeart/2005/8/layout/radial4"/>
+    <dgm:cxn modelId="{6FA023D4-5860-42BB-A945-6DFF62452F44}" srcId="{5FBB40BC-F987-4F7B-9830-8C5ABA979AF0}" destId="{6FCD5F4D-DE34-4502-9027-BE6FAD5298BB}" srcOrd="0" destOrd="0" parTransId="{48EED9BC-C2FE-4D26-BC1F-47D7591A3B61}" sibTransId="{30CAEA89-BF97-4881-90F1-60AD2C557784}"/>
+    <dgm:cxn modelId="{AB790237-E59E-42AC-8637-B8061222231A}" type="presOf" srcId="{D82A04F4-88B1-490B-BA36-0CB8A3EB788B}" destId="{5684BA46-237B-4BB4-9FB6-67F94D8206E5}" srcOrd="0" destOrd="0" presId="urn:microsoft.com/office/officeart/2005/8/layout/radial4"/>
+    <dgm:cxn modelId="{502D436B-581A-4ACB-A0B7-58177413CCBB}" srcId="{151E8C2F-E8A8-4DB8-B754-4E9B6E085894}" destId="{5FBB40BC-F987-4F7B-9830-8C5ABA979AF0}" srcOrd="0" destOrd="0" parTransId="{2880DA9D-050B-4595-AEA4-12EA4CBC8C89}" sibTransId="{0353E2C0-C4FE-408F-B83D-5921AC10CEA8}"/>
+    <dgm:cxn modelId="{5F0FC9E8-A6F7-4925-87FA-D0BEC01264F7}" srcId="{5FBB40BC-F987-4F7B-9830-8C5ABA979AF0}" destId="{D82A04F4-88B1-490B-BA36-0CB8A3EB788B}" srcOrd="3" destOrd="0" parTransId="{38E02B08-CF55-42EC-9B41-F47D65B67A06}" sibTransId="{92C21C73-8579-4A81-B07B-82A228017854}"/>
+    <dgm:cxn modelId="{143EBC40-B63E-4E7A-9D38-7485568932C6}" type="presOf" srcId="{38E02B08-CF55-42EC-9B41-F47D65B67A06}" destId="{70A93C5B-D34E-4372-B699-747000757AD2}" srcOrd="0" destOrd="0" presId="urn:microsoft.com/office/officeart/2005/8/layout/radial4"/>
+    <dgm:cxn modelId="{3D88184D-6E27-4C22-8267-2BF27D5AE306}" type="presOf" srcId="{0AFABDDA-A71F-4EE4-960C-DAEEC8A9190D}" destId="{285DA794-6286-4ED1-A6C3-1E2C5FBBB3D6}" srcOrd="0" destOrd="0" presId="urn:microsoft.com/office/officeart/2005/8/layout/radial4"/>
+    <dgm:cxn modelId="{8FDD87D0-B031-4321-ACA8-B74FA3C50913}" type="presParOf" srcId="{E4A556EF-1B2E-4B53-8D64-1929296113F8}" destId="{374ABC81-813E-40C2-B9DE-F9574953440B}" srcOrd="0" destOrd="0" presId="urn:microsoft.com/office/officeart/2005/8/layout/radial4"/>
+    <dgm:cxn modelId="{01CEBE10-202A-4EBD-AB91-CB5B4A93482F}" type="presParOf" srcId="{E4A556EF-1B2E-4B53-8D64-1929296113F8}" destId="{288D3448-AC0B-4346-8995-C0CE1237BA38}" srcOrd="1" destOrd="0" presId="urn:microsoft.com/office/officeart/2005/8/layout/radial4"/>
+    <dgm:cxn modelId="{B5809BE2-7BE5-4982-B88D-B7D8513D1DAB}" type="presParOf" srcId="{E4A556EF-1B2E-4B53-8D64-1929296113F8}" destId="{23B381F0-3A9C-4EBE-824B-0EAEA4E5CCB1}" srcOrd="2" destOrd="0" presId="urn:microsoft.com/office/officeart/2005/8/layout/radial4"/>
+    <dgm:cxn modelId="{62F2DF46-5A8A-495E-A96F-CC791D7FD1D3}" type="presParOf" srcId="{E4A556EF-1B2E-4B53-8D64-1929296113F8}" destId="{285DA794-6286-4ED1-A6C3-1E2C5FBBB3D6}" srcOrd="3" destOrd="0" presId="urn:microsoft.com/office/officeart/2005/8/layout/radial4"/>
+    <dgm:cxn modelId="{1B25B056-AE66-4327-83E1-82995410A078}" type="presParOf" srcId="{E4A556EF-1B2E-4B53-8D64-1929296113F8}" destId="{A8F7A343-6A06-437C-893D-3B19F3BCBD82}" srcOrd="4" destOrd="0" presId="urn:microsoft.com/office/officeart/2005/8/layout/radial4"/>
+    <dgm:cxn modelId="{82156FC3-B588-493B-98EA-C8810AE46FF1}" type="presParOf" srcId="{E4A556EF-1B2E-4B53-8D64-1929296113F8}" destId="{0D685EBD-A143-49F6-84D7-704D888DC775}" srcOrd="5" destOrd="0" presId="urn:microsoft.com/office/officeart/2005/8/layout/radial4"/>
+    <dgm:cxn modelId="{8801BDF6-25C8-4A0E-BCE6-C5EE2B1535CA}" type="presParOf" srcId="{E4A556EF-1B2E-4B53-8D64-1929296113F8}" destId="{AFA1A005-DAEA-4EAA-940F-6AF45C68EA4F}" srcOrd="6" destOrd="0" presId="urn:microsoft.com/office/officeart/2005/8/layout/radial4"/>
+    <dgm:cxn modelId="{462E3370-4EF4-4A51-AE38-C5CA1A56FE7A}" type="presParOf" srcId="{E4A556EF-1B2E-4B53-8D64-1929296113F8}" destId="{70A93C5B-D34E-4372-B699-747000757AD2}" srcOrd="7" destOrd="0" presId="urn:microsoft.com/office/officeart/2005/8/layout/radial4"/>
+    <dgm:cxn modelId="{823C2DCB-D873-414F-AB77-625949ED426F}" type="presParOf" srcId="{E4A556EF-1B2E-4B53-8D64-1929296113F8}" destId="{5684BA46-237B-4BB4-9FB6-67F94D8206E5}" srcOrd="8" destOrd="0" presId="urn:microsoft.com/office/officeart/2005/8/layout/radial4"/>
+  </dgm:cxnLst>
+  <dgm:bg/>
+  <dgm:whole/>
+  <dgm:extLst>
+    <a:ext uri="http://schemas.microsoft.com/office/drawing/2008/diagram">
+      <dsp:dataModelExt xmlns:dsp="http://schemas.microsoft.com/office/drawing/2008/diagram" relId="rId6" minVer="http://schemas.openxmlformats.org/drawingml/2006/diagram"/>
+    </a:ext>
+    <a:ext uri="{C62137D5-CB1D-491B-B009-E17868A290BF}">
+      <dgm14:recolorImg xmlns:dgm14="http://schemas.microsoft.com/office/drawing/2010/diagram" val="1"/>
+    </a:ext>
+  </dgm:extLst>
+</dgm:dataModel>
+</file>
+
+<file path=ppt/diagrams/data2.xml><?xml version="1.0" encoding="utf-8"?>
+<dgm:dataModel xmlns:dgm="http://schemas.openxmlformats.org/drawingml/2006/diagram" xmlns:a="http://schemas.openxmlformats.org/drawingml/2006/main">
+  <dgm:ptLst>
+    <dgm:pt modelId="{8747AA42-D3A8-4B27-88ED-63015B24191E}" type="doc">
+      <dgm:prSet loTypeId="urn:microsoft.com/office/officeart/2005/8/layout/gear1" loCatId="relationship" qsTypeId="urn:microsoft.com/office/officeart/2005/8/quickstyle/simple2" qsCatId="simple" csTypeId="urn:microsoft.com/office/officeart/2005/8/colors/accent1_2" csCatId="accent1" phldr="1"/>
+      <dgm:spPr/>
+    </dgm:pt>
+    <dgm:pt modelId="{B9E2BE8E-F8D4-415F-82DA-70AD365BAA1E}">
+      <dgm:prSet phldrT="[Szöveg]" custT="1"/>
+      <dgm:spPr>
+        <a:solidFill>
+          <a:srgbClr val="C00000"/>
+        </a:solidFill>
+      </dgm:spPr>
+      <dgm:t>
+        <a:bodyPr/>
+        <a:lstStyle/>
+        <a:p>
+          <a:r>
+            <a:rPr lang="hu-HU" sz="4800" b="1" dirty="0" smtClean="0">
+              <a:latin typeface="Cambria" panose="02040503050406030204" pitchFamily="18" charset="0"/>
+            </a:rPr>
+            <a:t>Ár</a:t>
+          </a:r>
+          <a:endParaRPr lang="hu-HU" sz="600" b="1" dirty="0">
+            <a:latin typeface="Cambria" panose="02040503050406030204" pitchFamily="18" charset="0"/>
+          </a:endParaRPr>
+        </a:p>
+      </dgm:t>
+    </dgm:pt>
+    <dgm:pt modelId="{3E573CB0-790E-4058-8C26-7A129F5D474E}" type="parTrans" cxnId="{A68D0880-8C7E-45A8-9061-53A2D3F9FF13}">
+      <dgm:prSet/>
+      <dgm:spPr/>
+      <dgm:t>
+        <a:bodyPr/>
+        <a:lstStyle/>
+        <a:p>
+          <a:endParaRPr lang="hu-HU"/>
+        </a:p>
+      </dgm:t>
+    </dgm:pt>
+    <dgm:pt modelId="{2C6EE942-BCEE-4F63-BDEB-3BD0A03D2A0B}" type="sibTrans" cxnId="{A68D0880-8C7E-45A8-9061-53A2D3F9FF13}">
+      <dgm:prSet/>
+      <dgm:spPr>
+        <a:solidFill>
+          <a:srgbClr val="A50021"/>
+        </a:solidFill>
+      </dgm:spPr>
+      <dgm:t>
+        <a:bodyPr/>
+        <a:lstStyle/>
+        <a:p>
+          <a:endParaRPr lang="hu-HU"/>
+        </a:p>
+      </dgm:t>
+    </dgm:pt>
+    <dgm:pt modelId="{DC330507-FC45-4587-8959-1156F9D5ED88}">
+      <dgm:prSet phldrT="[Szöveg]" custT="1"/>
+      <dgm:spPr>
+        <a:solidFill>
+          <a:srgbClr val="C00000"/>
+        </a:solidFill>
+      </dgm:spPr>
+      <dgm:t>
+        <a:bodyPr/>
+        <a:lstStyle/>
+        <a:p>
+          <a:r>
+            <a:rPr lang="hu-HU" sz="1600" b="1" dirty="0" smtClean="0">
+              <a:latin typeface="Cambria" panose="02040503050406030204" pitchFamily="18" charset="0"/>
+            </a:rPr>
+            <a:t>Távolság</a:t>
+          </a:r>
+          <a:endParaRPr lang="hu-HU" sz="600" b="1" dirty="0">
+            <a:latin typeface="Cambria" panose="02040503050406030204" pitchFamily="18" charset="0"/>
+          </a:endParaRPr>
+        </a:p>
+      </dgm:t>
+    </dgm:pt>
+    <dgm:pt modelId="{F7E62682-3BAA-4E21-A438-F43587AEFB9B}" type="parTrans" cxnId="{F5EC5BD4-F07B-4B20-AE12-CB179AE9B1DC}">
+      <dgm:prSet/>
+      <dgm:spPr/>
+      <dgm:t>
+        <a:bodyPr/>
+        <a:lstStyle/>
+        <a:p>
+          <a:endParaRPr lang="hu-HU"/>
+        </a:p>
+      </dgm:t>
+    </dgm:pt>
+    <dgm:pt modelId="{A7308CEC-5C20-4E90-9C5C-E258A45E3764}" type="sibTrans" cxnId="{F5EC5BD4-F07B-4B20-AE12-CB179AE9B1DC}">
+      <dgm:prSet/>
+      <dgm:spPr>
+        <a:solidFill>
+          <a:srgbClr val="A50021"/>
+        </a:solidFill>
+      </dgm:spPr>
+      <dgm:t>
+        <a:bodyPr/>
+        <a:lstStyle/>
+        <a:p>
+          <a:endParaRPr lang="hu-HU"/>
+        </a:p>
+      </dgm:t>
+    </dgm:pt>
+    <dgm:pt modelId="{4A06B8B7-823D-495E-A18B-59B41335A141}">
+      <dgm:prSet phldrT="[Szöveg]" custT="1"/>
+      <dgm:spPr>
+        <a:solidFill>
+          <a:srgbClr val="C00000"/>
+        </a:solidFill>
+      </dgm:spPr>
+      <dgm:t>
+        <a:bodyPr/>
+        <a:lstStyle/>
+        <a:p>
+          <a:r>
+            <a:rPr lang="hu-HU" sz="1100" b="1" dirty="0" smtClean="0">
+              <a:latin typeface="Cambria" panose="02040503050406030204" pitchFamily="18" charset="0"/>
+            </a:rPr>
+            <a:t>Szolgáltatások</a:t>
+          </a:r>
+          <a:endParaRPr lang="hu-HU" sz="700" b="1" dirty="0">
+            <a:latin typeface="Cambria" panose="02040503050406030204" pitchFamily="18" charset="0"/>
+          </a:endParaRPr>
+        </a:p>
+      </dgm:t>
+    </dgm:pt>
+    <dgm:pt modelId="{D6107608-BF83-424F-BA11-64ADE6EF9C52}" type="parTrans" cxnId="{B3B49861-78D4-4CBE-91D6-8C8A8DE87DD8}">
+      <dgm:prSet/>
+      <dgm:spPr/>
+      <dgm:t>
+        <a:bodyPr/>
+        <a:lstStyle/>
+        <a:p>
+          <a:endParaRPr lang="hu-HU"/>
+        </a:p>
+      </dgm:t>
+    </dgm:pt>
+    <dgm:pt modelId="{E6CD8D32-E17E-4D6D-A5F6-B7451415E04B}" type="sibTrans" cxnId="{B3B49861-78D4-4CBE-91D6-8C8A8DE87DD8}">
+      <dgm:prSet/>
+      <dgm:spPr>
+        <a:solidFill>
+          <a:srgbClr val="A50021"/>
+        </a:solidFill>
+      </dgm:spPr>
+      <dgm:t>
+        <a:bodyPr/>
+        <a:lstStyle/>
+        <a:p>
+          <a:endParaRPr lang="hu-HU"/>
+        </a:p>
+      </dgm:t>
+    </dgm:pt>
+    <dgm:pt modelId="{8CC1E8E2-0136-44F4-BB1E-15E4B6D5CE2B}" type="pres">
+      <dgm:prSet presAssocID="{8747AA42-D3A8-4B27-88ED-63015B24191E}" presName="composite" presStyleCnt="0">
+        <dgm:presLayoutVars>
+          <dgm:chMax val="3"/>
+          <dgm:animLvl val="lvl"/>
+          <dgm:resizeHandles val="exact"/>
+        </dgm:presLayoutVars>
+      </dgm:prSet>
+      <dgm:spPr/>
+    </dgm:pt>
+    <dgm:pt modelId="{630B62CB-9CB4-4765-9B65-2CD3A6C881AE}" type="pres">
+      <dgm:prSet presAssocID="{B9E2BE8E-F8D4-415F-82DA-70AD365BAA1E}" presName="gear1" presStyleLbl="node1" presStyleIdx="0" presStyleCnt="3">
+        <dgm:presLayoutVars>
+          <dgm:chMax val="1"/>
+          <dgm:bulletEnabled val="1"/>
+        </dgm:presLayoutVars>
+      </dgm:prSet>
+      <dgm:spPr/>
+      <dgm:t>
+        <a:bodyPr/>
+        <a:lstStyle/>
+        <a:p>
+          <a:endParaRPr lang="hu-HU"/>
+        </a:p>
+      </dgm:t>
+    </dgm:pt>
+    <dgm:pt modelId="{C01D8DDA-8B6C-4758-B7BB-E712ACCA7CBD}" type="pres">
+      <dgm:prSet presAssocID="{B9E2BE8E-F8D4-415F-82DA-70AD365BAA1E}" presName="gear1srcNode" presStyleLbl="node1" presStyleIdx="0" presStyleCnt="3"/>
+      <dgm:spPr/>
+      <dgm:t>
+        <a:bodyPr/>
+        <a:lstStyle/>
+        <a:p>
+          <a:endParaRPr lang="hu-HU"/>
+        </a:p>
+      </dgm:t>
+    </dgm:pt>
+    <dgm:pt modelId="{737DF3DB-6723-4354-AD5A-48F993EF5078}" type="pres">
+      <dgm:prSet presAssocID="{B9E2BE8E-F8D4-415F-82DA-70AD365BAA1E}" presName="gear1dstNode" presStyleLbl="node1" presStyleIdx="0" presStyleCnt="3"/>
+      <dgm:spPr/>
+      <dgm:t>
+        <a:bodyPr/>
+        <a:lstStyle/>
+        <a:p>
+          <a:endParaRPr lang="hu-HU"/>
+        </a:p>
+      </dgm:t>
+    </dgm:pt>
+    <dgm:pt modelId="{3405AA1B-2FCB-43A3-9761-2E83F37AFF89}" type="pres">
+      <dgm:prSet presAssocID="{DC330507-FC45-4587-8959-1156F9D5ED88}" presName="gear2" presStyleLbl="node1" presStyleIdx="1" presStyleCnt="3" custLinFactNeighborX="33878" custLinFactNeighborY="-36215">
+        <dgm:presLayoutVars>
+          <dgm:chMax val="1"/>
+          <dgm:bulletEnabled val="1"/>
+        </dgm:presLayoutVars>
+      </dgm:prSet>
+      <dgm:spPr/>
+      <dgm:t>
+        <a:bodyPr/>
+        <a:lstStyle/>
+        <a:p>
+          <a:endParaRPr lang="hu-HU"/>
+        </a:p>
+      </dgm:t>
+    </dgm:pt>
+    <dgm:pt modelId="{47F36B39-9A2F-4C0C-B586-E3ED67480CC1}" type="pres">
+      <dgm:prSet presAssocID="{DC330507-FC45-4587-8959-1156F9D5ED88}" presName="gear2srcNode" presStyleLbl="node1" presStyleIdx="1" presStyleCnt="3"/>
+      <dgm:spPr/>
+      <dgm:t>
+        <a:bodyPr/>
+        <a:lstStyle/>
+        <a:p>
+          <a:endParaRPr lang="hu-HU"/>
+        </a:p>
+      </dgm:t>
+    </dgm:pt>
+    <dgm:pt modelId="{EAFABADE-2052-474E-A3C5-C428343FD995}" type="pres">
+      <dgm:prSet presAssocID="{DC330507-FC45-4587-8959-1156F9D5ED88}" presName="gear2dstNode" presStyleLbl="node1" presStyleIdx="1" presStyleCnt="3"/>
+      <dgm:spPr/>
+      <dgm:t>
+        <a:bodyPr/>
+        <a:lstStyle/>
+        <a:p>
+          <a:endParaRPr lang="hu-HU"/>
+        </a:p>
+      </dgm:t>
+    </dgm:pt>
+    <dgm:pt modelId="{A11C9D77-4E7A-4754-A6B2-F1722C23C761}" type="pres">
+      <dgm:prSet presAssocID="{4A06B8B7-823D-495E-A18B-59B41335A141}" presName="gear3" presStyleLbl="node1" presStyleIdx="2" presStyleCnt="3" custAng="11921" custLinFactNeighborX="-61325" custLinFactNeighborY="98425"/>
+      <dgm:spPr/>
+      <dgm:t>
+        <a:bodyPr/>
+        <a:lstStyle/>
+        <a:p>
+          <a:endParaRPr lang="hu-HU"/>
+        </a:p>
+      </dgm:t>
+    </dgm:pt>
+    <dgm:pt modelId="{C135EFEF-1599-446E-9509-D4CB4226A30F}" type="pres">
+      <dgm:prSet presAssocID="{4A06B8B7-823D-495E-A18B-59B41335A141}" presName="gear3tx" presStyleLbl="node1" presStyleIdx="2" presStyleCnt="3">
+        <dgm:presLayoutVars>
+          <dgm:chMax val="1"/>
+          <dgm:bulletEnabled val="1"/>
+        </dgm:presLayoutVars>
+      </dgm:prSet>
+      <dgm:spPr/>
+      <dgm:t>
+        <a:bodyPr/>
+        <a:lstStyle/>
+        <a:p>
+          <a:endParaRPr lang="hu-HU"/>
+        </a:p>
+      </dgm:t>
+    </dgm:pt>
+    <dgm:pt modelId="{53C980C8-60B5-4B9E-802C-4AA1AFCE8E71}" type="pres">
+      <dgm:prSet presAssocID="{4A06B8B7-823D-495E-A18B-59B41335A141}" presName="gear3srcNode" presStyleLbl="node1" presStyleIdx="2" presStyleCnt="3"/>
+      <dgm:spPr/>
+      <dgm:t>
+        <a:bodyPr/>
+        <a:lstStyle/>
+        <a:p>
+          <a:endParaRPr lang="hu-HU"/>
+        </a:p>
+      </dgm:t>
+    </dgm:pt>
+    <dgm:pt modelId="{FBDF37F4-293F-404A-ADA1-DCE6C487BD29}" type="pres">
+      <dgm:prSet presAssocID="{4A06B8B7-823D-495E-A18B-59B41335A141}" presName="gear3dstNode" presStyleLbl="node1" presStyleIdx="2" presStyleCnt="3"/>
+      <dgm:spPr/>
+      <dgm:t>
+        <a:bodyPr/>
+        <a:lstStyle/>
+        <a:p>
+          <a:endParaRPr lang="hu-HU"/>
+        </a:p>
+      </dgm:t>
+    </dgm:pt>
+    <dgm:pt modelId="{3A69AC1A-6642-45BD-930D-F5E60AE6A299}" type="pres">
+      <dgm:prSet presAssocID="{2C6EE942-BCEE-4F63-BDEB-3BD0A03D2A0B}" presName="connector1" presStyleLbl="sibTrans2D1" presStyleIdx="0" presStyleCnt="3"/>
+      <dgm:spPr/>
+      <dgm:t>
+        <a:bodyPr/>
+        <a:lstStyle/>
+        <a:p>
+          <a:endParaRPr lang="hu-HU"/>
+        </a:p>
+      </dgm:t>
+    </dgm:pt>
+    <dgm:pt modelId="{DACE015C-8BA4-4327-B201-3529086DF8BB}" type="pres">
+      <dgm:prSet presAssocID="{A7308CEC-5C20-4E90-9C5C-E258A45E3764}" presName="connector2" presStyleLbl="sibTrans2D1" presStyleIdx="1" presStyleCnt="3" custAng="18930412" custLinFactNeighborX="-21012" custLinFactNeighborY="46950"/>
+      <dgm:spPr/>
+      <dgm:t>
+        <a:bodyPr/>
+        <a:lstStyle/>
+        <a:p>
+          <a:endParaRPr lang="hu-HU"/>
+        </a:p>
+      </dgm:t>
+    </dgm:pt>
+    <dgm:pt modelId="{BFC65172-34CE-4381-91F3-196785354561}" type="pres">
+      <dgm:prSet presAssocID="{E6CD8D32-E17E-4D6D-A5F6-B7451415E04B}" presName="connector3" presStyleLbl="sibTrans2D1" presStyleIdx="2" presStyleCnt="3" custAng="6570494" custLinFactNeighborX="-10743" custLinFactNeighborY="22877"/>
+      <dgm:spPr/>
+      <dgm:t>
+        <a:bodyPr/>
+        <a:lstStyle/>
+        <a:p>
+          <a:endParaRPr lang="hu-HU"/>
+        </a:p>
+      </dgm:t>
+    </dgm:pt>
+  </dgm:ptLst>
+  <dgm:cxnLst>
+    <dgm:cxn modelId="{97BB7A67-882C-427E-BCFD-2DB16A5DED83}" type="presOf" srcId="{A7308CEC-5C20-4E90-9C5C-E258A45E3764}" destId="{DACE015C-8BA4-4327-B201-3529086DF8BB}" srcOrd="0" destOrd="0" presId="urn:microsoft.com/office/officeart/2005/8/layout/gear1"/>
+    <dgm:cxn modelId="{45BB3D39-479E-4DA3-88E7-AE27EEB161EB}" type="presOf" srcId="{B9E2BE8E-F8D4-415F-82DA-70AD365BAA1E}" destId="{C01D8DDA-8B6C-4758-B7BB-E712ACCA7CBD}" srcOrd="1" destOrd="0" presId="urn:microsoft.com/office/officeart/2005/8/layout/gear1"/>
+    <dgm:cxn modelId="{F5EC5BD4-F07B-4B20-AE12-CB179AE9B1DC}" srcId="{8747AA42-D3A8-4B27-88ED-63015B24191E}" destId="{DC330507-FC45-4587-8959-1156F9D5ED88}" srcOrd="1" destOrd="0" parTransId="{F7E62682-3BAA-4E21-A438-F43587AEFB9B}" sibTransId="{A7308CEC-5C20-4E90-9C5C-E258A45E3764}"/>
+    <dgm:cxn modelId="{4C70E36E-ABD9-43F2-8ABF-57BA001382D8}" type="presOf" srcId="{DC330507-FC45-4587-8959-1156F9D5ED88}" destId="{47F36B39-9A2F-4C0C-B586-E3ED67480CC1}" srcOrd="1" destOrd="0" presId="urn:microsoft.com/office/officeart/2005/8/layout/gear1"/>
+    <dgm:cxn modelId="{D11EAC12-4FE3-49C2-816D-D802BDE4B031}" type="presOf" srcId="{DC330507-FC45-4587-8959-1156F9D5ED88}" destId="{EAFABADE-2052-474E-A3C5-C428343FD995}" srcOrd="2" destOrd="0" presId="urn:microsoft.com/office/officeart/2005/8/layout/gear1"/>
+    <dgm:cxn modelId="{378626AB-7003-490D-85F0-53C2F927F425}" type="presOf" srcId="{B9E2BE8E-F8D4-415F-82DA-70AD365BAA1E}" destId="{737DF3DB-6723-4354-AD5A-48F993EF5078}" srcOrd="2" destOrd="0" presId="urn:microsoft.com/office/officeart/2005/8/layout/gear1"/>
+    <dgm:cxn modelId="{FC2A9B47-94C7-4BD0-BFD1-BCC433D972D5}" type="presOf" srcId="{4A06B8B7-823D-495E-A18B-59B41335A141}" destId="{A11C9D77-4E7A-4754-A6B2-F1722C23C761}" srcOrd="0" destOrd="0" presId="urn:microsoft.com/office/officeart/2005/8/layout/gear1"/>
+    <dgm:cxn modelId="{592ECFE9-2AA1-4AAE-BE56-B71A9A752DDA}" type="presOf" srcId="{2C6EE942-BCEE-4F63-BDEB-3BD0A03D2A0B}" destId="{3A69AC1A-6642-45BD-930D-F5E60AE6A299}" srcOrd="0" destOrd="0" presId="urn:microsoft.com/office/officeart/2005/8/layout/gear1"/>
+    <dgm:cxn modelId="{5F79012B-7DFB-4834-BEB6-8933C2671B7A}" type="presOf" srcId="{E6CD8D32-E17E-4D6D-A5F6-B7451415E04B}" destId="{BFC65172-34CE-4381-91F3-196785354561}" srcOrd="0" destOrd="0" presId="urn:microsoft.com/office/officeart/2005/8/layout/gear1"/>
+    <dgm:cxn modelId="{92556C4F-7A42-4121-8158-7C0438EEAFC0}" type="presOf" srcId="{4A06B8B7-823D-495E-A18B-59B41335A141}" destId="{53C980C8-60B5-4B9E-802C-4AA1AFCE8E71}" srcOrd="2" destOrd="0" presId="urn:microsoft.com/office/officeart/2005/8/layout/gear1"/>
+    <dgm:cxn modelId="{B3B49861-78D4-4CBE-91D6-8C8A8DE87DD8}" srcId="{8747AA42-D3A8-4B27-88ED-63015B24191E}" destId="{4A06B8B7-823D-495E-A18B-59B41335A141}" srcOrd="2" destOrd="0" parTransId="{D6107608-BF83-424F-BA11-64ADE6EF9C52}" sibTransId="{E6CD8D32-E17E-4D6D-A5F6-B7451415E04B}"/>
+    <dgm:cxn modelId="{0D3A7B67-37D5-40A1-B2D6-AA4E493F5F6F}" type="presOf" srcId="{4A06B8B7-823D-495E-A18B-59B41335A141}" destId="{FBDF37F4-293F-404A-ADA1-DCE6C487BD29}" srcOrd="3" destOrd="0" presId="urn:microsoft.com/office/officeart/2005/8/layout/gear1"/>
+    <dgm:cxn modelId="{C3B96948-0510-4524-A0A7-DDA6F4C31B76}" type="presOf" srcId="{DC330507-FC45-4587-8959-1156F9D5ED88}" destId="{3405AA1B-2FCB-43A3-9761-2E83F37AFF89}" srcOrd="0" destOrd="0" presId="urn:microsoft.com/office/officeart/2005/8/layout/gear1"/>
+    <dgm:cxn modelId="{550A48AE-C651-4ACB-8E7D-12E49FDBC5CE}" type="presOf" srcId="{4A06B8B7-823D-495E-A18B-59B41335A141}" destId="{C135EFEF-1599-446E-9509-D4CB4226A30F}" srcOrd="1" destOrd="0" presId="urn:microsoft.com/office/officeart/2005/8/layout/gear1"/>
+    <dgm:cxn modelId="{A68D0880-8C7E-45A8-9061-53A2D3F9FF13}" srcId="{8747AA42-D3A8-4B27-88ED-63015B24191E}" destId="{B9E2BE8E-F8D4-415F-82DA-70AD365BAA1E}" srcOrd="0" destOrd="0" parTransId="{3E573CB0-790E-4058-8C26-7A129F5D474E}" sibTransId="{2C6EE942-BCEE-4F63-BDEB-3BD0A03D2A0B}"/>
+    <dgm:cxn modelId="{4CF73B20-7703-425C-8DC4-246D5D210575}" type="presOf" srcId="{8747AA42-D3A8-4B27-88ED-63015B24191E}" destId="{8CC1E8E2-0136-44F4-BB1E-15E4B6D5CE2B}" srcOrd="0" destOrd="0" presId="urn:microsoft.com/office/officeart/2005/8/layout/gear1"/>
+    <dgm:cxn modelId="{380765B9-124B-40FF-8E9B-7415A593BDCA}" type="presOf" srcId="{B9E2BE8E-F8D4-415F-82DA-70AD365BAA1E}" destId="{630B62CB-9CB4-4765-9B65-2CD3A6C881AE}" srcOrd="0" destOrd="0" presId="urn:microsoft.com/office/officeart/2005/8/layout/gear1"/>
+    <dgm:cxn modelId="{17E2171F-165D-40FC-BFA3-295E4C5B8DB8}" type="presParOf" srcId="{8CC1E8E2-0136-44F4-BB1E-15E4B6D5CE2B}" destId="{630B62CB-9CB4-4765-9B65-2CD3A6C881AE}" srcOrd="0" destOrd="0" presId="urn:microsoft.com/office/officeart/2005/8/layout/gear1"/>
+    <dgm:cxn modelId="{CA10484C-D628-4990-9231-EE3A19955551}" type="presParOf" srcId="{8CC1E8E2-0136-44F4-BB1E-15E4B6D5CE2B}" destId="{C01D8DDA-8B6C-4758-B7BB-E712ACCA7CBD}" srcOrd="1" destOrd="0" presId="urn:microsoft.com/office/officeart/2005/8/layout/gear1"/>
+    <dgm:cxn modelId="{42CE1CB3-8A3B-4AB9-AC13-8EEB9B8231A9}" type="presParOf" srcId="{8CC1E8E2-0136-44F4-BB1E-15E4B6D5CE2B}" destId="{737DF3DB-6723-4354-AD5A-48F993EF5078}" srcOrd="2" destOrd="0" presId="urn:microsoft.com/office/officeart/2005/8/layout/gear1"/>
+    <dgm:cxn modelId="{992FA306-CD33-4B6C-9696-66565D9285E7}" type="presParOf" srcId="{8CC1E8E2-0136-44F4-BB1E-15E4B6D5CE2B}" destId="{3405AA1B-2FCB-43A3-9761-2E83F37AFF89}" srcOrd="3" destOrd="0" presId="urn:microsoft.com/office/officeart/2005/8/layout/gear1"/>
+    <dgm:cxn modelId="{F74AC969-3498-4E24-864A-42044BA683C7}" type="presParOf" srcId="{8CC1E8E2-0136-44F4-BB1E-15E4B6D5CE2B}" destId="{47F36B39-9A2F-4C0C-B586-E3ED67480CC1}" srcOrd="4" destOrd="0" presId="urn:microsoft.com/office/officeart/2005/8/layout/gear1"/>
+    <dgm:cxn modelId="{0D961B0D-807A-4AE4-B647-B5F5837FBCEA}" type="presParOf" srcId="{8CC1E8E2-0136-44F4-BB1E-15E4B6D5CE2B}" destId="{EAFABADE-2052-474E-A3C5-C428343FD995}" srcOrd="5" destOrd="0" presId="urn:microsoft.com/office/officeart/2005/8/layout/gear1"/>
+    <dgm:cxn modelId="{BE120D68-7639-42C0-8A12-F9FD66EBE4A9}" type="presParOf" srcId="{8CC1E8E2-0136-44F4-BB1E-15E4B6D5CE2B}" destId="{A11C9D77-4E7A-4754-A6B2-F1722C23C761}" srcOrd="6" destOrd="0" presId="urn:microsoft.com/office/officeart/2005/8/layout/gear1"/>
+    <dgm:cxn modelId="{859E8BA1-02FA-40B0-8CDC-DB618128C467}" type="presParOf" srcId="{8CC1E8E2-0136-44F4-BB1E-15E4B6D5CE2B}" destId="{C135EFEF-1599-446E-9509-D4CB4226A30F}" srcOrd="7" destOrd="0" presId="urn:microsoft.com/office/officeart/2005/8/layout/gear1"/>
+    <dgm:cxn modelId="{B38F9F03-3119-4B72-9240-51CB0C204ED7}" type="presParOf" srcId="{8CC1E8E2-0136-44F4-BB1E-15E4B6D5CE2B}" destId="{53C980C8-60B5-4B9E-802C-4AA1AFCE8E71}" srcOrd="8" destOrd="0" presId="urn:microsoft.com/office/officeart/2005/8/layout/gear1"/>
+    <dgm:cxn modelId="{1E9E1FEF-1D04-47E8-A598-106F16BD256D}" type="presParOf" srcId="{8CC1E8E2-0136-44F4-BB1E-15E4B6D5CE2B}" destId="{FBDF37F4-293F-404A-ADA1-DCE6C487BD29}" srcOrd="9" destOrd="0" presId="urn:microsoft.com/office/officeart/2005/8/layout/gear1"/>
+    <dgm:cxn modelId="{9DF7CA91-5679-4F4B-A600-1658D675D484}" type="presParOf" srcId="{8CC1E8E2-0136-44F4-BB1E-15E4B6D5CE2B}" destId="{3A69AC1A-6642-45BD-930D-F5E60AE6A299}" srcOrd="10" destOrd="0" presId="urn:microsoft.com/office/officeart/2005/8/layout/gear1"/>
+    <dgm:cxn modelId="{B3475AAB-7106-46EC-80BC-00F09CBE62BB}" type="presParOf" srcId="{8CC1E8E2-0136-44F4-BB1E-15E4B6D5CE2B}" destId="{DACE015C-8BA4-4327-B201-3529086DF8BB}" srcOrd="11" destOrd="0" presId="urn:microsoft.com/office/officeart/2005/8/layout/gear1"/>
+    <dgm:cxn modelId="{3D1F0A74-7FA9-46AB-A5F5-10FDC0D9FBE6}" type="presParOf" srcId="{8CC1E8E2-0136-44F4-BB1E-15E4B6D5CE2B}" destId="{BFC65172-34CE-4381-91F3-196785354561}" srcOrd="12" destOrd="0" presId="urn:microsoft.com/office/officeart/2005/8/layout/gear1"/>
+  </dgm:cxnLst>
+  <dgm:bg/>
+  <dgm:whole/>
+  <dgm:extLst>
+    <a:ext uri="http://schemas.microsoft.com/office/drawing/2008/diagram">
+      <dsp:dataModelExt xmlns:dsp="http://schemas.microsoft.com/office/drawing/2008/diagram" relId="rId11" minVer="http://schemas.openxmlformats.org/drawingml/2006/diagram"/>
+    </a:ext>
+  </dgm:extLst>
+</dgm:dataModel>
+</file>
+
+<file path=ppt/diagrams/drawing1.xml><?xml version="1.0" encoding="utf-8"?>
+<dsp:drawing xmlns:dgm="http://schemas.openxmlformats.org/drawingml/2006/diagram" xmlns:dsp="http://schemas.microsoft.com/office/drawing/2008/diagram" xmlns:a="http://schemas.openxmlformats.org/drawingml/2006/main">
+  <dsp:spTree>
+    <dsp:nvGrpSpPr>
+      <dsp:cNvPr id="0" name=""/>
+      <dsp:cNvGrpSpPr/>
+    </dsp:nvGrpSpPr>
+    <dsp:grpSpPr/>
+    <dsp:sp modelId="{374ABC81-813E-40C2-B9DE-F9574953440B}">
+      <dsp:nvSpPr>
+        <dsp:cNvPr id="0" name=""/>
+        <dsp:cNvSpPr/>
+      </dsp:nvSpPr>
+      <dsp:spPr>
+        <a:xfrm>
+          <a:off x="2061439" y="0"/>
+          <a:ext cx="1246865" cy="1246865"/>
+        </a:xfrm>
+        <a:prstGeom prst="ellipse">
+          <a:avLst/>
+        </a:prstGeom>
+        <a:solidFill>
+          <a:srgbClr val="C00000"/>
+        </a:solidFill>
+        <a:ln w="25400" cap="flat" cmpd="sng" algn="ctr">
+          <a:solidFill>
+            <a:schemeClr val="lt1">
+              <a:hueOff val="0"/>
+              <a:satOff val="0"/>
+              <a:lumOff val="0"/>
+              <a:alphaOff val="0"/>
+            </a:schemeClr>
+          </a:solidFill>
+          <a:prstDash val="solid"/>
+        </a:ln>
+        <a:effectLst/>
+      </dsp:spPr>
+      <dsp:style>
+        <a:lnRef idx="3">
+          <a:scrgbClr r="0" g="0" b="0"/>
+        </a:lnRef>
+        <a:fillRef idx="1">
+          <a:scrgbClr r="0" g="0" b="0"/>
+        </a:fillRef>
+        <a:effectRef idx="1">
+          <a:scrgbClr r="0" g="0" b="0"/>
+        </a:effectRef>
+        <a:fontRef idx="minor">
+          <a:schemeClr val="lt1"/>
+        </a:fontRef>
+      </dsp:style>
+      <dsp:txBody>
+        <a:bodyPr spcFirstLastPara="0" vert="horz" wrap="square" lIns="11430" tIns="11430" rIns="11430" bIns="11430" numCol="1" spcCol="1270" anchor="ctr" anchorCtr="0">
+          <a:noAutofit/>
+        </a:bodyPr>
+        <a:lstStyle/>
+        <a:p>
+          <a:pPr lvl="0" algn="ctr" defTabSz="800100">
+            <a:lnSpc>
+              <a:spcPct val="90000"/>
+            </a:lnSpc>
+            <a:spcBef>
+              <a:spcPct val="0"/>
+            </a:spcBef>
+            <a:spcAft>
+              <a:spcPct val="35000"/>
+            </a:spcAft>
+          </a:pPr>
+          <a:r>
+            <a:rPr lang="hu-HU" sz="1800" b="1" kern="1200" dirty="0" smtClean="0">
+              <a:latin typeface="Cambria" panose="02040503050406030204" pitchFamily="18" charset="0"/>
+            </a:rPr>
+            <a:t>Foglalás</a:t>
+          </a:r>
+          <a:endParaRPr lang="hu-HU" sz="1800" b="1" kern="1200" dirty="0">
+            <a:latin typeface="Cambria" panose="02040503050406030204" pitchFamily="18" charset="0"/>
+          </a:endParaRPr>
+        </a:p>
+      </dsp:txBody>
+      <dsp:txXfrm>
+        <a:off x="2244038" y="182599"/>
+        <a:ext cx="881667" cy="881667"/>
+      </dsp:txXfrm>
+    </dsp:sp>
+    <dsp:sp modelId="{288D3448-AC0B-4346-8995-C0CE1237BA38}">
+      <dsp:nvSpPr>
+        <dsp:cNvPr id="0" name=""/>
+        <dsp:cNvSpPr/>
+      </dsp:nvSpPr>
+      <dsp:spPr>
+        <a:xfrm rot="8341136">
+          <a:off x="1199213" y="1265758"/>
+          <a:ext cx="1101597" cy="339586"/>
+        </a:xfrm>
+        <a:prstGeom prst="leftArrow">
+          <a:avLst>
+            <a:gd name="adj1" fmla="val 60000"/>
+            <a:gd name="adj2" fmla="val 50000"/>
+          </a:avLst>
+        </a:prstGeom>
+        <a:solidFill>
+          <a:srgbClr val="A50021"/>
+        </a:solidFill>
+        <a:ln>
+          <a:noFill/>
+        </a:ln>
+        <a:effectLst/>
+      </dsp:spPr>
+      <dsp:style>
+        <a:lnRef idx="0">
+          <a:scrgbClr r="0" g="0" b="0"/>
+        </a:lnRef>
+        <a:fillRef idx="1">
+          <a:scrgbClr r="0" g="0" b="0"/>
+        </a:fillRef>
+        <a:effectRef idx="1">
+          <a:scrgbClr r="0" g="0" b="0"/>
+        </a:effectRef>
+        <a:fontRef idx="minor">
+          <a:schemeClr val="lt1"/>
+        </a:fontRef>
+      </dsp:style>
+    </dsp:sp>
+    <dsp:sp modelId="{23B381F0-3A9C-4EBE-824B-0EAEA4E5CCB1}">
+      <dsp:nvSpPr>
+        <dsp:cNvPr id="0" name=""/>
+        <dsp:cNvSpPr/>
+      </dsp:nvSpPr>
+      <dsp:spPr>
+        <a:xfrm>
+          <a:off x="741938" y="1322962"/>
+          <a:ext cx="1184522" cy="947617"/>
+        </a:xfrm>
+        <a:prstGeom prst="roundRect">
+          <a:avLst>
+            <a:gd name="adj" fmla="val 10000"/>
+          </a:avLst>
+        </a:prstGeom>
+        <a:solidFill>
+          <a:srgbClr val="C00000"/>
+        </a:solidFill>
+        <a:ln w="25400" cap="flat" cmpd="sng" algn="ctr">
+          <a:solidFill>
+            <a:schemeClr val="lt1">
+              <a:hueOff val="0"/>
+              <a:satOff val="0"/>
+              <a:lumOff val="0"/>
+              <a:alphaOff val="0"/>
+            </a:schemeClr>
+          </a:solidFill>
+          <a:prstDash val="solid"/>
+        </a:ln>
+        <a:effectLst/>
+      </dsp:spPr>
+      <dsp:style>
+        <a:lnRef idx="3">
+          <a:scrgbClr r="0" g="0" b="0"/>
+        </a:lnRef>
+        <a:fillRef idx="1">
+          <a:scrgbClr r="0" g="0" b="0"/>
+        </a:fillRef>
+        <a:effectRef idx="1">
+          <a:scrgbClr r="0" g="0" b="0"/>
+        </a:effectRef>
+        <a:fontRef idx="minor">
+          <a:schemeClr val="lt1"/>
+        </a:fontRef>
+      </dsp:style>
+      <dsp:txBody>
+        <a:bodyPr spcFirstLastPara="0" vert="horz" wrap="square" lIns="22860" tIns="22860" rIns="22860" bIns="22860" numCol="1" spcCol="1270" anchor="ctr" anchorCtr="0">
+          <a:noAutofit/>
+        </a:bodyPr>
+        <a:lstStyle/>
+        <a:p>
+          <a:pPr lvl="0" algn="ctr" defTabSz="533400">
+            <a:lnSpc>
+              <a:spcPct val="90000"/>
+            </a:lnSpc>
+            <a:spcBef>
+              <a:spcPct val="0"/>
+            </a:spcBef>
+            <a:spcAft>
+              <a:spcPct val="35000"/>
+            </a:spcAft>
+          </a:pPr>
+          <a:r>
+            <a:rPr lang="hu-HU" sz="1200" b="1" kern="1200" dirty="0" smtClean="0">
+              <a:latin typeface="Cambria" panose="02040503050406030204" pitchFamily="18" charset="0"/>
+            </a:rPr>
+            <a:t>Hotel Sopron:</a:t>
+          </a:r>
+        </a:p>
+        <a:p>
+          <a:pPr lvl="0" algn="ctr" defTabSz="533400">
+            <a:lnSpc>
+              <a:spcPct val="90000"/>
+            </a:lnSpc>
+            <a:spcBef>
+              <a:spcPct val="0"/>
+            </a:spcBef>
+            <a:spcAft>
+              <a:spcPct val="35000"/>
+            </a:spcAft>
+          </a:pPr>
+          <a:r>
+            <a:rPr lang="hu-HU" sz="1200" b="1" kern="1200" dirty="0" smtClean="0">
+              <a:latin typeface="Cambria" panose="02040503050406030204" pitchFamily="18" charset="0"/>
+            </a:rPr>
+            <a:t>2 ágyas szoba</a:t>
+          </a:r>
+          <a:endParaRPr lang="hu-HU" sz="1200" b="1" kern="1200" dirty="0">
+            <a:latin typeface="Cambria" panose="02040503050406030204" pitchFamily="18" charset="0"/>
+          </a:endParaRPr>
+        </a:p>
+      </dsp:txBody>
+      <dsp:txXfrm>
+        <a:off x="769693" y="1350717"/>
+        <a:ext cx="1129012" cy="892107"/>
+      </dsp:txXfrm>
+    </dsp:sp>
+    <dsp:sp modelId="{285DA794-6286-4ED1-A6C3-1E2C5FBBB3D6}">
+      <dsp:nvSpPr>
+        <dsp:cNvPr id="0" name=""/>
+        <dsp:cNvSpPr/>
+      </dsp:nvSpPr>
+      <dsp:spPr>
+        <a:xfrm rot="10695166">
+          <a:off x="599996" y="496163"/>
+          <a:ext cx="1381675" cy="339586"/>
+        </a:xfrm>
+        <a:prstGeom prst="leftArrow">
+          <a:avLst>
+            <a:gd name="adj1" fmla="val 60000"/>
+            <a:gd name="adj2" fmla="val 50000"/>
+          </a:avLst>
+        </a:prstGeom>
+        <a:solidFill>
+          <a:srgbClr val="A50021"/>
+        </a:solidFill>
+        <a:ln>
+          <a:noFill/>
+        </a:ln>
+        <a:effectLst/>
+      </dsp:spPr>
+      <dsp:style>
+        <a:lnRef idx="0">
+          <a:scrgbClr r="0" g="0" b="0"/>
+        </a:lnRef>
+        <a:fillRef idx="1">
+          <a:scrgbClr r="0" g="0" b="0"/>
+        </a:fillRef>
+        <a:effectRef idx="1">
+          <a:scrgbClr r="0" g="0" b="0"/>
+        </a:effectRef>
+        <a:fontRef idx="minor">
+          <a:schemeClr val="lt1"/>
+        </a:fontRef>
+      </dsp:style>
+    </dsp:sp>
+    <dsp:sp modelId="{A8F7A343-6A06-437C-893D-3B19F3BCBD82}">
+      <dsp:nvSpPr>
+        <dsp:cNvPr id="0" name=""/>
+        <dsp:cNvSpPr/>
+      </dsp:nvSpPr>
+      <dsp:spPr>
+        <a:xfrm>
+          <a:off x="8057" y="213211"/>
+          <a:ext cx="1184522" cy="947617"/>
+        </a:xfrm>
+        <a:prstGeom prst="roundRect">
+          <a:avLst>
+            <a:gd name="adj" fmla="val 10000"/>
+          </a:avLst>
+        </a:prstGeom>
+        <a:solidFill>
+          <a:srgbClr val="C00000"/>
+        </a:solidFill>
+        <a:ln w="25400" cap="flat" cmpd="sng" algn="ctr">
+          <a:solidFill>
+            <a:schemeClr val="lt1">
+              <a:hueOff val="0"/>
+              <a:satOff val="0"/>
+              <a:lumOff val="0"/>
+              <a:alphaOff val="0"/>
+            </a:schemeClr>
+          </a:solidFill>
+          <a:prstDash val="solid"/>
+        </a:ln>
+        <a:effectLst/>
+      </dsp:spPr>
+      <dsp:style>
+        <a:lnRef idx="3">
+          <a:scrgbClr r="0" g="0" b="0"/>
+        </a:lnRef>
+        <a:fillRef idx="1">
+          <a:scrgbClr r="0" g="0" b="0"/>
+        </a:fillRef>
+        <a:effectRef idx="1">
+          <a:scrgbClr r="0" g="0" b="0"/>
+        </a:effectRef>
+        <a:fontRef idx="minor">
+          <a:schemeClr val="lt1"/>
+        </a:fontRef>
+      </dsp:style>
+      <dsp:txBody>
+        <a:bodyPr spcFirstLastPara="0" vert="horz" wrap="square" lIns="22860" tIns="22860" rIns="22860" bIns="22860" numCol="1" spcCol="1270" anchor="ctr" anchorCtr="0">
+          <a:noAutofit/>
+        </a:bodyPr>
+        <a:lstStyle/>
+        <a:p>
+          <a:pPr lvl="0" algn="ctr" defTabSz="533400">
+            <a:lnSpc>
+              <a:spcPct val="90000"/>
+            </a:lnSpc>
+            <a:spcBef>
+              <a:spcPct val="0"/>
+            </a:spcBef>
+            <a:spcAft>
+              <a:spcPct val="35000"/>
+            </a:spcAft>
+          </a:pPr>
+          <a:r>
+            <a:rPr lang="hu-HU" sz="1200" b="1" kern="1200" dirty="0" smtClean="0">
+              <a:latin typeface="Cambria" panose="02040503050406030204" pitchFamily="18" charset="0"/>
+            </a:rPr>
+            <a:t>Hotel </a:t>
+          </a:r>
+          <a:r>
+            <a:rPr lang="hu-HU" sz="1200" b="1" kern="1200" dirty="0" err="1" smtClean="0">
+              <a:latin typeface="Cambria" panose="02040503050406030204" pitchFamily="18" charset="0"/>
+            </a:rPr>
+            <a:t>Lővér</a:t>
+          </a:r>
+          <a:r>
+            <a:rPr lang="hu-HU" sz="1200" b="1" kern="1200" dirty="0" smtClean="0">
+              <a:latin typeface="Cambria" panose="02040503050406030204" pitchFamily="18" charset="0"/>
+            </a:rPr>
+            <a:t>:</a:t>
+          </a:r>
+        </a:p>
+        <a:p>
+          <a:pPr lvl="0" algn="ctr" defTabSz="533400">
+            <a:lnSpc>
+              <a:spcPct val="90000"/>
+            </a:lnSpc>
+            <a:spcBef>
+              <a:spcPct val="0"/>
+            </a:spcBef>
+            <a:spcAft>
+              <a:spcPct val="35000"/>
+            </a:spcAft>
+          </a:pPr>
+          <a:r>
+            <a:rPr lang="hu-HU" sz="1200" b="1" kern="1200" dirty="0" smtClean="0">
+              <a:latin typeface="Cambria" panose="02040503050406030204" pitchFamily="18" charset="0"/>
+            </a:rPr>
+            <a:t>2+1 ágyas szoba</a:t>
+          </a:r>
+          <a:endParaRPr lang="hu-HU" sz="1200" b="1" kern="1200" dirty="0">
+            <a:latin typeface="Cambria" panose="02040503050406030204" pitchFamily="18" charset="0"/>
+          </a:endParaRPr>
+        </a:p>
+      </dsp:txBody>
+      <dsp:txXfrm>
+        <a:off x="35812" y="240966"/>
+        <a:ext cx="1129012" cy="892107"/>
+      </dsp:txXfrm>
+    </dsp:sp>
+    <dsp:sp modelId="{0D685EBD-A143-49F6-84D7-704D888DC775}">
+      <dsp:nvSpPr>
+        <dsp:cNvPr id="0" name=""/>
+        <dsp:cNvSpPr/>
+      </dsp:nvSpPr>
+      <dsp:spPr>
+        <a:xfrm rot="110145">
+          <a:off x="3382490" y="496615"/>
+          <a:ext cx="1286469" cy="339586"/>
+        </a:xfrm>
+        <a:prstGeom prst="leftArrow">
+          <a:avLst>
+            <a:gd name="adj1" fmla="val 60000"/>
+            <a:gd name="adj2" fmla="val 50000"/>
+          </a:avLst>
+        </a:prstGeom>
+        <a:solidFill>
+          <a:srgbClr val="A50021"/>
+        </a:solidFill>
+        <a:ln>
+          <a:noFill/>
+        </a:ln>
+        <a:effectLst/>
+      </dsp:spPr>
+      <dsp:style>
+        <a:lnRef idx="0">
+          <a:scrgbClr r="0" g="0" b="0"/>
+        </a:lnRef>
+        <a:fillRef idx="1">
+          <a:scrgbClr r="0" g="0" b="0"/>
+        </a:fillRef>
+        <a:effectRef idx="1">
+          <a:scrgbClr r="0" g="0" b="0"/>
+        </a:effectRef>
+        <a:fontRef idx="minor">
+          <a:schemeClr val="lt1"/>
+        </a:fontRef>
+      </dsp:style>
+    </dsp:sp>
+    <dsp:sp modelId="{AFA1A005-DAEA-4EAA-940F-6AF45C68EA4F}">
+      <dsp:nvSpPr>
+        <dsp:cNvPr id="0" name=""/>
+        <dsp:cNvSpPr/>
+      </dsp:nvSpPr>
+      <dsp:spPr>
+        <a:xfrm>
+          <a:off x="4076368" y="213204"/>
+          <a:ext cx="1184522" cy="947617"/>
+        </a:xfrm>
+        <a:prstGeom prst="roundRect">
+          <a:avLst>
+            <a:gd name="adj" fmla="val 10000"/>
+          </a:avLst>
+        </a:prstGeom>
+        <a:solidFill>
+          <a:srgbClr val="C00000"/>
+        </a:solidFill>
+        <a:ln w="25400" cap="flat" cmpd="sng" algn="ctr">
+          <a:solidFill>
+            <a:schemeClr val="lt1">
+              <a:hueOff val="0"/>
+              <a:satOff val="0"/>
+              <a:lumOff val="0"/>
+              <a:alphaOff val="0"/>
+            </a:schemeClr>
+          </a:solidFill>
+          <a:prstDash val="solid"/>
+        </a:ln>
+        <a:effectLst/>
+      </dsp:spPr>
+      <dsp:style>
+        <a:lnRef idx="3">
+          <a:scrgbClr r="0" g="0" b="0"/>
+        </a:lnRef>
+        <a:fillRef idx="1">
+          <a:scrgbClr r="0" g="0" b="0"/>
+        </a:fillRef>
+        <a:effectRef idx="1">
+          <a:scrgbClr r="0" g="0" b="0"/>
+        </a:effectRef>
+        <a:fontRef idx="minor">
+          <a:schemeClr val="lt1"/>
+        </a:fontRef>
+      </dsp:style>
+      <dsp:txBody>
+        <a:bodyPr spcFirstLastPara="0" vert="horz" wrap="square" lIns="22860" tIns="22860" rIns="22860" bIns="22860" numCol="1" spcCol="1270" anchor="ctr" anchorCtr="0">
+          <a:noAutofit/>
+        </a:bodyPr>
+        <a:lstStyle/>
+        <a:p>
+          <a:pPr lvl="0" algn="ctr" defTabSz="533400">
+            <a:lnSpc>
+              <a:spcPct val="90000"/>
+            </a:lnSpc>
+            <a:spcBef>
+              <a:spcPct val="0"/>
+            </a:spcBef>
+            <a:spcAft>
+              <a:spcPct val="35000"/>
+            </a:spcAft>
+          </a:pPr>
+          <a:r>
+            <a:rPr lang="hu-HU" sz="1200" b="1" kern="1200" dirty="0" smtClean="0">
+              <a:latin typeface="Cambria" panose="02040503050406030204" pitchFamily="18" charset="0"/>
+            </a:rPr>
+            <a:t>Hotel </a:t>
+          </a:r>
+          <a:r>
+            <a:rPr lang="hu-HU" sz="1200" b="1" kern="1200" dirty="0" err="1" smtClean="0">
+              <a:latin typeface="Cambria" panose="02040503050406030204" pitchFamily="18" charset="0"/>
+            </a:rPr>
+            <a:t>Fagus</a:t>
+          </a:r>
+          <a:r>
+            <a:rPr lang="hu-HU" sz="1200" b="1" kern="1200" dirty="0" smtClean="0">
+              <a:latin typeface="Cambria" panose="02040503050406030204" pitchFamily="18" charset="0"/>
+            </a:rPr>
+            <a:t>:</a:t>
+          </a:r>
+        </a:p>
+        <a:p>
+          <a:pPr lvl="0" algn="ctr" defTabSz="533400">
+            <a:lnSpc>
+              <a:spcPct val="90000"/>
+            </a:lnSpc>
+            <a:spcBef>
+              <a:spcPct val="0"/>
+            </a:spcBef>
+            <a:spcAft>
+              <a:spcPct val="35000"/>
+            </a:spcAft>
+          </a:pPr>
+          <a:r>
+            <a:rPr lang="hu-HU" sz="1200" b="1" kern="1200" dirty="0" smtClean="0">
+              <a:latin typeface="Cambria" panose="02040503050406030204" pitchFamily="18" charset="0"/>
+            </a:rPr>
+            <a:t>2*</a:t>
+          </a:r>
+          <a:r>
+            <a:rPr lang="hu-HU" sz="1200" b="1" kern="1200" dirty="0" err="1" smtClean="0">
+              <a:latin typeface="Cambria" panose="02040503050406030204" pitchFamily="18" charset="0"/>
+            </a:rPr>
+            <a:t>2</a:t>
+          </a:r>
+          <a:r>
+            <a:rPr lang="hu-HU" sz="1200" b="1" kern="1200" dirty="0" smtClean="0">
+              <a:latin typeface="Cambria" panose="02040503050406030204" pitchFamily="18" charset="0"/>
+            </a:rPr>
+            <a:t> ágyas szoba</a:t>
+          </a:r>
+          <a:endParaRPr lang="hu-HU" sz="1200" b="1" kern="1200" dirty="0">
+            <a:latin typeface="Cambria" panose="02040503050406030204" pitchFamily="18" charset="0"/>
+          </a:endParaRPr>
+        </a:p>
+      </dsp:txBody>
+      <dsp:txXfrm>
+        <a:off x="4104123" y="240959"/>
+        <a:ext cx="1129012" cy="892107"/>
+      </dsp:txXfrm>
+    </dsp:sp>
+    <dsp:sp modelId="{70A93C5B-D34E-4372-B699-747000757AD2}">
+      <dsp:nvSpPr>
+        <dsp:cNvPr id="0" name=""/>
+        <dsp:cNvSpPr/>
+      </dsp:nvSpPr>
+      <dsp:spPr>
+        <a:xfrm rot="2379189">
+          <a:off x="3083881" y="1262240"/>
+          <a:ext cx="1153153" cy="339586"/>
+        </a:xfrm>
+        <a:prstGeom prst="leftArrow">
+          <a:avLst>
+            <a:gd name="adj1" fmla="val 60000"/>
+            <a:gd name="adj2" fmla="val 50000"/>
+          </a:avLst>
+        </a:prstGeom>
+        <a:solidFill>
+          <a:srgbClr val="A50021"/>
+        </a:solidFill>
+        <a:ln>
+          <a:noFill/>
+        </a:ln>
+        <a:effectLst/>
+      </dsp:spPr>
+      <dsp:style>
+        <a:lnRef idx="0">
+          <a:scrgbClr r="0" g="0" b="0"/>
+        </a:lnRef>
+        <a:fillRef idx="1">
+          <a:scrgbClr r="0" g="0" b="0"/>
+        </a:fillRef>
+        <a:effectRef idx="1">
+          <a:scrgbClr r="0" g="0" b="0"/>
+        </a:effectRef>
+        <a:fontRef idx="minor">
+          <a:schemeClr val="lt1"/>
+        </a:fontRef>
+      </dsp:style>
+    </dsp:sp>
+    <dsp:sp modelId="{5684BA46-237B-4BB4-9FB6-67F94D8206E5}">
+      <dsp:nvSpPr>
+        <dsp:cNvPr id="0" name=""/>
+        <dsp:cNvSpPr/>
+      </dsp:nvSpPr>
+      <dsp:spPr>
+        <a:xfrm>
+          <a:off x="3512116" y="1326160"/>
+          <a:ext cx="1184522" cy="947617"/>
+        </a:xfrm>
+        <a:prstGeom prst="roundRect">
+          <a:avLst>
+            <a:gd name="adj" fmla="val 10000"/>
+          </a:avLst>
+        </a:prstGeom>
+        <a:solidFill>
+          <a:srgbClr val="C00000"/>
+        </a:solidFill>
+        <a:ln w="25400" cap="flat" cmpd="sng" algn="ctr">
+          <a:solidFill>
+            <a:schemeClr val="lt1">
+              <a:hueOff val="0"/>
+              <a:satOff val="0"/>
+              <a:lumOff val="0"/>
+              <a:alphaOff val="0"/>
+            </a:schemeClr>
+          </a:solidFill>
+          <a:prstDash val="solid"/>
+        </a:ln>
+        <a:effectLst/>
+      </dsp:spPr>
+      <dsp:style>
+        <a:lnRef idx="3">
+          <a:scrgbClr r="0" g="0" b="0"/>
+        </a:lnRef>
+        <a:fillRef idx="1">
+          <a:scrgbClr r="0" g="0" b="0"/>
+        </a:fillRef>
+        <a:effectRef idx="1">
+          <a:scrgbClr r="0" g="0" b="0"/>
+        </a:effectRef>
+        <a:fontRef idx="minor">
+          <a:schemeClr val="lt1"/>
+        </a:fontRef>
+      </dsp:style>
+      <dsp:txBody>
+        <a:bodyPr spcFirstLastPara="0" vert="horz" wrap="square" lIns="22860" tIns="22860" rIns="22860" bIns="22860" numCol="1" spcCol="1270" anchor="ctr" anchorCtr="0">
+          <a:noAutofit/>
+        </a:bodyPr>
+        <a:lstStyle/>
+        <a:p>
+          <a:pPr lvl="0" algn="ctr" defTabSz="533400">
+            <a:lnSpc>
+              <a:spcPct val="90000"/>
+            </a:lnSpc>
+            <a:spcBef>
+              <a:spcPct val="0"/>
+            </a:spcBef>
+            <a:spcAft>
+              <a:spcPct val="35000"/>
+            </a:spcAft>
+          </a:pPr>
+          <a:r>
+            <a:rPr lang="hu-HU" sz="1200" b="1" kern="1200" dirty="0" smtClean="0">
+              <a:latin typeface="Cambria" panose="02040503050406030204" pitchFamily="18" charset="0"/>
+            </a:rPr>
+            <a:t>Hotel Pannonia:</a:t>
+          </a:r>
+          <a:br>
+            <a:rPr lang="hu-HU" sz="1200" b="1" kern="1200" dirty="0" smtClean="0">
+              <a:latin typeface="Cambria" panose="02040503050406030204" pitchFamily="18" charset="0"/>
+            </a:rPr>
+          </a:br>
+          <a:r>
+            <a:rPr lang="hu-HU" sz="1200" b="1" kern="1200" dirty="0" smtClean="0">
+              <a:latin typeface="Cambria" panose="02040503050406030204" pitchFamily="18" charset="0"/>
+            </a:rPr>
+            <a:t>2 ágyas szoba</a:t>
+          </a:r>
+          <a:endParaRPr lang="hu-HU" sz="1200" b="1" kern="1200" dirty="0">
+            <a:latin typeface="Cambria" panose="02040503050406030204" pitchFamily="18" charset="0"/>
+          </a:endParaRPr>
+        </a:p>
+      </dsp:txBody>
+      <dsp:txXfrm>
+        <a:off x="3539871" y="1353915"/>
+        <a:ext cx="1129012" cy="892107"/>
+      </dsp:txXfrm>
+    </dsp:sp>
+  </dsp:spTree>
+</dsp:drawing>
+</file>
+
+<file path=ppt/diagrams/drawing2.xml><?xml version="1.0" encoding="utf-8"?>
+<dsp:drawing xmlns:dgm="http://schemas.openxmlformats.org/drawingml/2006/diagram" xmlns:dsp="http://schemas.microsoft.com/office/drawing/2008/diagram" xmlns:a="http://schemas.openxmlformats.org/drawingml/2006/main">
+  <dsp:spTree>
+    <dsp:nvGrpSpPr>
+      <dsp:cNvPr id="0" name=""/>
+      <dsp:cNvGrpSpPr/>
+    </dsp:nvGrpSpPr>
+    <dsp:grpSpPr/>
+    <dsp:sp modelId="{630B62CB-9CB4-4765-9B65-2CD3A6C881AE}">
+      <dsp:nvSpPr>
+        <dsp:cNvPr id="0" name=""/>
+        <dsp:cNvSpPr/>
+      </dsp:nvSpPr>
+      <dsp:spPr>
+        <a:xfrm>
+          <a:off x="1517801" y="1104498"/>
+          <a:ext cx="1349942" cy="1349942"/>
+        </a:xfrm>
+        <a:prstGeom prst="gear9">
+          <a:avLst/>
+        </a:prstGeom>
+        <a:solidFill>
+          <a:srgbClr val="C00000"/>
+        </a:solidFill>
+        <a:ln w="25400" cap="flat" cmpd="sng" algn="ctr">
+          <a:solidFill>
+            <a:schemeClr val="lt1">
+              <a:hueOff val="0"/>
+              <a:satOff val="0"/>
+              <a:lumOff val="0"/>
+              <a:alphaOff val="0"/>
+            </a:schemeClr>
+          </a:solidFill>
+          <a:prstDash val="solid"/>
+        </a:ln>
+        <a:effectLst/>
+      </dsp:spPr>
+      <dsp:style>
+        <a:lnRef idx="3">
+          <a:scrgbClr r="0" g="0" b="0"/>
+        </a:lnRef>
+        <a:fillRef idx="1">
+          <a:scrgbClr r="0" g="0" b="0"/>
+        </a:fillRef>
+        <a:effectRef idx="1">
+          <a:scrgbClr r="0" g="0" b="0"/>
+        </a:effectRef>
+        <a:fontRef idx="minor">
+          <a:schemeClr val="lt1"/>
+        </a:fontRef>
+      </dsp:style>
+      <dsp:txBody>
+        <a:bodyPr spcFirstLastPara="0" vert="horz" wrap="square" lIns="60960" tIns="60960" rIns="60960" bIns="60960" numCol="1" spcCol="1270" anchor="ctr" anchorCtr="0">
+          <a:noAutofit/>
+        </a:bodyPr>
+        <a:lstStyle/>
+        <a:p>
+          <a:pPr lvl="0" algn="ctr" defTabSz="2133600">
+            <a:lnSpc>
+              <a:spcPct val="90000"/>
+            </a:lnSpc>
+            <a:spcBef>
+              <a:spcPct val="0"/>
+            </a:spcBef>
+            <a:spcAft>
+              <a:spcPct val="35000"/>
+            </a:spcAft>
+          </a:pPr>
+          <a:r>
+            <a:rPr lang="hu-HU" sz="4800" b="1" kern="1200" dirty="0" smtClean="0">
+              <a:latin typeface="Cambria" panose="02040503050406030204" pitchFamily="18" charset="0"/>
+            </a:rPr>
+            <a:t>Ár</a:t>
+          </a:r>
+          <a:endParaRPr lang="hu-HU" sz="600" b="1" kern="1200" dirty="0">
+            <a:latin typeface="Cambria" panose="02040503050406030204" pitchFamily="18" charset="0"/>
+          </a:endParaRPr>
+        </a:p>
+      </dsp:txBody>
+      <dsp:txXfrm>
+        <a:off x="1789199" y="1420715"/>
+        <a:ext cx="807146" cy="693899"/>
+      </dsp:txXfrm>
+    </dsp:sp>
+    <dsp:sp modelId="{3405AA1B-2FCB-43A3-9761-2E83F37AFF89}">
+      <dsp:nvSpPr>
+        <dsp:cNvPr id="0" name=""/>
+        <dsp:cNvSpPr/>
+      </dsp:nvSpPr>
+      <dsp:spPr>
+        <a:xfrm>
+          <a:off x="1064986" y="429870"/>
+          <a:ext cx="981775" cy="981775"/>
+        </a:xfrm>
+        <a:prstGeom prst="gear6">
+          <a:avLst/>
+        </a:prstGeom>
+        <a:solidFill>
+          <a:srgbClr val="C00000"/>
+        </a:solidFill>
+        <a:ln w="25400" cap="flat" cmpd="sng" algn="ctr">
+          <a:solidFill>
+            <a:schemeClr val="lt1">
+              <a:hueOff val="0"/>
+              <a:satOff val="0"/>
+              <a:lumOff val="0"/>
+              <a:alphaOff val="0"/>
+            </a:schemeClr>
+          </a:solidFill>
+          <a:prstDash val="solid"/>
+        </a:ln>
+        <a:effectLst/>
+      </dsp:spPr>
+      <dsp:style>
+        <a:lnRef idx="3">
+          <a:scrgbClr r="0" g="0" b="0"/>
+        </a:lnRef>
+        <a:fillRef idx="1">
+          <a:scrgbClr r="0" g="0" b="0"/>
+        </a:fillRef>
+        <a:effectRef idx="1">
+          <a:scrgbClr r="0" g="0" b="0"/>
+        </a:effectRef>
+        <a:fontRef idx="minor">
+          <a:schemeClr val="lt1"/>
+        </a:fontRef>
+      </dsp:style>
+      <dsp:txBody>
+        <a:bodyPr spcFirstLastPara="0" vert="horz" wrap="square" lIns="20320" tIns="20320" rIns="20320" bIns="20320" numCol="1" spcCol="1270" anchor="ctr" anchorCtr="0">
+          <a:noAutofit/>
+        </a:bodyPr>
+        <a:lstStyle/>
+        <a:p>
+          <a:pPr lvl="0" algn="ctr" defTabSz="711200">
+            <a:lnSpc>
+              <a:spcPct val="90000"/>
+            </a:lnSpc>
+            <a:spcBef>
+              <a:spcPct val="0"/>
+            </a:spcBef>
+            <a:spcAft>
+              <a:spcPct val="35000"/>
+            </a:spcAft>
+          </a:pPr>
+          <a:r>
+            <a:rPr lang="hu-HU" sz="1600" b="1" kern="1200" dirty="0" smtClean="0">
+              <a:latin typeface="Cambria" panose="02040503050406030204" pitchFamily="18" charset="0"/>
+            </a:rPr>
+            <a:t>Távolság</a:t>
+          </a:r>
+          <a:endParaRPr lang="hu-HU" sz="600" b="1" kern="1200" dirty="0">
+            <a:latin typeface="Cambria" panose="02040503050406030204" pitchFamily="18" charset="0"/>
+          </a:endParaRPr>
+        </a:p>
+      </dsp:txBody>
+      <dsp:txXfrm>
+        <a:off x="1312151" y="678529"/>
+        <a:ext cx="487445" cy="484457"/>
+      </dsp:txXfrm>
+    </dsp:sp>
+    <dsp:sp modelId="{A11C9D77-4E7A-4754-A6B2-F1722C23C761}">
+      <dsp:nvSpPr>
+        <dsp:cNvPr id="0" name=""/>
+        <dsp:cNvSpPr/>
+      </dsp:nvSpPr>
+      <dsp:spPr>
+        <a:xfrm rot="20711921">
+          <a:off x="559786" y="1267671"/>
+          <a:ext cx="961940" cy="961940"/>
+        </a:xfrm>
+        <a:prstGeom prst="gear6">
+          <a:avLst/>
+        </a:prstGeom>
+        <a:solidFill>
+          <a:srgbClr val="C00000"/>
+        </a:solidFill>
+        <a:ln w="25400" cap="flat" cmpd="sng" algn="ctr">
+          <a:solidFill>
+            <a:schemeClr val="lt1">
+              <a:hueOff val="0"/>
+              <a:satOff val="0"/>
+              <a:lumOff val="0"/>
+              <a:alphaOff val="0"/>
+            </a:schemeClr>
+          </a:solidFill>
+          <a:prstDash val="solid"/>
+        </a:ln>
+        <a:effectLst/>
+      </dsp:spPr>
+      <dsp:style>
+        <a:lnRef idx="3">
+          <a:scrgbClr r="0" g="0" b="0"/>
+        </a:lnRef>
+        <a:fillRef idx="1">
+          <a:scrgbClr r="0" g="0" b="0"/>
+        </a:fillRef>
+        <a:effectRef idx="1">
+          <a:scrgbClr r="0" g="0" b="0"/>
+        </a:effectRef>
+        <a:fontRef idx="minor">
+          <a:schemeClr val="lt1"/>
+        </a:fontRef>
+      </dsp:style>
+      <dsp:txBody>
+        <a:bodyPr spcFirstLastPara="0" vert="horz" wrap="square" lIns="13970" tIns="13970" rIns="13970" bIns="13970" numCol="1" spcCol="1270" anchor="ctr" anchorCtr="0">
+          <a:noAutofit/>
+        </a:bodyPr>
+        <a:lstStyle/>
+        <a:p>
+          <a:pPr lvl="0" algn="ctr" defTabSz="488950">
+            <a:lnSpc>
+              <a:spcPct val="90000"/>
+            </a:lnSpc>
+            <a:spcBef>
+              <a:spcPct val="0"/>
+            </a:spcBef>
+            <a:spcAft>
+              <a:spcPct val="35000"/>
+            </a:spcAft>
+          </a:pPr>
+          <a:r>
+            <a:rPr lang="hu-HU" sz="1100" b="1" kern="1200" dirty="0" smtClean="0">
+              <a:latin typeface="Cambria" panose="02040503050406030204" pitchFamily="18" charset="0"/>
+            </a:rPr>
+            <a:t>Szolgáltatások</a:t>
+          </a:r>
+          <a:endParaRPr lang="hu-HU" sz="700" b="1" kern="1200" dirty="0">
+            <a:latin typeface="Cambria" panose="02040503050406030204" pitchFamily="18" charset="0"/>
+          </a:endParaRPr>
+        </a:p>
+      </dsp:txBody>
+      <dsp:txXfrm rot="-20700000">
+        <a:off x="770768" y="1478652"/>
+        <a:ext cx="539976" cy="539976"/>
+      </dsp:txXfrm>
+    </dsp:sp>
+    <dsp:sp modelId="{3A69AC1A-6642-45BD-930D-F5E60AE6A299}">
+      <dsp:nvSpPr>
+        <dsp:cNvPr id="0" name=""/>
+        <dsp:cNvSpPr/>
+      </dsp:nvSpPr>
+      <dsp:spPr>
+        <a:xfrm>
+          <a:off x="1396020" y="910810"/>
+          <a:ext cx="1727925" cy="1727925"/>
+        </a:xfrm>
+        <a:prstGeom prst="circularArrow">
+          <a:avLst>
+            <a:gd name="adj1" fmla="val 4688"/>
+            <a:gd name="adj2" fmla="val 299029"/>
+            <a:gd name="adj3" fmla="val 2451935"/>
+            <a:gd name="adj4" fmla="val 16007319"/>
+            <a:gd name="adj5" fmla="val 5469"/>
+          </a:avLst>
+        </a:prstGeom>
+        <a:solidFill>
+          <a:srgbClr val="A50021"/>
+        </a:solidFill>
+        <a:ln>
+          <a:noFill/>
+        </a:ln>
+        <a:effectLst/>
+      </dsp:spPr>
+      <dsp:style>
+        <a:lnRef idx="0">
+          <a:scrgbClr r="0" g="0" b="0"/>
+        </a:lnRef>
+        <a:fillRef idx="1">
+          <a:scrgbClr r="0" g="0" b="0"/>
+        </a:fillRef>
+        <a:effectRef idx="1">
+          <a:scrgbClr r="0" g="0" b="0"/>
+        </a:effectRef>
+        <a:fontRef idx="minor">
+          <a:schemeClr val="lt1"/>
+        </a:fontRef>
+      </dsp:style>
+    </dsp:sp>
+    <dsp:sp modelId="{DACE015C-8BA4-4327-B201-3529086DF8BB}">
+      <dsp:nvSpPr>
+        <dsp:cNvPr id="0" name=""/>
+        <dsp:cNvSpPr/>
+      </dsp:nvSpPr>
+      <dsp:spPr>
+        <a:xfrm rot="18930412">
+          <a:off x="294715" y="1165089"/>
+          <a:ext cx="1255446" cy="1255446"/>
+        </a:xfrm>
+        <a:prstGeom prst="leftCircularArrow">
+          <a:avLst>
+            <a:gd name="adj1" fmla="val 6452"/>
+            <a:gd name="adj2" fmla="val 429999"/>
+            <a:gd name="adj3" fmla="val 10489124"/>
+            <a:gd name="adj4" fmla="val 14837806"/>
+            <a:gd name="adj5" fmla="val 7527"/>
+          </a:avLst>
+        </a:prstGeom>
+        <a:solidFill>
+          <a:srgbClr val="A50021"/>
+        </a:solidFill>
+        <a:ln>
+          <a:noFill/>
+        </a:ln>
+        <a:effectLst/>
+      </dsp:spPr>
+      <dsp:style>
+        <a:lnRef idx="0">
+          <a:scrgbClr r="0" g="0" b="0"/>
+        </a:lnRef>
+        <a:fillRef idx="1">
+          <a:scrgbClr r="0" g="0" b="0"/>
+        </a:fillRef>
+        <a:effectRef idx="1">
+          <a:scrgbClr r="0" g="0" b="0"/>
+        </a:effectRef>
+        <a:fontRef idx="minor">
+          <a:schemeClr val="lt1"/>
+        </a:fontRef>
+      </dsp:style>
+    </dsp:sp>
+    <dsp:sp modelId="{BFC65172-34CE-4381-91F3-196785354561}">
+      <dsp:nvSpPr>
+        <dsp:cNvPr id="0" name=""/>
+        <dsp:cNvSpPr/>
+      </dsp:nvSpPr>
+      <dsp:spPr>
+        <a:xfrm rot="6570494">
+          <a:off x="914349" y="214529"/>
+          <a:ext cx="1353623" cy="1353623"/>
+        </a:xfrm>
+        <a:prstGeom prst="circularArrow">
+          <a:avLst>
+            <a:gd name="adj1" fmla="val 5984"/>
+            <a:gd name="adj2" fmla="val 394124"/>
+            <a:gd name="adj3" fmla="val 13313824"/>
+            <a:gd name="adj4" fmla="val 10508221"/>
+            <a:gd name="adj5" fmla="val 6981"/>
+          </a:avLst>
+        </a:prstGeom>
+        <a:solidFill>
+          <a:srgbClr val="A50021"/>
+        </a:solidFill>
+        <a:ln>
+          <a:noFill/>
+        </a:ln>
+        <a:effectLst/>
+      </dsp:spPr>
+      <dsp:style>
+        <a:lnRef idx="0">
+          <a:scrgbClr r="0" g="0" b="0"/>
+        </a:lnRef>
+        <a:fillRef idx="1">
+          <a:scrgbClr r="0" g="0" b="0"/>
+        </a:fillRef>
+        <a:effectRef idx="1">
+          <a:scrgbClr r="0" g="0" b="0"/>
+        </a:effectRef>
+        <a:fontRef idx="minor">
+          <a:schemeClr val="lt1"/>
+        </a:fontRef>
+      </dsp:style>
+    </dsp:sp>
+  </dsp:spTree>
+</dsp:drawing>
+</file>
+
+<file path=ppt/diagrams/layout1.xml><?xml version="1.0" encoding="utf-8"?>
+<dgm:layoutDef xmlns:dgm="http://schemas.openxmlformats.org/drawingml/2006/diagram" xmlns:a="http://schemas.openxmlformats.org/drawingml/2006/main" uniqueId="urn:microsoft.com/office/officeart/2005/8/layout/radial4">
+  <dgm:title val=""/>
+  <dgm:desc val=""/>
+  <dgm:catLst>
+    <dgm:cat type="relationship" pri="19000"/>
+  </dgm:catLst>
+  <dgm:sampData>
+    <dgm:dataModel>
+      <dgm:ptLst>
+        <dgm:pt modelId="0" type="doc"/>
+        <dgm:pt modelId="1">
+          <dgm:prSet phldr="1"/>
+        </dgm:pt>
+        <dgm:pt modelId="11">
+          <dgm:prSet phldr="1"/>
+        </dgm:pt>
+        <dgm:pt modelId="12">
+          <dgm:prSet phldr="1"/>
+        </dgm:pt>
+        <dgm:pt modelId="13">
+          <dgm:prSet phldr="1"/>
+        </dgm:pt>
+      </dgm:ptLst>
+      <dgm:cxnLst>
+        <dgm:cxn modelId="2" srcId="0" destId="1" srcOrd="0" destOrd="0"/>
+        <dgm:cxn modelId="3" srcId="1" destId="11" srcOrd="0" destOrd="0"/>
+        <dgm:cxn modelId="4" srcId="1" destId="12" srcOrd="1" destOrd="0"/>
+        <dgm:cxn modelId="5" srcId="1" destId="13" srcOrd="2" destOrd="0"/>
+      </dgm:cxnLst>
+      <dgm:bg/>
+      <dgm:whole/>
+    </dgm:dataModel>
+  </dgm:sampData>
+  <dgm:styleData>
+    <dgm:dataModel>
+      <dgm:ptLst>
+        <dgm:pt modelId="0" type="doc"/>
+        <dgm:pt modelId="1"/>
+        <dgm:pt modelId="11"/>
+        <dgm:pt modelId="12"/>
+      </dgm:ptLst>
+      <dgm:cxnLst>
+        <dgm:cxn modelId="2" srcId="0" destId="1" srcOrd="0" destOrd="0"/>
+        <dgm:cxn modelId="15" srcId="1" destId="11" srcOrd="0" destOrd="0"/>
+        <dgm:cxn modelId="16" srcId="1" destId="12" srcOrd="1" destOrd="0"/>
+      </dgm:cxnLst>
+      <dgm:bg/>
+      <dgm:whole/>
+    </dgm:dataModel>
+  </dgm:styleData>
+  <dgm:clrData>
+    <dgm:dataModel>
+      <dgm:ptLst>
+        <dgm:pt modelId="0" type="doc"/>
+        <dgm:pt modelId="1"/>
+        <dgm:pt modelId="11"/>
+        <dgm:pt modelId="12"/>
+        <dgm:pt modelId="13"/>
+        <dgm:pt modelId="14"/>
+        <dgm:pt modelId="15"/>
+        <dgm:pt modelId="16"/>
+      </dgm:ptLst>
+      <dgm:cxnLst>
+        <dgm:cxn modelId="2" srcId="0" destId="1" srcOrd="0" destOrd="0"/>
+        <dgm:cxn modelId="16" srcId="1" destId="11" srcOrd="0" destOrd="0"/>
+        <dgm:cxn modelId="17" srcId="1" destId="12" srcOrd="1" destOrd="0"/>
+        <dgm:cxn modelId="18" srcId="1" destId="13" srcOrd="2" destOrd="0"/>
+        <dgm:cxn modelId="19" srcId="1" destId="14" srcOrd="3" destOrd="0"/>
+        <dgm:cxn modelId="20" srcId="1" destId="15" srcOrd="4" destOrd="0"/>
+        <dgm:cxn modelId="21" srcId="1" destId="16" srcOrd="5" destOrd="0"/>
+      </dgm:cxnLst>
+      <dgm:bg/>
+      <dgm:whole/>
+    </dgm:dataModel>
+  </dgm:clrData>
+  <dgm:layoutNode name="cycle">
+    <dgm:varLst>
+      <dgm:chMax val="1"/>
+      <dgm:dir/>
+      <dgm:animLvl val="ctr"/>
+      <dgm:resizeHandles val="exact"/>
+    </dgm:varLst>
+    <dgm:choose name="Name0">
+      <dgm:if name="Name1" func="var" arg="dir" op="equ" val="norm">
+        <dgm:choose name="Name2">
+          <dgm:if name="Name3" axis="ch ch" ptType="node node" st="1 1" cnt="1 0" func="cnt" op="lte" val="1">
+            <dgm:alg type="cycle">
+              <dgm:param type="stAng" val="0"/>
+              <dgm:param type="spanAng" val="360"/>
+              <dgm:param type="ctrShpMap" val="fNode"/>
+            </dgm:alg>
+          </dgm:if>
+          <dgm:else name="Name4">
+            <dgm:choose name="Name5">
+              <dgm:if name="Name6" axis="ch ch" ptType="node node" st="1 1" cnt="1 0" func="cnt" op="lte" val="3">
+                <dgm:alg type="cycle">
+                  <dgm:param type="stAng" val="-55"/>
+                  <dgm:param type="spanAng" val="110"/>
+                  <dgm:param type="ctrShpMap" val="fNode"/>
+                </dgm:alg>
+              </dgm:if>
+              <dgm:else name="Name7">
+                <dgm:choose name="Name8">
+                  <dgm:if name="Name9" axis="ch ch" ptType="node node" st="1 1" cnt="1 0" func="cnt" op="equ" val="4">
+                    <dgm:alg type="cycle">
+                      <dgm:param type="stAng" val="-75"/>
+                      <dgm:param type="spanAng" val="150"/>
+                      <dgm:param type="ctrShpMap" val="fNode"/>
+                    </dgm:alg>
+                  </dgm:if>
+                  <dgm:else name="Name10">
+                    <dgm:alg type="cycle">
+                      <dgm:param type="stAng" val="-90"/>
+                      <dgm:param type="spanAng" val="180"/>
+                      <dgm:param type="ctrShpMap" val="fNode"/>
+                    </dgm:alg>
+                  </dgm:else>
+                </dgm:choose>
+              </dgm:else>
+            </dgm:choose>
+          </dgm:else>
+        </dgm:choose>
+      </dgm:if>
+      <dgm:else name="Name11">
+        <dgm:choose name="Name12">
+          <dgm:if name="Name13" axis="ch ch" ptType="node node" st="1 1" cnt="1 0" func="cnt" op="lte" val="1">
+            <dgm:alg type="cycle">
+              <dgm:param type="stAng" val="0"/>
+              <dgm:param type="spanAng" val="-360"/>
+              <dgm:param type="ctrShpMap" val="fNode"/>
+            </dgm:alg>
+          </dgm:if>
+          <dgm:else name="Name14">
+            <dgm:choose name="Name15">
+              <dgm:if name="Name16" axis="ch ch" ptType="node node" st="1 1" cnt="1 0" func="cnt" op="lte" val="3">
+                <dgm:alg type="cycle">
+                  <dgm:param type="stAng" val="55"/>
+                  <dgm:param type="spanAng" val="-110"/>
+                  <dgm:param type="ctrShpMap" val="fNode"/>
+                </dgm:alg>
+              </dgm:if>
+              <dgm:else name="Name17">
+                <dgm:choose name="Name18">
+                  <dgm:if name="Name19" axis="ch ch" ptType="node node" st="1 1" cnt="1 0" func="cnt" op="equ" val="4">
+                    <dgm:alg type="cycle">
+                      <dgm:param type="stAng" val="75"/>
+                      <dgm:param type="spanAng" val="-150"/>
+                      <dgm:param type="ctrShpMap" val="fNode"/>
+                    </dgm:alg>
+                  </dgm:if>
+                  <dgm:else name="Name20">
+                    <dgm:alg type="cycle">
+                      <dgm:param type="stAng" val="90"/>
+                      <dgm:param type="spanAng" val="-180"/>
+                      <dgm:param type="ctrShpMap" val="fNode"/>
+                    </dgm:alg>
+                  </dgm:else>
+                </dgm:choose>
+              </dgm:else>
+            </dgm:choose>
+          </dgm:else>
+        </dgm:choose>
+      </dgm:else>
+    </dgm:choose>
+    <dgm:shape xmlns:r="http://schemas.openxmlformats.org/officeDocument/2006/relationships" r:blip="">
+      <dgm:adjLst/>
+    </dgm:shape>
+    <dgm:presOf/>
+    <dgm:constrLst>
+      <dgm:constr type="w" for="ch" forName="centerShape" refType="w"/>
+      <dgm:constr type="w" for="ch" forName="node" refType="w" refFor="ch" refForName="centerShape" fact="0.95"/>
+      <dgm:constr type="h" for="ch" forName="parTrans" refType="w" refFor="ch" refForName="centerShape" fact="0.285"/>
+      <dgm:constr type="sp" refType="w" refFor="ch" refForName="centerShape" op="equ" fact="0.23"/>
+      <dgm:constr type="sibSp" refType="w" refFor="ch" refForName="node" fact="0.1"/>
+      <dgm:constr type="primFontSz" for="ch" forName="node" op="equ"/>
+    </dgm:constrLst>
+    <dgm:choose name="Name21">
+      <dgm:if name="Name22" axis="ch ch" ptType="node node" st="1 1" cnt="1 0" func="cnt" op="lte" val="5">
+        <dgm:ruleLst>
+          <dgm:rule type="w" for="ch" forName="centerShape" val="NaN" fact="0.27" max="NaN"/>
+        </dgm:ruleLst>
+      </dgm:if>
+      <dgm:else name="Name23">
+        <dgm:ruleLst>
+          <dgm:rule type="w" for="ch" forName="centerShape" val="NaN" fact="0.27" max="NaN"/>
+          <dgm:rule type="w" for="ch" forName="node" val="NaN" fact="0.7" max="NaN"/>
+        </dgm:ruleLst>
+      </dgm:else>
+    </dgm:choose>
+    <dgm:forEach name="Name24" axis="ch" ptType="node" cnt="1">
+      <dgm:layoutNode name="centerShape" styleLbl="node0">
+        <dgm:alg type="tx"/>
+        <dgm:shape xmlns:r="http://schemas.openxmlformats.org/officeDocument/2006/relationships" type="ellipse" r:blip="">
+          <dgm:adjLst/>
+        </dgm:shape>
+        <dgm:presOf axis="self"/>
+        <dgm:constrLst>
+          <dgm:constr type="tMarg" refType="primFontSz" fact="0.05"/>
+          <dgm:constr type="bMarg" refType="primFontSz" fact="0.05"/>
+          <dgm:constr type="lMarg" refType="primFontSz" fact="0.05"/>
+          <dgm:constr type="rMarg" refType="primFontSz" fact="0.05"/>
+          <dgm:constr type="primFontSz" val="65"/>
+          <dgm:constr type="h" refType="w"/>
+        </dgm:constrLst>
+        <dgm:ruleLst>
+          <dgm:rule type="primFontSz" val="5" fact="NaN" max="NaN"/>
+        </dgm:ruleLst>
+      </dgm:layoutNode>
+      <dgm:forEach name="Name25" axis="ch">
+        <dgm:forEach name="Name26" axis="self" ptType="parTrans">
+          <dgm:layoutNode name="parTrans" styleLbl="bgSibTrans2D1">
+            <dgm:alg type="conn">
+              <dgm:param type="begPts" val="auto"/>
+              <dgm:param type="endPts" val="ctr"/>
+              <dgm:param type="endSty" val="noArr"/>
+              <dgm:param type="begSty" val="arr"/>
+            </dgm:alg>
+            <dgm:shape xmlns:r="http://schemas.openxmlformats.org/officeDocument/2006/relationships" type="conn" r:blip="">
+              <dgm:adjLst/>
+            </dgm:shape>
+            <dgm:presOf axis="self"/>
+            <dgm:constrLst>
+              <dgm:constr type="begPad" refType="connDist" fact="0.055"/>
+              <dgm:constr type="endPad"/>
+            </dgm:constrLst>
+            <dgm:ruleLst/>
+          </dgm:layoutNode>
+        </dgm:forEach>
+        <dgm:forEach name="Name27" axis="self" ptType="node">
+          <dgm:layoutNode name="node" styleLbl="node1">
+            <dgm:varLst>
+              <dgm:bulletEnabled val="1"/>
+            </dgm:varLst>
+            <dgm:alg type="tx"/>
+            <dgm:shape xmlns:r="http://schemas.openxmlformats.org/officeDocument/2006/relationships" type="roundRect" r:blip="">
+              <dgm:adjLst>
+                <dgm:adj idx="1" val="0.1"/>
+              </dgm:adjLst>
+            </dgm:shape>
+            <dgm:presOf axis="desOrSelf" ptType="node"/>
+            <dgm:constrLst>
+              <dgm:constr type="primFontSz" val="65"/>
+              <dgm:constr type="h" refType="w" fact="0.8"/>
+              <dgm:constr type="tMarg" refType="primFontSz" fact="0.15"/>
+              <dgm:constr type="bMarg" refType="primFontSz" fact="0.15"/>
+              <dgm:constr type="lMarg" refType="primFontSz" fact="0.15"/>
+              <dgm:constr type="rMarg" refType="primFontSz" fact="0.15"/>
+            </dgm:constrLst>
+            <dgm:ruleLst>
+              <dgm:rule type="primFontSz" val="5" fact="NaN" max="NaN"/>
+            </dgm:ruleLst>
+          </dgm:layoutNode>
+        </dgm:forEach>
+      </dgm:forEach>
+    </dgm:forEach>
+  </dgm:layoutNode>
+</dgm:layoutDef>
+</file>
+
+<file path=ppt/diagrams/layout2.xml><?xml version="1.0" encoding="utf-8"?>
+<dgm:layoutDef xmlns:dgm="http://schemas.openxmlformats.org/drawingml/2006/diagram" xmlns:a="http://schemas.openxmlformats.org/drawingml/2006/main" uniqueId="urn:microsoft.com/office/officeart/2005/8/layout/gear1">
+  <dgm:title val=""/>
+  <dgm:desc val=""/>
+  <dgm:catLst>
+    <dgm:cat type="relationship" pri="3000"/>
+    <dgm:cat type="process" pri="28000"/>
+    <dgm:cat type="cycle" pri="14000"/>
+  </dgm:catLst>
+  <dgm:sampData useDef="1">
+    <dgm:dataModel>
+      <dgm:ptLst/>
+      <dgm:bg/>
+      <dgm:whole/>
+    </dgm:dataModel>
+  </dgm:sampData>
+  <dgm:styleData>
+    <dgm:dataModel>
+      <dgm:ptLst>
+        <dgm:pt modelId="0" type="doc"/>
+        <dgm:pt modelId="1"/>
+        <dgm:pt modelId="2"/>
+      </dgm:ptLst>
+      <dgm:cxnLst>
+        <dgm:cxn modelId="3" srcId="0" destId="1" srcOrd="0" destOrd="0"/>
+        <dgm:cxn modelId="4" srcId="0" destId="2" srcOrd="1" destOrd="0"/>
+      </dgm:cxnLst>
+      <dgm:bg/>
+      <dgm:whole/>
+    </dgm:dataModel>
+  </dgm:styleData>
+  <dgm:clrData useDef="1">
+    <dgm:dataModel>
+      <dgm:ptLst/>
+      <dgm:bg/>
+      <dgm:whole/>
+    </dgm:dataModel>
+  </dgm:clrData>
+  <dgm:layoutNode name="composite">
+    <dgm:varLst>
+      <dgm:chMax val="3"/>
+      <dgm:animLvl val="lvl"/>
+      <dgm:resizeHandles val="exact"/>
+    </dgm:varLst>
+    <dgm:alg type="composite">
+      <dgm:param type="ar" val="1"/>
+    </dgm:alg>
+    <dgm:shape xmlns:r="http://schemas.openxmlformats.org/officeDocument/2006/relationships" r:blip="">
+      <dgm:adjLst/>
+    </dgm:shape>
+    <dgm:presOf/>
+    <dgm:choose name="Name0">
+      <dgm:if name="Name1" axis="ch" ptType="node" func="cnt" op="lte" val="1">
+        <dgm:constrLst>
+          <dgm:constr type="primFontSz" for="ch" ptType="node" op="equ" val="65"/>
+          <dgm:constr type="w" for="ch" forName="gear1" refType="w" fact="0.55"/>
+          <dgm:constr type="h" for="ch" forName="gear1" refType="w" fact="0.55"/>
+          <dgm:constr type="l" for="ch" forName="gear1" refType="w" fact="0.05"/>
+          <dgm:constr type="t" for="ch" forName="gear1" refType="w" fact="0.05"/>
+          <dgm:constr type="w" for="ch" forName="gear1srcNode" val="1"/>
+          <dgm:constr type="h" for="ch" forName="gear1srcNode" val="1"/>
+          <dgm:constr type="l" for="ch" forName="gear1srcNode" refType="w" fact="0.32"/>
+          <dgm:constr type="t" for="ch" forName="gear1srcNode"/>
+          <dgm:constr type="w" for="ch" forName="gear1dstNode" val="1"/>
+          <dgm:constr type="h" for="ch" forName="gear1dstNode" val="1"/>
+          <dgm:constr type="r" for="ch" forName="gear1dstNode" refType="w" fact="0.58"/>
+          <dgm:constr type="t" for="ch" forName="gear1dstNode" refType="h" fact="0.55"/>
+          <dgm:constr type="diam" for="des" forName="connector1" refType="w" refFor="ch" refForName="gear1" op="equ" fact="1.1"/>
+          <dgm:constr type="h" for="des" forName="connector1" refType="w" refFor="ch" refForName="gear1" op="equ" fact="0.1"/>
+          <dgm:constr type="w" for="ch" forName="gear1ch" refType="w" fact="0.35"/>
+          <dgm:constr type="h" for="ch" forName="gear1ch" refType="w" refFor="ch" refForName="gear1ch" fact="0.6"/>
+          <dgm:constr type="l" for="ch" forName="gear1ch"/>
+          <dgm:constr type="b" for="ch" forName="gear1ch" refType="h" fact="0.6"/>
+        </dgm:constrLst>
+      </dgm:if>
+      <dgm:if name="Name2" axis="ch" ptType="node" func="cnt" op="equ" val="2">
+        <dgm:constrLst>
+          <dgm:constr type="primFontSz" for="ch" ptType="node" op="equ" val="65"/>
+          <dgm:constr type="w" for="ch" forName="gear1" refType="w" fact="0.55"/>
+          <dgm:constr type="h" for="ch" forName="gear1" refType="w" fact="0.55"/>
+          <dgm:constr type="l" for="ch" forName="gear1" refType="w" fact="0.45"/>
+          <dgm:constr type="t" for="ch" forName="gear1" refType="w" fact="0.25"/>
+          <dgm:constr type="w" for="ch" forName="gear1srcNode" val="1"/>
+          <dgm:constr type="h" for="ch" forName="gear1srcNode" val="1"/>
+          <dgm:constr type="l" for="ch" forName="gear1srcNode" refType="w" fact="0.72"/>
+          <dgm:constr type="t" for="ch" forName="gear1srcNode" refType="w" fact="0.2"/>
+          <dgm:constr type="w" for="ch" forName="gear1dstNode" val="1"/>
+          <dgm:constr type="h" for="ch" forName="gear1dstNode" val="1"/>
+          <dgm:constr type="r" for="ch" forName="gear1dstNode" refType="w" fact="0.98"/>
+          <dgm:constr type="t" for="ch" forName="gear1dstNode" refType="h" fact="0.75"/>
+          <dgm:constr type="diam" for="des" forName="connector1" refType="w" refFor="ch" refForName="gear1" op="equ" fact="1.1"/>
+          <dgm:constr type="h" for="des" forName="connector1" refType="w" refFor="ch" refForName="gear1" op="equ" fact="0.1"/>
+          <dgm:constr type="w" for="ch" forName="gear1ch" refType="w" fact="0.35"/>
+          <dgm:constr type="h" for="ch" forName="gear1ch" refType="w" refFor="ch" refForName="gear1ch" fact="0.6"/>
+          <dgm:constr type="l" for="ch" forName="gear1ch" refType="w" fact="0.38"/>
+          <dgm:constr type="b" for="ch" forName="gear1ch" refType="w" fact="0.8"/>
+          <dgm:constr type="w" for="ch" forName="gear2" refType="w" fact="0.4"/>
+          <dgm:constr type="h" for="ch" forName="gear2" refType="w" fact="0.4"/>
+          <dgm:constr type="l" for="ch" forName="gear2" refType="w" fact="0.13"/>
+          <dgm:constr type="t" for="ch" forName="gear2" refType="w" fact="0.12"/>
+          <dgm:constr type="w" for="ch" forName="gear2srcNode" val="1"/>
+          <dgm:constr type="h" for="ch" forName="gear2srcNode" val="1"/>
+          <dgm:constr type="l" for="ch" forName="gear2srcNode" refType="w" fact="0.23"/>
+          <dgm:constr type="t" for="ch" forName="gear2srcNode" refType="w" fact="0.08"/>
+          <dgm:constr type="w" for="ch" forName="gear2dstNode" val="1"/>
+          <dgm:constr type="h" for="ch" forName="gear2dstNode" val="1"/>
+          <dgm:constr type="l" for="ch" forName="gear2dstNode" refType="w" fact="0.1"/>
+          <dgm:constr type="t" for="ch" forName="gear2dstNode" refType="h" fact="0.33"/>
+          <dgm:constr type="diam" for="des" forName="connector2" refType="w" refFor="ch" refForName="gear2" op="equ" fact="-1.1"/>
+          <dgm:constr type="h" for="des" forName="connector2" refType="w" refFor="ch" refForName="gear1" op="equ" fact="0.1"/>
+          <dgm:constr type="w" for="ch" forName="gear2ch" refType="w" fact="0.35"/>
+          <dgm:constr type="h" for="ch" forName="gear2ch" refType="w" refFor="ch" refForName="gear2ch" fact="0.6"/>
+          <dgm:constr type="l" for="ch" forName="gear2ch" refType="w" fact="0.34"/>
+          <dgm:constr type="t" for="ch" forName="gear2ch" refType="w" fact="0.04"/>
+        </dgm:constrLst>
+      </dgm:if>
+      <dgm:else name="Name3">
+        <dgm:constrLst>
+          <dgm:constr type="primFontSz" for="ch" ptType="node" op="equ" val="65"/>
+          <dgm:constr type="w" for="ch" forName="gear1" refType="w" fact="0.55"/>
+          <dgm:constr type="h" for="ch" forName="gear1" refType="w" fact="0.55"/>
+          <dgm:constr type="l" for="ch" forName="gear1" refType="w" fact="0.45"/>
+          <dgm:constr type="t" for="ch" forName="gear1" refType="w" fact="0.45"/>
+          <dgm:constr type="w" for="ch" forName="gear1srcNode" val="1"/>
+          <dgm:constr type="h" for="ch" forName="gear1srcNode" val="1"/>
+          <dgm:constr type="l" for="ch" forName="gear1srcNode" refType="w" fact="0.72"/>
+          <dgm:constr type="t" for="ch" forName="gear1srcNode" refType="w" fact="0.4"/>
+          <dgm:constr type="w" for="ch" forName="gear1dstNode" val="1"/>
+          <dgm:constr type="h" for="ch" forName="gear1dstNode" val="1"/>
+          <dgm:constr type="r" for="ch" forName="gear1dstNode" refType="w" fact="0.98"/>
+          <dgm:constr type="t" for="ch" forName="gear1dstNode" refType="h" fact="0.95"/>
+          <dgm:constr type="diam" for="des" forName="connector1" refType="w" refFor="ch" refForName="gear1" op="equ" fact="1.15"/>
+          <dgm:constr type="h" for="des" forName="connector1" refType="w" refFor="ch" refForName="gear1" op="equ" fact="0.1"/>
+          <dgm:constr type="w" for="ch" forName="gear1ch" refType="w" fact="0.35"/>
+          <dgm:constr type="h" for="ch" forName="gear1ch" refType="w" refFor="ch" refForName="gear1ch" fact="0.6"/>
+          <dgm:constr type="l" for="ch" forName="gear1ch" refType="w" fact="0.38"/>
+          <dgm:constr type="b" for="ch" forName="gear1ch" refType="h"/>
+          <dgm:constr type="w" for="ch" forName="gear2" refType="w" fact="0.4"/>
+          <dgm:constr type="h" for="ch" forName="gear2" refType="w" fact="0.4"/>
+          <dgm:constr type="l" for="ch" forName="gear2" refType="w" fact="0.13"/>
+          <dgm:constr type="t" for="ch" forName="gear2" refType="w" fact="0.32"/>
+          <dgm:constr type="w" for="ch" forName="gear2srcNode" val="1"/>
+          <dgm:constr type="h" for="ch" forName="gear2srcNode" val="1"/>
+          <dgm:constr type="l" for="ch" forName="gear2srcNode" refType="w" fact="0.23"/>
+          <dgm:constr type="t" for="ch" forName="gear2srcNode" refType="w" fact="0.28"/>
+          <dgm:constr type="w" for="ch" forName="gear2dstNode" val="1"/>
+          <dgm:constr type="h" for="ch" forName="gear2dstNode" val="1"/>
+          <dgm:constr type="l" for="ch" forName="gear2dstNode" refType="w" fact="0.1"/>
+          <dgm:constr type="t" for="ch" forName="gear2dstNode" refType="h" fact="0.53"/>
+          <dgm:constr type="diam" for="des" forName="connector2" refType="w" refFor="ch" refForName="gear2" op="equ" fact="-1.1"/>
+          <dgm:constr type="h" for="des" forName="connector2" refType="w" refFor="ch" refForName="gear1" op="equ" fact="0.1"/>
+          <dgm:constr type="w" for="ch" forName="gear2ch" refType="w" fact="0.35"/>
+          <dgm:constr type="h" for="ch" forName="gear2ch" refType="w" refFor="ch" refForName="gear2ch" fact="0.6"/>
+          <dgm:constr type="l" for="ch" forName="gear2ch"/>
+          <dgm:constr type="t" for="ch" forName="gear2ch" refType="w" fact="0.58"/>
+          <dgm:constr type="w" for="ch" forName="gear3" refType="w" fact="0.48"/>
+          <dgm:constr type="h" for="ch" forName="gear3" refType="w" fact="0.48"/>
+          <dgm:constr type="l" for="ch" forName="gear3" refType="w" fact="0.31"/>
+          <dgm:constr type="t" for="ch" forName="gear3"/>
+          <dgm:constr type="w" for="ch" forName="gear3tx" refType="w" fact="0.22"/>
+          <dgm:constr type="h" for="ch" forName="gear3tx" refType="w" fact="0.22"/>
+          <dgm:constr type="ctrX" for="ch" forName="gear3tx" refType="ctrX" refFor="ch" refForName="gear3"/>
+          <dgm:constr type="ctrY" for="ch" forName="gear3tx" refType="ctrY" refFor="ch" refForName="gear3"/>
+          <dgm:constr type="w" for="ch" forName="gear3srcNode" val="1"/>
+          <dgm:constr type="h" for="ch" forName="gear3srcNode" val="1"/>
+          <dgm:constr type="l" for="ch" forName="gear3srcNode" refType="w" fact="0.3"/>
+          <dgm:constr type="t" for="ch" forName="gear3srcNode" refType="w" fact="0.25"/>
+          <dgm:constr type="w" for="ch" forName="gear3dstNode" val="1"/>
+          <dgm:constr type="h" for="ch" forName="gear3dstNode" val="1"/>
+          <dgm:constr type="l" for="ch" forName="gear3dstNode" refType="w" fact="0.38"/>
+          <dgm:constr type="t" for="ch" forName="gear3dstNode" refType="h" fact="0.05"/>
+          <dgm:constr type="diam" for="des" forName="connector3" refType="w" refFor="ch" refForName="gear3" op="equ"/>
+          <dgm:constr type="h" for="des" forName="connector3" refType="w" refFor="ch" refForName="gear1" op="equ" fact="0.1"/>
+          <dgm:constr type="w" for="ch" forName="gear3ch" refType="w" fact="0.35"/>
+          <dgm:constr type="h" for="ch" forName="gear3ch" refType="w" refFor="ch" refForName="gear3ch" fact="0.6"/>
+          <dgm:constr type="l" for="ch" forName="gear3ch" refType="w" fact="0.65"/>
+          <dgm:constr type="t" for="ch" forName="gear3ch" refType="h" fact="0.13"/>
+        </dgm:constrLst>
+      </dgm:else>
+    </dgm:choose>
+    <dgm:ruleLst/>
+    <dgm:forEach name="Name4" axis="ch" ptType="node" cnt="1">
+      <dgm:layoutNode name="gear1" styleLbl="node1">
+        <dgm:varLst>
+          <dgm:chMax val="1"/>
+          <dgm:bulletEnabled val="1"/>
+        </dgm:varLst>
+        <dgm:alg type="tx">
+          <dgm:param type="txAnchorVertCh" val="mid"/>
+        </dgm:alg>
+        <dgm:shape xmlns:r="http://schemas.openxmlformats.org/officeDocument/2006/relationships" type="gear9" r:blip="">
+          <dgm:adjLst/>
+        </dgm:shape>
+        <dgm:presOf axis="self"/>
+        <dgm:constrLst>
+          <dgm:constr type="tMarg" refType="primFontSz" fact="0.1"/>
+          <dgm:constr type="bMarg" refType="primFontSz" fact="0.1"/>
+          <dgm:constr type="lMarg" refType="primFontSz" fact="0.1"/>
+          <dgm:constr type="rMarg" refType="primFontSz" fact="0.1"/>
+        </dgm:constrLst>
+        <dgm:ruleLst>
+          <dgm:rule type="primFontSz" val="5" fact="NaN" max="NaN"/>
+        </dgm:ruleLst>
+      </dgm:layoutNode>
+      <dgm:layoutNode name="gear1srcNode">
+        <dgm:alg type="sp"/>
+        <dgm:shape xmlns:r="http://schemas.openxmlformats.org/officeDocument/2006/relationships" type="rect" r:blip="" hideGeom="1">
+          <dgm:adjLst/>
+        </dgm:shape>
+        <dgm:presOf axis="self"/>
+        <dgm:constrLst/>
+        <dgm:ruleLst/>
+      </dgm:layoutNode>
+      <dgm:layoutNode name="gear1dstNode">
+        <dgm:alg type="sp"/>
+        <dgm:shape xmlns:r="http://schemas.openxmlformats.org/officeDocument/2006/relationships" type="rect" r:blip="" hideGeom="1">
+          <dgm:adjLst/>
+        </dgm:shape>
+        <dgm:presOf axis="self"/>
+        <dgm:constrLst/>
+        <dgm:ruleLst/>
+      </dgm:layoutNode>
+      <dgm:choose name="Name5">
+        <dgm:if name="Name6" axis="ch" ptType="node" func="cnt" op="gte" val="1">
+          <dgm:layoutNode name="gear1ch" styleLbl="fgAcc1">
+            <dgm:varLst>
+              <dgm:chMax val="0"/>
+              <dgm:bulletEnabled val="1"/>
+            </dgm:varLst>
+            <dgm:alg type="tx">
+              <dgm:param type="stBulletLvl" val="1"/>
+            </dgm:alg>
+            <dgm:shape xmlns:r="http://schemas.openxmlformats.org/officeDocument/2006/relationships" type="roundRect" r:blip="">
+              <dgm:adjLst>
+                <dgm:adj idx="1" val="0.1"/>
+              </dgm:adjLst>
+            </dgm:shape>
+            <dgm:presOf axis="des" ptType="node"/>
+            <dgm:constrLst>
+              <dgm:constr type="tMarg" refType="primFontSz" fact="0.3"/>
+              <dgm:constr type="bMarg" refType="primFontSz" fact="0.3"/>
+              <dgm:constr type="lMarg" refType="primFontSz" fact="0.3"/>
+              <dgm:constr type="rMarg" refType="primFontSz" fact="0.3"/>
+            </dgm:constrLst>
+            <dgm:ruleLst>
+              <dgm:rule type="primFontSz" val="5" fact="NaN" max="NaN"/>
+            </dgm:ruleLst>
+          </dgm:layoutNode>
+        </dgm:if>
+        <dgm:else name="Name7"/>
+      </dgm:choose>
+    </dgm:forEach>
+    <dgm:forEach name="Name8" axis="ch" ptType="node" st="2" cnt="1">
+      <dgm:layoutNode name="gear2" styleLbl="node1">
+        <dgm:varLst>
+          <dgm:chMax val="1"/>
+          <dgm:bulletEnabled val="1"/>
+        </dgm:varLst>
+        <dgm:alg type="tx">
+          <dgm:param type="txAnchorVertCh" val="mid"/>
+        </dgm:alg>
+        <dgm:shape xmlns:r="http://schemas.openxmlformats.org/officeDocument/2006/relationships" type="gear6" r:blip="">
+          <dgm:adjLst/>
+        </dgm:shape>
+        <dgm:presOf axis="self"/>
+        <dgm:constrLst>
+          <dgm:constr type="tMarg" refType="primFontSz" fact="0.1"/>
+          <dgm:constr type="bMarg" refType="primFontSz" fact="0.1"/>
+          <dgm:constr type="lMarg" refType="primFontSz" fact="0.1"/>
+          <dgm:constr type="rMarg" refType="primFontSz" fact="0.1"/>
+        </dgm:constrLst>
+        <dgm:ruleLst>
+          <dgm:rule type="primFontSz" val="5" fact="NaN" max="NaN"/>
+        </dgm:ruleLst>
+      </dgm:layoutNode>
+      <dgm:layoutNode name="gear2srcNode">
+        <dgm:alg type="sp"/>
+        <dgm:shape xmlns:r="http://schemas.openxmlformats.org/officeDocument/2006/relationships" type="rect" r:blip="" hideGeom="1">
+          <dgm:adjLst/>
+        </dgm:shape>
+        <dgm:presOf axis="self"/>
+        <dgm:constrLst/>
+        <dgm:ruleLst/>
+      </dgm:layoutNode>
+      <dgm:layoutNode name="gear2dstNode">
+        <dgm:alg type="sp"/>
+        <dgm:shape xmlns:r="http://schemas.openxmlformats.org/officeDocument/2006/relationships" type="rect" r:blip="" hideGeom="1">
+          <dgm:adjLst/>
+        </dgm:shape>
+        <dgm:presOf axis="self"/>
+        <dgm:constrLst/>
+        <dgm:ruleLst/>
+      </dgm:layoutNode>
+      <dgm:choose name="Name9">
+        <dgm:if name="Name10" axis="ch" ptType="node" func="cnt" op="gte" val="1">
+          <dgm:layoutNode name="gear2ch" styleLbl="fgAcc1">
+            <dgm:varLst>
+              <dgm:chMax val="0"/>
+              <dgm:bulletEnabled val="1"/>
+            </dgm:varLst>
+            <dgm:alg type="tx">
+              <dgm:param type="stBulletLvl" val="1"/>
+            </dgm:alg>
+            <dgm:shape xmlns:r="http://schemas.openxmlformats.org/officeDocument/2006/relationships" type="roundRect" r:blip="">
+              <dgm:adjLst>
+                <dgm:adj idx="1" val="0.1"/>
+              </dgm:adjLst>
+            </dgm:shape>
+            <dgm:presOf axis="des" ptType="node"/>
+            <dgm:constrLst>
+              <dgm:constr type="tMarg" refType="primFontSz" fact="0.3"/>
+              <dgm:constr type="bMarg" refType="primFontSz" fact="0.3"/>
+              <dgm:constr type="lMarg" refType="primFontSz" fact="0.3"/>
+              <dgm:constr type="rMarg" refType="primFontSz" fact="0.3"/>
+            </dgm:constrLst>
+            <dgm:ruleLst>
+              <dgm:rule type="primFontSz" val="5" fact="NaN" max="NaN"/>
+            </dgm:ruleLst>
+          </dgm:layoutNode>
+        </dgm:if>
+        <dgm:else name="Name11"/>
+      </dgm:choose>
+    </dgm:forEach>
+    <dgm:forEach name="Name12" axis="ch" ptType="node" st="3" cnt="1">
+      <dgm:layoutNode name="gear3" styleLbl="node1">
+        <dgm:alg type="sp"/>
+        <dgm:shape xmlns:r="http://schemas.openxmlformats.org/officeDocument/2006/relationships" rot="-15" type="gear6" r:blip="">
+          <dgm:adjLst/>
+        </dgm:shape>
+        <dgm:presOf axis="self"/>
+        <dgm:constrLst/>
+        <dgm:ruleLst/>
+      </dgm:layoutNode>
+      <dgm:layoutNode name="gear3tx" styleLbl="node1">
+        <dgm:varLst>
+          <dgm:chMax val="1"/>
+          <dgm:bulletEnabled val="1"/>
+        </dgm:varLst>
+        <dgm:alg type="tx">
+          <dgm:param type="txAnchorVertCh" val="mid"/>
+        </dgm:alg>
+        <dgm:shape xmlns:r="http://schemas.openxmlformats.org/officeDocument/2006/relationships" type="rect" r:blip="" hideGeom="1">
+          <dgm:adjLst/>
+        </dgm:shape>
+        <dgm:presOf axis="self"/>
+        <dgm:constrLst>
+          <dgm:constr type="tMarg" refType="primFontSz" fact="0.1"/>
+          <dgm:constr type="bMarg" refType="primFontSz" fact="0.1"/>
+          <dgm:constr type="lMarg" refType="primFontSz" fact="0.1"/>
+          <dgm:constr type="rMarg" refType="primFontSz" fact="0.1"/>
+        </dgm:constrLst>
+        <dgm:ruleLst>
+          <dgm:rule type="primFontSz" val="5" fact="NaN" max="NaN"/>
+        </dgm:ruleLst>
+      </dgm:layoutNode>
+      <dgm:layoutNode name="gear3srcNode">
+        <dgm:alg type="sp"/>
+        <dgm:shape xmlns:r="http://schemas.openxmlformats.org/officeDocument/2006/relationships" type="rect" r:blip="" hideGeom="1">
+          <dgm:adjLst/>
+        </dgm:shape>
+        <dgm:presOf axis="self"/>
+        <dgm:constrLst/>
+        <dgm:ruleLst/>
+      </dgm:layoutNode>
+      <dgm:layoutNode name="gear3dstNode">
+        <dgm:alg type="sp"/>
+        <dgm:shape xmlns:r="http://schemas.openxmlformats.org/officeDocument/2006/relationships" type="rect" r:blip="" hideGeom="1">
+          <dgm:adjLst/>
+        </dgm:shape>
+        <dgm:presOf axis="self"/>
+        <dgm:constrLst/>
+        <dgm:ruleLst/>
+      </dgm:layoutNode>
+      <dgm:choose name="Name13">
+        <dgm:if name="Name14" axis="ch" ptType="node" func="cnt" op="gte" val="1">
+          <dgm:layoutNode name="gear3ch" styleLbl="fgAcc1">
+            <dgm:varLst>
+              <dgm:chMax val="0"/>
+              <dgm:bulletEnabled val="1"/>
+            </dgm:varLst>
+            <dgm:alg type="tx">
+              <dgm:param type="stBulletLvl" val="1"/>
+            </dgm:alg>
+            <dgm:shape xmlns:r="http://schemas.openxmlformats.org/officeDocument/2006/relationships" type="roundRect" r:blip="">
+              <dgm:adjLst>
+                <dgm:adj idx="1" val="0.1"/>
+              </dgm:adjLst>
+            </dgm:shape>
+            <dgm:presOf axis="des" ptType="node"/>
+            <dgm:constrLst>
+              <dgm:constr type="tMarg" refType="primFontSz" fact="0.3"/>
+              <dgm:constr type="bMarg" refType="primFontSz" fact="0.3"/>
+              <dgm:constr type="lMarg" refType="primFontSz" fact="0.3"/>
+              <dgm:constr type="rMarg" refType="primFontSz" fact="0.3"/>
+            </dgm:constrLst>
+            <dgm:ruleLst>
+              <dgm:rule type="primFontSz" val="5" fact="NaN" max="NaN"/>
+            </dgm:ruleLst>
+          </dgm:layoutNode>
+        </dgm:if>
+        <dgm:else name="Name15"/>
+      </dgm:choose>
+    </dgm:forEach>
+    <dgm:forEach name="Name16" axis="ch" ptType="sibTrans" hideLastTrans="0" cnt="1">
+      <dgm:layoutNode name="connector1" styleLbl="sibTrans2D1">
+        <dgm:alg type="conn">
+          <dgm:param type="connRout" val="curve"/>
+          <dgm:param type="srcNode" val="gear1srcNode"/>
+          <dgm:param type="dstNode" val="gear1dstNode"/>
+          <dgm:param type="begPts" val="midR"/>
+          <dgm:param type="endPts" val="tCtr"/>
+        </dgm:alg>
+        <dgm:shape xmlns:r="http://schemas.openxmlformats.org/officeDocument/2006/relationships" type="conn" r:blip="">
+          <dgm:adjLst/>
+        </dgm:shape>
+        <dgm:presOf axis="self"/>
+        <dgm:constrLst>
+          <dgm:constr type="w" val="10"/>
+          <dgm:constr type="h" val="10"/>
+          <dgm:constr type="begPad"/>
+          <dgm:constr type="endPad"/>
+        </dgm:constrLst>
+        <dgm:ruleLst/>
+      </dgm:layoutNode>
+    </dgm:forEach>
+    <dgm:forEach name="Name17" axis="ch" ptType="sibTrans" hideLastTrans="0" st="2" cnt="1">
+      <dgm:layoutNode name="connector2" styleLbl="sibTrans2D1">
+        <dgm:alg type="conn">
+          <dgm:param type="connRout" val="curve"/>
+          <dgm:param type="srcNode" val="gear2srcNode"/>
+          <dgm:param type="dstNode" val="gear2dstNode"/>
+          <dgm:param type="begPts" val="midL"/>
+          <dgm:param type="endPts" val="midL"/>
+        </dgm:alg>
+        <dgm:shape xmlns:r="http://schemas.openxmlformats.org/officeDocument/2006/relationships" type="conn" r:blip="">
+          <dgm:adjLst/>
+        </dgm:shape>
+        <dgm:presOf axis="self"/>
+        <dgm:constrLst>
+          <dgm:constr type="w" val="10"/>
+          <dgm:constr type="h" val="10"/>
+          <dgm:constr type="begPad"/>
+          <dgm:constr type="endPad"/>
+        </dgm:constrLst>
+        <dgm:ruleLst/>
+      </dgm:layoutNode>
+    </dgm:forEach>
+    <dgm:forEach name="Name18" axis="ch" ptType="sibTrans" hideLastTrans="0" st="3" cnt="1">
+      <dgm:layoutNode name="connector3" styleLbl="sibTrans2D1">
+        <dgm:alg type="conn">
+          <dgm:param type="connRout" val="curve"/>
+          <dgm:param type="srcNode" val="gear3srcNode"/>
+          <dgm:param type="dstNode" val="gear3dstNode"/>
+          <dgm:param type="begPts" val="midL"/>
+          <dgm:param type="endPts" val="midL"/>
+        </dgm:alg>
+        <dgm:shape xmlns:r="http://schemas.openxmlformats.org/officeDocument/2006/relationships" type="conn" r:blip="">
+          <dgm:adjLst/>
+        </dgm:shape>
+        <dgm:presOf axis="self"/>
+        <dgm:constrLst>
+          <dgm:constr type="w" val="10"/>
+          <dgm:constr type="h" val="10"/>
+          <dgm:constr type="begPad"/>
+          <dgm:constr type="endPad"/>
+        </dgm:constrLst>
+        <dgm:ruleLst/>
+      </dgm:layoutNode>
+    </dgm:forEach>
+  </dgm:layoutNode>
+</dgm:layoutDef>
+</file>
+
+<file path=ppt/diagrams/quickStyle1.xml><?xml version="1.0" encoding="utf-8"?>
+<dgm:styleDef xmlns:dgm="http://schemas.openxmlformats.org/drawingml/2006/diagram" xmlns:a="http://schemas.openxmlformats.org/drawingml/2006/main" uniqueId="urn:microsoft.com/office/officeart/2005/8/quickstyle/simple2">
+  <dgm:title val=""/>
+  <dgm:desc val=""/>
+  <dgm:catLst>
+    <dgm:cat type="simple" pri="10200"/>
+  </dgm:catLst>
+  <dgm:scene3d>
+    <a:camera prst="orthographicFront"/>
+    <a:lightRig rig="threePt" dir="t"/>
+  </dgm:scene3d>
+  <dgm:styleLbl name="node0">
+    <dgm:scene3d>
+      <a:camera prst="orthographicFront"/>
+      <a:lightRig rig="threePt" dir="t"/>
+    </dgm:scene3d>
+    <dgm:sp3d/>
+    <dgm:txPr/>
+    <dgm:style>
+      <a:lnRef idx="3">
+        <a:scrgbClr r="0" g="0" b="0"/>
+      </a:lnRef>
+      <a:fillRef idx="1">
+        <a:scrgbClr r="0" g="0" b="0"/>
+      </a:fillRef>
+      <a:effectRef idx="1">
+        <a:scrgbClr r="0" g="0" b="0"/>
+      </a:effectRef>
+      <a:fontRef idx="minor">
+        <a:schemeClr val="lt1"/>
+      </a:fontRef>
+    </dgm:style>
+  </dgm:styleLbl>
+  <dgm:styleLbl name="lnNode1">
+    <dgm:scene3d>
+      <a:camera prst="orthographicFront"/>
+      <a:lightRig rig="threePt" dir="t"/>
+    </dgm:scene3d>
+    <dgm:sp3d/>
+    <dgm:txPr/>
+    <dgm:style>
+      <a:lnRef idx="3">
+        <a:scrgbClr r="0" g="0" b="0"/>
+      </a:lnRef>
+      <a:fillRef idx="1">
+        <a:scrgbClr r="0" g="0" b="0"/>
+      </a:fillRef>
+      <a:effectRef idx="1">
+        <a:scrgbClr r="0" g="0" b="0"/>
+      </a:effectRef>
+      <a:fontRef idx="minor">
+        <a:schemeClr val="lt1"/>
+      </a:fontRef>
+    </dgm:style>
+  </dgm:styleLbl>
+  <dgm:styleLbl name="vennNode1">
+    <dgm:scene3d>
+      <a:camera prst="orthographicFront"/>
+      <a:lightRig rig="threePt" dir="t"/>
+    </dgm:scene3d>
+    <dgm:sp3d/>
+    <dgm:txPr/>
+    <dgm:style>
+      <a:lnRef idx="3">
+        <a:scrgbClr r="0" g="0" b="0"/>
+      </a:lnRef>
+      <a:fillRef idx="1">
+        <a:scrgbClr r="0" g="0" b="0"/>
+      </a:fillRef>
+      <a:effectRef idx="0">
+        <a:scrgbClr r="0" g="0" b="0"/>
+      </a:effectRef>
+      <a:fontRef idx="minor">
+        <a:schemeClr val="tx1"/>
+      </a:fontRef>
+    </dgm:style>
+  </dgm:styleLbl>
+  <dgm:styleLbl name="alignNode1">
+    <dgm:scene3d>
+      <a:camera prst="orthographicFront"/>
+      <a:lightRig rig="threePt" dir="t"/>
+    </dgm:scene3d>
+    <dgm:sp3d/>
+    <dgm:txPr/>
+    <dgm:style>
+      <a:lnRef idx="2">
+        <a:scrgbClr r="0" g="0" b="0"/>
+      </a:lnRef>
+      <a:fillRef idx="1">
+        <a:scrgbClr r="0" g="0" b="0"/>
+      </a:fillRef>
+      <a:effectRef idx="1">
+        <a:scrgbClr r="0" g="0" b="0"/>
+      </a:effectRef>
+      <a:fontRef idx="minor">
+        <a:schemeClr val="lt1"/>
+      </a:fontRef>
+    </dgm:style>
+  </dgm:styleLbl>
+  <dgm:styleLbl name="node1">
+    <dgm:scene3d>
+      <a:camera prst="orthographicFront"/>
+      <a:lightRig rig="threePt" dir="t"/>
+    </dgm:scene3d>
+    <dgm:sp3d/>
+    <dgm:txPr/>
+    <dgm:style>
+      <a:lnRef idx="3">
+        <a:scrgbClr r="0" g="0" b="0"/>
+      </a:lnRef>
+      <a:fillRef idx="1">
+        <a:scrgbClr r="0" g="0" b="0"/>
+      </a:fillRef>
+      <a:effectRef idx="1">
+        <a:scrgbClr r="0" g="0" b="0"/>
+      </a:effectRef>
+      <a:fontRef idx="minor">
+        <a:schemeClr val="lt1"/>
+      </a:fontRef>
+    </dgm:style>
+  </dgm:styleLbl>
+  <dgm:styleLbl name="node2">
+    <dgm:scene3d>
+      <a:camera prst="orthographicFront"/>
+      <a:lightRig rig="threePt" dir="t"/>
+    </dgm:scene3d>
+    <dgm:sp3d/>
+    <dgm:txPr/>
+    <dgm:style>
+      <a:lnRef idx="3">
+        <a:scrgbClr r="0" g="0" b="0"/>
+      </a:lnRef>
+      <a:fillRef idx="1">
+        <a:scrgbClr r="0" g="0" b="0"/>
+      </a:fillRef>
+      <a:effectRef idx="1">
+        <a:scrgbClr r="0" g="0" b="0"/>
+      </a:effectRef>
+      <a:fontRef idx="minor">
+        <a:schemeClr val="lt1"/>
+      </a:fontRef>
+    </dgm:style>
+  </dgm:styleLbl>
+  <dgm:styleLbl name="node3">
+    <dgm:scene3d>
+      <a:camera prst="orthographicFront"/>
+      <a:lightRig rig="threePt" dir="t"/>
+    </dgm:scene3d>
+    <dgm:sp3d/>
+    <dgm:txPr/>
+    <dgm:style>
+      <a:lnRef idx="3">
+        <a:scrgbClr r="0" g="0" b="0"/>
+      </a:lnRef>
+      <a:fillRef idx="1">
+        <a:scrgbClr r="0" g="0" b="0"/>
+      </a:fillRef>
+      <a:effectRef idx="1">
+        <a:scrgbClr r="0" g="0" b="0"/>
+      </a:effectRef>
+      <a:fontRef idx="minor">
+        <a:schemeClr val="lt1"/>
+      </a:fontRef>
+    </dgm:style>
+  </dgm:styleLbl>
+  <dgm:styleLbl name="node4">
+    <dgm:scene3d>
+      <a:camera prst="orthographicFront"/>
+      <a:lightRig rig="threePt" dir="t"/>
+    </dgm:scene3d>
+    <dgm:sp3d/>
+    <dgm:txPr/>
+    <dgm:style>
+      <a:lnRef idx="3">
+        <a:scrgbClr r="0" g="0" b="0"/>
+      </a:lnRef>
+      <a:fillRef idx="1">
+        <a:scrgbClr r="0" g="0" b="0"/>
+      </a:fillRef>
+      <a:effectRef idx="1">
+        <a:scrgbClr r="0" g="0" b="0"/>
+      </a:effectRef>
+      <a:fontRef idx="minor">
+        <a:schemeClr val="lt1"/>
+      </a:fontRef>
+    </dgm:style>
+  </dgm:styleLbl>
+  <dgm:styleLbl name="fgImgPlace1">
+    <dgm:scene3d>
+      <a:camera prst="orthographicFront"/>
+      <a:lightRig rig="threePt" dir="t"/>
+    </dgm:scene3d>
+    <dgm:sp3d/>
+    <dgm:txPr/>
+    <dgm:style>
+      <a:lnRef idx="3">
+        <a:scrgbClr r="0" g="0" b="0"/>
+      </a:lnRef>
+      <a:fillRef idx="1">
+        <a:scrgbClr r="0" g="0" b="0"/>
+      </a:fillRef>
+      <a:effectRef idx="1">
+        <a:scrgbClr r="0" g="0" b="0"/>
+      </a:effectRef>
+      <a:fontRef idx="minor"/>
+    </dgm:style>
+  </dgm:styleLbl>
+  <dgm:styleLbl name="alignImgPlace1">
+    <dgm:scene3d>
+      <a:camera prst="orthographicFront"/>
+      <a:lightRig rig="threePt" dir="t"/>
+    </dgm:scene3d>
+    <dgm:sp3d/>
+    <dgm:txPr/>
+    <dgm:style>
+      <a:lnRef idx="3">
+        <a:scrgbClr r="0" g="0" b="0"/>
+      </a:lnRef>
+      <a:fillRef idx="1">
+        <a:scrgbClr r="0" g="0" b="0"/>
+      </a:fillRef>
+      <a:effectRef idx="1">
+        <a:scrgbClr r="0" g="0" b="0"/>
+      </a:effectRef>
+      <a:fontRef idx="minor"/>
+    </dgm:style>
+  </dgm:styleLbl>
+  <dgm:styleLbl name="bgImgPlace1">
+    <dgm:scene3d>
+      <a:camera prst="orthographicFront"/>
+      <a:lightRig rig="threePt" dir="t"/>
+    </dgm:scene3d>
+    <dgm:sp3d/>
+    <dgm:txPr/>
+    <dgm:style>
+      <a:lnRef idx="3">
+        <a:scrgbClr r="0" g="0" b="0"/>
+      </a:lnRef>
+      <a:fillRef idx="1">
+        <a:scrgbClr r="0" g="0" b="0"/>
+      </a:fillRef>
+      <a:effectRef idx="1">
+        <a:scrgbClr r="0" g="0" b="0"/>
+      </a:effectRef>
+      <a:fontRef idx="minor"/>
+    </dgm:style>
+  </dgm:styleLbl>
+  <dgm:styleLbl name="sibTrans2D1">
+    <dgm:scene3d>
+      <a:camera prst="orthographicFront"/>
+      <a:lightRig rig="threePt" dir="t"/>
+    </dgm:scene3d>
+    <dgm:sp3d/>
+    <dgm:txPr/>
+    <dgm:style>
+      <a:lnRef idx="0">
+        <a:scrgbClr r="0" g="0" b="0"/>
+      </a:lnRef>
+      <a:fillRef idx="1">
+        <a:scrgbClr r="0" g="0" b="0"/>
+      </a:fillRef>
+      <a:effectRef idx="1">
+        <a:scrgbClr r="0" g="0" b="0"/>
+      </a:effectRef>
+      <a:fontRef idx="minor">
+        <a:schemeClr val="lt1"/>
+      </a:fontRef>
+    </dgm:style>
+  </dgm:styleLbl>
+  <dgm:styleLbl name="fgSibTrans2D1">
+    <dgm:scene3d>
+      <a:camera prst="orthographicFront"/>
+      <a:lightRig rig="threePt" dir="t"/>
+    </dgm:scene3d>
+    <dgm:sp3d/>
+    <dgm:txPr/>
+    <dgm:style>
+      <a:lnRef idx="0">
+        <a:scrgbClr r="0" g="0" b="0"/>
+      </a:lnRef>
+      <a:fillRef idx="1">
+        <a:scrgbClr r="0" g="0" b="0"/>
+      </a:fillRef>
+      <a:effectRef idx="1">
+        <a:scrgbClr r="0" g="0" b="0"/>
+      </a:effectRef>
+      <a:fontRef idx="minor">
+        <a:schemeClr val="lt1"/>
+      </a:fontRef>
+    </dgm:style>
+  </dgm:styleLbl>
+  <dgm:styleLbl name="bgSibTrans2D1">
+    <dgm:scene3d>
+      <a:camera prst="orthographicFront"/>
+      <a:lightRig rig="threePt" dir="t"/>
+    </dgm:scene3d>
+    <dgm:sp3d/>
+    <dgm:txPr/>
+    <dgm:style>
+      <a:lnRef idx="0">
+        <a:scrgbClr r="0" g="0" b="0"/>
+      </a:lnRef>
+      <a:fillRef idx="1">
+        <a:scrgbClr r="0" g="0" b="0"/>
+      </a:fillRef>
+      <a:effectRef idx="1">
+        <a:scrgbClr r="0" g="0" b="0"/>
+      </a:effectRef>
+      <a:fontRef idx="minor">
+        <a:schemeClr val="lt1"/>
+      </a:fontRef>
+    </dgm:style>
+  </dgm:styleLbl>
+  <dgm:styleLbl name="sibTrans1D1">
+    <dgm:scene3d>
+      <a:camera prst="orthographicFront"/>
+      <a:lightRig rig="threePt" dir="t"/>
+    </dgm:scene3d>
+    <dgm:sp3d/>
+    <dgm:txPr/>
+    <dgm:style>
+      <a:lnRef idx="1">
+        <a:scrgbClr r="0" g="0" b="0"/>
+      </a:lnRef>
+      <a:fillRef idx="0">
+        <a:scrgbClr r="0" g="0" b="0"/>
+      </a:fillRef>
+      <a:effectRef idx="0">
+        <a:scrgbClr r="0" g="0" b="0"/>
+      </a:effectRef>
+      <a:fontRef idx="minor"/>
+    </dgm:style>
+  </dgm:styleLbl>
+  <dgm:styleLbl name="callout">
+    <dgm:scene3d>
+      <a:camera prst="orthographicFront"/>
+      <a:lightRig rig="threePt" dir="t"/>
+    </dgm:scene3d>
+    <dgm:sp3d/>
+    <dgm:txPr/>
+    <dgm:style>
+      <a:lnRef idx="2">
+        <a:scrgbClr r="0" g="0" b="0"/>
+      </a:lnRef>
+      <a:fillRef idx="1">
+        <a:scrgbClr r="0" g="0" b="0"/>
+      </a:fillRef>
+      <a:effectRef idx="1">
+        <a:scrgbClr r="0" g="0" b="0"/>
+      </a:effectRef>
+      <a:fontRef idx="minor"/>
+    </dgm:style>
+  </dgm:styleLbl>
+  <dgm:styleLbl name="asst0">
+    <dgm:scene3d>
+      <a:camera prst="orthographicFront"/>
+      <a:lightRig rig="threePt" dir="t"/>
+    </dgm:scene3d>
+    <dgm:sp3d/>
+    <dgm:txPr/>
+    <dgm:style>
+      <a:lnRef idx="3">
+        <a:scrgbClr r="0" g="0" b="0"/>
+      </a:lnRef>
+      <a:fillRef idx="1">
+        <a:scrgbClr r="0" g="0" b="0"/>
+      </a:fillRef>
+      <a:effectRef idx="1">
+        <a:scrgbClr r="0" g="0" b="0"/>
+      </a:effectRef>
+      <a:fontRef idx="minor">
+        <a:schemeClr val="lt1"/>
+      </a:fontRef>
+    </dgm:style>
+  </dgm:styleLbl>
+  <dgm:styleLbl name="asst1">
+    <dgm:scene3d>
+      <a:camera prst="orthographicFront"/>
+      <a:lightRig rig="threePt" dir="t"/>
+    </dgm:scene3d>
+    <dgm:sp3d/>
+    <dgm:txPr/>
+    <dgm:style>
+      <a:lnRef idx="3">
+        <a:scrgbClr r="0" g="0" b="0"/>
+      </a:lnRef>
+      <a:fillRef idx="1">
+        <a:scrgbClr r="0" g="0" b="0"/>
+      </a:fillRef>
+      <a:effectRef idx="1">
+        <a:scrgbClr r="0" g="0" b="0"/>
+      </a:effectRef>
+      <a:fontRef idx="minor">
+        <a:schemeClr val="lt1"/>
+      </a:fontRef>
+    </dgm:style>
+  </dgm:styleLbl>
+  <dgm:styleLbl name="asst2">
+    <dgm:scene3d>
+      <a:camera prst="orthographicFront"/>
+      <a:lightRig rig="threePt" dir="t"/>
+    </dgm:scene3d>
+    <dgm:sp3d/>
+    <dgm:txPr/>
+    <dgm:style>
+      <a:lnRef idx="3">
+        <a:scrgbClr r="0" g="0" b="0"/>
+      </a:lnRef>
+      <a:fillRef idx="1">
+        <a:scrgbClr r="0" g="0" b="0"/>
+      </a:fillRef>
+      <a:effectRef idx="1">
+        <a:scrgbClr r="0" g="0" b="0"/>
+      </a:effectRef>
+      <a:fontRef idx="minor">
+        <a:schemeClr val="lt1"/>
+      </a:fontRef>
+    </dgm:style>
+  </dgm:styleLbl>
+  <dgm:styleLbl name="asst3">
+    <dgm:scene3d>
+      <a:camera prst="orthographicFront"/>
+      <a:lightRig rig="threePt" dir="t"/>
+    </dgm:scene3d>
+    <dgm:sp3d/>
+    <dgm:txPr/>
+    <dgm:style>
+      <a:lnRef idx="3">
+        <a:scrgbClr r="0" g="0" b="0"/>
+      </a:lnRef>
+      <a:fillRef idx="1">
+        <a:scrgbClr r="0" g="0" b="0"/>
+      </a:fillRef>
+      <a:effectRef idx="1">
+        <a:scrgbClr r="0" g="0" b="0"/>
+      </a:effectRef>
+      <a:fontRef idx="minor">
+        <a:schemeClr val="lt1"/>
+      </a:fontRef>
+    </dgm:style>
+  </dgm:styleLbl>
+  <dgm:styleLbl name="asst4">
+    <dgm:scene3d>
+      <a:camera prst="orthographicFront"/>
+      <a:lightRig rig="threePt" dir="t"/>
+    </dgm:scene3d>
+    <dgm:sp3d/>
+    <dgm:txPr/>
+    <dgm:style>
+      <a:lnRef idx="3">
+        <a:scrgbClr r="0" g="0" b="0"/>
+      </a:lnRef>
+      <a:fillRef idx="1">
+        <a:scrgbClr r="0" g="0" b="0"/>
+      </a:fillRef>
+      <a:effectRef idx="1">
+        <a:scrgbClr r="0" g="0" b="0"/>
+      </a:effectRef>
+      <a:fontRef idx="minor">
+        <a:schemeClr val="lt1"/>
+      </a:fontRef>
+    </dgm:style>
+  </dgm:styleLbl>
+  <dgm:styleLbl name="parChTrans2D1">
+    <dgm:scene3d>
+      <a:camera prst="orthographicFront"/>
+      <a:lightRig rig="threePt" dir="t"/>
+    </dgm:scene3d>
+    <dgm:sp3d/>
+    <dgm:txPr/>
+    <dgm:style>
+      <a:lnRef idx="3">
+        <a:scrgbClr r="0" g="0" b="0"/>
+      </a:lnRef>
+      <a:fillRef idx="1">
+        <a:scrgbClr r="0" g="0" b="0"/>
+      </a:fillRef>
+      <a:effectRef idx="1">
+        <a:scrgbClr r="0" g="0" b="0"/>
+      </a:effectRef>
+      <a:fontRef idx="minor">
+        <a:schemeClr val="lt1"/>
+      </a:fontRef>
+    </dgm:style>
+  </dgm:styleLbl>
+  <dgm:styleLbl name="parChTrans2D2">
+    <dgm:scene3d>
+      <a:camera prst="orthographicFront"/>
+      <a:lightRig rig="threePt" dir="t"/>
+    </dgm:scene3d>
+    <dgm:sp3d/>
+    <dgm:txPr/>
+    <dgm:style>
+      <a:lnRef idx="3">
+        <a:scrgbClr r="0" g="0" b="0"/>
+      </a:lnRef>
+      <a:fillRef idx="1">
+        <a:scrgbClr r="0" g="0" b="0"/>
+      </a:fillRef>
+      <a:effectRef idx="1">
+        <a:scrgbClr r="0" g="0" b="0"/>
+      </a:effectRef>
+      <a:fontRef idx="minor">
+        <a:schemeClr val="lt1"/>
+      </a:fontRef>
+    </dgm:style>
+  </dgm:styleLbl>
+  <dgm:styleLbl name="parChTrans2D3">
+    <dgm:scene3d>
+      <a:camera prst="orthographicFront"/>
+      <a:lightRig rig="threePt" dir="t"/>
+    </dgm:scene3d>
+    <dgm:sp3d/>
+    <dgm:txPr/>
+    <dgm:style>
+      <a:lnRef idx="3">
+        <a:scrgbClr r="0" g="0" b="0"/>
+      </a:lnRef>
+      <a:fillRef idx="1">
+        <a:scrgbClr r="0" g="0" b="0"/>
+      </a:fillRef>
+      <a:effectRef idx="1">
+        <a:scrgbClr r="0" g="0" b="0"/>
+      </a:effectRef>
+      <a:fontRef idx="minor">
+        <a:schemeClr val="lt1"/>
+      </a:fontRef>
+    </dgm:style>
+  </dgm:styleLbl>
+  <dgm:styleLbl name="parChTrans2D4">
+    <dgm:scene3d>
+      <a:camera prst="orthographicFront"/>
+      <a:lightRig rig="threePt" dir="t"/>
+    </dgm:scene3d>
+    <dgm:sp3d/>
+    <dgm:txPr/>
+    <dgm:style>
+      <a:lnRef idx="3">
+        <a:scrgbClr r="0" g="0" b="0"/>
+      </a:lnRef>
+      <a:fillRef idx="1">
+        <a:scrgbClr r="0" g="0" b="0"/>
+      </a:fillRef>
+      <a:effectRef idx="1">
+        <a:scrgbClr r="0" g="0" b="0"/>
+      </a:effectRef>
+      <a:fontRef idx="minor">
+        <a:schemeClr val="lt1"/>
+      </a:fontRef>
+    </dgm:style>
+  </dgm:styleLbl>
+  <dgm:styleLbl name="parChTrans1D1">
+    <dgm:scene3d>
+      <a:camera prst="orthographicFront"/>
+      <a:lightRig rig="threePt" dir="t"/>
+    </dgm:scene3d>
+    <dgm:sp3d/>
+    <dgm:txPr/>
+    <dgm:style>
+      <a:lnRef idx="2">
+        <a:scrgbClr r="0" g="0" b="0"/>
+      </a:lnRef>
+      <a:fillRef idx="0">
+        <a:scrgbClr r="0" g="0" b="0"/>
+      </a:fillRef>
+      <a:effectRef idx="0">
+        <a:scrgbClr r="0" g="0" b="0"/>
+      </a:effectRef>
+      <a:fontRef idx="minor"/>
+    </dgm:style>
+  </dgm:styleLbl>
+  <dgm:styleLbl name="parChTrans1D2">
+    <dgm:scene3d>
+      <a:camera prst="orthographicFront"/>
+      <a:lightRig rig="threePt" dir="t"/>
+    </dgm:scene3d>
+    <dgm:sp3d/>
+    <dgm:txPr/>
+    <dgm:style>
+      <a:lnRef idx="2">
+        <a:scrgbClr r="0" g="0" b="0"/>
+      </a:lnRef>
+      <a:fillRef idx="0">
+        <a:scrgbClr r="0" g="0" b="0"/>
+      </a:fillRef>
+      <a:effectRef idx="0">
+        <a:scrgbClr r="0" g="0" b="0"/>
+      </a:effectRef>
+      <a:fontRef idx="minor"/>
+    </dgm:style>
+  </dgm:styleLbl>
+  <dgm:styleLbl name="parChTrans1D3">
+    <dgm:scene3d>
+      <a:camera prst="orthographicFront"/>
+      <a:lightRig rig="threePt" dir="t"/>
+    </dgm:scene3d>
+    <dgm:sp3d/>
+    <dgm:txPr/>
+    <dgm:style>
+      <a:lnRef idx="2">
+        <a:scrgbClr r="0" g="0" b="0"/>
+      </a:lnRef>
+      <a:fillRef idx="0">
+        <a:scrgbClr r="0" g="0" b="0"/>
+      </a:fillRef>
+      <a:effectRef idx="0">
+        <a:scrgbClr r="0" g="0" b="0"/>
+      </a:effectRef>
+      <a:fontRef idx="minor"/>
+    </dgm:style>
+  </dgm:styleLbl>
+  <dgm:styleLbl name="parChTrans1D4">
+    <dgm:scene3d>
+      <a:camera prst="orthographicFront"/>
+      <a:lightRig rig="threePt" dir="t"/>
+    </dgm:scene3d>
+    <dgm:sp3d/>
+    <dgm:txPr/>
+    <dgm:style>
+      <a:lnRef idx="2">
+        <a:scrgbClr r="0" g="0" b="0"/>
+      </a:lnRef>
+      <a:fillRef idx="0">
+        <a:scrgbClr r="0" g="0" b="0"/>
+      </a:fillRef>
+      <a:effectRef idx="0">
+        <a:scrgbClr r="0" g="0" b="0"/>
+      </a:effectRef>
+      <a:fontRef idx="minor"/>
+    </dgm:style>
+  </dgm:styleLbl>
+  <dgm:styleLbl name="fgAcc1">
+    <dgm:scene3d>
+      <a:camera prst="orthographicFront"/>
+      <a:lightRig rig="threePt" dir="t"/>
+    </dgm:scene3d>
+    <dgm:sp3d/>
+    <dgm:txPr/>
+    <dgm:style>
+      <a:lnRef idx="2">
+        <a:scrgbClr r="0" g="0" b="0"/>
+      </a:lnRef>
+      <a:fillRef idx="1">
+        <a:scrgbClr r="0" g="0" b="0"/>
+      </a:fillRef>
+      <a:effectRef idx="0">
+        <a:scrgbClr r="0" g="0" b="0"/>
+      </a:effectRef>
+      <a:fontRef idx="minor"/>
+    </dgm:style>
+  </dgm:styleLbl>
+  <dgm:styleLbl name="conFgAcc1">
+    <dgm:scene3d>
+      <a:camera prst="orthographicFront"/>
+      <a:lightRig rig="threePt" dir="t"/>
+    </dgm:scene3d>
+    <dgm:sp3d/>
+    <dgm:txPr/>
+    <dgm:style>
+      <a:lnRef idx="2">
+        <a:scrgbClr r="0" g="0" b="0"/>
+      </a:lnRef>
+      <a:fillRef idx="1">
+        <a:scrgbClr r="0" g="0" b="0"/>
+      </a:fillRef>
+      <a:effectRef idx="0">
+        <a:scrgbClr r="0" g="0" b="0"/>
+      </a:effectRef>
+      <a:fontRef idx="minor"/>
+    </dgm:style>
+  </dgm:styleLbl>
+  <dgm:styleLbl name="alignAcc1">
+    <dgm:scene3d>
+      <a:camera prst="orthographicFront"/>
+      <a:lightRig rig="threePt" dir="t"/>
+    </dgm:scene3d>
+    <dgm:sp3d/>
+    <dgm:txPr/>
+    <dgm:style>
+      <a:lnRef idx="2">
+        <a:scrgbClr r="0" g="0" b="0"/>
+      </a:lnRef>
+      <a:fillRef idx="1">
+        <a:scrgbClr r="0" g="0" b="0"/>
+      </a:fillRef>
+      <a:effectRef idx="0">
+        <a:scrgbClr r="0" g="0" b="0"/>
+      </a:effectRef>
+      <a:fontRef idx="minor"/>
+    </dgm:style>
+  </dgm:styleLbl>
+  <dgm:styleLbl name="trAlignAcc1">
+    <dgm:scene3d>
+      <a:camera prst="orthographicFront"/>
+      <a:lightRig rig="threePt" dir="t"/>
+    </dgm:scene3d>
+    <dgm:sp3d/>
+    <dgm:txPr/>
+    <dgm:style>
+      <a:lnRef idx="1">
+        <a:scrgbClr r="0" g="0" b="0"/>
+      </a:lnRef>
+      <a:fillRef idx="1">
+        <a:scrgbClr r="0" g="0" b="0"/>
+      </a:fillRef>
+      <a:effectRef idx="0">
+        <a:scrgbClr r="0" g="0" b="0"/>
+      </a:effectRef>
+      <a:fontRef idx="minor"/>
+    </dgm:style>
+  </dgm:styleLbl>
+  <dgm:styleLbl name="bgAcc1">
+    <dgm:scene3d>
+      <a:camera prst="orthographicFront"/>
+      <a:lightRig rig="threePt" dir="t"/>
+    </dgm:scene3d>
+    <dgm:sp3d/>
+    <dgm:txPr/>
+    <dgm:style>
+      <a:lnRef idx="2">
+        <a:scrgbClr r="0" g="0" b="0"/>
+      </a:lnRef>
+      <a:fillRef idx="1">
+        <a:scrgbClr r="0" g="0" b="0"/>
+      </a:fillRef>
+      <a:effectRef idx="0">
+        <a:scrgbClr r="0" g="0" b="0"/>
+      </a:effectRef>
+      <a:fontRef idx="minor"/>
+    </dgm:style>
+  </dgm:styleLbl>
+  <dgm:styleLbl name="solidFgAcc1">
+    <dgm:scene3d>
+      <a:camera prst="orthographicFront"/>
+      <a:lightRig rig="threePt" dir="t"/>
+    </dgm:scene3d>
+    <dgm:sp3d/>
+    <dgm:txPr/>
+    <dgm:style>
+      <a:lnRef idx="2">
+        <a:scrgbClr r="0" g="0" b="0"/>
+      </a:lnRef>
+      <a:fillRef idx="1">
+        <a:scrgbClr r="0" g="0" b="0"/>
+      </a:fillRef>
+      <a:effectRef idx="0">
+        <a:scrgbClr r="0" g="0" b="0"/>
+      </a:effectRef>
+      <a:fontRef idx="minor"/>
+    </dgm:style>
+  </dgm:styleLbl>
+  <dgm:styleLbl name="solidAlignAcc1">
+    <dgm:scene3d>
+      <a:camera prst="orthographicFront"/>
+      <a:lightRig rig="threePt" dir="t"/>
+    </dgm:scene3d>
+    <dgm:sp3d/>
+    <dgm:txPr/>
+    <dgm:style>
+      <a:lnRef idx="2">
+        <a:scrgbClr r="0" g="0" b="0"/>
+      </a:lnRef>
+      <a:fillRef idx="1">
+        <a:scrgbClr r="0" g="0" b="0"/>
+      </a:fillRef>
+      <a:effectRef idx="0">
+        <a:scrgbClr r="0" g="0" b="0"/>
+      </a:effectRef>
+      <a:fontRef idx="minor"/>
+    </dgm:style>
+  </dgm:styleLbl>
+  <dgm:styleLbl name="solidBgAcc1">
+    <dgm:scene3d>
+      <a:camera prst="orthographicFront"/>
+      <a:lightRig rig="threePt" dir="t"/>
+    </dgm:scene3d>
+    <dgm:sp3d/>
+    <dgm:txPr/>
+    <dgm:style>
+      <a:lnRef idx="2">
+        <a:scrgbClr r="0" g="0" b="0"/>
+      </a:lnRef>
+      <a:fillRef idx="1">
+        <a:scrgbClr r="0" g="0" b="0"/>
+      </a:fillRef>
+      <a:effectRef idx="0">
+        <a:scrgbClr r="0" g="0" b="0"/>
+      </a:effectRef>
+      <a:fontRef idx="minor"/>
+    </dgm:style>
+  </dgm:styleLbl>
+  <dgm:styleLbl name="fgAccFollowNode1">
+    <dgm:scene3d>
+      <a:camera prst="orthographicFront"/>
+      <a:lightRig rig="threePt" dir="t"/>
+    </dgm:scene3d>
+    <dgm:sp3d/>
+    <dgm:txPr/>
+    <dgm:style>
+      <a:lnRef idx="2">
+        <a:scrgbClr r="0" g="0" b="0"/>
+      </a:lnRef>
+      <a:fillRef idx="1">
+        <a:scrgbClr r="0" g="0" b="0"/>
+      </a:fillRef>
+      <a:effectRef idx="0">
+        <a:scrgbClr r="0" g="0" b="0"/>
+      </a:effectRef>
+      <a:fontRef idx="minor"/>
+    </dgm:style>
+  </dgm:styleLbl>
+  <dgm:styleLbl name="alignAccFollowNode1">
+    <dgm:scene3d>
+      <a:camera prst="orthographicFront"/>
+      <a:lightRig rig="threePt" dir="t"/>
+    </dgm:scene3d>
+    <dgm:sp3d/>
+    <dgm:txPr/>
+    <dgm:style>
+      <a:lnRef idx="2">
+        <a:scrgbClr r="0" g="0" b="0"/>
+      </a:lnRef>
+      <a:fillRef idx="1">
+        <a:scrgbClr r="0" g="0" b="0"/>
+      </a:fillRef>
+      <a:effectRef idx="0">
+        <a:scrgbClr r="0" g="0" b="0"/>
+      </a:effectRef>
+      <a:fontRef idx="minor"/>
+    </dgm:style>
+  </dgm:styleLbl>
+  <dgm:styleLbl name="bgAccFollowNode1">
+    <dgm:scene3d>
+      <a:camera prst="orthographicFront"/>
+      <a:lightRig rig="threePt" dir="t"/>
+    </dgm:scene3d>
+    <dgm:sp3d/>
+    <dgm:txPr/>
+    <dgm:style>
+      <a:lnRef idx="2">
+        <a:scrgbClr r="0" g="0" b="0"/>
+      </a:lnRef>
+      <a:fillRef idx="1">
+        <a:scrgbClr r="0" g="0" b="0"/>
+      </a:fillRef>
+      <a:effectRef idx="0">
+        <a:scrgbClr r="0" g="0" b="0"/>
+      </a:effectRef>
+      <a:fontRef idx="minor"/>
+    </dgm:style>
+  </dgm:styleLbl>
+  <dgm:styleLbl name="fgAcc0">
+    <dgm:scene3d>
+      <a:camera prst="orthographicFront"/>
+      <a:lightRig rig="threePt" dir="t"/>
+    </dgm:scene3d>
+    <dgm:sp3d/>
+    <dgm:txPr/>
+    <dgm:style>
+      <a:lnRef idx="2">
+        <a:scrgbClr r="0" g="0" b="0"/>
+      </a:lnRef>
+      <a:fillRef idx="1">
+        <a:scrgbClr r="0" g="0" b="0"/>
+      </a:fillRef>
+      <a:effectRef idx="0">
+        <a:scrgbClr r="0" g="0" b="0"/>
+      </a:effectRef>
+      <a:fontRef idx="minor"/>
+    </dgm:style>
+  </dgm:styleLbl>
+  <dgm:styleLbl name="fgAcc2">
+    <dgm:scene3d>
+      <a:camera prst="orthographicFront"/>
+      <a:lightRig rig="threePt" dir="t"/>
+    </dgm:scene3d>
+    <dgm:sp3d/>
+    <dgm:txPr/>
+    <dgm:style>
+      <a:lnRef idx="2">
+        <a:scrgbClr r="0" g="0" b="0"/>
+      </a:lnRef>
+      <a:fillRef idx="1">
+        <a:scrgbClr r="0" g="0" b="0"/>
+      </a:fillRef>
+      <a:effectRef idx="0">
+        <a:scrgbClr r="0" g="0" b="0"/>
+      </a:effectRef>
+      <a:fontRef idx="minor"/>
+    </dgm:style>
+  </dgm:styleLbl>
+  <dgm:styleLbl name="fgAcc3">
+    <dgm:scene3d>
+      <a:camera prst="orthographicFront"/>
+      <a:lightRig rig="threePt" dir="t"/>
+    </dgm:scene3d>
+    <dgm:sp3d/>
+    <dgm:txPr/>
+    <dgm:style>
+      <a:lnRef idx="2">
+        <a:scrgbClr r="0" g="0" b="0"/>
+      </a:lnRef>
+      <a:fillRef idx="1">
+        <a:scrgbClr r="0" g="0" b="0"/>
+      </a:fillRef>
+      <a:effectRef idx="0">
+        <a:scrgbClr r="0" g="0" b="0"/>
+      </a:effectRef>
+      <a:fontRef idx="minor"/>
+    </dgm:style>
+  </dgm:styleLbl>
+  <dgm:styleLbl name="fgAcc4">
+    <dgm:scene3d>
+      <a:camera prst="orthographicFront"/>
+      <a:lightRig rig="threePt" dir="t"/>
+    </dgm:scene3d>
+    <dgm:sp3d/>
+    <dgm:txPr/>
+    <dgm:style>
+      <a:lnRef idx="2">
+        <a:scrgbClr r="0" g="0" b="0"/>
+      </a:lnRef>
+      <a:fillRef idx="1">
+        <a:scrgbClr r="0" g="0" b="0"/>
+      </a:fillRef>
+      <a:effectRef idx="0">
+        <a:scrgbClr r="0" g="0" b="0"/>
+      </a:effectRef>
+      <a:fontRef idx="minor"/>
+    </dgm:style>
+  </dgm:styleLbl>
+  <dgm:styleLbl name="bgShp">
+    <dgm:scene3d>
+      <a:camera prst="orthographicFront"/>
+      <a:lightRig rig="threePt" dir="t"/>
+    </dgm:scene3d>
+    <dgm:sp3d/>
+    <dgm:txPr/>
+    <dgm:style>
+      <a:lnRef idx="0">
+        <a:scrgbClr r="0" g="0" b="0"/>
+      </a:lnRef>
+      <a:fillRef idx="1">
+        <a:scrgbClr r="0" g="0" b="0"/>
+      </a:fillRef>
+      <a:effectRef idx="0">
+        <a:scrgbClr r="0" g="0" b="0"/>
+      </a:effectRef>
+      <a:fontRef idx="minor"/>
+    </dgm:style>
+  </dgm:styleLbl>
+  <dgm:styleLbl name="dkBgShp">
+    <dgm:scene3d>
+      <a:camera prst="orthographicFront"/>
+      <a:lightRig rig="threePt" dir="t"/>
+    </dgm:scene3d>
+    <dgm:sp3d/>
+    <dgm:txPr/>
+    <dgm:style>
+      <a:lnRef idx="0">
+        <a:scrgbClr r="0" g="0" b="0"/>
+      </a:lnRef>
+      <a:fillRef idx="1">
+        <a:scrgbClr r="0" g="0" b="0"/>
+      </a:fillRef>
+      <a:effectRef idx="0">
+        <a:scrgbClr r="0" g="0" b="0"/>
+      </a:effectRef>
+      <a:fontRef idx="minor"/>
+    </dgm:style>
+  </dgm:styleLbl>
+  <dgm:styleLbl name="trBgShp">
+    <dgm:scene3d>
+      <a:camera prst="orthographicFront"/>
+      <a:lightRig rig="threePt" dir="t"/>
+    </dgm:scene3d>
+    <dgm:sp3d/>
+    <dgm:txPr/>
+    <dgm:style>
+      <a:lnRef idx="0">
+        <a:scrgbClr r="0" g="0" b="0"/>
+      </a:lnRef>
+      <a:fillRef idx="1">
+        <a:scrgbClr r="0" g="0" b="0"/>
+      </a:fillRef>
+      <a:effectRef idx="0">
+        <a:scrgbClr r="0" g="0" b="0"/>
+      </a:effectRef>
+      <a:fontRef idx="minor"/>
+    </dgm:style>
+  </dgm:styleLbl>
+  <dgm:styleLbl name="fgShp">
+    <dgm:scene3d>
+      <a:camera prst="orthographicFront"/>
+      <a:lightRig rig="threePt" dir="t"/>
+    </dgm:scene3d>
+    <dgm:sp3d/>
+    <dgm:txPr/>
+    <dgm:style>
+      <a:lnRef idx="3">
+        <a:scrgbClr r="0" g="0" b="0"/>
+      </a:lnRef>
+      <a:fillRef idx="1">
+        <a:scrgbClr r="0" g="0" b="0"/>
+      </a:fillRef>
+      <a:effectRef idx="1">
+        <a:scrgbClr r="0" g="0" b="0"/>
+      </a:effectRef>
+      <a:fontRef idx="minor"/>
+    </dgm:style>
+  </dgm:styleLbl>
+  <dgm:styleLbl name="revTx">
+    <dgm:scene3d>
+      <a:camera prst="orthographicFront"/>
+      <a:lightRig rig="threePt" dir="t"/>
+    </dgm:scene3d>
+    <dgm:sp3d/>
+    <dgm:txPr/>
+    <dgm:style>
+      <a:lnRef idx="0">
+        <a:scrgbClr r="0" g="0" b="0"/>
+      </a:lnRef>
+      <a:fillRef idx="0">
+        <a:scrgbClr r="0" g="0" b="0"/>
+      </a:fillRef>
+      <a:effectRef idx="0">
+        <a:scrgbClr r="0" g="0" b="0"/>
+      </a:effectRef>
+      <a:fontRef idx="minor"/>
+    </dgm:style>
+  </dgm:styleLbl>
+</dgm:styleDef>
+</file>
+
+<file path=ppt/diagrams/quickStyle2.xml><?xml version="1.0" encoding="utf-8"?>
+<dgm:styleDef xmlns:dgm="http://schemas.openxmlformats.org/drawingml/2006/diagram" xmlns:a="http://schemas.openxmlformats.org/drawingml/2006/main" uniqueId="urn:microsoft.com/office/officeart/2005/8/quickstyle/simple2">
+  <dgm:title val=""/>
+  <dgm:desc val=""/>
+  <dgm:catLst>
+    <dgm:cat type="simple" pri="10200"/>
+  </dgm:catLst>
+  <dgm:scene3d>
+    <a:camera prst="orthographicFront"/>
+    <a:lightRig rig="threePt" dir="t"/>
+  </dgm:scene3d>
+  <dgm:styleLbl name="node0">
+    <dgm:scene3d>
+      <a:camera prst="orthographicFront"/>
+      <a:lightRig rig="threePt" dir="t"/>
+    </dgm:scene3d>
+    <dgm:sp3d/>
+    <dgm:txPr/>
+    <dgm:style>
+      <a:lnRef idx="3">
+        <a:scrgbClr r="0" g="0" b="0"/>
+      </a:lnRef>
+      <a:fillRef idx="1">
+        <a:scrgbClr r="0" g="0" b="0"/>
+      </a:fillRef>
+      <a:effectRef idx="1">
+        <a:scrgbClr r="0" g="0" b="0"/>
+      </a:effectRef>
+      <a:fontRef idx="minor">
+        <a:schemeClr val="lt1"/>
+      </a:fontRef>
+    </dgm:style>
+  </dgm:styleLbl>
+  <dgm:styleLbl name="lnNode1">
+    <dgm:scene3d>
+      <a:camera prst="orthographicFront"/>
+      <a:lightRig rig="threePt" dir="t"/>
+    </dgm:scene3d>
+    <dgm:sp3d/>
+    <dgm:txPr/>
+    <dgm:style>
+      <a:lnRef idx="3">
+        <a:scrgbClr r="0" g="0" b="0"/>
+      </a:lnRef>
+      <a:fillRef idx="1">
+        <a:scrgbClr r="0" g="0" b="0"/>
+      </a:fillRef>
+      <a:effectRef idx="1">
+        <a:scrgbClr r="0" g="0" b="0"/>
+      </a:effectRef>
+      <a:fontRef idx="minor">
+        <a:schemeClr val="lt1"/>
+      </a:fontRef>
+    </dgm:style>
+  </dgm:styleLbl>
+  <dgm:styleLbl name="vennNode1">
+    <dgm:scene3d>
+      <a:camera prst="orthographicFront"/>
+      <a:lightRig rig="threePt" dir="t"/>
+    </dgm:scene3d>
+    <dgm:sp3d/>
+    <dgm:txPr/>
+    <dgm:style>
+      <a:lnRef idx="3">
+        <a:scrgbClr r="0" g="0" b="0"/>
+      </a:lnRef>
+      <a:fillRef idx="1">
+        <a:scrgbClr r="0" g="0" b="0"/>
+      </a:fillRef>
+      <a:effectRef idx="0">
+        <a:scrgbClr r="0" g="0" b="0"/>
+      </a:effectRef>
+      <a:fontRef idx="minor">
+        <a:schemeClr val="tx1"/>
+      </a:fontRef>
+    </dgm:style>
+  </dgm:styleLbl>
+  <dgm:styleLbl name="alignNode1">
+    <dgm:scene3d>
+      <a:camera prst="orthographicFront"/>
+      <a:lightRig rig="threePt" dir="t"/>
+    </dgm:scene3d>
+    <dgm:sp3d/>
+    <dgm:txPr/>
+    <dgm:style>
+      <a:lnRef idx="2">
+        <a:scrgbClr r="0" g="0" b="0"/>
+      </a:lnRef>
+      <a:fillRef idx="1">
+        <a:scrgbClr r="0" g="0" b="0"/>
+      </a:fillRef>
+      <a:effectRef idx="1">
+        <a:scrgbClr r="0" g="0" b="0"/>
+      </a:effectRef>
+      <a:fontRef idx="minor">
+        <a:schemeClr val="lt1"/>
+      </a:fontRef>
+    </dgm:style>
+  </dgm:styleLbl>
+  <dgm:styleLbl name="node1">
+    <dgm:scene3d>
+      <a:camera prst="orthographicFront"/>
+      <a:lightRig rig="threePt" dir="t"/>
+    </dgm:scene3d>
+    <dgm:sp3d/>
+    <dgm:txPr/>
+    <dgm:style>
+      <a:lnRef idx="3">
+        <a:scrgbClr r="0" g="0" b="0"/>
+      </a:lnRef>
+      <a:fillRef idx="1">
+        <a:scrgbClr r="0" g="0" b="0"/>
+      </a:fillRef>
+      <a:effectRef idx="1">
+        <a:scrgbClr r="0" g="0" b="0"/>
+      </a:effectRef>
+      <a:fontRef idx="minor">
+        <a:schemeClr val="lt1"/>
+      </a:fontRef>
+    </dgm:style>
+  </dgm:styleLbl>
+  <dgm:styleLbl name="node2">
+    <dgm:scene3d>
+      <a:camera prst="orthographicFront"/>
+      <a:lightRig rig="threePt" dir="t"/>
+    </dgm:scene3d>
+    <dgm:sp3d/>
+    <dgm:txPr/>
+    <dgm:style>
+      <a:lnRef idx="3">
+        <a:scrgbClr r="0" g="0" b="0"/>
+      </a:lnRef>
+      <a:fillRef idx="1">
+        <a:scrgbClr r="0" g="0" b="0"/>
+      </a:fillRef>
+      <a:effectRef idx="1">
+        <a:scrgbClr r="0" g="0" b="0"/>
+      </a:effectRef>
+      <a:fontRef idx="minor">
+        <a:schemeClr val="lt1"/>
+      </a:fontRef>
+    </dgm:style>
+  </dgm:styleLbl>
+  <dgm:styleLbl name="node3">
+    <dgm:scene3d>
+      <a:camera prst="orthographicFront"/>
+      <a:lightRig rig="threePt" dir="t"/>
+    </dgm:scene3d>
+    <dgm:sp3d/>
+    <dgm:txPr/>
+    <dgm:style>
+      <a:lnRef idx="3">
+        <a:scrgbClr r="0" g="0" b="0"/>
+      </a:lnRef>
+      <a:fillRef idx="1">
+        <a:scrgbClr r="0" g="0" b="0"/>
+      </a:fillRef>
+      <a:effectRef idx="1">
+        <a:scrgbClr r="0" g="0" b="0"/>
+      </a:effectRef>
+      <a:fontRef idx="minor">
+        <a:schemeClr val="lt1"/>
+      </a:fontRef>
+    </dgm:style>
+  </dgm:styleLbl>
+  <dgm:styleLbl name="node4">
+    <dgm:scene3d>
+      <a:camera prst="orthographicFront"/>
+      <a:lightRig rig="threePt" dir="t"/>
+    </dgm:scene3d>
+    <dgm:sp3d/>
+    <dgm:txPr/>
+    <dgm:style>
+      <a:lnRef idx="3">
+        <a:scrgbClr r="0" g="0" b="0"/>
+      </a:lnRef>
+      <a:fillRef idx="1">
+        <a:scrgbClr r="0" g="0" b="0"/>
+      </a:fillRef>
+      <a:effectRef idx="1">
+        <a:scrgbClr r="0" g="0" b="0"/>
+      </a:effectRef>
+      <a:fontRef idx="minor">
+        <a:schemeClr val="lt1"/>
+      </a:fontRef>
+    </dgm:style>
+  </dgm:styleLbl>
+  <dgm:styleLbl name="fgImgPlace1">
+    <dgm:scene3d>
+      <a:camera prst="orthographicFront"/>
+      <a:lightRig rig="threePt" dir="t"/>
+    </dgm:scene3d>
+    <dgm:sp3d/>
+    <dgm:txPr/>
+    <dgm:style>
+      <a:lnRef idx="3">
+        <a:scrgbClr r="0" g="0" b="0"/>
+      </a:lnRef>
+      <a:fillRef idx="1">
+        <a:scrgbClr r="0" g="0" b="0"/>
+      </a:fillRef>
+      <a:effectRef idx="1">
+        <a:scrgbClr r="0" g="0" b="0"/>
+      </a:effectRef>
+      <a:fontRef idx="minor"/>
+    </dgm:style>
+  </dgm:styleLbl>
+  <dgm:styleLbl name="alignImgPlace1">
+    <dgm:scene3d>
+      <a:camera prst="orthographicFront"/>
+      <a:lightRig rig="threePt" dir="t"/>
+    </dgm:scene3d>
+    <dgm:sp3d/>
+    <dgm:txPr/>
+    <dgm:style>
+      <a:lnRef idx="3">
+        <a:scrgbClr r="0" g="0" b="0"/>
+      </a:lnRef>
+      <a:fillRef idx="1">
+        <a:scrgbClr r="0" g="0" b="0"/>
+      </a:fillRef>
+      <a:effectRef idx="1">
+        <a:scrgbClr r="0" g="0" b="0"/>
+      </a:effectRef>
+      <a:fontRef idx="minor"/>
+    </dgm:style>
+  </dgm:styleLbl>
+  <dgm:styleLbl name="bgImgPlace1">
+    <dgm:scene3d>
+      <a:camera prst="orthographicFront"/>
+      <a:lightRig rig="threePt" dir="t"/>
+    </dgm:scene3d>
+    <dgm:sp3d/>
+    <dgm:txPr/>
+    <dgm:style>
+      <a:lnRef idx="3">
+        <a:scrgbClr r="0" g="0" b="0"/>
+      </a:lnRef>
+      <a:fillRef idx="1">
+        <a:scrgbClr r="0" g="0" b="0"/>
+      </a:fillRef>
+      <a:effectRef idx="1">
+        <a:scrgbClr r="0" g="0" b="0"/>
+      </a:effectRef>
+      <a:fontRef idx="minor"/>
+    </dgm:style>
+  </dgm:styleLbl>
+  <dgm:styleLbl name="sibTrans2D1">
+    <dgm:scene3d>
+      <a:camera prst="orthographicFront"/>
+      <a:lightRig rig="threePt" dir="t"/>
+    </dgm:scene3d>
+    <dgm:sp3d/>
+    <dgm:txPr/>
+    <dgm:style>
+      <a:lnRef idx="0">
+        <a:scrgbClr r="0" g="0" b="0"/>
+      </a:lnRef>
+      <a:fillRef idx="1">
+        <a:scrgbClr r="0" g="0" b="0"/>
+      </a:fillRef>
+      <a:effectRef idx="1">
+        <a:scrgbClr r="0" g="0" b="0"/>
+      </a:effectRef>
+      <a:fontRef idx="minor">
+        <a:schemeClr val="lt1"/>
+      </a:fontRef>
+    </dgm:style>
+  </dgm:styleLbl>
+  <dgm:styleLbl name="fgSibTrans2D1">
+    <dgm:scene3d>
+      <a:camera prst="orthographicFront"/>
+      <a:lightRig rig="threePt" dir="t"/>
+    </dgm:scene3d>
+    <dgm:sp3d/>
+    <dgm:txPr/>
+    <dgm:style>
+      <a:lnRef idx="0">
+        <a:scrgbClr r="0" g="0" b="0"/>
+      </a:lnRef>
+      <a:fillRef idx="1">
+        <a:scrgbClr r="0" g="0" b="0"/>
+      </a:fillRef>
+      <a:effectRef idx="1">
+        <a:scrgbClr r="0" g="0" b="0"/>
+      </a:effectRef>
+      <a:fontRef idx="minor">
+        <a:schemeClr val="lt1"/>
+      </a:fontRef>
+    </dgm:style>
+  </dgm:styleLbl>
+  <dgm:styleLbl name="bgSibTrans2D1">
+    <dgm:scene3d>
+      <a:camera prst="orthographicFront"/>
+      <a:lightRig rig="threePt" dir="t"/>
+    </dgm:scene3d>
+    <dgm:sp3d/>
+    <dgm:txPr/>
+    <dgm:style>
+      <a:lnRef idx="0">
+        <a:scrgbClr r="0" g="0" b="0"/>
+      </a:lnRef>
+      <a:fillRef idx="1">
+        <a:scrgbClr r="0" g="0" b="0"/>
+      </a:fillRef>
+      <a:effectRef idx="1">
+        <a:scrgbClr r="0" g="0" b="0"/>
+      </a:effectRef>
+      <a:fontRef idx="minor">
+        <a:schemeClr val="lt1"/>
+      </a:fontRef>
+    </dgm:style>
+  </dgm:styleLbl>
+  <dgm:styleLbl name="sibTrans1D1">
+    <dgm:scene3d>
+      <a:camera prst="orthographicFront"/>
+      <a:lightRig rig="threePt" dir="t"/>
+    </dgm:scene3d>
+    <dgm:sp3d/>
+    <dgm:txPr/>
+    <dgm:style>
+      <a:lnRef idx="1">
+        <a:scrgbClr r="0" g="0" b="0"/>
+      </a:lnRef>
+      <a:fillRef idx="0">
+        <a:scrgbClr r="0" g="0" b="0"/>
+      </a:fillRef>
+      <a:effectRef idx="0">
+        <a:scrgbClr r="0" g="0" b="0"/>
+      </a:effectRef>
+      <a:fontRef idx="minor"/>
+    </dgm:style>
+  </dgm:styleLbl>
+  <dgm:styleLbl name="callout">
+    <dgm:scene3d>
+      <a:camera prst="orthographicFront"/>
+      <a:lightRig rig="threePt" dir="t"/>
+    </dgm:scene3d>
+    <dgm:sp3d/>
+    <dgm:txPr/>
+    <dgm:style>
+      <a:lnRef idx="2">
+        <a:scrgbClr r="0" g="0" b="0"/>
+      </a:lnRef>
+      <a:fillRef idx="1">
+        <a:scrgbClr r="0" g="0" b="0"/>
+      </a:fillRef>
+      <a:effectRef idx="1">
+        <a:scrgbClr r="0" g="0" b="0"/>
+      </a:effectRef>
+      <a:fontRef idx="minor"/>
+    </dgm:style>
+  </dgm:styleLbl>
+  <dgm:styleLbl name="asst0">
+    <dgm:scene3d>
+      <a:camera prst="orthographicFront"/>
+      <a:lightRig rig="threePt" dir="t"/>
+    </dgm:scene3d>
+    <dgm:sp3d/>
+    <dgm:txPr/>
+    <dgm:style>
+      <a:lnRef idx="3">
+        <a:scrgbClr r="0" g="0" b="0"/>
+      </a:lnRef>
+      <a:fillRef idx="1">
+        <a:scrgbClr r="0" g="0" b="0"/>
+      </a:fillRef>
+      <a:effectRef idx="1">
+        <a:scrgbClr r="0" g="0" b="0"/>
+      </a:effectRef>
+      <a:fontRef idx="minor">
+        <a:schemeClr val="lt1"/>
+      </a:fontRef>
+    </dgm:style>
+  </dgm:styleLbl>
+  <dgm:styleLbl name="asst1">
+    <dgm:scene3d>
+      <a:camera prst="orthographicFront"/>
+      <a:lightRig rig="threePt" dir="t"/>
+    </dgm:scene3d>
+    <dgm:sp3d/>
+    <dgm:txPr/>
+    <dgm:style>
+      <a:lnRef idx="3">
+        <a:scrgbClr r="0" g="0" b="0"/>
+      </a:lnRef>
+      <a:fillRef idx="1">
+        <a:scrgbClr r="0" g="0" b="0"/>
+      </a:fillRef>
+      <a:effectRef idx="1">
+        <a:scrgbClr r="0" g="0" b="0"/>
+      </a:effectRef>
+      <a:fontRef idx="minor">
+        <a:schemeClr val="lt1"/>
+      </a:fontRef>
+    </dgm:style>
+  </dgm:styleLbl>
+  <dgm:styleLbl name="asst2">
+    <dgm:scene3d>
+      <a:camera prst="orthographicFront"/>
+      <a:lightRig rig="threePt" dir="t"/>
+    </dgm:scene3d>
+    <dgm:sp3d/>
+    <dgm:txPr/>
+    <dgm:style>
+      <a:lnRef idx="3">
+        <a:scrgbClr r="0" g="0" b="0"/>
+      </a:lnRef>
+      <a:fillRef idx="1">
+        <a:scrgbClr r="0" g="0" b="0"/>
+      </a:fillRef>
+      <a:effectRef idx="1">
+        <a:scrgbClr r="0" g="0" b="0"/>
+      </a:effectRef>
+      <a:fontRef idx="minor">
+        <a:schemeClr val="lt1"/>
+      </a:fontRef>
+    </dgm:style>
+  </dgm:styleLbl>
+  <dgm:styleLbl name="asst3">
+    <dgm:scene3d>
+      <a:camera prst="orthographicFront"/>
+      <a:lightRig rig="threePt" dir="t"/>
+    </dgm:scene3d>
+    <dgm:sp3d/>
+    <dgm:txPr/>
+    <dgm:style>
+      <a:lnRef idx="3">
+        <a:scrgbClr r="0" g="0" b="0"/>
+      </a:lnRef>
+      <a:fillRef idx="1">
+        <a:scrgbClr r="0" g="0" b="0"/>
+      </a:fillRef>
+      <a:effectRef idx="1">
+        <a:scrgbClr r="0" g="0" b="0"/>
+      </a:effectRef>
+      <a:fontRef idx="minor">
+        <a:schemeClr val="lt1"/>
+      </a:fontRef>
+    </dgm:style>
+  </dgm:styleLbl>
+  <dgm:styleLbl name="asst4">
+    <dgm:scene3d>
+      <a:camera prst="orthographicFront"/>
+      <a:lightRig rig="threePt" dir="t"/>
+    </dgm:scene3d>
+    <dgm:sp3d/>
+    <dgm:txPr/>
+    <dgm:style>
+      <a:lnRef idx="3">
+        <a:scrgbClr r="0" g="0" b="0"/>
+      </a:lnRef>
+      <a:fillRef idx="1">
+        <a:scrgbClr r="0" g="0" b="0"/>
+      </a:fillRef>
+      <a:effectRef idx="1">
+        <a:scrgbClr r="0" g="0" b="0"/>
+      </a:effectRef>
+      <a:fontRef idx="minor">
+        <a:schemeClr val="lt1"/>
+      </a:fontRef>
+    </dgm:style>
+  </dgm:styleLbl>
+  <dgm:styleLbl name="parChTrans2D1">
+    <dgm:scene3d>
+      <a:camera prst="orthographicFront"/>
+      <a:lightRig rig="threePt" dir="t"/>
+    </dgm:scene3d>
+    <dgm:sp3d/>
+    <dgm:txPr/>
+    <dgm:style>
+      <a:lnRef idx="3">
+        <a:scrgbClr r="0" g="0" b="0"/>
+      </a:lnRef>
+      <a:fillRef idx="1">
+        <a:scrgbClr r="0" g="0" b="0"/>
+      </a:fillRef>
+      <a:effectRef idx="1">
+        <a:scrgbClr r="0" g="0" b="0"/>
+      </a:effectRef>
+      <a:fontRef idx="minor">
+        <a:schemeClr val="lt1"/>
+      </a:fontRef>
+    </dgm:style>
+  </dgm:styleLbl>
+  <dgm:styleLbl name="parChTrans2D2">
+    <dgm:scene3d>
+      <a:camera prst="orthographicFront"/>
+      <a:lightRig rig="threePt" dir="t"/>
+    </dgm:scene3d>
+    <dgm:sp3d/>
+    <dgm:txPr/>
+    <dgm:style>
+      <a:lnRef idx="3">
+        <a:scrgbClr r="0" g="0" b="0"/>
+      </a:lnRef>
+      <a:fillRef idx="1">
+        <a:scrgbClr r="0" g="0" b="0"/>
+      </a:fillRef>
+      <a:effectRef idx="1">
+        <a:scrgbClr r="0" g="0" b="0"/>
+      </a:effectRef>
+      <a:fontRef idx="minor">
+        <a:schemeClr val="lt1"/>
+      </a:fontRef>
+    </dgm:style>
+  </dgm:styleLbl>
+  <dgm:styleLbl name="parChTrans2D3">
+    <dgm:scene3d>
+      <a:camera prst="orthographicFront"/>
+      <a:lightRig rig="threePt" dir="t"/>
+    </dgm:scene3d>
+    <dgm:sp3d/>
+    <dgm:txPr/>
+    <dgm:style>
+      <a:lnRef idx="3">
+        <a:scrgbClr r="0" g="0" b="0"/>
+      </a:lnRef>
+      <a:fillRef idx="1">
+        <a:scrgbClr r="0" g="0" b="0"/>
+      </a:fillRef>
+      <a:effectRef idx="1">
+        <a:scrgbClr r="0" g="0" b="0"/>
+      </a:effectRef>
+      <a:fontRef idx="minor">
+        <a:schemeClr val="lt1"/>
+      </a:fontRef>
+    </dgm:style>
+  </dgm:styleLbl>
+  <dgm:styleLbl name="parChTrans2D4">
+    <dgm:scene3d>
+      <a:camera prst="orthographicFront"/>
+      <a:lightRig rig="threePt" dir="t"/>
+    </dgm:scene3d>
+    <dgm:sp3d/>
+    <dgm:txPr/>
+    <dgm:style>
+      <a:lnRef idx="3">
+        <a:scrgbClr r="0" g="0" b="0"/>
+      </a:lnRef>
+      <a:fillRef idx="1">
+        <a:scrgbClr r="0" g="0" b="0"/>
+      </a:fillRef>
+      <a:effectRef idx="1">
+        <a:scrgbClr r="0" g="0" b="0"/>
+      </a:effectRef>
+      <a:fontRef idx="minor">
+        <a:schemeClr val="lt1"/>
+      </a:fontRef>
+    </dgm:style>
+  </dgm:styleLbl>
+  <dgm:styleLbl name="parChTrans1D1">
+    <dgm:scene3d>
+      <a:camera prst="orthographicFront"/>
+      <a:lightRig rig="threePt" dir="t"/>
+    </dgm:scene3d>
+    <dgm:sp3d/>
+    <dgm:txPr/>
+    <dgm:style>
+      <a:lnRef idx="2">
+        <a:scrgbClr r="0" g="0" b="0"/>
+      </a:lnRef>
+      <a:fillRef idx="0">
+        <a:scrgbClr r="0" g="0" b="0"/>
+      </a:fillRef>
+      <a:effectRef idx="0">
+        <a:scrgbClr r="0" g="0" b="0"/>
+      </a:effectRef>
+      <a:fontRef idx="minor"/>
+    </dgm:style>
+  </dgm:styleLbl>
+  <dgm:styleLbl name="parChTrans1D2">
+    <dgm:scene3d>
+      <a:camera prst="orthographicFront"/>
+      <a:lightRig rig="threePt" dir="t"/>
+    </dgm:scene3d>
+    <dgm:sp3d/>
+    <dgm:txPr/>
+    <dgm:style>
+      <a:lnRef idx="2">
+        <a:scrgbClr r="0" g="0" b="0"/>
+      </a:lnRef>
+      <a:fillRef idx="0">
+        <a:scrgbClr r="0" g="0" b="0"/>
+      </a:fillRef>
+      <a:effectRef idx="0">
+        <a:scrgbClr r="0" g="0" b="0"/>
+      </a:effectRef>
+      <a:fontRef idx="minor"/>
+    </dgm:style>
+  </dgm:styleLbl>
+  <dgm:styleLbl name="parChTrans1D3">
+    <dgm:scene3d>
+      <a:camera prst="orthographicFront"/>
+      <a:lightRig rig="threePt" dir="t"/>
+    </dgm:scene3d>
+    <dgm:sp3d/>
+    <dgm:txPr/>
+    <dgm:style>
+      <a:lnRef idx="2">
+        <a:scrgbClr r="0" g="0" b="0"/>
+      </a:lnRef>
+      <a:fillRef idx="0">
+        <a:scrgbClr r="0" g="0" b="0"/>
+      </a:fillRef>
+      <a:effectRef idx="0">
+        <a:scrgbClr r="0" g="0" b="0"/>
+      </a:effectRef>
+      <a:fontRef idx="minor"/>
+    </dgm:style>
+  </dgm:styleLbl>
+  <dgm:styleLbl name="parChTrans1D4">
+    <dgm:scene3d>
+      <a:camera prst="orthographicFront"/>
+      <a:lightRig rig="threePt" dir="t"/>
+    </dgm:scene3d>
+    <dgm:sp3d/>
+    <dgm:txPr/>
+    <dgm:style>
+      <a:lnRef idx="2">
+        <a:scrgbClr r="0" g="0" b="0"/>
+      </a:lnRef>
+      <a:fillRef idx="0">
+        <a:scrgbClr r="0" g="0" b="0"/>
+      </a:fillRef>
+      <a:effectRef idx="0">
+        <a:scrgbClr r="0" g="0" b="0"/>
+      </a:effectRef>
+      <a:fontRef idx="minor"/>
+    </dgm:style>
+  </dgm:styleLbl>
+  <dgm:styleLbl name="fgAcc1">
+    <dgm:scene3d>
+      <a:camera prst="orthographicFront"/>
+      <a:lightRig rig="threePt" dir="t"/>
+    </dgm:scene3d>
+    <dgm:sp3d/>
+    <dgm:txPr/>
+    <dgm:style>
+      <a:lnRef idx="2">
+        <a:scrgbClr r="0" g="0" b="0"/>
+      </a:lnRef>
+      <a:fillRef idx="1">
+        <a:scrgbClr r="0" g="0" b="0"/>
+      </a:fillRef>
+      <a:effectRef idx="0">
+        <a:scrgbClr r="0" g="0" b="0"/>
+      </a:effectRef>
+      <a:fontRef idx="minor"/>
+    </dgm:style>
+  </dgm:styleLbl>
+  <dgm:styleLbl name="conFgAcc1">
+    <dgm:scene3d>
+      <a:camera prst="orthographicFront"/>
+      <a:lightRig rig="threePt" dir="t"/>
+    </dgm:scene3d>
+    <dgm:sp3d/>
+    <dgm:txPr/>
+    <dgm:style>
+      <a:lnRef idx="2">
+        <a:scrgbClr r="0" g="0" b="0"/>
+      </a:lnRef>
+      <a:fillRef idx="1">
+        <a:scrgbClr r="0" g="0" b="0"/>
+      </a:fillRef>
+      <a:effectRef idx="0">
+        <a:scrgbClr r="0" g="0" b="0"/>
+      </a:effectRef>
+      <a:fontRef idx="minor"/>
+    </dgm:style>
+  </dgm:styleLbl>
+  <dgm:styleLbl name="alignAcc1">
+    <dgm:scene3d>
+      <a:camera prst="orthographicFront"/>
+      <a:lightRig rig="threePt" dir="t"/>
+    </dgm:scene3d>
+    <dgm:sp3d/>
+    <dgm:txPr/>
+    <dgm:style>
+      <a:lnRef idx="2">
+        <a:scrgbClr r="0" g="0" b="0"/>
+      </a:lnRef>
+      <a:fillRef idx="1">
+        <a:scrgbClr r="0" g="0" b="0"/>
+      </a:fillRef>
+      <a:effectRef idx="0">
+        <a:scrgbClr r="0" g="0" b="0"/>
+      </a:effectRef>
+      <a:fontRef idx="minor"/>
+    </dgm:style>
+  </dgm:styleLbl>
+  <dgm:styleLbl name="trAlignAcc1">
+    <dgm:scene3d>
+      <a:camera prst="orthographicFront"/>
+      <a:lightRig rig="threePt" dir="t"/>
+    </dgm:scene3d>
+    <dgm:sp3d/>
+    <dgm:txPr/>
+    <dgm:style>
+      <a:lnRef idx="1">
+        <a:scrgbClr r="0" g="0" b="0"/>
+      </a:lnRef>
+      <a:fillRef idx="1">
+        <a:scrgbClr r="0" g="0" b="0"/>
+      </a:fillRef>
+      <a:effectRef idx="0">
+        <a:scrgbClr r="0" g="0" b="0"/>
+      </a:effectRef>
+      <a:fontRef idx="minor"/>
+    </dgm:style>
+  </dgm:styleLbl>
+  <dgm:styleLbl name="bgAcc1">
+    <dgm:scene3d>
+      <a:camera prst="orthographicFront"/>
+      <a:lightRig rig="threePt" dir="t"/>
+    </dgm:scene3d>
+    <dgm:sp3d/>
+    <dgm:txPr/>
+    <dgm:style>
+      <a:lnRef idx="2">
+        <a:scrgbClr r="0" g="0" b="0"/>
+      </a:lnRef>
+      <a:fillRef idx="1">
+        <a:scrgbClr r="0" g="0" b="0"/>
+      </a:fillRef>
+      <a:effectRef idx="0">
+        <a:scrgbClr r="0" g="0" b="0"/>
+      </a:effectRef>
+      <a:fontRef idx="minor"/>
+    </dgm:style>
+  </dgm:styleLbl>
+  <dgm:styleLbl name="solidFgAcc1">
+    <dgm:scene3d>
+      <a:camera prst="orthographicFront"/>
+      <a:lightRig rig="threePt" dir="t"/>
+    </dgm:scene3d>
+    <dgm:sp3d/>
+    <dgm:txPr/>
+    <dgm:style>
+      <a:lnRef idx="2">
+        <a:scrgbClr r="0" g="0" b="0"/>
+      </a:lnRef>
+      <a:fillRef idx="1">
+        <a:scrgbClr r="0" g="0" b="0"/>
+      </a:fillRef>
+      <a:effectRef idx="0">
+        <a:scrgbClr r="0" g="0" b="0"/>
+      </a:effectRef>
+      <a:fontRef idx="minor"/>
+    </dgm:style>
+  </dgm:styleLbl>
+  <dgm:styleLbl name="solidAlignAcc1">
+    <dgm:scene3d>
+      <a:camera prst="orthographicFront"/>
+      <a:lightRig rig="threePt" dir="t"/>
+    </dgm:scene3d>
+    <dgm:sp3d/>
+    <dgm:txPr/>
+    <dgm:style>
+      <a:lnRef idx="2">
+        <a:scrgbClr r="0" g="0" b="0"/>
+      </a:lnRef>
+      <a:fillRef idx="1">
+        <a:scrgbClr r="0" g="0" b="0"/>
+      </a:fillRef>
+      <a:effectRef idx="0">
+        <a:scrgbClr r="0" g="0" b="0"/>
+      </a:effectRef>
+      <a:fontRef idx="minor"/>
+    </dgm:style>
+  </dgm:styleLbl>
+  <dgm:styleLbl name="solidBgAcc1">
+    <dgm:scene3d>
+      <a:camera prst="orthographicFront"/>
+      <a:lightRig rig="threePt" dir="t"/>
+    </dgm:scene3d>
+    <dgm:sp3d/>
+    <dgm:txPr/>
+    <dgm:style>
+      <a:lnRef idx="2">
+        <a:scrgbClr r="0" g="0" b="0"/>
+      </a:lnRef>
+      <a:fillRef idx="1">
+        <a:scrgbClr r="0" g="0" b="0"/>
+      </a:fillRef>
+      <a:effectRef idx="0">
+        <a:scrgbClr r="0" g="0" b="0"/>
+      </a:effectRef>
+      <a:fontRef idx="minor"/>
+    </dgm:style>
+  </dgm:styleLbl>
+  <dgm:styleLbl name="fgAccFollowNode1">
+    <dgm:scene3d>
+      <a:camera prst="orthographicFront"/>
+      <a:lightRig rig="threePt" dir="t"/>
+    </dgm:scene3d>
+    <dgm:sp3d/>
+    <dgm:txPr/>
+    <dgm:style>
+      <a:lnRef idx="2">
+        <a:scrgbClr r="0" g="0" b="0"/>
+      </a:lnRef>
+      <a:fillRef idx="1">
+        <a:scrgbClr r="0" g="0" b="0"/>
+      </a:fillRef>
+      <a:effectRef idx="0">
+        <a:scrgbClr r="0" g="0" b="0"/>
+      </a:effectRef>
+      <a:fontRef idx="minor"/>
+    </dgm:style>
+  </dgm:styleLbl>
+  <dgm:styleLbl name="alignAccFollowNode1">
+    <dgm:scene3d>
+      <a:camera prst="orthographicFront"/>
+      <a:lightRig rig="threePt" dir="t"/>
+    </dgm:scene3d>
+    <dgm:sp3d/>
+    <dgm:txPr/>
+    <dgm:style>
+      <a:lnRef idx="2">
+        <a:scrgbClr r="0" g="0" b="0"/>
+      </a:lnRef>
+      <a:fillRef idx="1">
+        <a:scrgbClr r="0" g="0" b="0"/>
+      </a:fillRef>
+      <a:effectRef idx="0">
+        <a:scrgbClr r="0" g="0" b="0"/>
+      </a:effectRef>
+      <a:fontRef idx="minor"/>
+    </dgm:style>
+  </dgm:styleLbl>
+  <dgm:styleLbl name="bgAccFollowNode1">
+    <dgm:scene3d>
+      <a:camera prst="orthographicFront"/>
+      <a:lightRig rig="threePt" dir="t"/>
+    </dgm:scene3d>
+    <dgm:sp3d/>
+    <dgm:txPr/>
+    <dgm:style>
+      <a:lnRef idx="2">
+        <a:scrgbClr r="0" g="0" b="0"/>
+      </a:lnRef>
+      <a:fillRef idx="1">
+        <a:scrgbClr r="0" g="0" b="0"/>
+      </a:fillRef>
+      <a:effectRef idx="0">
+        <a:scrgbClr r="0" g="0" b="0"/>
+      </a:effectRef>
+      <a:fontRef idx="minor"/>
+    </dgm:style>
+  </dgm:styleLbl>
+  <dgm:styleLbl name="fgAcc0">
+    <dgm:scene3d>
+      <a:camera prst="orthographicFront"/>
+      <a:lightRig rig="threePt" dir="t"/>
+    </dgm:scene3d>
+    <dgm:sp3d/>
+    <dgm:txPr/>
+    <dgm:style>
+      <a:lnRef idx="2">
+        <a:scrgbClr r="0" g="0" b="0"/>
+      </a:lnRef>
+      <a:fillRef idx="1">
+        <a:scrgbClr r="0" g="0" b="0"/>
+      </a:fillRef>
+      <a:effectRef idx="0">
+        <a:scrgbClr r="0" g="0" b="0"/>
+      </a:effectRef>
+      <a:fontRef idx="minor"/>
+    </dgm:style>
+  </dgm:styleLbl>
+  <dgm:styleLbl name="fgAcc2">
+    <dgm:scene3d>
+      <a:camera prst="orthographicFront"/>
+      <a:lightRig rig="threePt" dir="t"/>
+    </dgm:scene3d>
+    <dgm:sp3d/>
+    <dgm:txPr/>
+    <dgm:style>
+      <a:lnRef idx="2">
+        <a:scrgbClr r="0" g="0" b="0"/>
+      </a:lnRef>
+      <a:fillRef idx="1">
+        <a:scrgbClr r="0" g="0" b="0"/>
+      </a:fillRef>
+      <a:effectRef idx="0">
+        <a:scrgbClr r="0" g="0" b="0"/>
+      </a:effectRef>
+      <a:fontRef idx="minor"/>
+    </dgm:style>
+  </dgm:styleLbl>
+  <dgm:styleLbl name="fgAcc3">
+    <dgm:scene3d>
+      <a:camera prst="orthographicFront"/>
+      <a:lightRig rig="threePt" dir="t"/>
+    </dgm:scene3d>
+    <dgm:sp3d/>
+    <dgm:txPr/>
+    <dgm:style>
+      <a:lnRef idx="2">
+        <a:scrgbClr r="0" g="0" b="0"/>
+      </a:lnRef>
+      <a:fillRef idx="1">
+        <a:scrgbClr r="0" g="0" b="0"/>
+      </a:fillRef>
+      <a:effectRef idx="0">
+        <a:scrgbClr r="0" g="0" b="0"/>
+      </a:effectRef>
+      <a:fontRef idx="minor"/>
+    </dgm:style>
+  </dgm:styleLbl>
+  <dgm:styleLbl name="fgAcc4">
+    <dgm:scene3d>
+      <a:camera prst="orthographicFront"/>
+      <a:lightRig rig="threePt" dir="t"/>
+    </dgm:scene3d>
+    <dgm:sp3d/>
+    <dgm:txPr/>
+    <dgm:style>
+      <a:lnRef idx="2">
+        <a:scrgbClr r="0" g="0" b="0"/>
+      </a:lnRef>
+      <a:fillRef idx="1">
+        <a:scrgbClr r="0" g="0" b="0"/>
+      </a:fillRef>
+      <a:effectRef idx="0">
+        <a:scrgbClr r="0" g="0" b="0"/>
+      </a:effectRef>
+      <a:fontRef idx="minor"/>
+    </dgm:style>
+  </dgm:styleLbl>
+  <dgm:styleLbl name="bgShp">
+    <dgm:scene3d>
+      <a:camera prst="orthographicFront"/>
+      <a:lightRig rig="threePt" dir="t"/>
+    </dgm:scene3d>
+    <dgm:sp3d/>
+    <dgm:txPr/>
+    <dgm:style>
+      <a:lnRef idx="0">
+        <a:scrgbClr r="0" g="0" b="0"/>
+      </a:lnRef>
+      <a:fillRef idx="1">
+        <a:scrgbClr r="0" g="0" b="0"/>
+      </a:fillRef>
+      <a:effectRef idx="0">
+        <a:scrgbClr r="0" g="0" b="0"/>
+      </a:effectRef>
+      <a:fontRef idx="minor"/>
+    </dgm:style>
+  </dgm:styleLbl>
+  <dgm:styleLbl name="dkBgShp">
+    <dgm:scene3d>
+      <a:camera prst="orthographicFront"/>
+      <a:lightRig rig="threePt" dir="t"/>
+    </dgm:scene3d>
+    <dgm:sp3d/>
+    <dgm:txPr/>
+    <dgm:style>
+      <a:lnRef idx="0">
+        <a:scrgbClr r="0" g="0" b="0"/>
+      </a:lnRef>
+      <a:fillRef idx="1">
+        <a:scrgbClr r="0" g="0" b="0"/>
+      </a:fillRef>
+      <a:effectRef idx="0">
+        <a:scrgbClr r="0" g="0" b="0"/>
+      </a:effectRef>
+      <a:fontRef idx="minor"/>
+    </dgm:style>
+  </dgm:styleLbl>
+  <dgm:styleLbl name="trBgShp">
+    <dgm:scene3d>
+      <a:camera prst="orthographicFront"/>
+      <a:lightRig rig="threePt" dir="t"/>
+    </dgm:scene3d>
+    <dgm:sp3d/>
+    <dgm:txPr/>
+    <dgm:style>
+      <a:lnRef idx="0">
+        <a:scrgbClr r="0" g="0" b="0"/>
+      </a:lnRef>
+      <a:fillRef idx="1">
+        <a:scrgbClr r="0" g="0" b="0"/>
+      </a:fillRef>
+      <a:effectRef idx="0">
+        <a:scrgbClr r="0" g="0" b="0"/>
+      </a:effectRef>
+      <a:fontRef idx="minor"/>
+    </dgm:style>
+  </dgm:styleLbl>
+  <dgm:styleLbl name="fgShp">
+    <dgm:scene3d>
+      <a:camera prst="orthographicFront"/>
+      <a:lightRig rig="threePt" dir="t"/>
+    </dgm:scene3d>
+    <dgm:sp3d/>
+    <dgm:txPr/>
+    <dgm:style>
+      <a:lnRef idx="3">
+        <a:scrgbClr r="0" g="0" b="0"/>
+      </a:lnRef>
+      <a:fillRef idx="1">
+        <a:scrgbClr r="0" g="0" b="0"/>
+      </a:fillRef>
+      <a:effectRef idx="1">
+        <a:scrgbClr r="0" g="0" b="0"/>
+      </a:effectRef>
+      <a:fontRef idx="minor"/>
+    </dgm:style>
+  </dgm:styleLbl>
+  <dgm:styleLbl name="revTx">
+    <dgm:scene3d>
+      <a:camera prst="orthographicFront"/>
+      <a:lightRig rig="threePt" dir="t"/>
+    </dgm:scene3d>
+    <dgm:sp3d/>
+    <dgm:txPr/>
+    <dgm:style>
+      <a:lnRef idx="0">
+        <a:scrgbClr r="0" g="0" b="0"/>
+      </a:lnRef>
+      <a:fillRef idx="0">
+        <a:scrgbClr r="0" g="0" b="0"/>
+      </a:fillRef>
+      <a:effectRef idx="0">
+        <a:scrgbClr r="0" g="0" b="0"/>
+      </a:effectRef>
+      <a:fontRef idx="minor"/>
+    </dgm:style>
+  </dgm:styleLbl>
+</dgm:styleDef>
+</file>
+
+<file path=ppt/notesMasters/notesMaster1.xml><?xml version="1.0" encoding="utf-8"?>
+<p:notesMaster xmlns:a="http://schemas.openxmlformats.org/drawingml/2006/main" xmlns:r="http://schemas.openxmlformats.org/officeDocument/2006/relationships" xmlns:p="http://schemas.openxmlformats.org/presentationml/2006/main">
+  <p:cSld>
+    <p:bg>
+      <p:bgRef idx="1001">
+        <a:schemeClr val="bg1"/>
+      </p:bgRef>
+    </p:bg>
+    <p:spTree>
+      <p:nvGrpSpPr>
+        <p:cNvPr id="1" name=""/>
+        <p:cNvGrpSpPr/>
+        <p:nvPr/>
+      </p:nvGrpSpPr>
+      <p:grpSpPr>
+        <a:xfrm>
+          <a:off x="0" y="0"/>
+          <a:ext cx="0" cy="0"/>
+          <a:chOff x="0" y="0"/>
+          <a:chExt cx="0" cy="0"/>
+        </a:xfrm>
+      </p:grpSpPr>
+      <p:sp>
+        <p:nvSpPr>
+          <p:cNvPr id="2" name="Élőfej helye 1"/>
+          <p:cNvSpPr>
+            <a:spLocks noGrp="1"/>
+          </p:cNvSpPr>
+          <p:nvPr>
+            <p:ph type="hdr" sz="quarter"/>
+          </p:nvPr>
+        </p:nvSpPr>
+        <p:spPr>
+          <a:xfrm>
+            <a:off x="0" y="0"/>
+            <a:ext cx="2971800" cy="458788"/>
+          </a:xfrm>
+          <a:prstGeom prst="rect">
+            <a:avLst/>
+          </a:prstGeom>
+        </p:spPr>
+        <p:txBody>
+          <a:bodyPr vert="horz" lIns="91440" tIns="45720" rIns="91440" bIns="45720" rtlCol="0"/>
+          <a:lstStyle>
+            <a:lvl1pPr algn="l">
+              <a:defRPr sz="1200"/>
+            </a:lvl1pPr>
+          </a:lstStyle>
+          <a:p>
+            <a:endParaRPr lang="en-US"/>
+          </a:p>
+        </p:txBody>
+      </p:sp>
+      <p:sp>
+        <p:nvSpPr>
+          <p:cNvPr id="3" name="Dátum helye 2"/>
+          <p:cNvSpPr>
+            <a:spLocks noGrp="1"/>
+          </p:cNvSpPr>
+          <p:nvPr>
+            <p:ph type="dt" idx="1"/>
+          </p:nvPr>
+        </p:nvSpPr>
+        <p:spPr>
+          <a:xfrm>
+            <a:off x="3884613" y="0"/>
+            <a:ext cx="2971800" cy="458788"/>
+          </a:xfrm>
+          <a:prstGeom prst="rect">
+            <a:avLst/>
+          </a:prstGeom>
+        </p:spPr>
+        <p:txBody>
+          <a:bodyPr vert="horz" lIns="91440" tIns="45720" rIns="91440" bIns="45720" rtlCol="0"/>
+          <a:lstStyle>
+            <a:lvl1pPr algn="r">
+              <a:defRPr sz="1200"/>
+            </a:lvl1pPr>
+          </a:lstStyle>
+          <a:p>
+            <a:fld id="{39FE88C0-FEB2-4AEF-92A6-4580AD9FBEF8}" type="datetimeFigureOut">
+              <a:rPr lang="en-US" smtClean="0"/>
+              <a:t>4/20/2015</a:t>
+            </a:fld>
+            <a:endParaRPr lang="en-US"/>
+          </a:p>
+        </p:txBody>
+      </p:sp>
+      <p:sp>
+        <p:nvSpPr>
+          <p:cNvPr id="4" name="Diakép helye 3"/>
+          <p:cNvSpPr>
+            <a:spLocks noGrp="1" noRot="1" noChangeAspect="1"/>
+          </p:cNvSpPr>
+          <p:nvPr>
+            <p:ph type="sldImg" idx="2"/>
+          </p:nvPr>
+        </p:nvSpPr>
+        <p:spPr>
+          <a:xfrm>
+            <a:off x="685800" y="1143000"/>
+            <a:ext cx="5486400" cy="3086100"/>
+          </a:xfrm>
+          <a:prstGeom prst="rect">
+            <a:avLst/>
+          </a:prstGeom>
+          <a:noFill/>
+          <a:ln w="12700">
+            <a:solidFill>
+              <a:prstClr val="black"/>
+            </a:solidFill>
+          </a:ln>
+        </p:spPr>
+        <p:txBody>
+          <a:bodyPr vert="horz" lIns="91440" tIns="45720" rIns="91440" bIns="45720" rtlCol="0" anchor="ctr"/>
+          <a:lstStyle/>
+          <a:p>
+            <a:endParaRPr lang="en-US"/>
+          </a:p>
+        </p:txBody>
+      </p:sp>
+      <p:sp>
+        <p:nvSpPr>
+          <p:cNvPr id="5" name="Jegyzetek helye 4"/>
+          <p:cNvSpPr>
+            <a:spLocks noGrp="1"/>
+          </p:cNvSpPr>
+          <p:nvPr>
+            <p:ph type="body" sz="quarter" idx="3"/>
+          </p:nvPr>
+        </p:nvSpPr>
+        <p:spPr>
+          <a:xfrm>
+            <a:off x="685800" y="4400550"/>
+            <a:ext cx="5486400" cy="3600450"/>
+          </a:xfrm>
+          <a:prstGeom prst="rect">
+            <a:avLst/>
+          </a:prstGeom>
+        </p:spPr>
+        <p:txBody>
+          <a:bodyPr vert="horz" lIns="91440" tIns="45720" rIns="91440" bIns="45720" rtlCol="0"/>
+          <a:lstStyle/>
+          <a:p>
+            <a:pPr lvl="0"/>
+            <a:r>
+              <a:rPr lang="hu-HU" smtClean="0"/>
+              <a:t>Mintaszöveg szerkesztése</a:t>
+            </a:r>
+          </a:p>
+          <a:p>
+            <a:pPr lvl="1"/>
+            <a:r>
+              <a:rPr lang="hu-HU" smtClean="0"/>
+              <a:t>Második szint</a:t>
+            </a:r>
+          </a:p>
+          <a:p>
+            <a:pPr lvl="2"/>
+            <a:r>
+              <a:rPr lang="hu-HU" smtClean="0"/>
+              <a:t>Harmadik szint</a:t>
+            </a:r>
+          </a:p>
+          <a:p>
+            <a:pPr lvl="3"/>
+            <a:r>
+              <a:rPr lang="hu-HU" smtClean="0"/>
+              <a:t>Negyedik szint</a:t>
+            </a:r>
+          </a:p>
+          <a:p>
+            <a:pPr lvl="4"/>
+            <a:r>
+              <a:rPr lang="hu-HU" smtClean="0"/>
+              <a:t>Ötödik szint</a:t>
+            </a:r>
+            <a:endParaRPr lang="en-US"/>
+          </a:p>
+        </p:txBody>
+      </p:sp>
+      <p:sp>
+        <p:nvSpPr>
+          <p:cNvPr id="6" name="Élőláb helye 5"/>
+          <p:cNvSpPr>
+            <a:spLocks noGrp="1"/>
+          </p:cNvSpPr>
+          <p:nvPr>
+            <p:ph type="ftr" sz="quarter" idx="4"/>
+          </p:nvPr>
+        </p:nvSpPr>
+        <p:spPr>
+          <a:xfrm>
+            <a:off x="0" y="8685213"/>
+            <a:ext cx="2971800" cy="458787"/>
+          </a:xfrm>
+          <a:prstGeom prst="rect">
+            <a:avLst/>
+          </a:prstGeom>
+        </p:spPr>
+        <p:txBody>
+          <a:bodyPr vert="horz" lIns="91440" tIns="45720" rIns="91440" bIns="45720" rtlCol="0" anchor="b"/>
+          <a:lstStyle>
+            <a:lvl1pPr algn="l">
+              <a:defRPr sz="1200"/>
+            </a:lvl1pPr>
+          </a:lstStyle>
+          <a:p>
+            <a:endParaRPr lang="en-US"/>
+          </a:p>
+        </p:txBody>
+      </p:sp>
+      <p:sp>
+        <p:nvSpPr>
+          <p:cNvPr id="7" name="Dia számának helye 6"/>
+          <p:cNvSpPr>
+            <a:spLocks noGrp="1"/>
+          </p:cNvSpPr>
+          <p:nvPr>
+            <p:ph type="sldNum" sz="quarter" idx="5"/>
+          </p:nvPr>
+        </p:nvSpPr>
+        <p:spPr>
+          <a:xfrm>
+            <a:off x="3884613" y="8685213"/>
+            <a:ext cx="2971800" cy="458787"/>
+          </a:xfrm>
+          <a:prstGeom prst="rect">
+            <a:avLst/>
+          </a:prstGeom>
+        </p:spPr>
+        <p:txBody>
+          <a:bodyPr vert="horz" lIns="91440" tIns="45720" rIns="91440" bIns="45720" rtlCol="0" anchor="b"/>
+          <a:lstStyle>
+            <a:lvl1pPr algn="r">
+              <a:defRPr sz="1200"/>
+            </a:lvl1pPr>
+          </a:lstStyle>
+          <a:p>
+            <a:fld id="{7E6313E3-71B3-4F25-8E78-35DCA1000E87}" type="slidenum">
+              <a:rPr lang="en-US" smtClean="0"/>
+              <a:t>‹#›</a:t>
+            </a:fld>
+            <a:endParaRPr lang="en-US"/>
+          </a:p>
+        </p:txBody>
+      </p:sp>
+    </p:spTree>
+    <p:extLst>
+      <p:ext uri="{BB962C8B-B14F-4D97-AF65-F5344CB8AC3E}">
+        <p14:creationId xmlns:p14="http://schemas.microsoft.com/office/powerpoint/2010/main" val="740819107"/>
+      </p:ext>
+    </p:extLst>
+  </p:cSld>
+  <p:clrMap bg1="lt1" tx1="dk1" bg2="lt2" tx2="dk2" accent1="accent1" accent2="accent2" accent3="accent3" accent4="accent4" accent5="accent5" accent6="accent6" hlink="hlink" folHlink="folHlink"/>
+  <p:notesStyle>
+    <a:lvl1pPr marL="0" algn="l" defTabSz="914400" rtl="0" eaLnBrk="1" latinLnBrk="0" hangingPunct="1">
+      <a:defRPr sz="1200" kern="1200">
+        <a:solidFill>
+          <a:schemeClr val="tx1"/>
+        </a:solidFill>
+        <a:latin typeface="+mn-lt"/>
+        <a:ea typeface="+mn-ea"/>
+        <a:cs typeface="+mn-cs"/>
+      </a:defRPr>
+    </a:lvl1pPr>
+    <a:lvl2pPr marL="457200" algn="l" defTabSz="914400" rtl="0" eaLnBrk="1" latinLnBrk="0" hangingPunct="1">
+      <a:defRPr sz="1200" kern="1200">
+        <a:solidFill>
+          <a:schemeClr val="tx1"/>
+        </a:solidFill>
+        <a:latin typeface="+mn-lt"/>
+        <a:ea typeface="+mn-ea"/>
+        <a:cs typeface="+mn-cs"/>
+      </a:defRPr>
+    </a:lvl2pPr>
+    <a:lvl3pPr marL="914400" algn="l" defTabSz="914400" rtl="0" eaLnBrk="1" latinLnBrk="0" hangingPunct="1">
+      <a:defRPr sz="1200" kern="1200">
+        <a:solidFill>
+          <a:schemeClr val="tx1"/>
+        </a:solidFill>
+        <a:latin typeface="+mn-lt"/>
+        <a:ea typeface="+mn-ea"/>
+        <a:cs typeface="+mn-cs"/>
+      </a:defRPr>
+    </a:lvl3pPr>
+    <a:lvl4pPr marL="1371600" algn="l" defTabSz="914400" rtl="0" eaLnBrk="1" latinLnBrk="0" hangingPunct="1">
+      <a:defRPr sz="1200" kern="1200">
+        <a:solidFill>
+          <a:schemeClr val="tx1"/>
+        </a:solidFill>
+        <a:latin typeface="+mn-lt"/>
+        <a:ea typeface="+mn-ea"/>
+        <a:cs typeface="+mn-cs"/>
+      </a:defRPr>
+    </a:lvl4pPr>
+    <a:lvl5pPr marL="1828800" algn="l" defTabSz="914400" rtl="0" eaLnBrk="1" latinLnBrk="0" hangingPunct="1">
+      <a:defRPr sz="1200" kern="1200">
+        <a:solidFill>
+          <a:schemeClr val="tx1"/>
+        </a:solidFill>
+        <a:latin typeface="+mn-lt"/>
+        <a:ea typeface="+mn-ea"/>
+        <a:cs typeface="+mn-cs"/>
+      </a:defRPr>
+    </a:lvl5pPr>
+    <a:lvl6pPr marL="2286000" algn="l" defTabSz="914400" rtl="0" eaLnBrk="1" latinLnBrk="0" hangingPunct="1">
+      <a:defRPr sz="1200" kern="1200">
+        <a:solidFill>
+          <a:schemeClr val="tx1"/>
+        </a:solidFill>
+        <a:latin typeface="+mn-lt"/>
+        <a:ea typeface="+mn-ea"/>
+        <a:cs typeface="+mn-cs"/>
+      </a:defRPr>
+    </a:lvl6pPr>
+    <a:lvl7pPr marL="2743200" algn="l" defTabSz="914400" rtl="0" eaLnBrk="1" latinLnBrk="0" hangingPunct="1">
+      <a:defRPr sz="1200" kern="1200">
+        <a:solidFill>
+          <a:schemeClr val="tx1"/>
+        </a:solidFill>
+        <a:latin typeface="+mn-lt"/>
+        <a:ea typeface="+mn-ea"/>
+        <a:cs typeface="+mn-cs"/>
+      </a:defRPr>
+    </a:lvl7pPr>
+    <a:lvl8pPr marL="3200400" algn="l" defTabSz="914400" rtl="0" eaLnBrk="1" latinLnBrk="0" hangingPunct="1">
+      <a:defRPr sz="1200" kern="1200">
+        <a:solidFill>
+          <a:schemeClr val="tx1"/>
+        </a:solidFill>
+        <a:latin typeface="+mn-lt"/>
+        <a:ea typeface="+mn-ea"/>
+        <a:cs typeface="+mn-cs"/>
+      </a:defRPr>
+    </a:lvl8pPr>
+    <a:lvl9pPr marL="3657600" algn="l" defTabSz="914400" rtl="0" eaLnBrk="1" latinLnBrk="0" hangingPunct="1">
+      <a:defRPr sz="1200" kern="1200">
+        <a:solidFill>
+          <a:schemeClr val="tx1"/>
+        </a:solidFill>
+        <a:latin typeface="+mn-lt"/>
+        <a:ea typeface="+mn-ea"/>
+        <a:cs typeface="+mn-cs"/>
+      </a:defRPr>
+    </a:lvl9pPr>
+  </p:notesStyle>
+</p:notesMaster>
+</file>
+
+<file path=ppt/notesSlides/notesSlide1.xml><?xml version="1.0" encoding="utf-8"?>
+<p:notes xmlns:a="http://schemas.openxmlformats.org/drawingml/2006/main" xmlns:r="http://schemas.openxmlformats.org/officeDocument/2006/relationships" xmlns:p="http://schemas.openxmlformats.org/presentationml/2006/main">
+  <p:cSld>
+    <p:spTree>
+      <p:nvGrpSpPr>
+        <p:cNvPr id="1" name=""/>
+        <p:cNvGrpSpPr/>
+        <p:nvPr/>
+      </p:nvGrpSpPr>
+      <p:grpSpPr>
+        <a:xfrm>
+          <a:off x="0" y="0"/>
+          <a:ext cx="0" cy="0"/>
+          <a:chOff x="0" y="0"/>
+          <a:chExt cx="0" cy="0"/>
+        </a:xfrm>
+      </p:grpSpPr>
+      <p:sp>
+        <p:nvSpPr>
+          <p:cNvPr id="2" name="Diakép helye 1"/>
+          <p:cNvSpPr>
+            <a:spLocks noGrp="1" noRot="1" noChangeAspect="1"/>
+          </p:cNvSpPr>
+          <p:nvPr>
+            <p:ph type="sldImg"/>
+          </p:nvPr>
+        </p:nvSpPr>
+        <p:spPr/>
+      </p:sp>
+      <p:sp>
+        <p:nvSpPr>
+          <p:cNvPr id="3" name="Jegyzetek helye 2"/>
+          <p:cNvSpPr>
+            <a:spLocks noGrp="1"/>
+          </p:cNvSpPr>
+          <p:nvPr>
+            <p:ph type="body" idx="1"/>
+          </p:nvPr>
+        </p:nvSpPr>
+        <p:spPr/>
+        <p:txBody>
+          <a:bodyPr/>
+          <a:lstStyle/>
+          <a:p>
+            <a:endParaRPr lang="en-US"/>
+          </a:p>
+        </p:txBody>
+      </p:sp>
+      <p:sp>
+        <p:nvSpPr>
+          <p:cNvPr id="4" name="Dia számának helye 3"/>
+          <p:cNvSpPr>
+            <a:spLocks noGrp="1"/>
+          </p:cNvSpPr>
+          <p:nvPr>
+            <p:ph type="sldNum" sz="quarter" idx="10"/>
+          </p:nvPr>
+        </p:nvSpPr>
+        <p:spPr/>
+        <p:txBody>
+          <a:bodyPr/>
+          <a:lstStyle/>
+          <a:p>
+            <a:fld id="{7E6313E3-71B3-4F25-8E78-35DCA1000E87}" type="slidenum">
+              <a:rPr lang="en-US" smtClean="0"/>
+              <a:t>1</a:t>
+            </a:fld>
+            <a:endParaRPr lang="en-US"/>
+          </a:p>
+        </p:txBody>
+      </p:sp>
+    </p:spTree>
+    <p:extLst>
+      <p:ext uri="{BB962C8B-B14F-4D97-AF65-F5344CB8AC3E}">
+        <p14:creationId xmlns:p14="http://schemas.microsoft.com/office/powerpoint/2010/main" val="3198632092"/>
+      </p:ext>
+    </p:extLst>
+  </p:cSld>
+  <p:clrMapOvr>
+    <a:masterClrMapping/>
+  </p:clrMapOvr>
+</p:notes>
 </file>
 
 <file path=ppt/slideLayouts/slideLayout1.xml><?xml version="1.0" encoding="utf-8"?>
@@ -356,10 +6978,9 @@
           <a:bodyPr/>
           <a:lstStyle/>
           <a:p>
-            <a:fld id="{96DFF08F-DC6B-4601-B491-B0F83F6DD2DA}" type="datetimeFigureOut">
-              <a:rPr lang="en-US" smtClean="0"/>
-              <a:pPr/>
-              <a:t>4/20/2015</a:t>
+            <a:fld id="{826752DF-D26A-49FC-A6AF-08EA4B3995F2}" type="datetime1">
+              <a:rPr lang="hu-HU" smtClean="0"/>
+              <a:t>2015. 04. 20.</a:t>
             </a:fld>
             <a:endParaRPr lang="en-US" dirty="0"/>
           </a:p>
@@ -449,7 +7070,7 @@
     </p:spTree>
     <p:extLst>
       <p:ext uri="{BB962C8B-B14F-4D97-AF65-F5344CB8AC3E}">
-        <p14:creationId xmlns:p14="http://schemas.microsoft.com/office/powerpoint/2010/main" val="3663861660"/>
+        <p14:creationId xmlns:p14="http://schemas.microsoft.com/office/powerpoint/2010/main" val="2384647271"/>
       </p:ext>
     </p:extLst>
   </p:cSld>
@@ -566,9 +7187,9 @@
           <a:bodyPr/>
           <a:lstStyle/>
           <a:p>
-            <a:fld id="{96DFF08F-DC6B-4601-B491-B0F83F6DD2DA}" type="datetimeFigureOut">
-              <a:rPr lang="en-US" smtClean="0"/>
-              <a:t>4/20/2015</a:t>
+            <a:fld id="{4E182F1F-72B1-437C-93A1-33C6D7F22E58}" type="datetime1">
+              <a:rPr lang="hu-HU" smtClean="0"/>
+              <a:t>2015. 04. 20.</a:t>
             </a:fld>
             <a:endParaRPr lang="en-US" dirty="0"/>
           </a:p>
@@ -619,7 +7240,7 @@
     </p:spTree>
     <p:extLst>
       <p:ext uri="{BB962C8B-B14F-4D97-AF65-F5344CB8AC3E}">
-        <p14:creationId xmlns:p14="http://schemas.microsoft.com/office/powerpoint/2010/main" val="3213445170"/>
+        <p14:creationId xmlns:p14="http://schemas.microsoft.com/office/powerpoint/2010/main" val="2175436515"/>
       </p:ext>
     </p:extLst>
   </p:cSld>
@@ -822,9 +7443,9 @@
           <a:bodyPr/>
           <a:lstStyle/>
           <a:p>
-            <a:fld id="{96DFF08F-DC6B-4601-B491-B0F83F6DD2DA}" type="datetimeFigureOut">
-              <a:rPr lang="en-US" smtClean="0"/>
-              <a:t>4/20/2015</a:t>
+            <a:fld id="{D2E71BBB-4F2D-4124-8F75-C76F5368A292}" type="datetime1">
+              <a:rPr lang="hu-HU" smtClean="0"/>
+              <a:t>2015. 04. 20.</a:t>
             </a:fld>
             <a:endParaRPr lang="en-US" dirty="0"/>
           </a:p>
@@ -875,7 +7496,7 @@
     </p:spTree>
     <p:extLst>
       <p:ext uri="{BB962C8B-B14F-4D97-AF65-F5344CB8AC3E}">
-        <p14:creationId xmlns:p14="http://schemas.microsoft.com/office/powerpoint/2010/main" val="2469153131"/>
+        <p14:creationId xmlns:p14="http://schemas.microsoft.com/office/powerpoint/2010/main" val="90545887"/>
       </p:ext>
     </p:extLst>
   </p:cSld>
@@ -992,9 +7613,9 @@
           <a:bodyPr/>
           <a:lstStyle/>
           <a:p>
-            <a:fld id="{96DFF08F-DC6B-4601-B491-B0F83F6DD2DA}" type="datetimeFigureOut">
-              <a:rPr lang="en-US" smtClean="0"/>
-              <a:t>4/20/2015</a:t>
+            <a:fld id="{E842C09C-9BD2-4EFE-87B5-E2FDB334D29E}" type="datetime1">
+              <a:rPr lang="hu-HU" smtClean="0"/>
+              <a:t>2015. 04. 20.</a:t>
             </a:fld>
             <a:endParaRPr lang="en-US" dirty="0"/>
           </a:p>
@@ -1045,7 +7666,7 @@
     </p:spTree>
     <p:extLst>
       <p:ext uri="{BB962C8B-B14F-4D97-AF65-F5344CB8AC3E}">
-        <p14:creationId xmlns:p14="http://schemas.microsoft.com/office/powerpoint/2010/main" val="54091049"/>
+        <p14:creationId xmlns:p14="http://schemas.microsoft.com/office/powerpoint/2010/main" val="4069521131"/>
       </p:ext>
     </p:extLst>
   </p:cSld>
@@ -1335,9 +7956,9 @@
           <a:bodyPr/>
           <a:lstStyle/>
           <a:p>
-            <a:fld id="{96DFF08F-DC6B-4601-B491-B0F83F6DD2DA}" type="datetimeFigureOut">
-              <a:rPr lang="en-US" smtClean="0"/>
-              <a:t>4/20/2015</a:t>
+            <a:fld id="{2FBD9166-19F9-461D-904E-B785FA4121D0}" type="datetime1">
+              <a:rPr lang="hu-HU" smtClean="0"/>
+              <a:t>2015. 04. 20.</a:t>
             </a:fld>
             <a:endParaRPr lang="en-US" dirty="0"/>
           </a:p>
@@ -1426,7 +8047,7 @@
     </p:spTree>
     <p:extLst>
       <p:ext uri="{BB962C8B-B14F-4D97-AF65-F5344CB8AC3E}">
-        <p14:creationId xmlns:p14="http://schemas.microsoft.com/office/powerpoint/2010/main" val="2779733865"/>
+        <p14:creationId xmlns:p14="http://schemas.microsoft.com/office/powerpoint/2010/main" val="258408671"/>
       </p:ext>
     </p:extLst>
   </p:cSld>
@@ -1610,9 +8231,9 @@
           <a:bodyPr/>
           <a:lstStyle/>
           <a:p>
-            <a:fld id="{96DFF08F-DC6B-4601-B491-B0F83F6DD2DA}" type="datetimeFigureOut">
-              <a:rPr lang="en-US" smtClean="0"/>
-              <a:t>4/20/2015</a:t>
+            <a:fld id="{423D4BBC-EF27-46A0-8C9A-617D02B47C97}" type="datetime1">
+              <a:rPr lang="hu-HU" smtClean="0"/>
+              <a:t>2015. 04. 20.</a:t>
             </a:fld>
             <a:endParaRPr lang="en-US" dirty="0"/>
           </a:p>
@@ -1663,7 +8284,7 @@
     </p:spTree>
     <p:extLst>
       <p:ext uri="{BB962C8B-B14F-4D97-AF65-F5344CB8AC3E}">
-        <p14:creationId xmlns:p14="http://schemas.microsoft.com/office/powerpoint/2010/main" val="3537363976"/>
+        <p14:creationId xmlns:p14="http://schemas.microsoft.com/office/powerpoint/2010/main" val="2092291047"/>
       </p:ext>
     </p:extLst>
   </p:cSld>
@@ -1989,9 +8610,9 @@
           <a:bodyPr/>
           <a:lstStyle/>
           <a:p>
-            <a:fld id="{96DFF08F-DC6B-4601-B491-B0F83F6DD2DA}" type="datetimeFigureOut">
-              <a:rPr lang="en-US" smtClean="0"/>
-              <a:t>4/20/2015</a:t>
+            <a:fld id="{91F7460B-2103-45D1-B3FF-2469F0E2BFD4}" type="datetime1">
+              <a:rPr lang="hu-HU" smtClean="0"/>
+              <a:t>2015. 04. 20.</a:t>
             </a:fld>
             <a:endParaRPr lang="en-US" dirty="0"/>
           </a:p>
@@ -2042,7 +8663,7 @@
     </p:spTree>
     <p:extLst>
       <p:ext uri="{BB962C8B-B14F-4D97-AF65-F5344CB8AC3E}">
-        <p14:creationId xmlns:p14="http://schemas.microsoft.com/office/powerpoint/2010/main" val="80661558"/>
+        <p14:creationId xmlns:p14="http://schemas.microsoft.com/office/powerpoint/2010/main" val="4074553909"/>
       </p:ext>
     </p:extLst>
   </p:cSld>
@@ -2107,9 +8728,9 @@
           <a:bodyPr/>
           <a:lstStyle/>
           <a:p>
-            <a:fld id="{96DFF08F-DC6B-4601-B491-B0F83F6DD2DA}" type="datetimeFigureOut">
-              <a:rPr lang="en-US" smtClean="0"/>
-              <a:t>4/20/2015</a:t>
+            <a:fld id="{864B2261-A9A3-4212-B5EA-B113C671F5A5}" type="datetime1">
+              <a:rPr lang="hu-HU" smtClean="0"/>
+              <a:t>2015. 04. 20.</a:t>
             </a:fld>
             <a:endParaRPr lang="en-US" dirty="0"/>
           </a:p>
@@ -2160,7 +8781,7 @@
     </p:spTree>
     <p:extLst>
       <p:ext uri="{BB962C8B-B14F-4D97-AF65-F5344CB8AC3E}">
-        <p14:creationId xmlns:p14="http://schemas.microsoft.com/office/powerpoint/2010/main" val="3407649969"/>
+        <p14:creationId xmlns:p14="http://schemas.microsoft.com/office/powerpoint/2010/main" val="1178687339"/>
       </p:ext>
     </p:extLst>
   </p:cSld>
@@ -2278,9 +8899,9 @@
           <a:bodyPr/>
           <a:lstStyle/>
           <a:p>
-            <a:fld id="{96DFF08F-DC6B-4601-B491-B0F83F6DD2DA}" type="datetimeFigureOut">
-              <a:rPr lang="en-US" smtClean="0"/>
-              <a:t>4/20/2015</a:t>
+            <a:fld id="{EDECE27C-98A0-46D7-8D64-87F386A60CA4}" type="datetime1">
+              <a:rPr lang="hu-HU" smtClean="0"/>
+              <a:t>2015. 04. 20.</a:t>
             </a:fld>
             <a:endParaRPr lang="en-US" dirty="0"/>
           </a:p>
@@ -2339,7 +8960,7 @@
     </p:spTree>
     <p:extLst>
       <p:ext uri="{BB962C8B-B14F-4D97-AF65-F5344CB8AC3E}">
-        <p14:creationId xmlns:p14="http://schemas.microsoft.com/office/powerpoint/2010/main" val="4159019919"/>
+        <p14:creationId xmlns:p14="http://schemas.microsoft.com/office/powerpoint/2010/main" val="3645649284"/>
       </p:ext>
     </p:extLst>
   </p:cSld>
@@ -2632,9 +9253,9 @@
             </a:lvl1pPr>
           </a:lstStyle>
           <a:p>
-            <a:fld id="{96DFF08F-DC6B-4601-B491-B0F83F6DD2DA}" type="datetimeFigureOut">
-              <a:rPr lang="en-US" smtClean="0"/>
-              <a:t>4/20/2015</a:t>
+            <a:fld id="{2A97D4F2-B1C7-44EF-A802-76366E6AFAF2}" type="datetime1">
+              <a:rPr lang="hu-HU" smtClean="0"/>
+              <a:t>2015. 04. 20.</a:t>
             </a:fld>
             <a:endParaRPr lang="en-US" dirty="0"/>
           </a:p>
@@ -2706,7 +9327,7 @@
     </p:spTree>
     <p:extLst>
       <p:ext uri="{BB962C8B-B14F-4D97-AF65-F5344CB8AC3E}">
-        <p14:creationId xmlns:p14="http://schemas.microsoft.com/office/powerpoint/2010/main" val="1829411083"/>
+        <p14:creationId xmlns:p14="http://schemas.microsoft.com/office/powerpoint/2010/main" val="741854725"/>
       </p:ext>
     </p:extLst>
   </p:cSld>
@@ -3009,9 +9630,9 @@
           <a:bodyPr/>
           <a:lstStyle/>
           <a:p>
-            <a:fld id="{96DFF08F-DC6B-4601-B491-B0F83F6DD2DA}" type="datetimeFigureOut">
-              <a:rPr lang="en-US" smtClean="0"/>
-              <a:t>4/20/2015</a:t>
+            <a:fld id="{D2D8BE3D-C433-4CD3-9AD7-E8CD01FEB430}" type="datetime1">
+              <a:rPr lang="hu-HU" smtClean="0"/>
+              <a:t>2015. 04. 20.</a:t>
             </a:fld>
             <a:endParaRPr lang="en-US" dirty="0"/>
           </a:p>
@@ -3062,7 +9683,7 @@
     </p:spTree>
     <p:extLst>
       <p:ext uri="{BB962C8B-B14F-4D97-AF65-F5344CB8AC3E}">
-        <p14:creationId xmlns:p14="http://schemas.microsoft.com/office/powerpoint/2010/main" val="2363010895"/>
+        <p14:creationId xmlns:p14="http://schemas.microsoft.com/office/powerpoint/2010/main" val="4026804903"/>
       </p:ext>
     </p:extLst>
   </p:cSld>
@@ -3296,10 +9917,9 @@
             </a:lvl1pPr>
           </a:lstStyle>
           <a:p>
-            <a:fld id="{96DFF08F-DC6B-4601-B491-B0F83F6DD2DA}" type="datetimeFigureOut">
-              <a:rPr lang="en-US" smtClean="0"/>
-              <a:pPr/>
-              <a:t>4/20/2015</a:t>
+            <a:fld id="{011DFED8-1BD0-47C8-909D-2EC7123E1AC2}" type="datetime1">
+              <a:rPr lang="hu-HU" smtClean="0"/>
+              <a:t>2015. 04. 20.</a:t>
             </a:fld>
             <a:endParaRPr lang="en-US" dirty="0"/>
           </a:p>
@@ -3421,24 +10041,25 @@
     </p:spTree>
     <p:extLst>
       <p:ext uri="{BB962C8B-B14F-4D97-AF65-F5344CB8AC3E}">
-        <p14:creationId xmlns:p14="http://schemas.microsoft.com/office/powerpoint/2010/main" val="4086560135"/>
+        <p14:creationId xmlns:p14="http://schemas.microsoft.com/office/powerpoint/2010/main" val="3955494777"/>
       </p:ext>
     </p:extLst>
   </p:cSld>
   <p:clrMap bg1="lt1" tx1="dk1" bg2="lt2" tx2="dk2" accent1="accent1" accent2="accent2" accent3="accent3" accent4="accent4" accent5="accent5" accent6="accent6" hlink="hlink" folHlink="folHlink"/>
   <p:sldLayoutIdLst>
-    <p:sldLayoutId id="2147483757" r:id="rId1"/>
-    <p:sldLayoutId id="2147483758" r:id="rId2"/>
-    <p:sldLayoutId id="2147483759" r:id="rId3"/>
-    <p:sldLayoutId id="2147483760" r:id="rId4"/>
-    <p:sldLayoutId id="2147483761" r:id="rId5"/>
-    <p:sldLayoutId id="2147483762" r:id="rId6"/>
-    <p:sldLayoutId id="2147483763" r:id="rId7"/>
-    <p:sldLayoutId id="2147483764" r:id="rId8"/>
-    <p:sldLayoutId id="2147483765" r:id="rId9"/>
-    <p:sldLayoutId id="2147483766" r:id="rId10"/>
-    <p:sldLayoutId id="2147483767" r:id="rId11"/>
+    <p:sldLayoutId id="2147483781" r:id="rId1"/>
+    <p:sldLayoutId id="2147483782" r:id="rId2"/>
+    <p:sldLayoutId id="2147483783" r:id="rId3"/>
+    <p:sldLayoutId id="2147483784" r:id="rId4"/>
+    <p:sldLayoutId id="2147483785" r:id="rId5"/>
+    <p:sldLayoutId id="2147483786" r:id="rId6"/>
+    <p:sldLayoutId id="2147483787" r:id="rId7"/>
+    <p:sldLayoutId id="2147483788" r:id="rId8"/>
+    <p:sldLayoutId id="2147483789" r:id="rId9"/>
+    <p:sldLayoutId id="2147483790" r:id="rId10"/>
+    <p:sldLayoutId id="2147483791" r:id="rId11"/>
   </p:sldLayoutIdLst>
+  <p:hf hdr="0" ftr="0"/>
   <p:txStyles>
     <p:titleStyle>
       <a:lvl1pPr algn="l" defTabSz="914400" rtl="0" eaLnBrk="1" latinLnBrk="0" hangingPunct="1">
@@ -3904,6 +10525,61 @@
           </a:p>
         </p:txBody>
       </p:sp>
+      <p:sp>
+        <p:nvSpPr>
+          <p:cNvPr id="4" name="Dátum helye 3"/>
+          <p:cNvSpPr>
+            <a:spLocks noGrp="1"/>
+          </p:cNvSpPr>
+          <p:nvPr>
+            <p:ph type="dt" sz="half" idx="10"/>
+          </p:nvPr>
+        </p:nvSpPr>
+        <p:spPr/>
+        <p:txBody>
+          <a:bodyPr/>
+          <a:lstStyle/>
+          <a:p>
+            <a:fld id="{CF7DDCAB-3967-4034-9090-3C69CB447D3F}" type="datetime1">
+              <a:rPr lang="hu-HU" sz="2000" smtClean="0">
+                <a:latin typeface="Cambria" panose="02040503050406030204" pitchFamily="18" charset="0"/>
+              </a:rPr>
+              <a:t>2015. 04. 20.</a:t>
+            </a:fld>
+            <a:endParaRPr lang="en-US" sz="2000" dirty="0">
+              <a:latin typeface="Cambria" panose="02040503050406030204" pitchFamily="18" charset="0"/>
+            </a:endParaRPr>
+          </a:p>
+        </p:txBody>
+      </p:sp>
+      <p:sp>
+        <p:nvSpPr>
+          <p:cNvPr id="5" name="Dia számának helye 4"/>
+          <p:cNvSpPr>
+            <a:spLocks noGrp="1"/>
+          </p:cNvSpPr>
+          <p:nvPr>
+            <p:ph type="sldNum" sz="quarter" idx="12"/>
+          </p:nvPr>
+        </p:nvSpPr>
+        <p:spPr/>
+        <p:txBody>
+          <a:bodyPr/>
+          <a:lstStyle/>
+          <a:p>
+            <a:fld id="{4FAB73BC-B049-4115-A692-8D63A059BFB8}" type="slidenum">
+              <a:rPr lang="en-US" sz="2000" smtClean="0">
+                <a:latin typeface="Cambria" panose="02040503050406030204" pitchFamily="18" charset="0"/>
+              </a:rPr>
+              <a:pPr/>
+              <a:t>1</a:t>
+            </a:fld>
+            <a:endParaRPr lang="en-US" sz="2000" dirty="0">
+              <a:latin typeface="Cambria" panose="02040503050406030204" pitchFamily="18" charset="0"/>
+            </a:endParaRPr>
+          </a:p>
+        </p:txBody>
+      </p:sp>
     </p:spTree>
     <p:extLst>
       <p:ext uri="{BB962C8B-B14F-4D97-AF65-F5344CB8AC3E}">
@@ -3914,6 +10590,13 @@
   <p:clrMapOvr>
     <a:masterClrMapping/>
   </p:clrMapOvr>
+  <p:timing>
+    <p:tnLst>
+      <p:par>
+        <p:cTn id="1" dur="indefinite" restart="never" nodeType="tmRoot"/>
+      </p:par>
+    </p:tnLst>
+  </p:timing>
 </p:sld>
 </file>
 
@@ -3950,10 +10633,14 @@
           <a:lstStyle/>
           <a:p>
             <a:r>
-              <a:rPr lang="hu-HU" dirty="0" smtClean="0"/>
+              <a:rPr lang="hu-HU" dirty="0" smtClean="0">
+                <a:latin typeface="Cambria" panose="02040503050406030204" pitchFamily="18" charset="0"/>
+              </a:rPr>
               <a:t>Köszönöm a figyelmet!</a:t>
             </a:r>
-            <a:endParaRPr lang="en-US" dirty="0"/>
+            <a:endParaRPr lang="en-US" dirty="0">
+              <a:latin typeface="Cambria" panose="02040503050406030204" pitchFamily="18" charset="0"/>
+            </a:endParaRPr>
           </a:p>
         </p:txBody>
       </p:sp>
@@ -3972,7 +10659,63 @@
           <a:bodyPr/>
           <a:lstStyle/>
           <a:p>
-            <a:endParaRPr lang="en-US" dirty="0"/>
+            <a:endParaRPr lang="en-US" dirty="0">
+              <a:latin typeface="Cambria" panose="02040503050406030204" pitchFamily="18" charset="0"/>
+            </a:endParaRPr>
+          </a:p>
+        </p:txBody>
+      </p:sp>
+      <p:sp>
+        <p:nvSpPr>
+          <p:cNvPr id="4" name="Dátum helye 3"/>
+          <p:cNvSpPr>
+            <a:spLocks noGrp="1"/>
+          </p:cNvSpPr>
+          <p:nvPr>
+            <p:ph type="dt" sz="half" idx="10"/>
+          </p:nvPr>
+        </p:nvSpPr>
+        <p:spPr/>
+        <p:txBody>
+          <a:bodyPr/>
+          <a:lstStyle/>
+          <a:p>
+            <a:fld id="{A7F1075C-35DA-4680-BFBE-B4DBD0FE6E73}" type="datetime1">
+              <a:rPr lang="hu-HU" sz="2000" smtClean="0">
+                <a:latin typeface="Cambria" panose="02040503050406030204" pitchFamily="18" charset="0"/>
+              </a:rPr>
+              <a:t>2015. 04. 20.</a:t>
+            </a:fld>
+            <a:endParaRPr lang="en-US" sz="2000" dirty="0">
+              <a:latin typeface="Cambria" panose="02040503050406030204" pitchFamily="18" charset="0"/>
+            </a:endParaRPr>
+          </a:p>
+        </p:txBody>
+      </p:sp>
+      <p:sp>
+        <p:nvSpPr>
+          <p:cNvPr id="5" name="Dia számának helye 4"/>
+          <p:cNvSpPr>
+            <a:spLocks noGrp="1"/>
+          </p:cNvSpPr>
+          <p:nvPr>
+            <p:ph type="sldNum" sz="quarter" idx="12"/>
+          </p:nvPr>
+        </p:nvSpPr>
+        <p:spPr/>
+        <p:txBody>
+          <a:bodyPr/>
+          <a:lstStyle/>
+          <a:p>
+            <a:fld id="{4FAB73BC-B049-4115-A692-8D63A059BFB8}" type="slidenum">
+              <a:rPr lang="en-US" sz="2000" smtClean="0">
+                <a:latin typeface="Cambria" panose="02040503050406030204" pitchFamily="18" charset="0"/>
+              </a:rPr>
+              <a:t>10</a:t>
+            </a:fld>
+            <a:endParaRPr lang="en-US" sz="2000" dirty="0">
+              <a:latin typeface="Cambria" panose="02040503050406030204" pitchFamily="18" charset="0"/>
+            </a:endParaRPr>
           </a:p>
         </p:txBody>
       </p:sp>
@@ -3986,6 +10729,13 @@
   <p:clrMapOvr>
     <a:masterClrMapping/>
   </p:clrMapOvr>
+  <p:timing>
+    <p:tnLst>
+      <p:par>
+        <p:cTn id="1" dur="indefinite" restart="never" nodeType="tmRoot"/>
+      </p:par>
+    </p:tnLst>
+  </p:timing>
 </p:sld>
 </file>
 
@@ -4016,7 +10766,12 @@
             <p:ph type="title"/>
           </p:nvPr>
         </p:nvSpPr>
-        <p:spPr/>
+        <p:spPr>
+          <a:xfrm>
+            <a:off x="1066800" y="511596"/>
+            <a:ext cx="10058400" cy="743447"/>
+          </a:xfrm>
+        </p:spPr>
         <p:txBody>
           <a:bodyPr/>
           <a:lstStyle/>
@@ -4096,6 +10851,9 @@
               </a:rPr>
               <a:t>Követelmények</a:t>
             </a:r>
+            <a:endParaRPr lang="hu-HU" sz="3200" dirty="0" smtClean="0">
+              <a:latin typeface="Cambria" panose="02040503050406030204" pitchFamily="18" charset="0"/>
+            </a:endParaRPr>
           </a:p>
           <a:p>
             <a:pPr marL="357188" indent="-357188">
@@ -4132,6 +10890,106 @@
               </a:rPr>
               <a:t>Eredmények</a:t>
             </a:r>
+          </a:p>
+        </p:txBody>
+      </p:sp>
+      <p:sp>
+        <p:nvSpPr>
+          <p:cNvPr id="4" name="Dátum helye 3"/>
+          <p:cNvSpPr>
+            <a:spLocks noGrp="1"/>
+          </p:cNvSpPr>
+          <p:nvPr>
+            <p:ph type="dt" sz="half" idx="10"/>
+          </p:nvPr>
+        </p:nvSpPr>
+        <p:spPr/>
+        <p:txBody>
+          <a:bodyPr/>
+          <a:lstStyle/>
+          <a:p>
+            <a:fld id="{0CA82606-936A-4A33-8E07-9AE0D03D39D2}" type="datetime1">
+              <a:rPr lang="hu-HU" sz="2000" smtClean="0">
+                <a:latin typeface="Cambria" panose="02040503050406030204" pitchFamily="18" charset="0"/>
+              </a:rPr>
+              <a:t>2015. 04. 20.</a:t>
+            </a:fld>
+            <a:endParaRPr lang="en-US" sz="2000" dirty="0">
+              <a:latin typeface="Cambria" panose="02040503050406030204" pitchFamily="18" charset="0"/>
+            </a:endParaRPr>
+          </a:p>
+        </p:txBody>
+      </p:sp>
+      <p:sp>
+        <p:nvSpPr>
+          <p:cNvPr id="5" name="Dia számának helye 4"/>
+          <p:cNvSpPr>
+            <a:spLocks noGrp="1"/>
+          </p:cNvSpPr>
+          <p:nvPr>
+            <p:ph type="sldNum" sz="quarter" idx="12"/>
+          </p:nvPr>
+        </p:nvSpPr>
+        <p:spPr/>
+        <p:txBody>
+          <a:bodyPr/>
+          <a:lstStyle/>
+          <a:p>
+            <a:fld id="{4FAB73BC-B049-4115-A692-8D63A059BFB8}" type="slidenum">
+              <a:rPr lang="en-US" sz="2000" smtClean="0">
+                <a:latin typeface="Cambria" panose="02040503050406030204" pitchFamily="18" charset="0"/>
+              </a:rPr>
+              <a:t>2</a:t>
+            </a:fld>
+            <a:endParaRPr lang="en-US" sz="2000" dirty="0">
+              <a:latin typeface="Cambria" panose="02040503050406030204" pitchFamily="18" charset="0"/>
+            </a:endParaRPr>
+          </a:p>
+        </p:txBody>
+      </p:sp>
+      <p:sp>
+        <p:nvSpPr>
+          <p:cNvPr id="6" name="Téglalap 5"/>
+          <p:cNvSpPr/>
+          <p:nvPr/>
+        </p:nvSpPr>
+        <p:spPr>
+          <a:xfrm>
+            <a:off x="1066800" y="1563757"/>
+            <a:ext cx="10263809" cy="281977"/>
+          </a:xfrm>
+          <a:prstGeom prst="rect">
+            <a:avLst/>
+          </a:prstGeom>
+          <a:solidFill>
+            <a:schemeClr val="bg1"/>
+          </a:solidFill>
+          <a:ln>
+            <a:noFill/>
+          </a:ln>
+        </p:spPr>
+        <p:style>
+          <a:lnRef idx="2">
+            <a:schemeClr val="accent1">
+              <a:shade val="50000"/>
+            </a:schemeClr>
+          </a:lnRef>
+          <a:fillRef idx="1">
+            <a:schemeClr val="accent1"/>
+          </a:fillRef>
+          <a:effectRef idx="0">
+            <a:schemeClr val="accent1"/>
+          </a:effectRef>
+          <a:fontRef idx="minor">
+            <a:schemeClr val="lt1"/>
+          </a:fontRef>
+        </p:style>
+        <p:txBody>
+          <a:bodyPr rtlCol="0" anchor="ctr"/>
+          <a:lstStyle/>
+          <a:p>
+            <a:pPr algn="ctr"/>
+            <a:endParaRPr lang="en-US"/>
           </a:p>
         </p:txBody>
       </p:sp>
@@ -4145,6 +11003,13 @@
   <p:clrMapOvr>
     <a:masterClrMapping/>
   </p:clrMapOvr>
+  <p:timing>
+    <p:tnLst>
+      <p:par>
+        <p:cTn id="1" dur="indefinite" restart="never" nodeType="tmRoot"/>
+      </p:par>
+    </p:tnLst>
+  </p:timing>
 </p:sld>
 </file>
 
@@ -4175,7 +11040,12 @@
             <p:ph type="title"/>
           </p:nvPr>
         </p:nvSpPr>
-        <p:spPr/>
+        <p:spPr>
+          <a:xfrm>
+            <a:off x="1066800" y="511596"/>
+            <a:ext cx="10058400" cy="743447"/>
+          </a:xfrm>
+        </p:spPr>
         <p:txBody>
           <a:bodyPr/>
           <a:lstStyle/>
@@ -4207,9 +11077,244 @@
           <a:bodyPr/>
           <a:lstStyle/>
           <a:p>
+            <a:pPr marL="357188" indent="-357188">
+              <a:buFont typeface="Wingdings" panose="05000000000000000000" pitchFamily="2" charset="2"/>
+              <a:buChar char="§"/>
+            </a:pPr>
+            <a:r>
+              <a:rPr lang="en-US" sz="3200" dirty="0" err="1">
+                <a:latin typeface="Cambria" panose="02040503050406030204" pitchFamily="18" charset="0"/>
+              </a:rPr>
+              <a:t>Csoportos</a:t>
+            </a:r>
+            <a:r>
+              <a:rPr lang="en-US" sz="3200" dirty="0">
+                <a:latin typeface="Cambria" panose="02040503050406030204" pitchFamily="18" charset="0"/>
+              </a:rPr>
+              <a:t> </a:t>
+            </a:r>
+            <a:r>
+              <a:rPr lang="en-US" sz="3200" dirty="0" err="1">
+                <a:latin typeface="Cambria" panose="02040503050406030204" pitchFamily="18" charset="0"/>
+              </a:rPr>
+              <a:t>szállásfoglalás</a:t>
+            </a:r>
+            <a:r>
+              <a:rPr lang="en-US" sz="3200" dirty="0">
+                <a:latin typeface="Cambria" panose="02040503050406030204" pitchFamily="18" charset="0"/>
+              </a:rPr>
+              <a:t> </a:t>
+            </a:r>
+            <a:r>
+              <a:rPr lang="en-US" sz="3200" dirty="0" err="1">
+                <a:latin typeface="Cambria" panose="02040503050406030204" pitchFamily="18" charset="0"/>
+              </a:rPr>
+              <a:t>nehézségei</a:t>
+            </a:r>
+            <a:endParaRPr lang="en-US" sz="3200" dirty="0">
+              <a:latin typeface="Cambria" panose="02040503050406030204" pitchFamily="18" charset="0"/>
+            </a:endParaRPr>
+          </a:p>
+          <a:p>
+            <a:pPr marL="357188" indent="-357188">
+              <a:buFont typeface="Wingdings" panose="05000000000000000000" pitchFamily="2" charset="2"/>
+              <a:buChar char="§"/>
+            </a:pPr>
+            <a:r>
+              <a:rPr lang="en-US" sz="3200" dirty="0" err="1">
+                <a:latin typeface="Cambria" panose="02040503050406030204" pitchFamily="18" charset="0"/>
+              </a:rPr>
+              <a:t>Szálláshely</a:t>
+            </a:r>
+            <a:r>
+              <a:rPr lang="en-US" sz="3200" dirty="0">
+                <a:latin typeface="Cambria" panose="02040503050406030204" pitchFamily="18" charset="0"/>
+              </a:rPr>
+              <a:t> </a:t>
+            </a:r>
+            <a:r>
+              <a:rPr lang="en-US" sz="3200" dirty="0" err="1">
+                <a:latin typeface="Cambria" panose="02040503050406030204" pitchFamily="18" charset="0"/>
+              </a:rPr>
+              <a:t>korlátozott</a:t>
+            </a:r>
+            <a:r>
+              <a:rPr lang="en-US" sz="3200" dirty="0">
+                <a:latin typeface="Cambria" panose="02040503050406030204" pitchFamily="18" charset="0"/>
+              </a:rPr>
+              <a:t> </a:t>
+            </a:r>
+            <a:r>
+              <a:rPr lang="en-US" sz="3200" dirty="0" err="1">
+                <a:latin typeface="Cambria" panose="02040503050406030204" pitchFamily="18" charset="0"/>
+              </a:rPr>
+              <a:t>kapacitása</a:t>
+            </a:r>
+            <a:endParaRPr lang="en-US" sz="3200" dirty="0">
+              <a:latin typeface="Cambria" panose="02040503050406030204" pitchFamily="18" charset="0"/>
+            </a:endParaRPr>
+          </a:p>
+          <a:p>
+            <a:pPr marL="357188" indent="-357188">
+              <a:buFont typeface="Wingdings" panose="05000000000000000000" pitchFamily="2" charset="2"/>
+              <a:buChar char="§"/>
+            </a:pPr>
+            <a:r>
+              <a:rPr lang="en-US" sz="3200" dirty="0" err="1">
+                <a:latin typeface="Cambria" panose="02040503050406030204" pitchFamily="18" charset="0"/>
+              </a:rPr>
+              <a:t>Munkaigényes</a:t>
+            </a:r>
+            <a:r>
+              <a:rPr lang="en-US" sz="3200" dirty="0">
+                <a:latin typeface="Cambria" panose="02040503050406030204" pitchFamily="18" charset="0"/>
+              </a:rPr>
+              <a:t> </a:t>
+            </a:r>
+            <a:r>
+              <a:rPr lang="en-US" sz="3200" dirty="0" err="1">
+                <a:latin typeface="Cambria" panose="02040503050406030204" pitchFamily="18" charset="0"/>
+              </a:rPr>
+              <a:t>szálláshelykeresés</a:t>
+            </a:r>
+            <a:endParaRPr lang="en-US" sz="3200" dirty="0">
+              <a:latin typeface="Cambria" panose="02040503050406030204" pitchFamily="18" charset="0"/>
+            </a:endParaRPr>
+          </a:p>
+          <a:p>
+            <a:pPr marL="357188" indent="-357188">
+              <a:buFont typeface="Wingdings" panose="05000000000000000000" pitchFamily="2" charset="2"/>
+              <a:buChar char="§"/>
+            </a:pPr>
+            <a:r>
+              <a:rPr lang="en-US" sz="3200" dirty="0" err="1">
+                <a:latin typeface="Cambria" panose="02040503050406030204" pitchFamily="18" charset="0"/>
+              </a:rPr>
+              <a:t>Bonyolult</a:t>
+            </a:r>
+            <a:r>
+              <a:rPr lang="en-US" sz="3200" dirty="0">
+                <a:latin typeface="Cambria" panose="02040503050406030204" pitchFamily="18" charset="0"/>
+              </a:rPr>
+              <a:t> </a:t>
+            </a:r>
+            <a:r>
+              <a:rPr lang="en-US" sz="3200" dirty="0" err="1">
+                <a:latin typeface="Cambria" panose="02040503050406030204" pitchFamily="18" charset="0"/>
+              </a:rPr>
+              <a:t>szervezés</a:t>
+            </a:r>
+            <a:endParaRPr lang="en-US" sz="3200" dirty="0">
+              <a:latin typeface="Cambria" panose="02040503050406030204" pitchFamily="18" charset="0"/>
+            </a:endParaRPr>
+          </a:p>
+          <a:p>
+            <a:pPr marL="0" indent="0">
+              <a:buNone/>
+            </a:pPr>
             <a:endParaRPr lang="en-US" dirty="0">
               <a:latin typeface="Cambria" panose="02040503050406030204" pitchFamily="18" charset="0"/>
             </a:endParaRPr>
+          </a:p>
+        </p:txBody>
+      </p:sp>
+      <p:sp>
+        <p:nvSpPr>
+          <p:cNvPr id="4" name="Dátum helye 3"/>
+          <p:cNvSpPr>
+            <a:spLocks noGrp="1"/>
+          </p:cNvSpPr>
+          <p:nvPr>
+            <p:ph type="dt" sz="half" idx="10"/>
+          </p:nvPr>
+        </p:nvSpPr>
+        <p:spPr/>
+        <p:txBody>
+          <a:bodyPr/>
+          <a:lstStyle/>
+          <a:p>
+            <a:fld id="{13695246-FBEA-4138-BE04-5F62850FA236}" type="datetime1">
+              <a:rPr lang="hu-HU" sz="2000" smtClean="0">
+                <a:latin typeface="Cambria" panose="02040503050406030204" pitchFamily="18" charset="0"/>
+              </a:rPr>
+              <a:t>2015. 04. 20.</a:t>
+            </a:fld>
+            <a:endParaRPr lang="en-US" sz="2000" dirty="0">
+              <a:latin typeface="Cambria" panose="02040503050406030204" pitchFamily="18" charset="0"/>
+            </a:endParaRPr>
+          </a:p>
+        </p:txBody>
+      </p:sp>
+      <p:sp>
+        <p:nvSpPr>
+          <p:cNvPr id="5" name="Dia számának helye 4"/>
+          <p:cNvSpPr>
+            <a:spLocks noGrp="1"/>
+          </p:cNvSpPr>
+          <p:nvPr>
+            <p:ph type="sldNum" sz="quarter" idx="12"/>
+          </p:nvPr>
+        </p:nvSpPr>
+        <p:spPr/>
+        <p:txBody>
+          <a:bodyPr/>
+          <a:lstStyle/>
+          <a:p>
+            <a:fld id="{4FAB73BC-B049-4115-A692-8D63A059BFB8}" type="slidenum">
+              <a:rPr lang="en-US" sz="2000" smtClean="0">
+                <a:latin typeface="Cambria" panose="02040503050406030204" pitchFamily="18" charset="0"/>
+              </a:rPr>
+              <a:t>3</a:t>
+            </a:fld>
+            <a:endParaRPr lang="en-US" sz="2000" dirty="0">
+              <a:latin typeface="Cambria" panose="02040503050406030204" pitchFamily="18" charset="0"/>
+            </a:endParaRPr>
+          </a:p>
+        </p:txBody>
+      </p:sp>
+      <p:sp>
+        <p:nvSpPr>
+          <p:cNvPr id="6" name="Téglalap 5"/>
+          <p:cNvSpPr/>
+          <p:nvPr/>
+        </p:nvSpPr>
+        <p:spPr>
+          <a:xfrm>
+            <a:off x="1066800" y="1563757"/>
+            <a:ext cx="10263809" cy="281977"/>
+          </a:xfrm>
+          <a:prstGeom prst="rect">
+            <a:avLst/>
+          </a:prstGeom>
+          <a:solidFill>
+            <a:schemeClr val="bg1"/>
+          </a:solidFill>
+          <a:ln>
+            <a:noFill/>
+          </a:ln>
+        </p:spPr>
+        <p:style>
+          <a:lnRef idx="2">
+            <a:schemeClr val="accent1">
+              <a:shade val="50000"/>
+            </a:schemeClr>
+          </a:lnRef>
+          <a:fillRef idx="1">
+            <a:schemeClr val="accent1"/>
+          </a:fillRef>
+          <a:effectRef idx="0">
+            <a:schemeClr val="accent1"/>
+          </a:effectRef>
+          <a:fontRef idx="minor">
+            <a:schemeClr val="lt1"/>
+          </a:fontRef>
+        </p:style>
+        <p:txBody>
+          <a:bodyPr rtlCol="0" anchor="ctr"/>
+          <a:lstStyle/>
+          <a:p>
+            <a:pPr algn="ctr"/>
+            <a:endParaRPr lang="en-US"/>
           </a:p>
         </p:txBody>
       </p:sp>
@@ -4223,6 +11328,13 @@
   <p:clrMapOvr>
     <a:masterClrMapping/>
   </p:clrMapOvr>
+  <p:timing>
+    <p:tnLst>
+      <p:par>
+        <p:cTn id="1" dur="indefinite" restart="never" nodeType="tmRoot"/>
+      </p:par>
+    </p:tnLst>
+  </p:timing>
 </p:sld>
 </file>
 
@@ -4253,7 +11365,12 @@
             <p:ph type="title"/>
           </p:nvPr>
         </p:nvSpPr>
-        <p:spPr/>
+        <p:spPr>
+          <a:xfrm>
+            <a:off x="1097280" y="463826"/>
+            <a:ext cx="10058400" cy="796456"/>
+          </a:xfrm>
+        </p:spPr>
         <p:txBody>
           <a:bodyPr/>
           <a:lstStyle/>
@@ -4272,12 +11389,12 @@
       </p:sp>
       <p:sp>
         <p:nvSpPr>
-          <p:cNvPr id="3" name="Tartalom helye 2"/>
+          <p:cNvPr id="4" name="Dátum helye 3"/>
           <p:cNvSpPr>
             <a:spLocks noGrp="1"/>
           </p:cNvSpPr>
           <p:nvPr>
-            <p:ph idx="1"/>
+            <p:ph type="dt" sz="half" idx="10"/>
           </p:nvPr>
         </p:nvSpPr>
         <p:spPr/>
@@ -4285,7 +11402,544 @@
           <a:bodyPr/>
           <a:lstStyle/>
           <a:p>
-            <a:endParaRPr lang="en-US">
+            <a:fld id="{03C559D0-1094-4277-B323-F9959B2614A6}" type="datetime1">
+              <a:rPr lang="hu-HU" sz="2000" smtClean="0">
+                <a:latin typeface="Cambria" panose="02040503050406030204" pitchFamily="18" charset="0"/>
+              </a:rPr>
+              <a:t>2015. 04. 20.</a:t>
+            </a:fld>
+            <a:endParaRPr lang="en-US" sz="2000" dirty="0">
+              <a:latin typeface="Cambria" panose="02040503050406030204" pitchFamily="18" charset="0"/>
+            </a:endParaRPr>
+          </a:p>
+        </p:txBody>
+      </p:sp>
+      <p:sp>
+        <p:nvSpPr>
+          <p:cNvPr id="5" name="Dia számának helye 4"/>
+          <p:cNvSpPr>
+            <a:spLocks noGrp="1"/>
+          </p:cNvSpPr>
+          <p:nvPr>
+            <p:ph type="sldNum" sz="quarter" idx="12"/>
+          </p:nvPr>
+        </p:nvSpPr>
+        <p:spPr>
+          <a:xfrm>
+            <a:off x="9843655" y="6459784"/>
+            <a:ext cx="1312025" cy="365125"/>
+          </a:xfrm>
+        </p:spPr>
+        <p:txBody>
+          <a:bodyPr/>
+          <a:lstStyle/>
+          <a:p>
+            <a:fld id="{4FAB73BC-B049-4115-A692-8D63A059BFB8}" type="slidenum">
+              <a:rPr lang="en-US" sz="2000" smtClean="0">
+                <a:latin typeface="Cambria" panose="02040503050406030204" pitchFamily="18" charset="0"/>
+              </a:rPr>
+              <a:t>4</a:t>
+            </a:fld>
+            <a:endParaRPr lang="en-US" sz="2000" dirty="0">
+              <a:latin typeface="Cambria" panose="02040503050406030204" pitchFamily="18" charset="0"/>
+            </a:endParaRPr>
+          </a:p>
+        </p:txBody>
+      </p:sp>
+      <p:sp>
+        <p:nvSpPr>
+          <p:cNvPr id="14" name="Téglalap 13"/>
+          <p:cNvSpPr/>
+          <p:nvPr/>
+        </p:nvSpPr>
+        <p:spPr>
+          <a:xfrm>
+            <a:off x="1066800" y="1563757"/>
+            <a:ext cx="10263809" cy="281977"/>
+          </a:xfrm>
+          <a:prstGeom prst="rect">
+            <a:avLst/>
+          </a:prstGeom>
+          <a:solidFill>
+            <a:schemeClr val="bg1"/>
+          </a:solidFill>
+          <a:ln>
+            <a:noFill/>
+          </a:ln>
+        </p:spPr>
+        <p:style>
+          <a:lnRef idx="2">
+            <a:schemeClr val="accent1">
+              <a:shade val="50000"/>
+            </a:schemeClr>
+          </a:lnRef>
+          <a:fillRef idx="1">
+            <a:schemeClr val="accent1"/>
+          </a:fillRef>
+          <a:effectRef idx="0">
+            <a:schemeClr val="accent1"/>
+          </a:effectRef>
+          <a:fontRef idx="minor">
+            <a:schemeClr val="lt1"/>
+          </a:fontRef>
+        </p:style>
+        <p:txBody>
+          <a:bodyPr rtlCol="0" anchor="ctr"/>
+          <a:lstStyle/>
+          <a:p>
+            <a:pPr algn="ctr"/>
+            <a:endParaRPr lang="en-US"/>
+          </a:p>
+        </p:txBody>
+      </p:sp>
+      <p:sp>
+        <p:nvSpPr>
+          <p:cNvPr id="8" name="Szövegdoboz 7"/>
+          <p:cNvSpPr txBox="1"/>
+          <p:nvPr/>
+        </p:nvSpPr>
+        <p:spPr>
+          <a:xfrm>
+            <a:off x="329978" y="1563757"/>
+            <a:ext cx="3738439" cy="4431983"/>
+          </a:xfrm>
+          <a:prstGeom prst="rect">
+            <a:avLst/>
+          </a:prstGeom>
+          <a:noFill/>
+        </p:spPr>
+        <p:txBody>
+          <a:bodyPr wrap="square" rtlCol="0">
+            <a:spAutoFit/>
+          </a:bodyPr>
+          <a:lstStyle/>
+          <a:p>
+            <a:pPr algn="ctr">
+              <a:spcAft>
+                <a:spcPts val="1200"/>
+              </a:spcAft>
+            </a:pPr>
+            <a:r>
+              <a:rPr lang="hu-HU" sz="3200" dirty="0" err="1" smtClean="0">
+                <a:latin typeface="Cambria" panose="02040503050406030204" pitchFamily="18" charset="0"/>
+              </a:rPr>
+              <a:t>Szállás.hu</a:t>
+            </a:r>
+            <a:endParaRPr lang="hu-HU" sz="3200" dirty="0" smtClean="0">
+              <a:latin typeface="Cambria" panose="02040503050406030204" pitchFamily="18" charset="0"/>
+            </a:endParaRPr>
+          </a:p>
+          <a:p>
+            <a:pPr marL="342900" indent="-342900">
+              <a:buClr>
+                <a:schemeClr val="accent1"/>
+              </a:buClr>
+              <a:buFont typeface="Wingdings" panose="05000000000000000000" pitchFamily="2" charset="2"/>
+              <a:buChar char="§"/>
+            </a:pPr>
+            <a:r>
+              <a:rPr lang="hu-HU" sz="2400" b="1" dirty="0" smtClean="0">
+                <a:latin typeface="Cambria" panose="02040503050406030204" pitchFamily="18" charset="0"/>
+              </a:rPr>
+              <a:t>Részletes</a:t>
+            </a:r>
+            <a:r>
+              <a:rPr lang="hu-HU" sz="2400" dirty="0" smtClean="0">
+                <a:latin typeface="Cambria" panose="02040503050406030204" pitchFamily="18" charset="0"/>
+              </a:rPr>
+              <a:t> keresés</a:t>
+            </a:r>
+          </a:p>
+          <a:p>
+            <a:pPr marL="342900" indent="-342900">
+              <a:buClr>
+                <a:schemeClr val="accent1"/>
+              </a:buClr>
+              <a:buFont typeface="Wingdings" panose="05000000000000000000" pitchFamily="2" charset="2"/>
+              <a:buChar char="§"/>
+            </a:pPr>
+            <a:r>
+              <a:rPr lang="hu-HU" sz="2400" dirty="0" smtClean="0">
+                <a:latin typeface="Cambria" panose="02040503050406030204" pitchFamily="18" charset="0"/>
+              </a:rPr>
+              <a:t>Elsősorban </a:t>
+            </a:r>
+            <a:r>
+              <a:rPr lang="hu-HU" sz="2400" b="1" dirty="0" smtClean="0">
+                <a:latin typeface="Cambria" panose="02040503050406030204" pitchFamily="18" charset="0"/>
+              </a:rPr>
+              <a:t>szálláshelyek</a:t>
+            </a:r>
+            <a:r>
+              <a:rPr lang="hu-HU" sz="2400" dirty="0" smtClean="0">
+                <a:latin typeface="Cambria" panose="02040503050406030204" pitchFamily="18" charset="0"/>
+              </a:rPr>
+              <a:t>et sorol fel</a:t>
+            </a:r>
+          </a:p>
+          <a:p>
+            <a:pPr marL="342900" indent="-342900">
+              <a:buClr>
+                <a:schemeClr val="accent1"/>
+              </a:buClr>
+              <a:buFont typeface="Wingdings" panose="05000000000000000000" pitchFamily="2" charset="2"/>
+              <a:buChar char="§"/>
+            </a:pPr>
+            <a:r>
+              <a:rPr lang="hu-HU" sz="2400" dirty="0" smtClean="0">
+                <a:latin typeface="Cambria" panose="02040503050406030204" pitchFamily="18" charset="0"/>
+              </a:rPr>
+              <a:t>Egy foglalás </a:t>
+            </a:r>
+            <a:r>
+              <a:rPr lang="hu-HU" sz="2400" b="1" dirty="0" smtClean="0">
+                <a:latin typeface="Cambria" panose="02040503050406030204" pitchFamily="18" charset="0"/>
+              </a:rPr>
+              <a:t>csak egy szálláshely</a:t>
+            </a:r>
+            <a:r>
+              <a:rPr lang="hu-HU" sz="2400" dirty="0" smtClean="0">
+                <a:latin typeface="Cambria" panose="02040503050406030204" pitchFamily="18" charset="0"/>
+              </a:rPr>
+              <a:t>ről tartalmazhat szobákat</a:t>
+            </a:r>
+          </a:p>
+          <a:p>
+            <a:pPr marL="342900" indent="-342900">
+              <a:buClr>
+                <a:schemeClr val="accent1"/>
+              </a:buClr>
+              <a:buFont typeface="Wingdings" panose="05000000000000000000" pitchFamily="2" charset="2"/>
+              <a:buChar char="§"/>
+            </a:pPr>
+            <a:r>
+              <a:rPr lang="hu-HU" sz="2400" dirty="0" smtClean="0">
+                <a:latin typeface="Cambria" panose="02040503050406030204" pitchFamily="18" charset="0"/>
+              </a:rPr>
+              <a:t>A keresés limitált: </a:t>
+            </a:r>
+            <a:r>
+              <a:rPr lang="hu-HU" sz="2400" b="1" dirty="0" smtClean="0">
+                <a:latin typeface="Cambria" panose="02040503050406030204" pitchFamily="18" charset="0"/>
+              </a:rPr>
+              <a:t>30 felnőtt és 10 gyermek</a:t>
+            </a:r>
+            <a:r>
+              <a:rPr lang="hu-HU" sz="2400" dirty="0" smtClean="0">
+                <a:latin typeface="Cambria" panose="02040503050406030204" pitchFamily="18" charset="0"/>
+              </a:rPr>
+              <a:t> utas</a:t>
+            </a:r>
+          </a:p>
+        </p:txBody>
+      </p:sp>
+      <p:sp>
+        <p:nvSpPr>
+          <p:cNvPr id="9" name="Szövegdoboz 8"/>
+          <p:cNvSpPr txBox="1"/>
+          <p:nvPr/>
+        </p:nvSpPr>
+        <p:spPr>
+          <a:xfrm>
+            <a:off x="4068417" y="1563757"/>
+            <a:ext cx="3833191" cy="4431983"/>
+          </a:xfrm>
+          <a:prstGeom prst="rect">
+            <a:avLst/>
+          </a:prstGeom>
+          <a:noFill/>
+        </p:spPr>
+        <p:txBody>
+          <a:bodyPr wrap="square" rtlCol="0">
+            <a:spAutoFit/>
+          </a:bodyPr>
+          <a:lstStyle/>
+          <a:p>
+            <a:pPr algn="ctr">
+              <a:spcAft>
+                <a:spcPts val="1200"/>
+              </a:spcAft>
+            </a:pPr>
+            <a:r>
+              <a:rPr lang="hu-HU" sz="3200" dirty="0" err="1" smtClean="0">
+                <a:latin typeface="Cambria" panose="02040503050406030204" pitchFamily="18" charset="0"/>
+              </a:rPr>
+              <a:t>Booking.com</a:t>
+            </a:r>
+            <a:endParaRPr lang="hu-HU" sz="3200" dirty="0" smtClean="0">
+              <a:latin typeface="Cambria" panose="02040503050406030204" pitchFamily="18" charset="0"/>
+            </a:endParaRPr>
+          </a:p>
+          <a:p>
+            <a:pPr marL="342900" indent="-342900">
+              <a:buClr>
+                <a:schemeClr val="accent1"/>
+              </a:buClr>
+              <a:buFont typeface="Wingdings" panose="05000000000000000000" pitchFamily="2" charset="2"/>
+              <a:buChar char="§"/>
+            </a:pPr>
+            <a:r>
+              <a:rPr lang="hu-HU" sz="2400" b="1" dirty="0" smtClean="0">
+                <a:latin typeface="Cambria" panose="02040503050406030204" pitchFamily="18" charset="0"/>
+              </a:rPr>
+              <a:t>Részletes</a:t>
+            </a:r>
+            <a:r>
+              <a:rPr lang="hu-HU" sz="2400" dirty="0" smtClean="0">
+                <a:latin typeface="Cambria" panose="02040503050406030204" pitchFamily="18" charset="0"/>
+              </a:rPr>
+              <a:t> keresés</a:t>
+            </a:r>
+          </a:p>
+          <a:p>
+            <a:pPr marL="342900" indent="-342900">
+              <a:buClr>
+                <a:schemeClr val="accent1"/>
+              </a:buClr>
+              <a:buFont typeface="Wingdings" panose="05000000000000000000" pitchFamily="2" charset="2"/>
+              <a:buChar char="§"/>
+            </a:pPr>
+            <a:r>
+              <a:rPr lang="hu-HU" sz="2400" dirty="0" smtClean="0">
+                <a:latin typeface="Cambria" panose="02040503050406030204" pitchFamily="18" charset="0"/>
+              </a:rPr>
+              <a:t>Elsősorban </a:t>
+            </a:r>
+            <a:r>
+              <a:rPr lang="hu-HU" sz="2400" b="1" dirty="0" smtClean="0">
+                <a:latin typeface="Cambria" panose="02040503050406030204" pitchFamily="18" charset="0"/>
+              </a:rPr>
+              <a:t>szálláshelyek</a:t>
+            </a:r>
+            <a:r>
+              <a:rPr lang="hu-HU" sz="2400" dirty="0" smtClean="0">
+                <a:latin typeface="Cambria" panose="02040503050406030204" pitchFamily="18" charset="0"/>
+              </a:rPr>
+              <a:t>et sorol fel</a:t>
+            </a:r>
+          </a:p>
+          <a:p>
+            <a:pPr marL="342900" indent="-342900">
+              <a:buClr>
+                <a:schemeClr val="accent1"/>
+              </a:buClr>
+              <a:buFont typeface="Wingdings" panose="05000000000000000000" pitchFamily="2" charset="2"/>
+              <a:buChar char="§"/>
+            </a:pPr>
+            <a:r>
+              <a:rPr lang="hu-HU" sz="2400" dirty="0">
+                <a:latin typeface="Cambria" panose="02040503050406030204" pitchFamily="18" charset="0"/>
+              </a:rPr>
+              <a:t>Egy </a:t>
+            </a:r>
+            <a:r>
+              <a:rPr lang="hu-HU" sz="2400" dirty="0" smtClean="0">
+                <a:latin typeface="Cambria" panose="02040503050406030204" pitchFamily="18" charset="0"/>
+              </a:rPr>
+              <a:t>foglalás csak </a:t>
+            </a:r>
+            <a:r>
+              <a:rPr lang="hu-HU" sz="2400" b="1" dirty="0">
+                <a:latin typeface="Cambria" panose="02040503050406030204" pitchFamily="18" charset="0"/>
+              </a:rPr>
+              <a:t>egy </a:t>
+            </a:r>
+            <a:r>
+              <a:rPr lang="hu-HU" sz="2400" b="1" dirty="0" smtClean="0">
+                <a:latin typeface="Cambria" panose="02040503050406030204" pitchFamily="18" charset="0"/>
+              </a:rPr>
+              <a:t>szálláshely</a:t>
+            </a:r>
+            <a:r>
+              <a:rPr lang="hu-HU" sz="2400" dirty="0" smtClean="0">
+                <a:latin typeface="Cambria" panose="02040503050406030204" pitchFamily="18" charset="0"/>
+              </a:rPr>
+              <a:t>ről </a:t>
+            </a:r>
+            <a:r>
+              <a:rPr lang="hu-HU" sz="2400" dirty="0">
+                <a:latin typeface="Cambria" panose="02040503050406030204" pitchFamily="18" charset="0"/>
+              </a:rPr>
+              <a:t>tartalmazhat szobákat</a:t>
+            </a:r>
+          </a:p>
+          <a:p>
+            <a:pPr marL="342900" indent="-342900">
+              <a:buClr>
+                <a:schemeClr val="accent1"/>
+              </a:buClr>
+              <a:buFont typeface="Wingdings" panose="05000000000000000000" pitchFamily="2" charset="2"/>
+              <a:buChar char="§"/>
+            </a:pPr>
+            <a:r>
+              <a:rPr lang="hu-HU" sz="2400" dirty="0">
+                <a:latin typeface="Cambria" panose="02040503050406030204" pitchFamily="18" charset="0"/>
+              </a:rPr>
+              <a:t>A keresés limitált: </a:t>
+            </a:r>
+            <a:r>
+              <a:rPr lang="hu-HU" sz="2400" b="1" dirty="0">
+                <a:latin typeface="Cambria" panose="02040503050406030204" pitchFamily="18" charset="0"/>
+              </a:rPr>
+              <a:t>30 felnőtt és 10 gyermek </a:t>
+            </a:r>
+            <a:r>
+              <a:rPr lang="hu-HU" sz="2400" b="1" dirty="0" smtClean="0">
+                <a:latin typeface="Cambria" panose="02040503050406030204" pitchFamily="18" charset="0"/>
+              </a:rPr>
+              <a:t>utas</a:t>
+            </a:r>
+            <a:endParaRPr lang="hu-HU" sz="2400" b="1" dirty="0">
+              <a:latin typeface="Cambria" panose="02040503050406030204" pitchFamily="18" charset="0"/>
+            </a:endParaRPr>
+          </a:p>
+          <a:p>
+            <a:pPr marL="342900" indent="-342900">
+              <a:buClr>
+                <a:schemeClr val="accent1"/>
+              </a:buClr>
+              <a:buFont typeface="Wingdings" panose="05000000000000000000" pitchFamily="2" charset="2"/>
+              <a:buChar char="§"/>
+            </a:pPr>
+            <a:endParaRPr lang="en-US" sz="2400" dirty="0">
+              <a:latin typeface="Cambria" panose="02040503050406030204" pitchFamily="18" charset="0"/>
+            </a:endParaRPr>
+          </a:p>
+        </p:txBody>
+      </p:sp>
+      <p:sp>
+        <p:nvSpPr>
+          <p:cNvPr id="10" name="Szövegdoboz 9"/>
+          <p:cNvSpPr txBox="1"/>
+          <p:nvPr/>
+        </p:nvSpPr>
+        <p:spPr>
+          <a:xfrm>
+            <a:off x="7916847" y="1563757"/>
+            <a:ext cx="4275153" cy="4431983"/>
+          </a:xfrm>
+          <a:prstGeom prst="rect">
+            <a:avLst/>
+          </a:prstGeom>
+          <a:noFill/>
+        </p:spPr>
+        <p:txBody>
+          <a:bodyPr wrap="square" rtlCol="0">
+            <a:spAutoFit/>
+          </a:bodyPr>
+          <a:lstStyle/>
+          <a:p>
+            <a:pPr algn="ctr">
+              <a:spcAft>
+                <a:spcPts val="1200"/>
+              </a:spcAft>
+            </a:pPr>
+            <a:r>
+              <a:rPr lang="hu-HU" sz="3200" dirty="0" err="1" smtClean="0">
+                <a:latin typeface="Cambria" panose="02040503050406030204" pitchFamily="18" charset="0"/>
+              </a:rPr>
+              <a:t>Trivago.hu</a:t>
+            </a:r>
+            <a:endParaRPr lang="hu-HU" sz="3200" dirty="0" smtClean="0">
+              <a:latin typeface="Cambria" panose="02040503050406030204" pitchFamily="18" charset="0"/>
+            </a:endParaRPr>
+          </a:p>
+          <a:p>
+            <a:pPr marL="342900" indent="-342900">
+              <a:buClr>
+                <a:schemeClr val="accent1"/>
+              </a:buClr>
+              <a:buFont typeface="Wingdings" panose="05000000000000000000" pitchFamily="2" charset="2"/>
+              <a:buChar char="§"/>
+            </a:pPr>
+            <a:r>
+              <a:rPr lang="hu-HU" sz="2400" dirty="0" smtClean="0">
+                <a:latin typeface="Cambria" panose="02040503050406030204" pitchFamily="18" charset="0"/>
+              </a:rPr>
+              <a:t>Ajánlat összesítő, </a:t>
+            </a:r>
+            <a:r>
+              <a:rPr lang="hu-HU" sz="2400" b="1" dirty="0" smtClean="0">
+                <a:latin typeface="Cambria" panose="02040503050406030204" pitchFamily="18" charset="0"/>
+              </a:rPr>
+              <a:t>közvetlenül foglalni nem lehet</a:t>
+            </a:r>
+          </a:p>
+          <a:p>
+            <a:pPr marL="342900" indent="-342900">
+              <a:buClr>
+                <a:schemeClr val="accent1"/>
+              </a:buClr>
+              <a:buFont typeface="Wingdings" panose="05000000000000000000" pitchFamily="2" charset="2"/>
+              <a:buChar char="§"/>
+            </a:pPr>
+            <a:r>
+              <a:rPr lang="hu-HU" sz="2400" b="1" dirty="0" smtClean="0">
+                <a:latin typeface="Cambria" panose="02040503050406030204" pitchFamily="18" charset="0"/>
+              </a:rPr>
+              <a:t>Korlátozott</a:t>
+            </a:r>
+            <a:r>
+              <a:rPr lang="hu-HU" sz="2400" dirty="0" smtClean="0">
+                <a:latin typeface="Cambria" panose="02040503050406030204" pitchFamily="18" charset="0"/>
+              </a:rPr>
+              <a:t> mélységű keresés</a:t>
+            </a:r>
+          </a:p>
+          <a:p>
+            <a:pPr marL="342900" indent="-342900">
+              <a:buClr>
+                <a:schemeClr val="accent1"/>
+              </a:buClr>
+              <a:buFont typeface="Wingdings" panose="05000000000000000000" pitchFamily="2" charset="2"/>
+              <a:buChar char="§"/>
+            </a:pPr>
+            <a:r>
+              <a:rPr lang="hu-HU" sz="2400" dirty="0" smtClean="0">
+                <a:latin typeface="Cambria" panose="02040503050406030204" pitchFamily="18" charset="0"/>
+              </a:rPr>
+              <a:t>A keresési találatok </a:t>
+            </a:r>
+            <a:r>
+              <a:rPr lang="hu-HU" sz="2400" b="1" dirty="0" smtClean="0">
+                <a:latin typeface="Cambria" panose="02040503050406030204" pitchFamily="18" charset="0"/>
+              </a:rPr>
+              <a:t>szálláshelyek</a:t>
+            </a:r>
+            <a:r>
+              <a:rPr lang="hu-HU" sz="2400" dirty="0" smtClean="0">
+                <a:latin typeface="Cambria" panose="02040503050406030204" pitchFamily="18" charset="0"/>
+              </a:rPr>
+              <a:t>, nem tud szobákat vegyesen ajánlani</a:t>
+            </a:r>
+          </a:p>
+          <a:p>
+            <a:pPr marL="342900" indent="-342900">
+              <a:buClr>
+                <a:schemeClr val="accent1"/>
+              </a:buClr>
+              <a:buFont typeface="Wingdings" panose="05000000000000000000" pitchFamily="2" charset="2"/>
+              <a:buChar char="§"/>
+            </a:pPr>
+            <a:r>
+              <a:rPr lang="hu-HU" sz="2400" dirty="0" smtClean="0">
+                <a:latin typeface="Cambria" panose="02040503050406030204" pitchFamily="18" charset="0"/>
+              </a:rPr>
+              <a:t>A keresés limitált: </a:t>
+            </a:r>
+            <a:r>
+              <a:rPr lang="hu-HU" sz="2400" b="1" dirty="0" smtClean="0">
+                <a:latin typeface="Cambria" panose="02040503050406030204" pitchFamily="18" charset="0"/>
+              </a:rPr>
+              <a:t>16 felnőtt és 16 gyermek </a:t>
+            </a:r>
+            <a:r>
+              <a:rPr lang="hu-HU" sz="2400" dirty="0" smtClean="0">
+                <a:latin typeface="Cambria" panose="02040503050406030204" pitchFamily="18" charset="0"/>
+              </a:rPr>
+              <a:t>utas</a:t>
+            </a:r>
+            <a:endParaRPr lang="hu-HU" sz="2400" dirty="0">
               <a:latin typeface="Cambria" panose="02040503050406030204" pitchFamily="18" charset="0"/>
             </a:endParaRPr>
           </a:p>
@@ -4301,6 +11955,13 @@
   <p:clrMapOvr>
     <a:masterClrMapping/>
   </p:clrMapOvr>
+  <p:timing>
+    <p:tnLst>
+      <p:par>
+        <p:cTn id="1" dur="indefinite" restart="never" nodeType="tmRoot"/>
+      </p:par>
+    </p:tnLst>
+  </p:timing>
 </p:sld>
 </file>
 
@@ -4323,6 +11984,52 @@
       </p:grpSpPr>
       <p:sp>
         <p:nvSpPr>
+          <p:cNvPr id="10" name="Téglalap 9"/>
+          <p:cNvSpPr/>
+          <p:nvPr/>
+        </p:nvSpPr>
+        <p:spPr>
+          <a:xfrm>
+            <a:off x="1066800" y="1563757"/>
+            <a:ext cx="10263809" cy="281977"/>
+          </a:xfrm>
+          <a:prstGeom prst="rect">
+            <a:avLst/>
+          </a:prstGeom>
+          <a:solidFill>
+            <a:schemeClr val="bg1"/>
+          </a:solidFill>
+          <a:ln>
+            <a:noFill/>
+          </a:ln>
+        </p:spPr>
+        <p:style>
+          <a:lnRef idx="2">
+            <a:schemeClr val="accent1">
+              <a:shade val="50000"/>
+            </a:schemeClr>
+          </a:lnRef>
+          <a:fillRef idx="1">
+            <a:schemeClr val="accent1"/>
+          </a:fillRef>
+          <a:effectRef idx="0">
+            <a:schemeClr val="accent1"/>
+          </a:effectRef>
+          <a:fontRef idx="minor">
+            <a:schemeClr val="lt1"/>
+          </a:fontRef>
+        </p:style>
+        <p:txBody>
+          <a:bodyPr rtlCol="0" anchor="ctr"/>
+          <a:lstStyle/>
+          <a:p>
+            <a:pPr algn="ctr"/>
+            <a:endParaRPr lang="en-US"/>
+          </a:p>
+        </p:txBody>
+      </p:sp>
+      <p:sp>
+        <p:nvSpPr>
           <p:cNvPr id="2" name="Cím 1"/>
           <p:cNvSpPr>
             <a:spLocks noGrp="1"/>
@@ -4331,7 +12038,12 @@
             <p:ph type="title"/>
           </p:nvPr>
         </p:nvSpPr>
-        <p:spPr/>
+        <p:spPr>
+          <a:xfrm>
+            <a:off x="1066800" y="490330"/>
+            <a:ext cx="10058400" cy="769951"/>
+          </a:xfrm>
+        </p:spPr>
         <p:txBody>
           <a:bodyPr/>
           <a:lstStyle/>
@@ -4350,12 +12062,12 @@
       </p:sp>
       <p:sp>
         <p:nvSpPr>
-          <p:cNvPr id="3" name="Tartalom helye 2"/>
+          <p:cNvPr id="4" name="Dátum helye 3"/>
           <p:cNvSpPr>
             <a:spLocks noGrp="1"/>
           </p:cNvSpPr>
           <p:nvPr>
-            <p:ph idx="1"/>
+            <p:ph type="dt" sz="half" idx="10"/>
           </p:nvPr>
         </p:nvSpPr>
         <p:spPr/>
@@ -4363,12 +12075,284 @@
           <a:bodyPr/>
           <a:lstStyle/>
           <a:p>
-            <a:endParaRPr lang="en-US">
+            <a:fld id="{96D1B73D-E402-43C1-B9FE-B1ED16C29BA7}" type="datetime1">
+              <a:rPr lang="hu-HU" sz="2000" smtClean="0">
+                <a:latin typeface="Cambria" panose="02040503050406030204" pitchFamily="18" charset="0"/>
+              </a:rPr>
+              <a:t>2015. 04. 20.</a:t>
+            </a:fld>
+            <a:endParaRPr lang="en-US" sz="2000" dirty="0">
               <a:latin typeface="Cambria" panose="02040503050406030204" pitchFamily="18" charset="0"/>
             </a:endParaRPr>
           </a:p>
         </p:txBody>
       </p:sp>
+      <p:sp>
+        <p:nvSpPr>
+          <p:cNvPr id="5" name="Dia számának helye 4"/>
+          <p:cNvSpPr>
+            <a:spLocks noGrp="1"/>
+          </p:cNvSpPr>
+          <p:nvPr>
+            <p:ph type="sldNum" sz="quarter" idx="12"/>
+          </p:nvPr>
+        </p:nvSpPr>
+        <p:spPr/>
+        <p:txBody>
+          <a:bodyPr/>
+          <a:lstStyle/>
+          <a:p>
+            <a:fld id="{4FAB73BC-B049-4115-A692-8D63A059BFB8}" type="slidenum">
+              <a:rPr lang="en-US" sz="2000" smtClean="0">
+                <a:latin typeface="Cambria" panose="02040503050406030204" pitchFamily="18" charset="0"/>
+              </a:rPr>
+              <a:t>5</a:t>
+            </a:fld>
+            <a:endParaRPr lang="en-US" sz="2000" dirty="0">
+              <a:latin typeface="Cambria" panose="02040503050406030204" pitchFamily="18" charset="0"/>
+            </a:endParaRPr>
+          </a:p>
+        </p:txBody>
+      </p:sp>
+      <p:sp>
+        <p:nvSpPr>
+          <p:cNvPr id="7" name="Szövegdoboz 6"/>
+          <p:cNvSpPr txBox="1"/>
+          <p:nvPr/>
+        </p:nvSpPr>
+        <p:spPr>
+          <a:xfrm>
+            <a:off x="6327912" y="1563757"/>
+            <a:ext cx="5406887" cy="2246769"/>
+          </a:xfrm>
+          <a:prstGeom prst="rect">
+            <a:avLst/>
+          </a:prstGeom>
+          <a:noFill/>
+        </p:spPr>
+        <p:txBody>
+          <a:bodyPr wrap="square" rtlCol="0">
+            <a:spAutoFit/>
+          </a:bodyPr>
+          <a:lstStyle/>
+          <a:p>
+            <a:pPr marL="457200" indent="-457200">
+              <a:buClr>
+                <a:schemeClr val="accent1"/>
+              </a:buClr>
+              <a:buFont typeface="Wingdings" panose="05000000000000000000" pitchFamily="2" charset="2"/>
+              <a:buChar char="§"/>
+            </a:pPr>
+            <a:r>
+              <a:rPr lang="hu-HU" sz="2800" dirty="0">
+                <a:latin typeface="Cambria" panose="02040503050406030204" pitchFamily="18" charset="0"/>
+              </a:rPr>
+              <a:t>Megfelelő szálláshely és szobák kiválasztása</a:t>
+            </a:r>
+          </a:p>
+          <a:p>
+            <a:pPr marL="457200" indent="-457200">
+              <a:buClr>
+                <a:schemeClr val="accent1"/>
+              </a:buClr>
+              <a:buFont typeface="Wingdings" panose="05000000000000000000" pitchFamily="2" charset="2"/>
+              <a:buChar char="§"/>
+            </a:pPr>
+            <a:r>
+              <a:rPr lang="hu-HU" sz="2800" dirty="0">
+                <a:latin typeface="Cambria" panose="02040503050406030204" pitchFamily="18" charset="0"/>
+              </a:rPr>
+              <a:t>Szempont: ár, távolság, felszereltség, szolgáltatások</a:t>
+            </a:r>
+          </a:p>
+          <a:p>
+            <a:pPr marL="457200" indent="-457200">
+              <a:buClr>
+                <a:schemeClr val="accent1"/>
+              </a:buClr>
+              <a:buFont typeface="Wingdings" panose="05000000000000000000" pitchFamily="2" charset="2"/>
+              <a:buChar char="§"/>
+            </a:pPr>
+            <a:r>
+              <a:rPr lang="hu-HU" sz="2800" dirty="0">
+                <a:latin typeface="Cambria" panose="02040503050406030204" pitchFamily="18" charset="0"/>
+              </a:rPr>
+              <a:t>Optimalizálási </a:t>
+            </a:r>
+            <a:r>
+              <a:rPr lang="hu-HU" sz="2800" dirty="0" smtClean="0">
+                <a:latin typeface="Cambria" panose="02040503050406030204" pitchFamily="18" charset="0"/>
+              </a:rPr>
+              <a:t>feladat</a:t>
+            </a:r>
+            <a:endParaRPr lang="hu-HU" sz="2800" dirty="0">
+              <a:latin typeface="Cambria" panose="02040503050406030204" pitchFamily="18" charset="0"/>
+            </a:endParaRPr>
+          </a:p>
+        </p:txBody>
+      </p:sp>
+      <p:graphicFrame>
+        <p:nvGraphicFramePr>
+          <p:cNvPr id="8" name="Diagram 7"/>
+          <p:cNvGraphicFramePr/>
+          <p:nvPr>
+            <p:extLst>
+              <p:ext uri="{D42A27DB-BD31-4B8C-83A1-F6EECF244321}">
+                <p14:modId xmlns:p14="http://schemas.microsoft.com/office/powerpoint/2010/main" val="4021842014"/>
+              </p:ext>
+            </p:extLst>
+          </p:nvPr>
+        </p:nvGraphicFramePr>
+        <p:xfrm>
+          <a:off x="496956" y="3915956"/>
+          <a:ext cx="5830956" cy="2438399"/>
+        </p:xfrm>
+        <a:graphic>
+          <a:graphicData uri="http://schemas.openxmlformats.org/drawingml/2006/diagram">
+            <dgm:relIds xmlns:dgm="http://schemas.openxmlformats.org/drawingml/2006/diagram" xmlns:r="http://schemas.openxmlformats.org/officeDocument/2006/relationships" r:dm="rId2" r:lo="rId3" r:qs="rId4" r:cs="rId5"/>
+          </a:graphicData>
+        </a:graphic>
+      </p:graphicFrame>
+      <p:sp>
+        <p:nvSpPr>
+          <p:cNvPr id="9" name="Szövegdoboz 8"/>
+          <p:cNvSpPr txBox="1"/>
+          <p:nvPr/>
+        </p:nvSpPr>
+        <p:spPr>
+          <a:xfrm>
+            <a:off x="447260" y="1563757"/>
+            <a:ext cx="5751444" cy="2246769"/>
+          </a:xfrm>
+          <a:prstGeom prst="rect">
+            <a:avLst/>
+          </a:prstGeom>
+          <a:noFill/>
+        </p:spPr>
+        <p:txBody>
+          <a:bodyPr wrap="square" rtlCol="0">
+            <a:spAutoFit/>
+          </a:bodyPr>
+          <a:lstStyle/>
+          <a:p>
+            <a:pPr marL="342900" indent="-342900">
+              <a:buClr>
+                <a:schemeClr val="accent1"/>
+              </a:buClr>
+              <a:buFont typeface="Wingdings" panose="05000000000000000000" pitchFamily="2" charset="2"/>
+              <a:buChar char="§"/>
+            </a:pPr>
+            <a:r>
+              <a:rPr lang="hu-HU" sz="2800" dirty="0">
+                <a:latin typeface="Cambria" panose="02040503050406030204" pitchFamily="18" charset="0"/>
+              </a:rPr>
+              <a:t>Szobák, mint </a:t>
+            </a:r>
+            <a:r>
+              <a:rPr lang="hu-HU" sz="2800" dirty="0" smtClean="0">
+                <a:latin typeface="Cambria" panose="02040503050406030204" pitchFamily="18" charset="0"/>
+              </a:rPr>
+              <a:t>individuális termékek</a:t>
+            </a:r>
+            <a:endParaRPr lang="hu-HU" sz="2800" dirty="0">
+              <a:latin typeface="Cambria" panose="02040503050406030204" pitchFamily="18" charset="0"/>
+            </a:endParaRPr>
+          </a:p>
+          <a:p>
+            <a:pPr marL="342900" indent="-342900">
+              <a:buClr>
+                <a:schemeClr val="accent1"/>
+              </a:buClr>
+              <a:buFont typeface="Wingdings" panose="05000000000000000000" pitchFamily="2" charset="2"/>
+              <a:buChar char="§"/>
+            </a:pPr>
+            <a:r>
+              <a:rPr lang="hu-HU" sz="2800" dirty="0" smtClean="0">
+                <a:latin typeface="Cambria" panose="02040503050406030204" pitchFamily="18" charset="0"/>
+              </a:rPr>
+              <a:t>Foglaltságok </a:t>
+            </a:r>
+            <a:r>
+              <a:rPr lang="hu-HU" sz="2800" dirty="0">
+                <a:latin typeface="Cambria" panose="02040503050406030204" pitchFamily="18" charset="0"/>
+              </a:rPr>
+              <a:t>ismerete</a:t>
+            </a:r>
+          </a:p>
+          <a:p>
+            <a:pPr marL="342900" indent="-342900">
+              <a:buClr>
+                <a:schemeClr val="accent1"/>
+              </a:buClr>
+              <a:buFont typeface="Wingdings" panose="05000000000000000000" pitchFamily="2" charset="2"/>
+              <a:buChar char="§"/>
+            </a:pPr>
+            <a:r>
+              <a:rPr lang="hu-HU" sz="2800" dirty="0">
+                <a:latin typeface="Cambria" panose="02040503050406030204" pitchFamily="18" charset="0"/>
+              </a:rPr>
+              <a:t>Egy foglalás – több szoba – több szálláshely</a:t>
+            </a:r>
+          </a:p>
+        </p:txBody>
+      </p:sp>
+      <p:graphicFrame>
+        <p:nvGraphicFramePr>
+          <p:cNvPr id="11" name="Diagram 10"/>
+          <p:cNvGraphicFramePr/>
+          <p:nvPr>
+            <p:extLst>
+              <p:ext uri="{D42A27DB-BD31-4B8C-83A1-F6EECF244321}">
+                <p14:modId xmlns:p14="http://schemas.microsoft.com/office/powerpoint/2010/main" val="2353591924"/>
+              </p:ext>
+            </p:extLst>
+          </p:nvPr>
+        </p:nvGraphicFramePr>
+        <p:xfrm>
+          <a:off x="7275423" y="3638247"/>
+          <a:ext cx="3281047" cy="2454440"/>
+        </p:xfrm>
+        <a:graphic>
+          <a:graphicData uri="http://schemas.openxmlformats.org/drawingml/2006/diagram">
+            <dgm:relIds xmlns:dgm="http://schemas.openxmlformats.org/drawingml/2006/diagram" xmlns:r="http://schemas.openxmlformats.org/officeDocument/2006/relationships" r:dm="rId7" r:lo="rId8" r:qs="rId9" r:cs="rId10"/>
+          </a:graphicData>
+        </a:graphic>
+      </p:graphicFrame>
+      <p:cxnSp>
+        <p:nvCxnSpPr>
+          <p:cNvPr id="13" name="Egyenes összekötő 12"/>
+          <p:cNvCxnSpPr/>
+          <p:nvPr/>
+        </p:nvCxnSpPr>
+        <p:spPr>
+          <a:xfrm flipH="1">
+            <a:off x="6096000" y="1563757"/>
+            <a:ext cx="1" cy="4572000"/>
+          </a:xfrm>
+          <a:prstGeom prst="line">
+            <a:avLst/>
+          </a:prstGeom>
+          <a:ln>
+            <a:solidFill>
+              <a:schemeClr val="tx1"/>
+            </a:solidFill>
+          </a:ln>
+        </p:spPr>
+        <p:style>
+          <a:lnRef idx="1">
+            <a:schemeClr val="accent1"/>
+          </a:lnRef>
+          <a:fillRef idx="0">
+            <a:schemeClr val="accent1"/>
+          </a:fillRef>
+          <a:effectRef idx="0">
+            <a:schemeClr val="accent1"/>
+          </a:effectRef>
+          <a:fontRef idx="minor">
+            <a:schemeClr val="tx1"/>
+          </a:fontRef>
+        </p:style>
+      </p:cxnSp>
     </p:spTree>
     <p:extLst>
       <p:ext uri="{BB962C8B-B14F-4D97-AF65-F5344CB8AC3E}">
@@ -4379,6 +12363,13 @@
   <p:clrMapOvr>
     <a:masterClrMapping/>
   </p:clrMapOvr>
+  <p:timing>
+    <p:tnLst>
+      <p:par>
+        <p:cTn id="1" dur="indefinite" restart="never" nodeType="tmRoot"/>
+      </p:par>
+    </p:tnLst>
+  </p:timing>
 </p:sld>
 </file>
 
@@ -4401,6 +12392,52 @@
       </p:grpSpPr>
       <p:sp>
         <p:nvSpPr>
+          <p:cNvPr id="7" name="Téglalap 6"/>
+          <p:cNvSpPr/>
+          <p:nvPr/>
+        </p:nvSpPr>
+        <p:spPr>
+          <a:xfrm>
+            <a:off x="1066800" y="1563757"/>
+            <a:ext cx="10263809" cy="281977"/>
+          </a:xfrm>
+          <a:prstGeom prst="rect">
+            <a:avLst/>
+          </a:prstGeom>
+          <a:solidFill>
+            <a:schemeClr val="bg1"/>
+          </a:solidFill>
+          <a:ln>
+            <a:noFill/>
+          </a:ln>
+        </p:spPr>
+        <p:style>
+          <a:lnRef idx="2">
+            <a:schemeClr val="accent1">
+              <a:shade val="50000"/>
+            </a:schemeClr>
+          </a:lnRef>
+          <a:fillRef idx="1">
+            <a:schemeClr val="accent1"/>
+          </a:fillRef>
+          <a:effectRef idx="0">
+            <a:schemeClr val="accent1"/>
+          </a:effectRef>
+          <a:fontRef idx="minor">
+            <a:schemeClr val="lt1"/>
+          </a:fontRef>
+        </p:style>
+        <p:txBody>
+          <a:bodyPr rtlCol="0" anchor="ctr"/>
+          <a:lstStyle/>
+          <a:p>
+            <a:pPr algn="ctr"/>
+            <a:endParaRPr lang="en-US"/>
+          </a:p>
+        </p:txBody>
+      </p:sp>
+      <p:sp>
+        <p:nvSpPr>
           <p:cNvPr id="2" name="Cím 1"/>
           <p:cNvSpPr>
             <a:spLocks noGrp="1"/>
@@ -4409,7 +12446,12 @@
             <p:ph type="title"/>
           </p:nvPr>
         </p:nvSpPr>
-        <p:spPr/>
+        <p:spPr>
+          <a:xfrm>
+            <a:off x="1097280" y="511596"/>
+            <a:ext cx="10058400" cy="743447"/>
+          </a:xfrm>
+        </p:spPr>
         <p:txBody>
           <a:bodyPr/>
           <a:lstStyle/>
@@ -4436,12 +12478,197 @@
             <p:ph idx="1"/>
           </p:nvPr>
         </p:nvSpPr>
+        <p:spPr>
+          <a:xfrm>
+            <a:off x="1097280" y="1355403"/>
+            <a:ext cx="10058400" cy="4023360"/>
+          </a:xfrm>
+        </p:spPr>
+        <p:txBody>
+          <a:bodyPr>
+            <a:noAutofit/>
+          </a:bodyPr>
+          <a:lstStyle/>
+          <a:p>
+            <a:pPr marL="357188" indent="-357188">
+              <a:buFont typeface="Wingdings" panose="05000000000000000000" pitchFamily="2" charset="2"/>
+              <a:buChar char="§"/>
+            </a:pPr>
+            <a:r>
+              <a:rPr lang="hu-HU" sz="2800" dirty="0" smtClean="0">
+                <a:latin typeface="Cambria" panose="02040503050406030204" pitchFamily="18" charset="0"/>
+              </a:rPr>
+              <a:t>Széles körű közzététel: </a:t>
+            </a:r>
+            <a:r>
+              <a:rPr lang="hu-HU" sz="2800" b="1" dirty="0" err="1" smtClean="0">
+                <a:latin typeface="Cambria" panose="02040503050406030204" pitchFamily="18" charset="0"/>
+              </a:rPr>
+              <a:t>webalkalamzás</a:t>
+            </a:r>
+            <a:endParaRPr lang="hu-HU" sz="2800" b="1" dirty="0" smtClean="0">
+              <a:latin typeface="Cambria" panose="02040503050406030204" pitchFamily="18" charset="0"/>
+            </a:endParaRPr>
+          </a:p>
+          <a:p>
+            <a:pPr marL="357188" indent="-357188">
+              <a:buFont typeface="Wingdings" panose="05000000000000000000" pitchFamily="2" charset="2"/>
+              <a:buChar char="§"/>
+            </a:pPr>
+            <a:r>
+              <a:rPr lang="hu-HU" sz="2800" dirty="0" smtClean="0">
+                <a:latin typeface="Cambria" panose="02040503050406030204" pitchFamily="18" charset="0"/>
+              </a:rPr>
+              <a:t>Felhasználói szerepkörök: </a:t>
+            </a:r>
+            <a:r>
+              <a:rPr lang="hu-HU" sz="2800" b="1" dirty="0" smtClean="0">
+                <a:latin typeface="Cambria" panose="02040503050406030204" pitchFamily="18" charset="0"/>
+              </a:rPr>
+              <a:t>látogató, szálláskereső, szállásadó, adminisztrátor</a:t>
+            </a:r>
+          </a:p>
+          <a:p>
+            <a:pPr marL="357188" indent="-357188">
+              <a:buFont typeface="Wingdings" panose="05000000000000000000" pitchFamily="2" charset="2"/>
+              <a:buChar char="§"/>
+            </a:pPr>
+            <a:r>
+              <a:rPr lang="hu-HU" sz="2800" dirty="0" smtClean="0">
+                <a:latin typeface="Cambria" panose="02040503050406030204" pitchFamily="18" charset="0"/>
+              </a:rPr>
+              <a:t>Szobaszűrés több szempont szerint: </a:t>
+            </a:r>
+            <a:r>
+              <a:rPr lang="hu-HU" sz="2800" b="1" dirty="0" smtClean="0">
+                <a:latin typeface="Cambria" panose="02040503050406030204" pitchFamily="18" charset="0"/>
+              </a:rPr>
+              <a:t>helyiség, elérhetőség, kapacitás, felszereltség, szolgáltatás</a:t>
+            </a:r>
+          </a:p>
+          <a:p>
+            <a:pPr marL="357188" indent="-357188">
+              <a:buFont typeface="Wingdings" panose="05000000000000000000" pitchFamily="2" charset="2"/>
+              <a:buChar char="§"/>
+            </a:pPr>
+            <a:r>
+              <a:rPr lang="hu-HU" sz="2800" b="1" dirty="0" smtClean="0">
+                <a:latin typeface="Cambria" panose="02040503050406030204" pitchFamily="18" charset="0"/>
+              </a:rPr>
+              <a:t>Szobafoglalás</a:t>
+            </a:r>
+            <a:r>
+              <a:rPr lang="hu-HU" sz="2800" dirty="0" smtClean="0">
+                <a:latin typeface="Cambria" panose="02040503050406030204" pitchFamily="18" charset="0"/>
+              </a:rPr>
+              <a:t>, foglaláskezelés</a:t>
+            </a:r>
+          </a:p>
+          <a:p>
+            <a:pPr marL="357188" indent="-357188">
+              <a:buFont typeface="Wingdings" panose="05000000000000000000" pitchFamily="2" charset="2"/>
+              <a:buChar char="§"/>
+            </a:pPr>
+            <a:r>
+              <a:rPr lang="hu-HU" sz="2800" dirty="0" smtClean="0">
+                <a:latin typeface="Cambria" panose="02040503050406030204" pitchFamily="18" charset="0"/>
+              </a:rPr>
+              <a:t>Szálláshelyek </a:t>
+            </a:r>
+            <a:r>
+              <a:rPr lang="hu-HU" sz="2800" b="1" dirty="0" smtClean="0">
+                <a:latin typeface="Cambria" panose="02040503050406030204" pitchFamily="18" charset="0"/>
+              </a:rPr>
+              <a:t>értékelés</a:t>
+            </a:r>
+            <a:r>
+              <a:rPr lang="hu-HU" sz="2800" dirty="0" smtClean="0">
+                <a:latin typeface="Cambria" panose="02040503050406030204" pitchFamily="18" charset="0"/>
+              </a:rPr>
+              <a:t>e</a:t>
+            </a:r>
+          </a:p>
+          <a:p>
+            <a:pPr marL="357188" indent="-357188">
+              <a:buFont typeface="Wingdings" panose="05000000000000000000" pitchFamily="2" charset="2"/>
+              <a:buChar char="§"/>
+            </a:pPr>
+            <a:r>
+              <a:rPr lang="hu-HU" sz="2800" dirty="0" smtClean="0">
+                <a:latin typeface="Cambria" panose="02040503050406030204" pitchFamily="18" charset="0"/>
+              </a:rPr>
+              <a:t>Intelligens keresés: adott szempontok szerint </a:t>
+            </a:r>
+            <a:r>
+              <a:rPr lang="hu-HU" sz="2800" b="1" dirty="0" smtClean="0">
+                <a:latin typeface="Cambria" panose="02040503050406030204" pitchFamily="18" charset="0"/>
+              </a:rPr>
+              <a:t>szoba ajánlás </a:t>
+            </a:r>
+            <a:r>
+              <a:rPr lang="hu-HU" sz="2800" dirty="0" smtClean="0">
+                <a:latin typeface="Cambria" panose="02040503050406030204" pitchFamily="18" charset="0"/>
+              </a:rPr>
+              <a:t>csoportoknak. Ajánlás szempontjai: </a:t>
+            </a:r>
+            <a:r>
+              <a:rPr lang="hu-HU" sz="2800" b="1" dirty="0" smtClean="0">
+                <a:latin typeface="Cambria" panose="02040503050406030204" pitchFamily="18" charset="0"/>
+              </a:rPr>
+              <a:t>ár, távolság, értékelés</a:t>
+            </a:r>
+          </a:p>
+        </p:txBody>
+      </p:sp>
+      <p:sp>
+        <p:nvSpPr>
+          <p:cNvPr id="4" name="Dátum helye 3"/>
+          <p:cNvSpPr>
+            <a:spLocks noGrp="1"/>
+          </p:cNvSpPr>
+          <p:nvPr>
+            <p:ph type="dt" sz="half" idx="10"/>
+          </p:nvPr>
+        </p:nvSpPr>
         <p:spPr/>
         <p:txBody>
           <a:bodyPr/>
           <a:lstStyle/>
           <a:p>
-            <a:endParaRPr lang="en-US">
+            <a:fld id="{F4D6D5E0-4964-4180-96EE-F8F59095684F}" type="datetime1">
+              <a:rPr lang="hu-HU" sz="2000" smtClean="0">
+                <a:latin typeface="Cambria" panose="02040503050406030204" pitchFamily="18" charset="0"/>
+              </a:rPr>
+              <a:t>2015. 04. 20.</a:t>
+            </a:fld>
+            <a:endParaRPr lang="en-US" sz="2000" dirty="0">
+              <a:latin typeface="Cambria" panose="02040503050406030204" pitchFamily="18" charset="0"/>
+            </a:endParaRPr>
+          </a:p>
+        </p:txBody>
+      </p:sp>
+      <p:sp>
+        <p:nvSpPr>
+          <p:cNvPr id="5" name="Dia számának helye 4"/>
+          <p:cNvSpPr>
+            <a:spLocks noGrp="1"/>
+          </p:cNvSpPr>
+          <p:nvPr>
+            <p:ph type="sldNum" sz="quarter" idx="12"/>
+          </p:nvPr>
+        </p:nvSpPr>
+        <p:spPr/>
+        <p:txBody>
+          <a:bodyPr/>
+          <a:lstStyle/>
+          <a:p>
+            <a:fld id="{4FAB73BC-B049-4115-A692-8D63A059BFB8}" type="slidenum">
+              <a:rPr lang="en-US" sz="2000" smtClean="0">
+                <a:latin typeface="Cambria" panose="02040503050406030204" pitchFamily="18" charset="0"/>
+              </a:rPr>
+              <a:t>6</a:t>
+            </a:fld>
+            <a:endParaRPr lang="en-US" sz="2000" dirty="0">
               <a:latin typeface="Cambria" panose="02040503050406030204" pitchFamily="18" charset="0"/>
             </a:endParaRPr>
           </a:p>
@@ -4457,6 +12684,13 @@
   <p:clrMapOvr>
     <a:masterClrMapping/>
   </p:clrMapOvr>
+  <p:timing>
+    <p:tnLst>
+      <p:par>
+        <p:cTn id="1" dur="indefinite" restart="never" nodeType="tmRoot"/>
+      </p:par>
+    </p:tnLst>
+  </p:timing>
 </p:sld>
 </file>
 
@@ -4525,6 +12759,60 @@
           </a:p>
         </p:txBody>
       </p:sp>
+      <p:sp>
+        <p:nvSpPr>
+          <p:cNvPr id="4" name="Dátum helye 3"/>
+          <p:cNvSpPr>
+            <a:spLocks noGrp="1"/>
+          </p:cNvSpPr>
+          <p:nvPr>
+            <p:ph type="dt" sz="half" idx="10"/>
+          </p:nvPr>
+        </p:nvSpPr>
+        <p:spPr/>
+        <p:txBody>
+          <a:bodyPr/>
+          <a:lstStyle/>
+          <a:p>
+            <a:fld id="{261D341D-A773-455C-8412-9DA2434E3D8E}" type="datetime1">
+              <a:rPr lang="hu-HU" sz="2000" smtClean="0">
+                <a:latin typeface="Cambria" panose="02040503050406030204" pitchFamily="18" charset="0"/>
+              </a:rPr>
+              <a:t>2015. 04. 20.</a:t>
+            </a:fld>
+            <a:endParaRPr lang="en-US" sz="2000" dirty="0">
+              <a:latin typeface="Cambria" panose="02040503050406030204" pitchFamily="18" charset="0"/>
+            </a:endParaRPr>
+          </a:p>
+        </p:txBody>
+      </p:sp>
+      <p:sp>
+        <p:nvSpPr>
+          <p:cNvPr id="5" name="Dia számának helye 4"/>
+          <p:cNvSpPr>
+            <a:spLocks noGrp="1"/>
+          </p:cNvSpPr>
+          <p:nvPr>
+            <p:ph type="sldNum" sz="quarter" idx="12"/>
+          </p:nvPr>
+        </p:nvSpPr>
+        <p:spPr/>
+        <p:txBody>
+          <a:bodyPr/>
+          <a:lstStyle/>
+          <a:p>
+            <a:fld id="{4FAB73BC-B049-4115-A692-8D63A059BFB8}" type="slidenum">
+              <a:rPr lang="en-US" sz="2000" smtClean="0">
+                <a:latin typeface="Cambria" panose="02040503050406030204" pitchFamily="18" charset="0"/>
+              </a:rPr>
+              <a:t>7</a:t>
+            </a:fld>
+            <a:endParaRPr lang="en-US" sz="2000" dirty="0">
+              <a:latin typeface="Cambria" panose="02040503050406030204" pitchFamily="18" charset="0"/>
+            </a:endParaRPr>
+          </a:p>
+        </p:txBody>
+      </p:sp>
     </p:spTree>
     <p:extLst>
       <p:ext uri="{BB962C8B-B14F-4D97-AF65-F5344CB8AC3E}">
@@ -4535,6 +12823,13 @@
   <p:clrMapOvr>
     <a:masterClrMapping/>
   </p:clrMapOvr>
+  <p:timing>
+    <p:tnLst>
+      <p:par>
+        <p:cTn id="1" dur="indefinite" restart="never" nodeType="tmRoot"/>
+      </p:par>
+    </p:tnLst>
+  </p:timing>
 </p:sld>
 </file>
 
@@ -4603,6 +12898,60 @@
           </a:p>
         </p:txBody>
       </p:sp>
+      <p:sp>
+        <p:nvSpPr>
+          <p:cNvPr id="4" name="Dátum helye 3"/>
+          <p:cNvSpPr>
+            <a:spLocks noGrp="1"/>
+          </p:cNvSpPr>
+          <p:nvPr>
+            <p:ph type="dt" sz="half" idx="10"/>
+          </p:nvPr>
+        </p:nvSpPr>
+        <p:spPr/>
+        <p:txBody>
+          <a:bodyPr/>
+          <a:lstStyle/>
+          <a:p>
+            <a:fld id="{CC3649EB-8EE1-460A-8A89-C53A6F059FCE}" type="datetime1">
+              <a:rPr lang="hu-HU" sz="2000" smtClean="0">
+                <a:latin typeface="Cambria" panose="02040503050406030204" pitchFamily="18" charset="0"/>
+              </a:rPr>
+              <a:t>2015. 04. 20.</a:t>
+            </a:fld>
+            <a:endParaRPr lang="en-US" sz="2000" dirty="0">
+              <a:latin typeface="Cambria" panose="02040503050406030204" pitchFamily="18" charset="0"/>
+            </a:endParaRPr>
+          </a:p>
+        </p:txBody>
+      </p:sp>
+      <p:sp>
+        <p:nvSpPr>
+          <p:cNvPr id="5" name="Dia számának helye 4"/>
+          <p:cNvSpPr>
+            <a:spLocks noGrp="1"/>
+          </p:cNvSpPr>
+          <p:nvPr>
+            <p:ph type="sldNum" sz="quarter" idx="12"/>
+          </p:nvPr>
+        </p:nvSpPr>
+        <p:spPr/>
+        <p:txBody>
+          <a:bodyPr/>
+          <a:lstStyle/>
+          <a:p>
+            <a:fld id="{4FAB73BC-B049-4115-A692-8D63A059BFB8}" type="slidenum">
+              <a:rPr lang="en-US" sz="2000" smtClean="0">
+                <a:latin typeface="Cambria" panose="02040503050406030204" pitchFamily="18" charset="0"/>
+              </a:rPr>
+              <a:t>8</a:t>
+            </a:fld>
+            <a:endParaRPr lang="en-US" sz="2000" dirty="0">
+              <a:latin typeface="Cambria" panose="02040503050406030204" pitchFamily="18" charset="0"/>
+            </a:endParaRPr>
+          </a:p>
+        </p:txBody>
+      </p:sp>
     </p:spTree>
     <p:extLst>
       <p:ext uri="{BB962C8B-B14F-4D97-AF65-F5344CB8AC3E}">
@@ -4613,6 +12962,13 @@
   <p:clrMapOvr>
     <a:masterClrMapping/>
   </p:clrMapOvr>
+  <p:timing>
+    <p:tnLst>
+      <p:par>
+        <p:cTn id="1" dur="indefinite" restart="never" nodeType="tmRoot"/>
+      </p:par>
+    </p:tnLst>
+  </p:timing>
 </p:sld>
 </file>
 
@@ -4681,6 +13037,60 @@
           </a:p>
         </p:txBody>
       </p:sp>
+      <p:sp>
+        <p:nvSpPr>
+          <p:cNvPr id="4" name="Dátum helye 3"/>
+          <p:cNvSpPr>
+            <a:spLocks noGrp="1"/>
+          </p:cNvSpPr>
+          <p:nvPr>
+            <p:ph type="dt" sz="half" idx="10"/>
+          </p:nvPr>
+        </p:nvSpPr>
+        <p:spPr/>
+        <p:txBody>
+          <a:bodyPr/>
+          <a:lstStyle/>
+          <a:p>
+            <a:fld id="{3F6615A3-6C0B-4F5B-8B84-9B42AA04F933}" type="datetime1">
+              <a:rPr lang="hu-HU" sz="2000" smtClean="0">
+                <a:latin typeface="Cambria" panose="02040503050406030204" pitchFamily="18" charset="0"/>
+              </a:rPr>
+              <a:t>2015. 04. 20.</a:t>
+            </a:fld>
+            <a:endParaRPr lang="en-US" sz="2000" dirty="0">
+              <a:latin typeface="Cambria" panose="02040503050406030204" pitchFamily="18" charset="0"/>
+            </a:endParaRPr>
+          </a:p>
+        </p:txBody>
+      </p:sp>
+      <p:sp>
+        <p:nvSpPr>
+          <p:cNvPr id="5" name="Dia számának helye 4"/>
+          <p:cNvSpPr>
+            <a:spLocks noGrp="1"/>
+          </p:cNvSpPr>
+          <p:nvPr>
+            <p:ph type="sldNum" sz="quarter" idx="12"/>
+          </p:nvPr>
+        </p:nvSpPr>
+        <p:spPr/>
+        <p:txBody>
+          <a:bodyPr/>
+          <a:lstStyle/>
+          <a:p>
+            <a:fld id="{4FAB73BC-B049-4115-A692-8D63A059BFB8}" type="slidenum">
+              <a:rPr lang="en-US" sz="2000" smtClean="0">
+                <a:latin typeface="Cambria" panose="02040503050406030204" pitchFamily="18" charset="0"/>
+              </a:rPr>
+              <a:t>9</a:t>
+            </a:fld>
+            <a:endParaRPr lang="en-US" sz="2000" dirty="0">
+              <a:latin typeface="Cambria" panose="02040503050406030204" pitchFamily="18" charset="0"/>
+            </a:endParaRPr>
+          </a:p>
+        </p:txBody>
+      </p:sp>
     </p:spTree>
     <p:extLst>
       <p:ext uri="{BB962C8B-B14F-4D97-AF65-F5344CB8AC3E}">
@@ -4691,6 +13101,13 @@
   <p:clrMapOvr>
     <a:masterClrMapping/>
   </p:clrMapOvr>
+  <p:timing>
+    <p:tnLst>
+      <p:par>
+        <p:cTn id="1" dur="indefinite" restart="never" nodeType="tmRoot"/>
+      </p:par>
+    </p:tnLst>
+  </p:timing>
 </p:sld>
 </file>
 
@@ -4975,4 +13392,265 @@
     </a:ext>
   </a:extLst>
 </a:theme>
+</file>
+
+<file path=ppt/theme/theme2.xml><?xml version="1.0" encoding="utf-8"?>
+<a:theme xmlns:a="http://schemas.openxmlformats.org/drawingml/2006/main" name="Office-téma">
+  <a:themeElements>
+    <a:clrScheme name="Office">
+      <a:dk1>
+        <a:sysClr val="windowText" lastClr="000000"/>
+      </a:dk1>
+      <a:lt1>
+        <a:sysClr val="window" lastClr="FFFFFF"/>
+      </a:lt1>
+      <a:dk2>
+        <a:srgbClr val="44546A"/>
+      </a:dk2>
+      <a:lt2>
+        <a:srgbClr val="E7E6E6"/>
+      </a:lt2>
+      <a:accent1>
+        <a:srgbClr val="5B9BD5"/>
+      </a:accent1>
+      <a:accent2>
+        <a:srgbClr val="ED7D31"/>
+      </a:accent2>
+      <a:accent3>
+        <a:srgbClr val="A5A5A5"/>
+      </a:accent3>
+      <a:accent4>
+        <a:srgbClr val="FFC000"/>
+      </a:accent4>
+      <a:accent5>
+        <a:srgbClr val="4472C4"/>
+      </a:accent5>
+      <a:accent6>
+        <a:srgbClr val="70AD47"/>
+      </a:accent6>
+      <a:hlink>
+        <a:srgbClr val="0563C1"/>
+      </a:hlink>
+      <a:folHlink>
+        <a:srgbClr val="954F72"/>
+      </a:folHlink>
+    </a:clrScheme>
+    <a:fontScheme name="Office">
+      <a:majorFont>
+        <a:latin typeface="Calibri Light" panose="020F0302020204030204"/>
+        <a:ea typeface=""/>
+        <a:cs typeface=""/>
+        <a:font script="Jpan" typeface="ＭＳ Ｐゴシック"/>
+        <a:font script="Hang" typeface="맑은 고딕"/>
+        <a:font script="Hans" typeface="宋体"/>
+        <a:font script="Hant" typeface="新細明體"/>
+        <a:font script="Arab" typeface="Times New Roman"/>
+        <a:font script="Hebr" typeface="Times New Roman"/>
+        <a:font script="Thai" typeface="Angsana New"/>
+        <a:font script="Ethi" typeface="Nyala"/>
+        <a:font script="Beng" typeface="Vrinda"/>
+        <a:font script="Gujr" typeface="Shruti"/>
+        <a:font script="Khmr" typeface="MoolBoran"/>
+        <a:font script="Knda" typeface="Tunga"/>
+        <a:font script="Guru" typeface="Raavi"/>
+        <a:font script="Cans" typeface="Euphemia"/>
+        <a:font script="Cher" typeface="Plantagenet Cherokee"/>
+        <a:font script="Yiii" typeface="Microsoft Yi Baiti"/>
+        <a:font script="Tibt" typeface="Microsoft Himalaya"/>
+        <a:font script="Thaa" typeface="MV Boli"/>
+        <a:font script="Deva" typeface="Mangal"/>
+        <a:font script="Telu" typeface="Gautami"/>
+        <a:font script="Taml" typeface="Latha"/>
+        <a:font script="Syrc" typeface="Estrangelo Edessa"/>
+        <a:font script="Orya" typeface="Kalinga"/>
+        <a:font script="Mlym" typeface="Kartika"/>
+        <a:font script="Laoo" typeface="DokChampa"/>
+        <a:font script="Sinh" typeface="Iskoola Pota"/>
+        <a:font script="Mong" typeface="Mongolian Baiti"/>
+        <a:font script="Viet" typeface="Times New Roman"/>
+        <a:font script="Uigh" typeface="Microsoft Uighur"/>
+        <a:font script="Geor" typeface="Sylfaen"/>
+      </a:majorFont>
+      <a:minorFont>
+        <a:latin typeface="Calibri" panose="020F0502020204030204"/>
+        <a:ea typeface=""/>
+        <a:cs typeface=""/>
+        <a:font script="Jpan" typeface="ＭＳ Ｐゴシック"/>
+        <a:font script="Hang" typeface="맑은 고딕"/>
+        <a:font script="Hans" typeface="宋体"/>
+        <a:font script="Hant" typeface="新細明體"/>
+        <a:font script="Arab" typeface="Arial"/>
+        <a:font script="Hebr" typeface="Arial"/>
+        <a:font script="Thai" typeface="Cordia New"/>
+        <a:font script="Ethi" typeface="Nyala"/>
+        <a:font script="Beng" typeface="Vrinda"/>
+        <a:font script="Gujr" typeface="Shruti"/>
+        <a:font script="Khmr" typeface="DaunPenh"/>
+        <a:font script="Knda" typeface="Tunga"/>
+        <a:font script="Guru" typeface="Raavi"/>
+        <a:font script="Cans" typeface="Euphemia"/>
+        <a:font script="Cher" typeface="Plantagenet Cherokee"/>
+        <a:font script="Yiii" typeface="Microsoft Yi Baiti"/>
+        <a:font script="Tibt" typeface="Microsoft Himalaya"/>
+        <a:font script="Thaa" typeface="MV Boli"/>
+        <a:font script="Deva" typeface="Mangal"/>
+        <a:font script="Telu" typeface="Gautami"/>
+        <a:font script="Taml" typeface="Latha"/>
+        <a:font script="Syrc" typeface="Estrangelo Edessa"/>
+        <a:font script="Orya" typeface="Kalinga"/>
+        <a:font script="Mlym" typeface="Kartika"/>
+        <a:font script="Laoo" typeface="DokChampa"/>
+        <a:font script="Sinh" typeface="Iskoola Pota"/>
+        <a:font script="Mong" typeface="Mongolian Baiti"/>
+        <a:font script="Viet" typeface="Arial"/>
+        <a:font script="Uigh" typeface="Microsoft Uighur"/>
+        <a:font script="Geor" typeface="Sylfaen"/>
+      </a:minorFont>
+    </a:fontScheme>
+    <a:fmtScheme name="Office">
+      <a:fillStyleLst>
+        <a:solidFill>
+          <a:schemeClr val="phClr"/>
+        </a:solidFill>
+        <a:gradFill rotWithShape="1">
+          <a:gsLst>
+            <a:gs pos="0">
+              <a:schemeClr val="phClr">
+                <a:lumMod val="110000"/>
+                <a:satMod val="105000"/>
+                <a:tint val="67000"/>
+              </a:schemeClr>
+            </a:gs>
+            <a:gs pos="50000">
+              <a:schemeClr val="phClr">
+                <a:lumMod val="105000"/>
+                <a:satMod val="103000"/>
+                <a:tint val="73000"/>
+              </a:schemeClr>
+            </a:gs>
+            <a:gs pos="100000">
+              <a:schemeClr val="phClr">
+                <a:lumMod val="105000"/>
+                <a:satMod val="109000"/>
+                <a:tint val="81000"/>
+              </a:schemeClr>
+            </a:gs>
+          </a:gsLst>
+          <a:lin ang="5400000" scaled="0"/>
+        </a:gradFill>
+        <a:gradFill rotWithShape="1">
+          <a:gsLst>
+            <a:gs pos="0">
+              <a:schemeClr val="phClr">
+                <a:satMod val="103000"/>
+                <a:lumMod val="102000"/>
+                <a:tint val="94000"/>
+              </a:schemeClr>
+            </a:gs>
+            <a:gs pos="50000">
+              <a:schemeClr val="phClr">
+                <a:satMod val="110000"/>
+                <a:lumMod val="100000"/>
+                <a:shade val="100000"/>
+              </a:schemeClr>
+            </a:gs>
+            <a:gs pos="100000">
+              <a:schemeClr val="phClr">
+                <a:lumMod val="99000"/>
+                <a:satMod val="120000"/>
+                <a:shade val="78000"/>
+              </a:schemeClr>
+            </a:gs>
+          </a:gsLst>
+          <a:lin ang="5400000" scaled="0"/>
+        </a:gradFill>
+      </a:fillStyleLst>
+      <a:lnStyleLst>
+        <a:ln w="6350" cap="flat" cmpd="sng" algn="ctr">
+          <a:solidFill>
+            <a:schemeClr val="phClr"/>
+          </a:solidFill>
+          <a:prstDash val="solid"/>
+          <a:miter lim="800000"/>
+        </a:ln>
+        <a:ln w="12700" cap="flat" cmpd="sng" algn="ctr">
+          <a:solidFill>
+            <a:schemeClr val="phClr"/>
+          </a:solidFill>
+          <a:prstDash val="solid"/>
+          <a:miter lim="800000"/>
+        </a:ln>
+        <a:ln w="19050" cap="flat" cmpd="sng" algn="ctr">
+          <a:solidFill>
+            <a:schemeClr val="phClr"/>
+          </a:solidFill>
+          <a:prstDash val="solid"/>
+          <a:miter lim="800000"/>
+        </a:ln>
+      </a:lnStyleLst>
+      <a:effectStyleLst>
+        <a:effectStyle>
+          <a:effectLst/>
+        </a:effectStyle>
+        <a:effectStyle>
+          <a:effectLst/>
+        </a:effectStyle>
+        <a:effectStyle>
+          <a:effectLst>
+            <a:outerShdw blurRad="57150" dist="19050" dir="5400000" algn="ctr" rotWithShape="0">
+              <a:srgbClr val="000000">
+                <a:alpha val="63000"/>
+              </a:srgbClr>
+            </a:outerShdw>
+          </a:effectLst>
+        </a:effectStyle>
+      </a:effectStyleLst>
+      <a:bgFillStyleLst>
+        <a:solidFill>
+          <a:schemeClr val="phClr"/>
+        </a:solidFill>
+        <a:solidFill>
+          <a:schemeClr val="phClr">
+            <a:tint val="95000"/>
+            <a:satMod val="170000"/>
+          </a:schemeClr>
+        </a:solidFill>
+        <a:gradFill rotWithShape="1">
+          <a:gsLst>
+            <a:gs pos="0">
+              <a:schemeClr val="phClr">
+                <a:tint val="93000"/>
+                <a:satMod val="150000"/>
+                <a:shade val="98000"/>
+                <a:lumMod val="102000"/>
+              </a:schemeClr>
+            </a:gs>
+            <a:gs pos="50000">
+              <a:schemeClr val="phClr">
+                <a:tint val="98000"/>
+                <a:satMod val="130000"/>
+                <a:shade val="90000"/>
+                <a:lumMod val="103000"/>
+              </a:schemeClr>
+            </a:gs>
+            <a:gs pos="100000">
+              <a:schemeClr val="phClr">
+                <a:shade val="63000"/>
+                <a:satMod val="120000"/>
+              </a:schemeClr>
+            </a:gs>
+          </a:gsLst>
+          <a:lin ang="5400000" scaled="0"/>
+        </a:gradFill>
+      </a:bgFillStyleLst>
+    </a:fmtScheme>
+  </a:themeElements>
+  <a:objectDefaults/>
+  <a:extraClrSchemeLst/>
+  <a:extLst>
+    <a:ext uri="{05A4C25C-085E-4340-85A3-A5531E510DB2}">
+      <thm15:themeFamily xmlns:thm15="http://schemas.microsoft.com/office/thememl/2012/main" name="Office Theme" id="{62F939B6-93AF-4DB8-9C6B-D6C7DFDC589F}" vid="{4A3C46E8-61CC-4603-A589-7422A47A8E4A}"/>
+    </a:ext>
+  </a:extLst>
+</a:theme>
 </file>
--- a/Presentation/RozsenichBalázs_SzakdolgozatVédésPrezentáció.pptx
+++ b/Presentation/RozsenichBalázs_SzakdolgozatVédésPrezentáció.pptx
@@ -5,7 +5,7 @@
     <p:sldMasterId id="2147483780" r:id="rId1"/>
   </p:sldMasterIdLst>
   <p:notesMasterIdLst>
-    <p:notesMasterId r:id="rId12"/>
+    <p:notesMasterId r:id="rId14"/>
   </p:notesMasterIdLst>
   <p:sldIdLst>
     <p:sldId id="256" r:id="rId2"/>
@@ -15,9 +15,11 @@
     <p:sldId id="262" r:id="rId6"/>
     <p:sldId id="260" r:id="rId7"/>
     <p:sldId id="261" r:id="rId8"/>
-    <p:sldId id="263" r:id="rId9"/>
-    <p:sldId id="264" r:id="rId10"/>
-    <p:sldId id="265" r:id="rId11"/>
+    <p:sldId id="266" r:id="rId9"/>
+    <p:sldId id="263" r:id="rId10"/>
+    <p:sldId id="264" r:id="rId11"/>
+    <p:sldId id="268" r:id="rId12"/>
+    <p:sldId id="265" r:id="rId13"/>
   </p:sldIdLst>
   <p:sldSz cx="12192000" cy="6858000"/>
   <p:notesSz cx="6858000" cy="9144000"/>
@@ -119,7 +121,7 @@
   <p:extLst>
     <p:ext uri="{EFAFB233-063F-42B5-8137-9DF3F51BA10A}">
       <p15:sldGuideLst xmlns:p15="http://schemas.microsoft.com/office/powerpoint/2012/main">
-        <p15:guide id="1" orient="horz" pos="2160" userDrawn="1">
+        <p15:guide id="1" orient="horz" pos="2183" userDrawn="1">
           <p15:clr>
             <a:srgbClr val="A4A3A4"/>
           </p15:clr>
@@ -1760,19 +1762,7 @@
             <a:rPr lang="hu-HU" sz="1200" b="1" dirty="0" smtClean="0">
               <a:latin typeface="Cambria" panose="02040503050406030204" pitchFamily="18" charset="0"/>
             </a:rPr>
-            <a:t>Hotel </a:t>
-          </a:r>
-          <a:r>
-            <a:rPr lang="hu-HU" sz="1200" b="1" dirty="0" err="1" smtClean="0">
-              <a:latin typeface="Cambria" panose="02040503050406030204" pitchFamily="18" charset="0"/>
-            </a:rPr>
-            <a:t>Lővér</a:t>
-          </a:r>
-          <a:r>
-            <a:rPr lang="hu-HU" sz="1200" b="1" dirty="0" smtClean="0">
-              <a:latin typeface="Cambria" panose="02040503050406030204" pitchFamily="18" charset="0"/>
-            </a:rPr>
-            <a:t>:</a:t>
+            <a:t>Hotel Lővér:</a:t>
           </a:r>
         </a:p>
         <a:p>
@@ -1829,19 +1819,7 @@
             <a:rPr lang="hu-HU" sz="1200" b="1" dirty="0" smtClean="0">
               <a:latin typeface="Cambria" panose="02040503050406030204" pitchFamily="18" charset="0"/>
             </a:rPr>
-            <a:t>Hotel </a:t>
-          </a:r>
-          <a:r>
-            <a:rPr lang="hu-HU" sz="1200" b="1" dirty="0" err="1" smtClean="0">
-              <a:latin typeface="Cambria" panose="02040503050406030204" pitchFamily="18" charset="0"/>
-            </a:rPr>
-            <a:t>Fagus</a:t>
-          </a:r>
-          <a:r>
-            <a:rPr lang="hu-HU" sz="1200" b="1" dirty="0" smtClean="0">
-              <a:latin typeface="Cambria" panose="02040503050406030204" pitchFamily="18" charset="0"/>
-            </a:rPr>
-            <a:t>:</a:t>
+            <a:t>Hotel Fagus:</a:t>
           </a:r>
         </a:p>
         <a:p>
@@ -1849,19 +1827,7 @@
             <a:rPr lang="hu-HU" sz="1200" b="1" dirty="0" smtClean="0">
               <a:latin typeface="Cambria" panose="02040503050406030204" pitchFamily="18" charset="0"/>
             </a:rPr>
-            <a:t>2*</a:t>
-          </a:r>
-          <a:r>
-            <a:rPr lang="hu-HU" sz="1200" b="1" dirty="0" err="1" smtClean="0">
-              <a:latin typeface="Cambria" panose="02040503050406030204" pitchFamily="18" charset="0"/>
-            </a:rPr>
-            <a:t>2</a:t>
-          </a:r>
-          <a:r>
-            <a:rPr lang="hu-HU" sz="1200" b="1" dirty="0" smtClean="0">
-              <a:latin typeface="Cambria" panose="02040503050406030204" pitchFamily="18" charset="0"/>
-            </a:rPr>
-            <a:t> ágyas szoba</a:t>
+            <a:t>2*2 ágyas szoba</a:t>
           </a:r>
           <a:endParaRPr lang="hu-HU" sz="1200" b="1" dirty="0">
             <a:latin typeface="Cambria" panose="02040503050406030204" pitchFamily="18" charset="0"/>
@@ -2096,9 +2062,9 @@
     <dgm:cxn modelId="{40D051C8-7761-4A5B-B423-2B43C7FE4303}" type="presOf" srcId="{FC43A5FC-39BB-4C9E-9EE0-D97344D2EE6A}" destId="{AFA1A005-DAEA-4EAA-940F-6AF45C68EA4F}" srcOrd="0" destOrd="0" presId="urn:microsoft.com/office/officeart/2005/8/layout/radial4"/>
     <dgm:cxn modelId="{CF5257BA-EBD2-426B-85C6-4CB8BC445C54}" type="presOf" srcId="{151E8C2F-E8A8-4DB8-B754-4E9B6E085894}" destId="{E4A556EF-1B2E-4B53-8D64-1929296113F8}" srcOrd="0" destOrd="0" presId="urn:microsoft.com/office/officeart/2005/8/layout/radial4"/>
     <dgm:cxn modelId="{3275C04C-3914-42F5-99AF-0A947D9D69AA}" type="presOf" srcId="{47CBDFA6-1989-488D-B8A0-5CCDF7560E58}" destId="{0D685EBD-A143-49F6-84D7-704D888DC775}" srcOrd="0" destOrd="0" presId="urn:microsoft.com/office/officeart/2005/8/layout/radial4"/>
+    <dgm:cxn modelId="{531009FC-F0DC-4416-B5FE-DFB302E4314A}" type="presOf" srcId="{48EED9BC-C2FE-4D26-BC1F-47D7591A3B61}" destId="{288D3448-AC0B-4346-8995-C0CE1237BA38}" srcOrd="0" destOrd="0" presId="urn:microsoft.com/office/officeart/2005/8/layout/radial4"/>
     <dgm:cxn modelId="{2ABC42D2-097A-4641-B9FF-17FD9D4BBAD4}" srcId="{5FBB40BC-F987-4F7B-9830-8C5ABA979AF0}" destId="{FC43A5FC-39BB-4C9E-9EE0-D97344D2EE6A}" srcOrd="2" destOrd="0" parTransId="{47CBDFA6-1989-488D-B8A0-5CCDF7560E58}" sibTransId="{0B71B15F-3E6F-42CB-B803-626A6329DF78}"/>
     <dgm:cxn modelId="{4848A958-33B1-4329-868E-3CBBABD46D0A}" type="presOf" srcId="{5FBB40BC-F987-4F7B-9830-8C5ABA979AF0}" destId="{374ABC81-813E-40C2-B9DE-F9574953440B}" srcOrd="0" destOrd="0" presId="urn:microsoft.com/office/officeart/2005/8/layout/radial4"/>
-    <dgm:cxn modelId="{531009FC-F0DC-4416-B5FE-DFB302E4314A}" type="presOf" srcId="{48EED9BC-C2FE-4D26-BC1F-47D7591A3B61}" destId="{288D3448-AC0B-4346-8995-C0CE1237BA38}" srcOrd="0" destOrd="0" presId="urn:microsoft.com/office/officeart/2005/8/layout/radial4"/>
     <dgm:cxn modelId="{6FA023D4-5860-42BB-A945-6DFF62452F44}" srcId="{5FBB40BC-F987-4F7B-9830-8C5ABA979AF0}" destId="{6FCD5F4D-DE34-4502-9027-BE6FAD5298BB}" srcOrd="0" destOrd="0" parTransId="{48EED9BC-C2FE-4D26-BC1F-47D7591A3B61}" sibTransId="{30CAEA89-BF97-4881-90F1-60AD2C557784}"/>
     <dgm:cxn modelId="{AB790237-E59E-42AC-8637-B8061222231A}" type="presOf" srcId="{D82A04F4-88B1-490B-BA36-0CB8A3EB788B}" destId="{5684BA46-237B-4BB4-9FB6-67F94D8206E5}" srcOrd="0" destOrd="0" presId="urn:microsoft.com/office/officeart/2005/8/layout/radial4"/>
     <dgm:cxn modelId="{502D436B-581A-4ACB-A0B7-58177413CCBB}" srcId="{151E8C2F-E8A8-4DB8-B754-4E9B6E085894}" destId="{5FBB40BC-F987-4F7B-9830-8C5ABA979AF0}" srcOrd="0" destOrd="0" parTransId="{2880DA9D-050B-4595-AEA4-12EA4CBC8C89}" sibTransId="{0353E2C0-C4FE-408F-B83D-5921AC10CEA8}"/>
@@ -2467,8 +2433,8 @@
     <dgm:cxn modelId="{C3B96948-0510-4524-A0A7-DDA6F4C31B76}" type="presOf" srcId="{DC330507-FC45-4587-8959-1156F9D5ED88}" destId="{3405AA1B-2FCB-43A3-9761-2E83F37AFF89}" srcOrd="0" destOrd="0" presId="urn:microsoft.com/office/officeart/2005/8/layout/gear1"/>
     <dgm:cxn modelId="{550A48AE-C651-4ACB-8E7D-12E49FDBC5CE}" type="presOf" srcId="{4A06B8B7-823D-495E-A18B-59B41335A141}" destId="{C135EFEF-1599-446E-9509-D4CB4226A30F}" srcOrd="1" destOrd="0" presId="urn:microsoft.com/office/officeart/2005/8/layout/gear1"/>
     <dgm:cxn modelId="{A68D0880-8C7E-45A8-9061-53A2D3F9FF13}" srcId="{8747AA42-D3A8-4B27-88ED-63015B24191E}" destId="{B9E2BE8E-F8D4-415F-82DA-70AD365BAA1E}" srcOrd="0" destOrd="0" parTransId="{3E573CB0-790E-4058-8C26-7A129F5D474E}" sibTransId="{2C6EE942-BCEE-4F63-BDEB-3BD0A03D2A0B}"/>
+    <dgm:cxn modelId="{380765B9-124B-40FF-8E9B-7415A593BDCA}" type="presOf" srcId="{B9E2BE8E-F8D4-415F-82DA-70AD365BAA1E}" destId="{630B62CB-9CB4-4765-9B65-2CD3A6C881AE}" srcOrd="0" destOrd="0" presId="urn:microsoft.com/office/officeart/2005/8/layout/gear1"/>
     <dgm:cxn modelId="{4CF73B20-7703-425C-8DC4-246D5D210575}" type="presOf" srcId="{8747AA42-D3A8-4B27-88ED-63015B24191E}" destId="{8CC1E8E2-0136-44F4-BB1E-15E4B6D5CE2B}" srcOrd="0" destOrd="0" presId="urn:microsoft.com/office/officeart/2005/8/layout/gear1"/>
-    <dgm:cxn modelId="{380765B9-124B-40FF-8E9B-7415A593BDCA}" type="presOf" srcId="{B9E2BE8E-F8D4-415F-82DA-70AD365BAA1E}" destId="{630B62CB-9CB4-4765-9B65-2CD3A6C881AE}" srcOrd="0" destOrd="0" presId="urn:microsoft.com/office/officeart/2005/8/layout/gear1"/>
     <dgm:cxn modelId="{17E2171F-165D-40FC-BFA3-295E4C5B8DB8}" type="presParOf" srcId="{8CC1E8E2-0136-44F4-BB1E-15E4B6D5CE2B}" destId="{630B62CB-9CB4-4765-9B65-2CD3A6C881AE}" srcOrd="0" destOrd="0" presId="urn:microsoft.com/office/officeart/2005/8/layout/gear1"/>
     <dgm:cxn modelId="{CA10484C-D628-4990-9231-EE3A19955551}" type="presParOf" srcId="{8CC1E8E2-0136-44F4-BB1E-15E4B6D5CE2B}" destId="{C01D8DDA-8B6C-4758-B7BB-E712ACCA7CBD}" srcOrd="1" destOrd="0" presId="urn:microsoft.com/office/officeart/2005/8/layout/gear1"/>
     <dgm:cxn modelId="{42CE1CB3-8A3B-4AB9-AC13-8EEB9B8231A9}" type="presParOf" srcId="{8CC1E8E2-0136-44F4-BB1E-15E4B6D5CE2B}" destId="{737DF3DB-6723-4354-AD5A-48F993EF5078}" srcOrd="2" destOrd="0" presId="urn:microsoft.com/office/officeart/2005/8/layout/gear1"/>
@@ -2818,19 +2784,7 @@
             <a:rPr lang="hu-HU" sz="1200" b="1" kern="1200" dirty="0" smtClean="0">
               <a:latin typeface="Cambria" panose="02040503050406030204" pitchFamily="18" charset="0"/>
             </a:rPr>
-            <a:t>Hotel </a:t>
-          </a:r>
-          <a:r>
-            <a:rPr lang="hu-HU" sz="1200" b="1" kern="1200" dirty="0" err="1" smtClean="0">
-              <a:latin typeface="Cambria" panose="02040503050406030204" pitchFamily="18" charset="0"/>
-            </a:rPr>
-            <a:t>Lővér</a:t>
-          </a:r>
-          <a:r>
-            <a:rPr lang="hu-HU" sz="1200" b="1" kern="1200" dirty="0" smtClean="0">
-              <a:latin typeface="Cambria" panose="02040503050406030204" pitchFamily="18" charset="0"/>
-            </a:rPr>
-            <a:t>:</a:t>
+            <a:t>Hotel Lővér:</a:t>
           </a:r>
         </a:p>
         <a:p>
@@ -2966,19 +2920,7 @@
             <a:rPr lang="hu-HU" sz="1200" b="1" kern="1200" dirty="0" smtClean="0">
               <a:latin typeface="Cambria" panose="02040503050406030204" pitchFamily="18" charset="0"/>
             </a:rPr>
-            <a:t>Hotel </a:t>
-          </a:r>
-          <a:r>
-            <a:rPr lang="hu-HU" sz="1200" b="1" kern="1200" dirty="0" err="1" smtClean="0">
-              <a:latin typeface="Cambria" panose="02040503050406030204" pitchFamily="18" charset="0"/>
-            </a:rPr>
-            <a:t>Fagus</a:t>
-          </a:r>
-          <a:r>
-            <a:rPr lang="hu-HU" sz="1200" b="1" kern="1200" dirty="0" smtClean="0">
-              <a:latin typeface="Cambria" panose="02040503050406030204" pitchFamily="18" charset="0"/>
-            </a:rPr>
-            <a:t>:</a:t>
+            <a:t>Hotel Fagus:</a:t>
           </a:r>
         </a:p>
         <a:p>
@@ -2997,19 +2939,7 @@
             <a:rPr lang="hu-HU" sz="1200" b="1" kern="1200" dirty="0" smtClean="0">
               <a:latin typeface="Cambria" panose="02040503050406030204" pitchFamily="18" charset="0"/>
             </a:rPr>
-            <a:t>2*</a:t>
-          </a:r>
-          <a:r>
-            <a:rPr lang="hu-HU" sz="1200" b="1" kern="1200" dirty="0" err="1" smtClean="0">
-              <a:latin typeface="Cambria" panose="02040503050406030204" pitchFamily="18" charset="0"/>
-            </a:rPr>
-            <a:t>2</a:t>
-          </a:r>
-          <a:r>
-            <a:rPr lang="hu-HU" sz="1200" b="1" kern="1200" dirty="0" smtClean="0">
-              <a:latin typeface="Cambria" panose="02040503050406030204" pitchFamily="18" charset="0"/>
-            </a:rPr>
-            <a:t> ágyas szoba</a:t>
+            <a:t>2*2 ágyas szoba</a:t>
           </a:r>
           <a:endParaRPr lang="hu-HU" sz="1200" b="1" kern="1200" dirty="0">
             <a:latin typeface="Cambria" panose="02040503050406030204" pitchFamily="18" charset="0"/>
@@ -6369,7 +6299,7 @@
             </a:lvl1pPr>
           </a:lstStyle>
           <a:p>
-            <a:endParaRPr lang="en-US"/>
+            <a:endParaRPr lang="en-US" dirty="0"/>
           </a:p>
         </p:txBody>
       </p:sp>
@@ -6402,9 +6332,9 @@
           <a:p>
             <a:fld id="{39FE88C0-FEB2-4AEF-92A6-4580AD9FBEF8}" type="datetimeFigureOut">
               <a:rPr lang="en-US" smtClean="0"/>
-              <a:t>4/20/2015</a:t>
+              <a:t>4/21/2015</a:t>
             </a:fld>
-            <a:endParaRPr lang="en-US"/>
+            <a:endParaRPr lang="en-US" dirty="0"/>
           </a:p>
         </p:txBody>
       </p:sp>
@@ -6437,7 +6367,7 @@
           <a:bodyPr vert="horz" lIns="91440" tIns="45720" rIns="91440" bIns="45720" rtlCol="0" anchor="ctr"/>
           <a:lstStyle/>
           <a:p>
-            <a:endParaRPr lang="en-US"/>
+            <a:endParaRPr lang="en-US" dirty="0"/>
           </a:p>
         </p:txBody>
       </p:sp>
@@ -6528,7 +6458,7 @@
             </a:lvl1pPr>
           </a:lstStyle>
           <a:p>
-            <a:endParaRPr lang="en-US"/>
+            <a:endParaRPr lang="en-US" dirty="0"/>
           </a:p>
         </p:txBody>
       </p:sp>
@@ -6563,7 +6493,7 @@
               <a:rPr lang="en-US" smtClean="0"/>
               <a:t>‹#›</a:t>
             </a:fld>
-            <a:endParaRPr lang="en-US"/>
+            <a:endParaRPr lang="en-US" dirty="0"/>
           </a:p>
         </p:txBody>
       </p:sp>
@@ -6714,7 +6644,7 @@
           <a:bodyPr/>
           <a:lstStyle/>
           <a:p>
-            <a:endParaRPr lang="en-US"/>
+            <a:endParaRPr lang="en-US" dirty="0"/>
           </a:p>
         </p:txBody>
       </p:sp>
@@ -6737,7 +6667,7 @@
               <a:rPr lang="en-US" smtClean="0"/>
               <a:t>1</a:t>
             </a:fld>
-            <a:endParaRPr lang="en-US"/>
+            <a:endParaRPr lang="en-US" dirty="0"/>
           </a:p>
         </p:txBody>
       </p:sp>
@@ -6980,7 +6910,7 @@
           <a:p>
             <a:fld id="{826752DF-D26A-49FC-A6AF-08EA4B3995F2}" type="datetime1">
               <a:rPr lang="hu-HU" smtClean="0"/>
-              <a:t>2015. 04. 20.</a:t>
+              <a:t>2015. 04. 21.</a:t>
             </a:fld>
             <a:endParaRPr lang="en-US" dirty="0"/>
           </a:p>
@@ -7189,7 +7119,7 @@
           <a:p>
             <a:fld id="{4E182F1F-72B1-437C-93A1-33C6D7F22E58}" type="datetime1">
               <a:rPr lang="hu-HU" smtClean="0"/>
-              <a:t>2015. 04. 20.</a:t>
+              <a:t>2015. 04. 21.</a:t>
             </a:fld>
             <a:endParaRPr lang="en-US" dirty="0"/>
           </a:p>
@@ -7445,7 +7375,7 @@
           <a:p>
             <a:fld id="{D2E71BBB-4F2D-4124-8F75-C76F5368A292}" type="datetime1">
               <a:rPr lang="hu-HU" smtClean="0"/>
-              <a:t>2015. 04. 20.</a:t>
+              <a:t>2015. 04. 21.</a:t>
             </a:fld>
             <a:endParaRPr lang="en-US" dirty="0"/>
           </a:p>
@@ -7615,7 +7545,7 @@
           <a:p>
             <a:fld id="{E842C09C-9BD2-4EFE-87B5-E2FDB334D29E}" type="datetime1">
               <a:rPr lang="hu-HU" smtClean="0"/>
-              <a:t>2015. 04. 20.</a:t>
+              <a:t>2015. 04. 21.</a:t>
             </a:fld>
             <a:endParaRPr lang="en-US" dirty="0"/>
           </a:p>
@@ -7958,7 +7888,7 @@
           <a:p>
             <a:fld id="{2FBD9166-19F9-461D-904E-B785FA4121D0}" type="datetime1">
               <a:rPr lang="hu-HU" smtClean="0"/>
-              <a:t>2015. 04. 20.</a:t>
+              <a:t>2015. 04. 21.</a:t>
             </a:fld>
             <a:endParaRPr lang="en-US" dirty="0"/>
           </a:p>
@@ -8233,7 +8163,7 @@
           <a:p>
             <a:fld id="{423D4BBC-EF27-46A0-8C9A-617D02B47C97}" type="datetime1">
               <a:rPr lang="hu-HU" smtClean="0"/>
-              <a:t>2015. 04. 20.</a:t>
+              <a:t>2015. 04. 21.</a:t>
             </a:fld>
             <a:endParaRPr lang="en-US" dirty="0"/>
           </a:p>
@@ -8612,7 +8542,7 @@
           <a:p>
             <a:fld id="{91F7460B-2103-45D1-B3FF-2469F0E2BFD4}" type="datetime1">
               <a:rPr lang="hu-HU" smtClean="0"/>
-              <a:t>2015. 04. 20.</a:t>
+              <a:t>2015. 04. 21.</a:t>
             </a:fld>
             <a:endParaRPr lang="en-US" dirty="0"/>
           </a:p>
@@ -8730,7 +8660,7 @@
           <a:p>
             <a:fld id="{864B2261-A9A3-4212-B5EA-B113C671F5A5}" type="datetime1">
               <a:rPr lang="hu-HU" smtClean="0"/>
-              <a:t>2015. 04. 20.</a:t>
+              <a:t>2015. 04. 21.</a:t>
             </a:fld>
             <a:endParaRPr lang="en-US" dirty="0"/>
           </a:p>
@@ -8901,7 +8831,7 @@
           <a:p>
             <a:fld id="{EDECE27C-98A0-46D7-8D64-87F386A60CA4}" type="datetime1">
               <a:rPr lang="hu-HU" smtClean="0"/>
-              <a:t>2015. 04. 20.</a:t>
+              <a:t>2015. 04. 21.</a:t>
             </a:fld>
             <a:endParaRPr lang="en-US" dirty="0"/>
           </a:p>
@@ -9255,7 +9185,7 @@
           <a:p>
             <a:fld id="{2A97D4F2-B1C7-44EF-A802-76366E6AFAF2}" type="datetime1">
               <a:rPr lang="hu-HU" smtClean="0"/>
-              <a:t>2015. 04. 20.</a:t>
+              <a:t>2015. 04. 21.</a:t>
             </a:fld>
             <a:endParaRPr lang="en-US" dirty="0"/>
           </a:p>
@@ -9531,7 +9461,7 @@
           </a:lstStyle>
           <a:p>
             <a:r>
-              <a:rPr lang="hu-HU" smtClean="0"/>
+              <a:rPr lang="hu-HU" dirty="0" smtClean="0"/>
               <a:t>Kép beszúrásához kattintson az ikonra</a:t>
             </a:r>
             <a:endParaRPr lang="en-US" dirty="0"/>
@@ -9632,7 +9562,7 @@
           <a:p>
             <a:fld id="{D2D8BE3D-C433-4CD3-9AD7-E8CD01FEB430}" type="datetime1">
               <a:rPr lang="hu-HU" smtClean="0"/>
-              <a:t>2015. 04. 20.</a:t>
+              <a:t>2015. 04. 21.</a:t>
             </a:fld>
             <a:endParaRPr lang="en-US" dirty="0"/>
           </a:p>
@@ -9919,7 +9849,7 @@
           <a:p>
             <a:fld id="{011DFED8-1BD0-47C8-909D-2EC7123E1AC2}" type="datetime1">
               <a:rPr lang="hu-HU" smtClean="0"/>
-              <a:t>2015. 04. 20.</a:t>
+              <a:t>2015. 04. 21.</a:t>
             </a:fld>
             <a:endParaRPr lang="en-US" dirty="0"/>
           </a:p>
@@ -10499,6 +10429,12 @@
           <a:p>
             <a:r>
               <a:rPr lang="hu-HU" cap="none" dirty="0" smtClean="0">
+                <a:solidFill>
+                  <a:schemeClr val="tx1">
+                    <a:lumMod val="75000"/>
+                    <a:lumOff val="25000"/>
+                  </a:schemeClr>
+                </a:solidFill>
                 <a:latin typeface="Cambria" panose="02040503050406030204" pitchFamily="18" charset="0"/>
               </a:rPr>
               <a:t>Hallgató: Rozsenich Balázs</a:t>
@@ -10507,6 +10443,12 @@
           <a:p>
             <a:r>
               <a:rPr lang="hu-HU" cap="none" dirty="0" smtClean="0">
+                <a:solidFill>
+                  <a:schemeClr val="tx1">
+                    <a:lumMod val="75000"/>
+                    <a:lumOff val="25000"/>
+                  </a:schemeClr>
+                </a:solidFill>
                 <a:latin typeface="Cambria" panose="02040503050406030204" pitchFamily="18" charset="0"/>
               </a:rPr>
               <a:t>Témavezető: Frits Márton</a:t>
@@ -10515,11 +10457,23 @@
           <a:p>
             <a:r>
               <a:rPr lang="hu-HU" cap="none" dirty="0" smtClean="0">
+                <a:solidFill>
+                  <a:schemeClr val="tx1">
+                    <a:lumMod val="75000"/>
+                    <a:lumOff val="25000"/>
+                  </a:schemeClr>
+                </a:solidFill>
                 <a:latin typeface="Cambria" panose="02040503050406030204" pitchFamily="18" charset="0"/>
               </a:rPr>
               <a:t>2015, Pannon Egyetem, mérnökinformatikus BSc szakdolgozat</a:t>
             </a:r>
             <a:endParaRPr lang="en-US" cap="none" dirty="0">
+              <a:solidFill>
+                <a:schemeClr val="tx1">
+                  <a:lumMod val="75000"/>
+                  <a:lumOff val="25000"/>
+                </a:schemeClr>
+              </a:solidFill>
               <a:latin typeface="Cambria" panose="02040503050406030204" pitchFamily="18" charset="0"/>
             </a:endParaRPr>
           </a:p>
@@ -10544,7 +10498,7 @@
               <a:rPr lang="hu-HU" sz="2000" smtClean="0">
                 <a:latin typeface="Cambria" panose="02040503050406030204" pitchFamily="18" charset="0"/>
               </a:rPr>
-              <a:t>2015. 04. 20.</a:t>
+              <a:t>2015. 04. 21.</a:t>
             </a:fld>
             <a:endParaRPr lang="en-US" sz="2000" dirty="0">
               <a:latin typeface="Cambria" panose="02040503050406030204" pitchFamily="18" charset="0"/>
@@ -10619,6 +10573,52 @@
       </p:grpSpPr>
       <p:sp>
         <p:nvSpPr>
+          <p:cNvPr id="6" name="Téglalap 5"/>
+          <p:cNvSpPr/>
+          <p:nvPr/>
+        </p:nvSpPr>
+        <p:spPr>
+          <a:xfrm>
+            <a:off x="1066800" y="1563757"/>
+            <a:ext cx="10263809" cy="281977"/>
+          </a:xfrm>
+          <a:prstGeom prst="rect">
+            <a:avLst/>
+          </a:prstGeom>
+          <a:solidFill>
+            <a:schemeClr val="bg1"/>
+          </a:solidFill>
+          <a:ln>
+            <a:noFill/>
+          </a:ln>
+        </p:spPr>
+        <p:style>
+          <a:lnRef idx="2">
+            <a:schemeClr val="accent1">
+              <a:shade val="50000"/>
+            </a:schemeClr>
+          </a:lnRef>
+          <a:fillRef idx="1">
+            <a:schemeClr val="accent1"/>
+          </a:fillRef>
+          <a:effectRef idx="0">
+            <a:schemeClr val="accent1"/>
+          </a:effectRef>
+          <a:fontRef idx="minor">
+            <a:schemeClr val="lt1"/>
+          </a:fontRef>
+        </p:style>
+        <p:txBody>
+          <a:bodyPr rtlCol="0" anchor="ctr"/>
+          <a:lstStyle/>
+          <a:p>
+            <a:pPr algn="ctr"/>
+            <a:endParaRPr lang="en-US" dirty="0"/>
+          </a:p>
+        </p:txBody>
+      </p:sp>
+      <p:sp>
+        <p:nvSpPr>
           <p:cNvPr id="2" name="Cím 1"/>
           <p:cNvSpPr>
             <a:spLocks noGrp="1"/>
@@ -10627,16 +10627,22 @@
             <p:ph type="title"/>
           </p:nvPr>
         </p:nvSpPr>
-        <p:spPr/>
+        <p:spPr>
+          <a:xfrm>
+            <a:off x="1097280" y="304800"/>
+            <a:ext cx="10058400" cy="730195"/>
+          </a:xfrm>
+        </p:spPr>
         <p:txBody>
           <a:bodyPr/>
           <a:lstStyle/>
           <a:p>
+            <a:pPr algn="ctr"/>
             <a:r>
               <a:rPr lang="hu-HU" dirty="0" smtClean="0">
                 <a:latin typeface="Cambria" panose="02040503050406030204" pitchFamily="18" charset="0"/>
               </a:rPr>
-              <a:t>Köszönöm a figyelmet!</a:t>
+              <a:t>Eredmények</a:t>
             </a:r>
             <a:endParaRPr lang="en-US" dirty="0">
               <a:latin typeface="Cambria" panose="02040503050406030204" pitchFamily="18" charset="0"/>
@@ -10654,12 +10660,150 @@
             <p:ph idx="1"/>
           </p:nvPr>
         </p:nvSpPr>
-        <p:spPr/>
+        <p:spPr>
+          <a:xfrm>
+            <a:off x="331304" y="1283192"/>
+            <a:ext cx="5777948" cy="4786303"/>
+          </a:xfrm>
+        </p:spPr>
         <p:txBody>
-          <a:bodyPr/>
+          <a:bodyPr>
+            <a:normAutofit/>
+          </a:bodyPr>
           <a:lstStyle/>
           <a:p>
-            <a:endParaRPr lang="en-US" dirty="0">
+            <a:pPr marL="0" indent="0" algn="ctr">
+              <a:buNone/>
+            </a:pPr>
+            <a:r>
+              <a:rPr lang="hu-HU" sz="3200" b="1" dirty="0" smtClean="0">
+                <a:latin typeface="Cambria" panose="02040503050406030204" pitchFamily="18" charset="0"/>
+              </a:rPr>
+              <a:t>Teszt adatok</a:t>
+            </a:r>
+            <a:endParaRPr lang="hu-HU" sz="2800" b="1" dirty="0">
+              <a:latin typeface="Cambria" panose="02040503050406030204" pitchFamily="18" charset="0"/>
+            </a:endParaRPr>
+          </a:p>
+          <a:p>
+            <a:pPr marL="357188" indent="-357188">
+              <a:buFont typeface="Wingdings" panose="05000000000000000000" pitchFamily="2" charset="2"/>
+              <a:buChar char="§"/>
+            </a:pPr>
+            <a:r>
+              <a:rPr lang="hu-HU" sz="2800" b="1" dirty="0" smtClean="0">
+                <a:latin typeface="Cambria" panose="02040503050406030204" pitchFamily="18" charset="0"/>
+              </a:rPr>
+              <a:t>Budapest</a:t>
+            </a:r>
+            <a:r>
+              <a:rPr lang="hu-HU" sz="2800" dirty="0" smtClean="0">
+                <a:latin typeface="Cambria" panose="02040503050406030204" pitchFamily="18" charset="0"/>
+              </a:rPr>
+              <a:t>i szálláshelyek</a:t>
+            </a:r>
+          </a:p>
+          <a:p>
+            <a:pPr marL="357188" indent="-357188">
+              <a:buFont typeface="Wingdings" panose="05000000000000000000" pitchFamily="2" charset="2"/>
+              <a:buChar char="§"/>
+            </a:pPr>
+            <a:r>
+              <a:rPr lang="hu-HU" sz="2800" dirty="0" smtClean="0">
+                <a:latin typeface="Cambria" panose="02040503050406030204" pitchFamily="18" charset="0"/>
+              </a:rPr>
+              <a:t>Szálláshelyek </a:t>
+            </a:r>
+            <a:r>
+              <a:rPr lang="hu-HU" sz="2800" b="1" dirty="0" smtClean="0">
+                <a:latin typeface="Cambria" panose="02040503050406030204" pitchFamily="18" charset="0"/>
+              </a:rPr>
+              <a:t>elszórtan</a:t>
+            </a:r>
+          </a:p>
+          <a:p>
+            <a:pPr marL="357188" indent="-357188">
+              <a:buFont typeface="Wingdings" panose="05000000000000000000" pitchFamily="2" charset="2"/>
+              <a:buChar char="§"/>
+            </a:pPr>
+            <a:r>
+              <a:rPr lang="hu-HU" sz="2800" b="1" dirty="0" smtClean="0">
+                <a:latin typeface="Cambria" panose="02040503050406030204" pitchFamily="18" charset="0"/>
+              </a:rPr>
+              <a:t>Luxusszálloda</a:t>
+            </a:r>
+            <a:r>
+              <a:rPr lang="hu-HU" sz="2800" dirty="0" smtClean="0">
+                <a:latin typeface="Cambria" panose="02040503050406030204" pitchFamily="18" charset="0"/>
+              </a:rPr>
+              <a:t> és </a:t>
+            </a:r>
+            <a:r>
+              <a:rPr lang="hu-HU" sz="2800" b="1" dirty="0" smtClean="0">
+                <a:latin typeface="Cambria" panose="02040503050406030204" pitchFamily="18" charset="0"/>
+              </a:rPr>
+              <a:t>olcsó </a:t>
+            </a:r>
+            <a:r>
+              <a:rPr lang="hu-HU" sz="2800" b="1" dirty="0" smtClean="0">
+                <a:latin typeface="Cambria" panose="02040503050406030204" pitchFamily="18" charset="0"/>
+              </a:rPr>
+              <a:t>apartmanház</a:t>
+            </a:r>
+            <a:r>
+              <a:rPr lang="hu-HU" sz="2800" b="1" dirty="0" smtClean="0">
+                <a:latin typeface="Cambria" panose="02040503050406030204" pitchFamily="18" charset="0"/>
+              </a:rPr>
+              <a:t> </a:t>
+            </a:r>
+            <a:r>
+              <a:rPr lang="hu-HU" sz="2800" dirty="0" smtClean="0">
+                <a:latin typeface="Cambria" panose="02040503050406030204" pitchFamily="18" charset="0"/>
+              </a:rPr>
+              <a:t>egyaránt szerepel</a:t>
+            </a:r>
+          </a:p>
+          <a:p>
+            <a:pPr marL="357188" indent="-357188">
+              <a:buFont typeface="Wingdings" panose="05000000000000000000" pitchFamily="2" charset="2"/>
+              <a:buChar char="§"/>
+            </a:pPr>
+            <a:r>
+              <a:rPr lang="hu-HU" sz="2800" b="1" dirty="0" smtClean="0">
+                <a:latin typeface="Cambria" panose="02040503050406030204" pitchFamily="18" charset="0"/>
+              </a:rPr>
+              <a:t>Alacsony kapacitás </a:t>
+            </a:r>
+            <a:r>
+              <a:rPr lang="hu-HU" sz="2800" dirty="0" smtClean="0">
+                <a:latin typeface="Cambria" panose="02040503050406030204" pitchFamily="18" charset="0"/>
+              </a:rPr>
+              <a:t>szimulálja a </a:t>
+            </a:r>
+            <a:r>
+              <a:rPr lang="hu-HU" sz="2800" b="1" dirty="0" smtClean="0">
+                <a:latin typeface="Cambria" panose="02040503050406030204" pitchFamily="18" charset="0"/>
+              </a:rPr>
+              <a:t>zsúfoltságot</a:t>
+            </a:r>
+          </a:p>
+          <a:p>
+            <a:pPr marL="357188" indent="-357188">
+              <a:buFont typeface="Wingdings" panose="05000000000000000000" pitchFamily="2" charset="2"/>
+              <a:buChar char="§"/>
+            </a:pPr>
+            <a:r>
+              <a:rPr lang="hu-HU" sz="2800" b="1" dirty="0" smtClean="0">
+                <a:latin typeface="Cambria" panose="02040503050406030204" pitchFamily="18" charset="0"/>
+              </a:rPr>
+              <a:t>Teszt csoport: 58 fő</a:t>
+            </a:r>
+          </a:p>
+          <a:p>
+            <a:pPr marL="0" indent="0">
+              <a:buNone/>
+            </a:pPr>
+            <a:endParaRPr lang="hu-HU" sz="2800" dirty="0" smtClean="0">
               <a:latin typeface="Cambria" panose="02040503050406030204" pitchFamily="18" charset="0"/>
             </a:endParaRPr>
           </a:p>
@@ -10680,11 +10824,11 @@
           <a:bodyPr/>
           <a:lstStyle/>
           <a:p>
-            <a:fld id="{A7F1075C-35DA-4680-BFBE-B4DBD0FE6E73}" type="datetime1">
+            <a:fld id="{3F6615A3-6C0B-4F5B-8B84-9B42AA04F933}" type="datetime1">
               <a:rPr lang="hu-HU" sz="2000" smtClean="0">
                 <a:latin typeface="Cambria" panose="02040503050406030204" pitchFamily="18" charset="0"/>
               </a:rPr>
-              <a:t>2015. 04. 20.</a:t>
+              <a:t>2015. 04. 21.</a:t>
             </a:fld>
             <a:endParaRPr lang="en-US" sz="2000" dirty="0">
               <a:latin typeface="Cambria" panose="02040503050406030204" pitchFamily="18" charset="0"/>
@@ -10714,6 +10858,1299 @@
               <a:t>10</a:t>
             </a:fld>
             <a:endParaRPr lang="en-US" sz="2000" dirty="0">
+              <a:latin typeface="Cambria" panose="02040503050406030204" pitchFamily="18" charset="0"/>
+            </a:endParaRPr>
+          </a:p>
+        </p:txBody>
+      </p:sp>
+      <p:pic>
+        <p:nvPicPr>
+          <p:cNvPr id="8" name="Kép 7"/>
+          <p:cNvPicPr>
+            <a:picLocks noChangeAspect="1"/>
+          </p:cNvPicPr>
+          <p:nvPr/>
+        </p:nvPicPr>
+        <p:blipFill>
+          <a:blip r:embed="rId2">
+            <a:extLst>
+              <a:ext uri="{28A0092B-C50C-407E-A947-70E740481C1C}">
+                <a14:useLocalDpi xmlns:a14="http://schemas.microsoft.com/office/drawing/2010/main" val="0"/>
+              </a:ext>
+            </a:extLst>
+          </a:blip>
+          <a:stretch>
+            <a:fillRect/>
+          </a:stretch>
+        </p:blipFill>
+        <p:spPr>
+          <a:xfrm>
+            <a:off x="6126480" y="1283192"/>
+            <a:ext cx="5788943" cy="4341707"/>
+          </a:xfrm>
+          <a:prstGeom prst="rect">
+            <a:avLst/>
+          </a:prstGeom>
+        </p:spPr>
+      </p:pic>
+    </p:spTree>
+    <p:extLst>
+      <p:ext uri="{BB962C8B-B14F-4D97-AF65-F5344CB8AC3E}">
+        <p14:creationId xmlns:p14="http://schemas.microsoft.com/office/powerpoint/2010/main" val="2203452580"/>
+      </p:ext>
+    </p:extLst>
+  </p:cSld>
+  <p:clrMapOvr>
+    <a:masterClrMapping/>
+  </p:clrMapOvr>
+  <p:timing>
+    <p:tnLst>
+      <p:par>
+        <p:cTn id="1" dur="indefinite" restart="never" nodeType="tmRoot"/>
+      </p:par>
+    </p:tnLst>
+  </p:timing>
+</p:sld>
+</file>
+
+<file path=ppt/slides/slide11.xml><?xml version="1.0" encoding="utf-8"?>
+<p:sld xmlns:a="http://schemas.openxmlformats.org/drawingml/2006/main" xmlns:r="http://schemas.openxmlformats.org/officeDocument/2006/relationships" xmlns:p="http://schemas.openxmlformats.org/presentationml/2006/main">
+  <p:cSld>
+    <p:spTree>
+      <p:nvGrpSpPr>
+        <p:cNvPr id="1" name=""/>
+        <p:cNvGrpSpPr/>
+        <p:nvPr/>
+      </p:nvGrpSpPr>
+      <p:grpSpPr>
+        <a:xfrm>
+          <a:off x="0" y="0"/>
+          <a:ext cx="0" cy="0"/>
+          <a:chOff x="0" y="0"/>
+          <a:chExt cx="0" cy="0"/>
+        </a:xfrm>
+      </p:grpSpPr>
+      <p:sp>
+        <p:nvSpPr>
+          <p:cNvPr id="6" name="Téglalap 5"/>
+          <p:cNvSpPr/>
+          <p:nvPr/>
+        </p:nvSpPr>
+        <p:spPr>
+          <a:xfrm>
+            <a:off x="994575" y="1540933"/>
+            <a:ext cx="10263809" cy="281977"/>
+          </a:xfrm>
+          <a:prstGeom prst="rect">
+            <a:avLst/>
+          </a:prstGeom>
+          <a:solidFill>
+            <a:schemeClr val="bg1"/>
+          </a:solidFill>
+          <a:ln>
+            <a:noFill/>
+          </a:ln>
+        </p:spPr>
+        <p:style>
+          <a:lnRef idx="2">
+            <a:schemeClr val="accent1">
+              <a:shade val="50000"/>
+            </a:schemeClr>
+          </a:lnRef>
+          <a:fillRef idx="1">
+            <a:schemeClr val="accent1"/>
+          </a:fillRef>
+          <a:effectRef idx="0">
+            <a:schemeClr val="accent1"/>
+          </a:effectRef>
+          <a:fontRef idx="minor">
+            <a:schemeClr val="lt1"/>
+          </a:fontRef>
+        </p:style>
+        <p:txBody>
+          <a:bodyPr rtlCol="0" anchor="ctr"/>
+          <a:lstStyle/>
+          <a:p>
+            <a:pPr algn="ctr"/>
+            <a:endParaRPr lang="en-US" dirty="0"/>
+          </a:p>
+        </p:txBody>
+      </p:sp>
+      <p:sp>
+        <p:nvSpPr>
+          <p:cNvPr id="2" name="Cím 1"/>
+          <p:cNvSpPr>
+            <a:spLocks noGrp="1"/>
+          </p:cNvSpPr>
+          <p:nvPr>
+            <p:ph type="title"/>
+          </p:nvPr>
+        </p:nvSpPr>
+        <p:spPr>
+          <a:xfrm>
+            <a:off x="1097280" y="304800"/>
+            <a:ext cx="10058400" cy="730195"/>
+          </a:xfrm>
+        </p:spPr>
+        <p:txBody>
+          <a:bodyPr/>
+          <a:lstStyle/>
+          <a:p>
+            <a:pPr algn="ctr"/>
+            <a:r>
+              <a:rPr lang="hu-HU" dirty="0" smtClean="0">
+                <a:latin typeface="Cambria" panose="02040503050406030204" pitchFamily="18" charset="0"/>
+              </a:rPr>
+              <a:t>Eredmények</a:t>
+            </a:r>
+            <a:endParaRPr lang="en-US" dirty="0">
+              <a:latin typeface="Cambria" panose="02040503050406030204" pitchFamily="18" charset="0"/>
+            </a:endParaRPr>
+          </a:p>
+        </p:txBody>
+      </p:sp>
+      <p:sp>
+        <p:nvSpPr>
+          <p:cNvPr id="3" name="Tartalom helye 2"/>
+          <p:cNvSpPr>
+            <a:spLocks noGrp="1"/>
+          </p:cNvSpPr>
+          <p:nvPr>
+            <p:ph idx="1"/>
+          </p:nvPr>
+        </p:nvSpPr>
+        <p:spPr>
+          <a:xfrm>
+            <a:off x="318051" y="1258957"/>
+            <a:ext cx="3631097" cy="4845509"/>
+          </a:xfrm>
+        </p:spPr>
+        <p:txBody>
+          <a:bodyPr>
+            <a:normAutofit/>
+          </a:bodyPr>
+          <a:lstStyle/>
+          <a:p>
+            <a:pPr marL="0" indent="0" algn="ctr">
+              <a:buNone/>
+            </a:pPr>
+            <a:r>
+              <a:rPr lang="hu-HU" sz="3200" b="1" dirty="0" smtClean="0">
+                <a:latin typeface="Cambria" panose="02040503050406030204" pitchFamily="18" charset="0"/>
+              </a:rPr>
+              <a:t>Teszt 1: olcsó</a:t>
+            </a:r>
+          </a:p>
+          <a:p>
+            <a:pPr marL="0" indent="0">
+              <a:buNone/>
+            </a:pPr>
+            <a:r>
+              <a:rPr lang="hu-HU" sz="2400" dirty="0" smtClean="0">
+                <a:latin typeface="Cambria" panose="02040503050406030204" pitchFamily="18" charset="0"/>
+              </a:rPr>
+              <a:t>Átlagos ár: </a:t>
+            </a:r>
+            <a:r>
+              <a:rPr lang="hu-HU" sz="2400" b="1" dirty="0" smtClean="0">
+                <a:latin typeface="Cambria" panose="02040503050406030204" pitchFamily="18" charset="0"/>
+              </a:rPr>
+              <a:t>13.909,04 Ft</a:t>
+            </a:r>
+          </a:p>
+          <a:p>
+            <a:pPr marL="0" indent="0">
+              <a:buNone/>
+            </a:pPr>
+            <a:r>
+              <a:rPr lang="hu-HU" sz="2400" dirty="0" smtClean="0">
+                <a:latin typeface="Cambria" panose="02040503050406030204" pitchFamily="18" charset="0"/>
+              </a:rPr>
+              <a:t>Átlagos távolság: </a:t>
+            </a:r>
+            <a:r>
+              <a:rPr lang="hu-HU" sz="2400" b="1" dirty="0" smtClean="0">
+                <a:latin typeface="Cambria" panose="02040503050406030204" pitchFamily="18" charset="0"/>
+              </a:rPr>
+              <a:t>4,39 km</a:t>
+            </a:r>
+          </a:p>
+        </p:txBody>
+      </p:sp>
+      <p:sp>
+        <p:nvSpPr>
+          <p:cNvPr id="4" name="Dátum helye 3"/>
+          <p:cNvSpPr>
+            <a:spLocks noGrp="1"/>
+          </p:cNvSpPr>
+          <p:nvPr>
+            <p:ph type="dt" sz="half" idx="10"/>
+          </p:nvPr>
+        </p:nvSpPr>
+        <p:spPr/>
+        <p:txBody>
+          <a:bodyPr/>
+          <a:lstStyle/>
+          <a:p>
+            <a:fld id="{3F6615A3-6C0B-4F5B-8B84-9B42AA04F933}" type="datetime1">
+              <a:rPr lang="hu-HU" sz="2000" smtClean="0">
+                <a:latin typeface="Cambria" panose="02040503050406030204" pitchFamily="18" charset="0"/>
+              </a:rPr>
+              <a:t>2015. 04. 21.</a:t>
+            </a:fld>
+            <a:endParaRPr lang="en-US" sz="2000" dirty="0">
+              <a:latin typeface="Cambria" panose="02040503050406030204" pitchFamily="18" charset="0"/>
+            </a:endParaRPr>
+          </a:p>
+        </p:txBody>
+      </p:sp>
+      <p:sp>
+        <p:nvSpPr>
+          <p:cNvPr id="5" name="Dia számának helye 4"/>
+          <p:cNvSpPr>
+            <a:spLocks noGrp="1"/>
+          </p:cNvSpPr>
+          <p:nvPr>
+            <p:ph type="sldNum" sz="quarter" idx="12"/>
+          </p:nvPr>
+        </p:nvSpPr>
+        <p:spPr/>
+        <p:txBody>
+          <a:bodyPr/>
+          <a:lstStyle/>
+          <a:p>
+            <a:fld id="{4FAB73BC-B049-4115-A692-8D63A059BFB8}" type="slidenum">
+              <a:rPr lang="en-US" sz="2000" smtClean="0">
+                <a:latin typeface="Cambria" panose="02040503050406030204" pitchFamily="18" charset="0"/>
+              </a:rPr>
+              <a:t>11</a:t>
+            </a:fld>
+            <a:endParaRPr lang="en-US" sz="2000" dirty="0">
+              <a:latin typeface="Cambria" panose="02040503050406030204" pitchFamily="18" charset="0"/>
+            </a:endParaRPr>
+          </a:p>
+        </p:txBody>
+      </p:sp>
+      <p:sp>
+        <p:nvSpPr>
+          <p:cNvPr id="8" name="Tartalom helye 2"/>
+          <p:cNvSpPr txBox="1">
+            <a:spLocks/>
+          </p:cNvSpPr>
+          <p:nvPr/>
+        </p:nvSpPr>
+        <p:spPr>
+          <a:xfrm>
+            <a:off x="4241003" y="1258957"/>
+            <a:ext cx="3842824" cy="4845509"/>
+          </a:xfrm>
+          <a:prstGeom prst="rect">
+            <a:avLst/>
+          </a:prstGeom>
+        </p:spPr>
+        <p:txBody>
+          <a:bodyPr vert="horz" lIns="0" tIns="45720" rIns="0" bIns="45720" rtlCol="0">
+            <a:normAutofit/>
+          </a:bodyPr>
+          <a:lstStyle>
+            <a:lvl1pPr marL="91440" indent="-91440" algn="l" defTabSz="914400" rtl="0" eaLnBrk="1" latinLnBrk="0" hangingPunct="1">
+              <a:lnSpc>
+                <a:spcPct val="90000"/>
+              </a:lnSpc>
+              <a:spcBef>
+                <a:spcPts val="1200"/>
+              </a:spcBef>
+              <a:spcAft>
+                <a:spcPts val="200"/>
+              </a:spcAft>
+              <a:buClr>
+                <a:schemeClr val="accent1"/>
+              </a:buClr>
+              <a:buSzPct val="100000"/>
+              <a:buFont typeface="Calibri" panose="020F0502020204030204" pitchFamily="34" charset="0"/>
+              <a:buChar char=" "/>
+              <a:defRPr sz="2000" kern="1200">
+                <a:solidFill>
+                  <a:schemeClr val="tx1">
+                    <a:lumMod val="75000"/>
+                    <a:lumOff val="25000"/>
+                  </a:schemeClr>
+                </a:solidFill>
+                <a:latin typeface="+mn-lt"/>
+                <a:ea typeface="+mn-ea"/>
+                <a:cs typeface="+mn-cs"/>
+              </a:defRPr>
+            </a:lvl1pPr>
+            <a:lvl2pPr marL="384048" indent="-182880" algn="l" defTabSz="914400" rtl="0" eaLnBrk="1" latinLnBrk="0" hangingPunct="1">
+              <a:lnSpc>
+                <a:spcPct val="90000"/>
+              </a:lnSpc>
+              <a:spcBef>
+                <a:spcPts val="200"/>
+              </a:spcBef>
+              <a:spcAft>
+                <a:spcPts val="400"/>
+              </a:spcAft>
+              <a:buClr>
+                <a:schemeClr val="accent1"/>
+              </a:buClr>
+              <a:buFont typeface="Calibri" pitchFamily="34" charset="0"/>
+              <a:buChar char="◦"/>
+              <a:defRPr sz="1800" kern="1200">
+                <a:solidFill>
+                  <a:schemeClr val="tx1">
+                    <a:lumMod val="75000"/>
+                    <a:lumOff val="25000"/>
+                  </a:schemeClr>
+                </a:solidFill>
+                <a:latin typeface="+mn-lt"/>
+                <a:ea typeface="+mn-ea"/>
+                <a:cs typeface="+mn-cs"/>
+              </a:defRPr>
+            </a:lvl2pPr>
+            <a:lvl3pPr marL="566928" indent="-182880" algn="l" defTabSz="914400" rtl="0" eaLnBrk="1" latinLnBrk="0" hangingPunct="1">
+              <a:lnSpc>
+                <a:spcPct val="90000"/>
+              </a:lnSpc>
+              <a:spcBef>
+                <a:spcPts val="200"/>
+              </a:spcBef>
+              <a:spcAft>
+                <a:spcPts val="400"/>
+              </a:spcAft>
+              <a:buClr>
+                <a:schemeClr val="accent1"/>
+              </a:buClr>
+              <a:buFont typeface="Calibri" pitchFamily="34" charset="0"/>
+              <a:buChar char="◦"/>
+              <a:defRPr sz="1400" kern="1200">
+                <a:solidFill>
+                  <a:schemeClr val="tx1">
+                    <a:lumMod val="75000"/>
+                    <a:lumOff val="25000"/>
+                  </a:schemeClr>
+                </a:solidFill>
+                <a:latin typeface="+mn-lt"/>
+                <a:ea typeface="+mn-ea"/>
+                <a:cs typeface="+mn-cs"/>
+              </a:defRPr>
+            </a:lvl3pPr>
+            <a:lvl4pPr marL="749808" indent="-182880" algn="l" defTabSz="914400" rtl="0" eaLnBrk="1" latinLnBrk="0" hangingPunct="1">
+              <a:lnSpc>
+                <a:spcPct val="90000"/>
+              </a:lnSpc>
+              <a:spcBef>
+                <a:spcPts val="200"/>
+              </a:spcBef>
+              <a:spcAft>
+                <a:spcPts val="400"/>
+              </a:spcAft>
+              <a:buClr>
+                <a:schemeClr val="accent1"/>
+              </a:buClr>
+              <a:buFont typeface="Calibri" pitchFamily="34" charset="0"/>
+              <a:buChar char="◦"/>
+              <a:defRPr sz="1400" kern="1200">
+                <a:solidFill>
+                  <a:schemeClr val="tx1">
+                    <a:lumMod val="75000"/>
+                    <a:lumOff val="25000"/>
+                  </a:schemeClr>
+                </a:solidFill>
+                <a:latin typeface="+mn-lt"/>
+                <a:ea typeface="+mn-ea"/>
+                <a:cs typeface="+mn-cs"/>
+              </a:defRPr>
+            </a:lvl4pPr>
+            <a:lvl5pPr marL="932688" indent="-182880" algn="l" defTabSz="914400" rtl="0" eaLnBrk="1" latinLnBrk="0" hangingPunct="1">
+              <a:lnSpc>
+                <a:spcPct val="90000"/>
+              </a:lnSpc>
+              <a:spcBef>
+                <a:spcPts val="200"/>
+              </a:spcBef>
+              <a:spcAft>
+                <a:spcPts val="400"/>
+              </a:spcAft>
+              <a:buClr>
+                <a:schemeClr val="accent1"/>
+              </a:buClr>
+              <a:buFont typeface="Calibri" pitchFamily="34" charset="0"/>
+              <a:buChar char="◦"/>
+              <a:defRPr sz="1400" kern="1200">
+                <a:solidFill>
+                  <a:schemeClr val="tx1">
+                    <a:lumMod val="75000"/>
+                    <a:lumOff val="25000"/>
+                  </a:schemeClr>
+                </a:solidFill>
+                <a:latin typeface="+mn-lt"/>
+                <a:ea typeface="+mn-ea"/>
+                <a:cs typeface="+mn-cs"/>
+              </a:defRPr>
+            </a:lvl5pPr>
+            <a:lvl6pPr marL="1100000" indent="-228600" algn="l" defTabSz="914400" rtl="0" eaLnBrk="1" latinLnBrk="0" hangingPunct="1">
+              <a:lnSpc>
+                <a:spcPct val="90000"/>
+              </a:lnSpc>
+              <a:spcBef>
+                <a:spcPts val="200"/>
+              </a:spcBef>
+              <a:spcAft>
+                <a:spcPts val="400"/>
+              </a:spcAft>
+              <a:buClr>
+                <a:schemeClr val="accent1"/>
+              </a:buClr>
+              <a:buFont typeface="Calibri" pitchFamily="34" charset="0"/>
+              <a:buChar char="◦"/>
+              <a:defRPr sz="1400" kern="1200">
+                <a:solidFill>
+                  <a:schemeClr val="tx1">
+                    <a:lumMod val="75000"/>
+                    <a:lumOff val="25000"/>
+                  </a:schemeClr>
+                </a:solidFill>
+                <a:latin typeface="+mn-lt"/>
+                <a:ea typeface="+mn-ea"/>
+                <a:cs typeface="+mn-cs"/>
+              </a:defRPr>
+            </a:lvl6pPr>
+            <a:lvl7pPr marL="1300000" indent="-228600" algn="l" defTabSz="914400" rtl="0" eaLnBrk="1" latinLnBrk="0" hangingPunct="1">
+              <a:lnSpc>
+                <a:spcPct val="90000"/>
+              </a:lnSpc>
+              <a:spcBef>
+                <a:spcPts val="200"/>
+              </a:spcBef>
+              <a:spcAft>
+                <a:spcPts val="400"/>
+              </a:spcAft>
+              <a:buClr>
+                <a:schemeClr val="accent1"/>
+              </a:buClr>
+              <a:buFont typeface="Calibri" pitchFamily="34" charset="0"/>
+              <a:buChar char="◦"/>
+              <a:defRPr sz="1400" kern="1200">
+                <a:solidFill>
+                  <a:schemeClr val="tx1">
+                    <a:lumMod val="75000"/>
+                    <a:lumOff val="25000"/>
+                  </a:schemeClr>
+                </a:solidFill>
+                <a:latin typeface="+mn-lt"/>
+                <a:ea typeface="+mn-ea"/>
+                <a:cs typeface="+mn-cs"/>
+              </a:defRPr>
+            </a:lvl7pPr>
+            <a:lvl8pPr marL="1500000" indent="-228600" algn="l" defTabSz="914400" rtl="0" eaLnBrk="1" latinLnBrk="0" hangingPunct="1">
+              <a:lnSpc>
+                <a:spcPct val="90000"/>
+              </a:lnSpc>
+              <a:spcBef>
+                <a:spcPts val="200"/>
+              </a:spcBef>
+              <a:spcAft>
+                <a:spcPts val="400"/>
+              </a:spcAft>
+              <a:buClr>
+                <a:schemeClr val="accent1"/>
+              </a:buClr>
+              <a:buFont typeface="Calibri" pitchFamily="34" charset="0"/>
+              <a:buChar char="◦"/>
+              <a:defRPr sz="1400" kern="1200">
+                <a:solidFill>
+                  <a:schemeClr val="tx1">
+                    <a:lumMod val="75000"/>
+                    <a:lumOff val="25000"/>
+                  </a:schemeClr>
+                </a:solidFill>
+                <a:latin typeface="+mn-lt"/>
+                <a:ea typeface="+mn-ea"/>
+                <a:cs typeface="+mn-cs"/>
+              </a:defRPr>
+            </a:lvl8pPr>
+            <a:lvl9pPr marL="1700000" indent="-228600" algn="l" defTabSz="914400" rtl="0" eaLnBrk="1" latinLnBrk="0" hangingPunct="1">
+              <a:lnSpc>
+                <a:spcPct val="90000"/>
+              </a:lnSpc>
+              <a:spcBef>
+                <a:spcPts val="200"/>
+              </a:spcBef>
+              <a:spcAft>
+                <a:spcPts val="400"/>
+              </a:spcAft>
+              <a:buClr>
+                <a:schemeClr val="accent1"/>
+              </a:buClr>
+              <a:buFont typeface="Calibri" pitchFamily="34" charset="0"/>
+              <a:buChar char="◦"/>
+              <a:defRPr sz="1400" kern="1200">
+                <a:solidFill>
+                  <a:schemeClr val="tx1">
+                    <a:lumMod val="75000"/>
+                    <a:lumOff val="25000"/>
+                  </a:schemeClr>
+                </a:solidFill>
+                <a:latin typeface="+mn-lt"/>
+                <a:ea typeface="+mn-ea"/>
+                <a:cs typeface="+mn-cs"/>
+              </a:defRPr>
+            </a:lvl9pPr>
+          </a:lstStyle>
+          <a:p>
+            <a:pPr marL="0" indent="0" algn="ctr">
+              <a:buFont typeface="Calibri" panose="020F0502020204030204" pitchFamily="34" charset="0"/>
+              <a:buNone/>
+            </a:pPr>
+            <a:r>
+              <a:rPr lang="hu-HU" sz="3200" b="1" dirty="0" smtClean="0">
+                <a:latin typeface="Cambria" panose="02040503050406030204" pitchFamily="18" charset="0"/>
+              </a:rPr>
+              <a:t>Teszt 2: közeli</a:t>
+            </a:r>
+          </a:p>
+          <a:p>
+            <a:pPr marL="0" indent="0">
+              <a:buFont typeface="Calibri" panose="020F0502020204030204" pitchFamily="34" charset="0"/>
+              <a:buNone/>
+            </a:pPr>
+            <a:r>
+              <a:rPr lang="hu-HU" sz="2400" dirty="0" smtClean="0">
+                <a:latin typeface="Cambria" panose="02040503050406030204" pitchFamily="18" charset="0"/>
+              </a:rPr>
+              <a:t>Átlagos ár: </a:t>
+            </a:r>
+            <a:r>
+              <a:rPr lang="hu-HU" sz="2400" b="1" dirty="0" smtClean="0">
+                <a:latin typeface="Cambria" panose="02040503050406030204" pitchFamily="18" charset="0"/>
+              </a:rPr>
+              <a:t>26.312,28 Ft</a:t>
+            </a:r>
+          </a:p>
+          <a:p>
+            <a:pPr marL="0" indent="0">
+              <a:buFont typeface="Calibri" panose="020F0502020204030204" pitchFamily="34" charset="0"/>
+              <a:buNone/>
+            </a:pPr>
+            <a:r>
+              <a:rPr lang="hu-HU" sz="2400" dirty="0" smtClean="0">
+                <a:latin typeface="Cambria" panose="02040503050406030204" pitchFamily="18" charset="0"/>
+              </a:rPr>
+              <a:t>Átlagos távolság: </a:t>
+            </a:r>
+            <a:r>
+              <a:rPr lang="hu-HU" sz="2400" b="1" dirty="0" smtClean="0">
+                <a:latin typeface="Cambria" panose="02040503050406030204" pitchFamily="18" charset="0"/>
+              </a:rPr>
+              <a:t>0,78 km</a:t>
+            </a:r>
+            <a:endParaRPr lang="en-US" sz="2400" b="1" dirty="0">
+              <a:latin typeface="Cambria" panose="02040503050406030204" pitchFamily="18" charset="0"/>
+            </a:endParaRPr>
+          </a:p>
+        </p:txBody>
+      </p:sp>
+      <p:sp>
+        <p:nvSpPr>
+          <p:cNvPr id="9" name="Tartalom helye 2"/>
+          <p:cNvSpPr txBox="1">
+            <a:spLocks/>
+          </p:cNvSpPr>
+          <p:nvPr/>
+        </p:nvSpPr>
+        <p:spPr>
+          <a:xfrm>
+            <a:off x="8108697" y="1258957"/>
+            <a:ext cx="3826211" cy="4845509"/>
+          </a:xfrm>
+          <a:prstGeom prst="rect">
+            <a:avLst/>
+          </a:prstGeom>
+        </p:spPr>
+        <p:txBody>
+          <a:bodyPr vert="horz" lIns="0" tIns="45720" rIns="0" bIns="45720" rtlCol="0">
+            <a:normAutofit/>
+          </a:bodyPr>
+          <a:lstStyle>
+            <a:lvl1pPr marL="91440" indent="-91440" algn="l" defTabSz="914400" rtl="0" eaLnBrk="1" latinLnBrk="0" hangingPunct="1">
+              <a:lnSpc>
+                <a:spcPct val="90000"/>
+              </a:lnSpc>
+              <a:spcBef>
+                <a:spcPts val="1200"/>
+              </a:spcBef>
+              <a:spcAft>
+                <a:spcPts val="200"/>
+              </a:spcAft>
+              <a:buClr>
+                <a:schemeClr val="accent1"/>
+              </a:buClr>
+              <a:buSzPct val="100000"/>
+              <a:buFont typeface="Calibri" panose="020F0502020204030204" pitchFamily="34" charset="0"/>
+              <a:buChar char=" "/>
+              <a:defRPr sz="2000" kern="1200">
+                <a:solidFill>
+                  <a:schemeClr val="tx1">
+                    <a:lumMod val="75000"/>
+                    <a:lumOff val="25000"/>
+                  </a:schemeClr>
+                </a:solidFill>
+                <a:latin typeface="+mn-lt"/>
+                <a:ea typeface="+mn-ea"/>
+                <a:cs typeface="+mn-cs"/>
+              </a:defRPr>
+            </a:lvl1pPr>
+            <a:lvl2pPr marL="384048" indent="-182880" algn="l" defTabSz="914400" rtl="0" eaLnBrk="1" latinLnBrk="0" hangingPunct="1">
+              <a:lnSpc>
+                <a:spcPct val="90000"/>
+              </a:lnSpc>
+              <a:spcBef>
+                <a:spcPts val="200"/>
+              </a:spcBef>
+              <a:spcAft>
+                <a:spcPts val="400"/>
+              </a:spcAft>
+              <a:buClr>
+                <a:schemeClr val="accent1"/>
+              </a:buClr>
+              <a:buFont typeface="Calibri" pitchFamily="34" charset="0"/>
+              <a:buChar char="◦"/>
+              <a:defRPr sz="1800" kern="1200">
+                <a:solidFill>
+                  <a:schemeClr val="tx1">
+                    <a:lumMod val="75000"/>
+                    <a:lumOff val="25000"/>
+                  </a:schemeClr>
+                </a:solidFill>
+                <a:latin typeface="+mn-lt"/>
+                <a:ea typeface="+mn-ea"/>
+                <a:cs typeface="+mn-cs"/>
+              </a:defRPr>
+            </a:lvl2pPr>
+            <a:lvl3pPr marL="566928" indent="-182880" algn="l" defTabSz="914400" rtl="0" eaLnBrk="1" latinLnBrk="0" hangingPunct="1">
+              <a:lnSpc>
+                <a:spcPct val="90000"/>
+              </a:lnSpc>
+              <a:spcBef>
+                <a:spcPts val="200"/>
+              </a:spcBef>
+              <a:spcAft>
+                <a:spcPts val="400"/>
+              </a:spcAft>
+              <a:buClr>
+                <a:schemeClr val="accent1"/>
+              </a:buClr>
+              <a:buFont typeface="Calibri" pitchFamily="34" charset="0"/>
+              <a:buChar char="◦"/>
+              <a:defRPr sz="1400" kern="1200">
+                <a:solidFill>
+                  <a:schemeClr val="tx1">
+                    <a:lumMod val="75000"/>
+                    <a:lumOff val="25000"/>
+                  </a:schemeClr>
+                </a:solidFill>
+                <a:latin typeface="+mn-lt"/>
+                <a:ea typeface="+mn-ea"/>
+                <a:cs typeface="+mn-cs"/>
+              </a:defRPr>
+            </a:lvl3pPr>
+            <a:lvl4pPr marL="749808" indent="-182880" algn="l" defTabSz="914400" rtl="0" eaLnBrk="1" latinLnBrk="0" hangingPunct="1">
+              <a:lnSpc>
+                <a:spcPct val="90000"/>
+              </a:lnSpc>
+              <a:spcBef>
+                <a:spcPts val="200"/>
+              </a:spcBef>
+              <a:spcAft>
+                <a:spcPts val="400"/>
+              </a:spcAft>
+              <a:buClr>
+                <a:schemeClr val="accent1"/>
+              </a:buClr>
+              <a:buFont typeface="Calibri" pitchFamily="34" charset="0"/>
+              <a:buChar char="◦"/>
+              <a:defRPr sz="1400" kern="1200">
+                <a:solidFill>
+                  <a:schemeClr val="tx1">
+                    <a:lumMod val="75000"/>
+                    <a:lumOff val="25000"/>
+                  </a:schemeClr>
+                </a:solidFill>
+                <a:latin typeface="+mn-lt"/>
+                <a:ea typeface="+mn-ea"/>
+                <a:cs typeface="+mn-cs"/>
+              </a:defRPr>
+            </a:lvl4pPr>
+            <a:lvl5pPr marL="932688" indent="-182880" algn="l" defTabSz="914400" rtl="0" eaLnBrk="1" latinLnBrk="0" hangingPunct="1">
+              <a:lnSpc>
+                <a:spcPct val="90000"/>
+              </a:lnSpc>
+              <a:spcBef>
+                <a:spcPts val="200"/>
+              </a:spcBef>
+              <a:spcAft>
+                <a:spcPts val="400"/>
+              </a:spcAft>
+              <a:buClr>
+                <a:schemeClr val="accent1"/>
+              </a:buClr>
+              <a:buFont typeface="Calibri" pitchFamily="34" charset="0"/>
+              <a:buChar char="◦"/>
+              <a:defRPr sz="1400" kern="1200">
+                <a:solidFill>
+                  <a:schemeClr val="tx1">
+                    <a:lumMod val="75000"/>
+                    <a:lumOff val="25000"/>
+                  </a:schemeClr>
+                </a:solidFill>
+                <a:latin typeface="+mn-lt"/>
+                <a:ea typeface="+mn-ea"/>
+                <a:cs typeface="+mn-cs"/>
+              </a:defRPr>
+            </a:lvl5pPr>
+            <a:lvl6pPr marL="1100000" indent="-228600" algn="l" defTabSz="914400" rtl="0" eaLnBrk="1" latinLnBrk="0" hangingPunct="1">
+              <a:lnSpc>
+                <a:spcPct val="90000"/>
+              </a:lnSpc>
+              <a:spcBef>
+                <a:spcPts val="200"/>
+              </a:spcBef>
+              <a:spcAft>
+                <a:spcPts val="400"/>
+              </a:spcAft>
+              <a:buClr>
+                <a:schemeClr val="accent1"/>
+              </a:buClr>
+              <a:buFont typeface="Calibri" pitchFamily="34" charset="0"/>
+              <a:buChar char="◦"/>
+              <a:defRPr sz="1400" kern="1200">
+                <a:solidFill>
+                  <a:schemeClr val="tx1">
+                    <a:lumMod val="75000"/>
+                    <a:lumOff val="25000"/>
+                  </a:schemeClr>
+                </a:solidFill>
+                <a:latin typeface="+mn-lt"/>
+                <a:ea typeface="+mn-ea"/>
+                <a:cs typeface="+mn-cs"/>
+              </a:defRPr>
+            </a:lvl6pPr>
+            <a:lvl7pPr marL="1300000" indent="-228600" algn="l" defTabSz="914400" rtl="0" eaLnBrk="1" latinLnBrk="0" hangingPunct="1">
+              <a:lnSpc>
+                <a:spcPct val="90000"/>
+              </a:lnSpc>
+              <a:spcBef>
+                <a:spcPts val="200"/>
+              </a:spcBef>
+              <a:spcAft>
+                <a:spcPts val="400"/>
+              </a:spcAft>
+              <a:buClr>
+                <a:schemeClr val="accent1"/>
+              </a:buClr>
+              <a:buFont typeface="Calibri" pitchFamily="34" charset="0"/>
+              <a:buChar char="◦"/>
+              <a:defRPr sz="1400" kern="1200">
+                <a:solidFill>
+                  <a:schemeClr val="tx1">
+                    <a:lumMod val="75000"/>
+                    <a:lumOff val="25000"/>
+                  </a:schemeClr>
+                </a:solidFill>
+                <a:latin typeface="+mn-lt"/>
+                <a:ea typeface="+mn-ea"/>
+                <a:cs typeface="+mn-cs"/>
+              </a:defRPr>
+            </a:lvl7pPr>
+            <a:lvl8pPr marL="1500000" indent="-228600" algn="l" defTabSz="914400" rtl="0" eaLnBrk="1" latinLnBrk="0" hangingPunct="1">
+              <a:lnSpc>
+                <a:spcPct val="90000"/>
+              </a:lnSpc>
+              <a:spcBef>
+                <a:spcPts val="200"/>
+              </a:spcBef>
+              <a:spcAft>
+                <a:spcPts val="400"/>
+              </a:spcAft>
+              <a:buClr>
+                <a:schemeClr val="accent1"/>
+              </a:buClr>
+              <a:buFont typeface="Calibri" pitchFamily="34" charset="0"/>
+              <a:buChar char="◦"/>
+              <a:defRPr sz="1400" kern="1200">
+                <a:solidFill>
+                  <a:schemeClr val="tx1">
+                    <a:lumMod val="75000"/>
+                    <a:lumOff val="25000"/>
+                  </a:schemeClr>
+                </a:solidFill>
+                <a:latin typeface="+mn-lt"/>
+                <a:ea typeface="+mn-ea"/>
+                <a:cs typeface="+mn-cs"/>
+              </a:defRPr>
+            </a:lvl8pPr>
+            <a:lvl9pPr marL="1700000" indent="-228600" algn="l" defTabSz="914400" rtl="0" eaLnBrk="1" latinLnBrk="0" hangingPunct="1">
+              <a:lnSpc>
+                <a:spcPct val="90000"/>
+              </a:lnSpc>
+              <a:spcBef>
+                <a:spcPts val="200"/>
+              </a:spcBef>
+              <a:spcAft>
+                <a:spcPts val="400"/>
+              </a:spcAft>
+              <a:buClr>
+                <a:schemeClr val="accent1"/>
+              </a:buClr>
+              <a:buFont typeface="Calibri" pitchFamily="34" charset="0"/>
+              <a:buChar char="◦"/>
+              <a:defRPr sz="1400" kern="1200">
+                <a:solidFill>
+                  <a:schemeClr val="tx1">
+                    <a:lumMod val="75000"/>
+                    <a:lumOff val="25000"/>
+                  </a:schemeClr>
+                </a:solidFill>
+                <a:latin typeface="+mn-lt"/>
+                <a:ea typeface="+mn-ea"/>
+                <a:cs typeface="+mn-cs"/>
+              </a:defRPr>
+            </a:lvl9pPr>
+          </a:lstStyle>
+          <a:p>
+            <a:pPr marL="0" indent="0" algn="ctr">
+              <a:buFont typeface="Calibri" panose="020F0502020204030204" pitchFamily="34" charset="0"/>
+              <a:buNone/>
+            </a:pPr>
+            <a:r>
+              <a:rPr lang="hu-HU" sz="3200" b="1" dirty="0" smtClean="0">
+                <a:latin typeface="Cambria" panose="02040503050406030204" pitchFamily="18" charset="0"/>
+              </a:rPr>
+              <a:t>Teszt 2: olcsó és közeli</a:t>
+            </a:r>
+          </a:p>
+          <a:p>
+            <a:pPr marL="0" indent="0">
+              <a:buNone/>
+            </a:pPr>
+            <a:r>
+              <a:rPr lang="hu-HU" sz="2400" dirty="0">
+                <a:latin typeface="Cambria" panose="02040503050406030204" pitchFamily="18" charset="0"/>
+              </a:rPr>
+              <a:t>Átlagos ár: </a:t>
+            </a:r>
+            <a:r>
+              <a:rPr lang="hu-HU" sz="2400" b="1" dirty="0" smtClean="0">
+                <a:latin typeface="Cambria" panose="02040503050406030204" pitchFamily="18" charset="0"/>
+              </a:rPr>
+              <a:t>18.998,05 Ft</a:t>
+            </a:r>
+            <a:endParaRPr lang="hu-HU" sz="2400" b="1" dirty="0">
+              <a:latin typeface="Cambria" panose="02040503050406030204" pitchFamily="18" charset="0"/>
+            </a:endParaRPr>
+          </a:p>
+          <a:p>
+            <a:pPr marL="0" indent="0">
+              <a:buNone/>
+            </a:pPr>
+            <a:r>
+              <a:rPr lang="hu-HU" sz="2400" dirty="0">
+                <a:latin typeface="Cambria" panose="02040503050406030204" pitchFamily="18" charset="0"/>
+              </a:rPr>
+              <a:t>Átlagos távolság: </a:t>
+            </a:r>
+            <a:r>
+              <a:rPr lang="hu-HU" sz="2400" b="1" dirty="0" smtClean="0">
+                <a:latin typeface="Cambria" panose="02040503050406030204" pitchFamily="18" charset="0"/>
+              </a:rPr>
+              <a:t>0,45 km</a:t>
+            </a:r>
+            <a:endParaRPr lang="en-US" sz="2400" b="1" dirty="0">
+              <a:latin typeface="Cambria" panose="02040503050406030204" pitchFamily="18" charset="0"/>
+            </a:endParaRPr>
+          </a:p>
+          <a:p>
+            <a:pPr marL="0" indent="0" algn="ctr">
+              <a:buFont typeface="Calibri" panose="020F0502020204030204" pitchFamily="34" charset="0"/>
+              <a:buNone/>
+            </a:pPr>
+            <a:endParaRPr lang="en-US" sz="2800" b="1" dirty="0">
+              <a:latin typeface="Cambria" panose="02040503050406030204" pitchFamily="18" charset="0"/>
+            </a:endParaRPr>
+          </a:p>
+        </p:txBody>
+      </p:sp>
+      <p:pic>
+        <p:nvPicPr>
+          <p:cNvPr id="7" name="Kép 6"/>
+          <p:cNvPicPr>
+            <a:picLocks noChangeAspect="1"/>
+          </p:cNvPicPr>
+          <p:nvPr/>
+        </p:nvPicPr>
+        <p:blipFill>
+          <a:blip r:embed="rId2">
+            <a:extLst>
+              <a:ext uri="{28A0092B-C50C-407E-A947-70E740481C1C}">
+                <a14:useLocalDpi xmlns:a14="http://schemas.microsoft.com/office/drawing/2010/main" val="0"/>
+              </a:ext>
+            </a:extLst>
+          </a:blip>
+          <a:stretch>
+            <a:fillRect/>
+          </a:stretch>
+        </p:blipFill>
+        <p:spPr>
+          <a:xfrm>
+            <a:off x="418915" y="3688278"/>
+            <a:ext cx="3626974" cy="2720230"/>
+          </a:xfrm>
+          <a:prstGeom prst="rect">
+            <a:avLst/>
+          </a:prstGeom>
+        </p:spPr>
+      </p:pic>
+      <p:pic>
+        <p:nvPicPr>
+          <p:cNvPr id="10" name="Kép 9"/>
+          <p:cNvPicPr>
+            <a:picLocks noChangeAspect="1"/>
+          </p:cNvPicPr>
+          <p:nvPr/>
+        </p:nvPicPr>
+        <p:blipFill>
+          <a:blip r:embed="rId3">
+            <a:extLst>
+              <a:ext uri="{28A0092B-C50C-407E-A947-70E740481C1C}">
+                <a14:useLocalDpi xmlns:a14="http://schemas.microsoft.com/office/drawing/2010/main" val="0"/>
+              </a:ext>
+            </a:extLst>
+          </a:blip>
+          <a:stretch>
+            <a:fillRect/>
+          </a:stretch>
+        </p:blipFill>
+        <p:spPr>
+          <a:xfrm>
+            <a:off x="4360450" y="3686908"/>
+            <a:ext cx="3628800" cy="2721600"/>
+          </a:xfrm>
+          <a:prstGeom prst="rect">
+            <a:avLst/>
+          </a:prstGeom>
+        </p:spPr>
+      </p:pic>
+      <p:pic>
+        <p:nvPicPr>
+          <p:cNvPr id="11" name="Kép 10"/>
+          <p:cNvPicPr>
+            <a:picLocks noChangeAspect="1"/>
+          </p:cNvPicPr>
+          <p:nvPr/>
+        </p:nvPicPr>
+        <p:blipFill>
+          <a:blip r:embed="rId4">
+            <a:extLst>
+              <a:ext uri="{28A0092B-C50C-407E-A947-70E740481C1C}">
+                <a14:useLocalDpi xmlns:a14="http://schemas.microsoft.com/office/drawing/2010/main" val="0"/>
+              </a:ext>
+            </a:extLst>
+          </a:blip>
+          <a:stretch>
+            <a:fillRect/>
+          </a:stretch>
+        </p:blipFill>
+        <p:spPr>
+          <a:xfrm>
+            <a:off x="8281105" y="3697215"/>
+            <a:ext cx="3628800" cy="2721600"/>
+          </a:xfrm>
+          <a:prstGeom prst="rect">
+            <a:avLst/>
+          </a:prstGeom>
+        </p:spPr>
+      </p:pic>
+    </p:spTree>
+    <p:extLst>
+      <p:ext uri="{BB962C8B-B14F-4D97-AF65-F5344CB8AC3E}">
+        <p14:creationId xmlns:p14="http://schemas.microsoft.com/office/powerpoint/2010/main" val="2521830788"/>
+      </p:ext>
+    </p:extLst>
+  </p:cSld>
+  <p:clrMapOvr>
+    <a:masterClrMapping/>
+  </p:clrMapOvr>
+  <p:timing>
+    <p:tnLst>
+      <p:par>
+        <p:cTn id="1" dur="indefinite" restart="never" nodeType="tmRoot"/>
+      </p:par>
+    </p:tnLst>
+  </p:timing>
+</p:sld>
+</file>
+
+<file path=ppt/slides/slide12.xml><?xml version="1.0" encoding="utf-8"?>
+<p:sld xmlns:a="http://schemas.openxmlformats.org/drawingml/2006/main" xmlns:r="http://schemas.openxmlformats.org/officeDocument/2006/relationships" xmlns:p="http://schemas.openxmlformats.org/presentationml/2006/main">
+  <p:cSld>
+    <p:spTree>
+      <p:nvGrpSpPr>
+        <p:cNvPr id="1" name=""/>
+        <p:cNvGrpSpPr/>
+        <p:nvPr/>
+      </p:nvGrpSpPr>
+      <p:grpSpPr>
+        <a:xfrm>
+          <a:off x="0" y="0"/>
+          <a:ext cx="0" cy="0"/>
+          <a:chOff x="0" y="0"/>
+          <a:chExt cx="0" cy="0"/>
+        </a:xfrm>
+      </p:grpSpPr>
+      <p:sp>
+        <p:nvSpPr>
+          <p:cNvPr id="6" name="Téglalap 5"/>
+          <p:cNvSpPr/>
+          <p:nvPr/>
+        </p:nvSpPr>
+        <p:spPr>
+          <a:xfrm>
+            <a:off x="1066800" y="1563757"/>
+            <a:ext cx="10263809" cy="281977"/>
+          </a:xfrm>
+          <a:prstGeom prst="rect">
+            <a:avLst/>
+          </a:prstGeom>
+          <a:solidFill>
+            <a:schemeClr val="bg1"/>
+          </a:solidFill>
+          <a:ln>
+            <a:noFill/>
+          </a:ln>
+        </p:spPr>
+        <p:style>
+          <a:lnRef idx="2">
+            <a:schemeClr val="accent1">
+              <a:shade val="50000"/>
+            </a:schemeClr>
+          </a:lnRef>
+          <a:fillRef idx="1">
+            <a:schemeClr val="accent1"/>
+          </a:fillRef>
+          <a:effectRef idx="0">
+            <a:schemeClr val="accent1"/>
+          </a:effectRef>
+          <a:fontRef idx="minor">
+            <a:schemeClr val="lt1"/>
+          </a:fontRef>
+        </p:style>
+        <p:txBody>
+          <a:bodyPr rtlCol="0" anchor="ctr"/>
+          <a:lstStyle/>
+          <a:p>
+            <a:pPr algn="ctr"/>
+            <a:endParaRPr lang="en-US" dirty="0">
+              <a:solidFill>
+                <a:schemeClr val="tx1">
+                  <a:lumMod val="75000"/>
+                  <a:lumOff val="25000"/>
+                </a:schemeClr>
+              </a:solidFill>
+            </a:endParaRPr>
+          </a:p>
+        </p:txBody>
+      </p:sp>
+      <p:sp>
+        <p:nvSpPr>
+          <p:cNvPr id="2" name="Cím 1"/>
+          <p:cNvSpPr>
+            <a:spLocks noGrp="1"/>
+          </p:cNvSpPr>
+          <p:nvPr>
+            <p:ph type="title"/>
+          </p:nvPr>
+        </p:nvSpPr>
+        <p:spPr>
+          <a:xfrm>
+            <a:off x="1097280" y="291547"/>
+            <a:ext cx="10058400" cy="743447"/>
+          </a:xfrm>
+        </p:spPr>
+        <p:txBody>
+          <a:bodyPr>
+            <a:normAutofit/>
+          </a:bodyPr>
+          <a:lstStyle/>
+          <a:p>
+            <a:pPr algn="ctr"/>
+            <a:r>
+              <a:rPr lang="hu-HU" dirty="0" smtClean="0">
+                <a:latin typeface="Cambria" panose="02040503050406030204" pitchFamily="18" charset="0"/>
+              </a:rPr>
+              <a:t>Összefoglalás</a:t>
+            </a:r>
+            <a:endParaRPr lang="en-US" dirty="0">
+              <a:latin typeface="Cambria" panose="02040503050406030204" pitchFamily="18" charset="0"/>
+            </a:endParaRPr>
+          </a:p>
+        </p:txBody>
+      </p:sp>
+      <p:sp>
+        <p:nvSpPr>
+          <p:cNvPr id="3" name="Tartalom helye 2"/>
+          <p:cNvSpPr>
+            <a:spLocks noGrp="1"/>
+          </p:cNvSpPr>
+          <p:nvPr>
+            <p:ph idx="1"/>
+          </p:nvPr>
+        </p:nvSpPr>
+        <p:spPr>
+          <a:xfrm>
+            <a:off x="1066800" y="1639818"/>
+            <a:ext cx="10058400" cy="2872041"/>
+          </a:xfrm>
+        </p:spPr>
+        <p:txBody>
+          <a:bodyPr>
+            <a:normAutofit/>
+          </a:bodyPr>
+          <a:lstStyle/>
+          <a:p>
+            <a:pPr marL="357188" indent="-357188">
+              <a:buFont typeface="Wingdings" panose="05000000000000000000" pitchFamily="2" charset="2"/>
+              <a:buChar char="§"/>
+            </a:pPr>
+            <a:r>
+              <a:rPr lang="hu-HU" sz="3200" dirty="0" smtClean="0">
+                <a:latin typeface="Cambria" panose="02040503050406030204" pitchFamily="18" charset="0"/>
+              </a:rPr>
+              <a:t>Webalkalmazás Ruby on Rails alapokon</a:t>
+            </a:r>
+          </a:p>
+          <a:p>
+            <a:pPr marL="357188" indent="-357188">
+              <a:buFont typeface="Wingdings" panose="05000000000000000000" pitchFamily="2" charset="2"/>
+              <a:buChar char="§"/>
+            </a:pPr>
+            <a:r>
+              <a:rPr lang="hu-HU" sz="3200" dirty="0" smtClean="0">
+                <a:latin typeface="Cambria" panose="02040503050406030204" pitchFamily="18" charset="0"/>
+              </a:rPr>
+              <a:t>Egy foglalásban több szálláshely szobái</a:t>
+            </a:r>
+          </a:p>
+          <a:p>
+            <a:pPr marL="357188" indent="-357188">
+              <a:buFont typeface="Wingdings" panose="05000000000000000000" pitchFamily="2" charset="2"/>
+              <a:buChar char="§"/>
+            </a:pPr>
+            <a:r>
+              <a:rPr lang="hu-HU" sz="3200" dirty="0" smtClean="0">
+                <a:latin typeface="Cambria" panose="02040503050406030204" pitchFamily="18" charset="0"/>
+              </a:rPr>
+              <a:t>Automatikus szoba ajánlás nemlineáris optimalizálási feladat megoldásával</a:t>
+            </a:r>
+          </a:p>
+        </p:txBody>
+      </p:sp>
+      <p:sp>
+        <p:nvSpPr>
+          <p:cNvPr id="4" name="Dátum helye 3"/>
+          <p:cNvSpPr>
+            <a:spLocks noGrp="1"/>
+          </p:cNvSpPr>
+          <p:nvPr>
+            <p:ph type="dt" sz="half" idx="10"/>
+          </p:nvPr>
+        </p:nvSpPr>
+        <p:spPr/>
+        <p:txBody>
+          <a:bodyPr/>
+          <a:lstStyle/>
+          <a:p>
+            <a:fld id="{A7F1075C-35DA-4680-BFBE-B4DBD0FE6E73}" type="datetime1">
+              <a:rPr lang="hu-HU" sz="2000" smtClean="0">
+                <a:latin typeface="Cambria" panose="02040503050406030204" pitchFamily="18" charset="0"/>
+              </a:rPr>
+              <a:t>2015. 04. 21.</a:t>
+            </a:fld>
+            <a:endParaRPr lang="en-US" sz="2000" dirty="0">
+              <a:latin typeface="Cambria" panose="02040503050406030204" pitchFamily="18" charset="0"/>
+            </a:endParaRPr>
+          </a:p>
+        </p:txBody>
+      </p:sp>
+      <p:sp>
+        <p:nvSpPr>
+          <p:cNvPr id="5" name="Dia számának helye 4"/>
+          <p:cNvSpPr>
+            <a:spLocks noGrp="1"/>
+          </p:cNvSpPr>
+          <p:nvPr>
+            <p:ph type="sldNum" sz="quarter" idx="12"/>
+          </p:nvPr>
+        </p:nvSpPr>
+        <p:spPr/>
+        <p:txBody>
+          <a:bodyPr/>
+          <a:lstStyle/>
+          <a:p>
+            <a:fld id="{4FAB73BC-B049-4115-A692-8D63A059BFB8}" type="slidenum">
+              <a:rPr lang="en-US" sz="2000" smtClean="0">
+                <a:latin typeface="Cambria" panose="02040503050406030204" pitchFamily="18" charset="0"/>
+              </a:rPr>
+              <a:t>12</a:t>
+            </a:fld>
+            <a:endParaRPr lang="en-US" sz="2000" dirty="0">
+              <a:latin typeface="Cambria" panose="02040503050406030204" pitchFamily="18" charset="0"/>
+            </a:endParaRPr>
+          </a:p>
+        </p:txBody>
+      </p:sp>
+      <p:sp>
+        <p:nvSpPr>
+          <p:cNvPr id="7" name="Szövegdoboz 6"/>
+          <p:cNvSpPr txBox="1"/>
+          <p:nvPr/>
+        </p:nvSpPr>
+        <p:spPr>
+          <a:xfrm>
+            <a:off x="1082040" y="4941159"/>
+            <a:ext cx="10088880" cy="707886"/>
+          </a:xfrm>
+          <a:prstGeom prst="rect">
+            <a:avLst/>
+          </a:prstGeom>
+          <a:noFill/>
+        </p:spPr>
+        <p:txBody>
+          <a:bodyPr wrap="square" rtlCol="0">
+            <a:spAutoFit/>
+          </a:bodyPr>
+          <a:lstStyle/>
+          <a:p>
+            <a:pPr algn="ctr"/>
+            <a:r>
+              <a:rPr lang="hu-HU" sz="4000" b="1" dirty="0" smtClean="0">
+                <a:solidFill>
+                  <a:schemeClr val="tx1">
+                    <a:lumMod val="75000"/>
+                    <a:lumOff val="25000"/>
+                  </a:schemeClr>
+                </a:solidFill>
+                <a:latin typeface="Cambria" panose="02040503050406030204" pitchFamily="18" charset="0"/>
+              </a:rPr>
+              <a:t>Köszönöm a figyelmet!</a:t>
+            </a:r>
+            <a:endParaRPr lang="en-US" sz="4000" b="1" dirty="0">
+              <a:solidFill>
+                <a:schemeClr val="tx1">
+                  <a:lumMod val="75000"/>
+                  <a:lumOff val="25000"/>
+                </a:schemeClr>
+              </a:solidFill>
               <a:latin typeface="Cambria" panose="02040503050406030204" pitchFamily="18" charset="0"/>
             </a:endParaRPr>
           </a:p>
@@ -10768,7 +12205,7 @@
         </p:nvSpPr>
         <p:spPr>
           <a:xfrm>
-            <a:off x="1066800" y="511596"/>
+            <a:off x="1066800" y="307598"/>
             <a:ext cx="10058400" cy="743447"/>
           </a:xfrm>
         </p:spPr>
@@ -10776,6 +12213,7 @@
           <a:bodyPr/>
           <a:lstStyle/>
           <a:p>
+            <a:pPr algn="ctr"/>
             <a:r>
               <a:rPr lang="hu-HU" dirty="0" smtClean="0">
                 <a:latin typeface="Cambria" panose="02040503050406030204" pitchFamily="18" charset="0"/>
@@ -10851,9 +12289,6 @@
               </a:rPr>
               <a:t>Követelmények</a:t>
             </a:r>
-            <a:endParaRPr lang="hu-HU" sz="3200" dirty="0" smtClean="0">
-              <a:latin typeface="Cambria" panose="02040503050406030204" pitchFamily="18" charset="0"/>
-            </a:endParaRPr>
           </a:p>
           <a:p>
             <a:pPr marL="357188" indent="-357188">
@@ -10912,7 +12347,7 @@
               <a:rPr lang="hu-HU" sz="2000" smtClean="0">
                 <a:latin typeface="Cambria" panose="02040503050406030204" pitchFamily="18" charset="0"/>
               </a:rPr>
-              <a:t>2015. 04. 20.</a:t>
+              <a:t>2015. 04. 21.</a:t>
             </a:fld>
             <a:endParaRPr lang="en-US" sz="2000" dirty="0">
               <a:latin typeface="Cambria" panose="02040503050406030204" pitchFamily="18" charset="0"/>
@@ -10989,7 +12424,11 @@
           <a:lstStyle/>
           <a:p>
             <a:pPr algn="ctr"/>
-            <a:endParaRPr lang="en-US"/>
+            <a:endParaRPr lang="en-US" dirty="0">
+              <a:solidFill>
+                <a:schemeClr val="tx1"/>
+              </a:solidFill>
+            </a:endParaRPr>
           </a:p>
         </p:txBody>
       </p:sp>
@@ -11042,7 +12481,7 @@
         </p:nvSpPr>
         <p:spPr>
           <a:xfrm>
-            <a:off x="1066800" y="511596"/>
+            <a:off x="1066800" y="307598"/>
             <a:ext cx="10058400" cy="743447"/>
           </a:xfrm>
         </p:spPr>
@@ -11050,6 +12489,7 @@
           <a:bodyPr/>
           <a:lstStyle/>
           <a:p>
+            <a:pPr algn="ctr"/>
             <a:r>
               <a:rPr lang="hu-HU" dirty="0" smtClean="0">
                 <a:latin typeface="Cambria" panose="02040503050406030204" pitchFamily="18" charset="0"/>
@@ -11082,38 +12522,17 @@
               <a:buChar char="§"/>
             </a:pPr>
             <a:r>
-              <a:rPr lang="en-US" sz="3200" dirty="0" err="1">
+              <a:rPr lang="hu-HU" sz="3200" b="1" dirty="0" smtClean="0">
                 <a:latin typeface="Cambria" panose="02040503050406030204" pitchFamily="18" charset="0"/>
               </a:rPr>
               <a:t>Csoportos</a:t>
             </a:r>
             <a:r>
-              <a:rPr lang="en-US" sz="3200" dirty="0">
-                <a:latin typeface="Cambria" panose="02040503050406030204" pitchFamily="18" charset="0"/>
-              </a:rPr>
-              <a:t> </a:t>
-            </a:r>
-            <a:r>
-              <a:rPr lang="en-US" sz="3200" dirty="0" err="1">
-                <a:latin typeface="Cambria" panose="02040503050406030204" pitchFamily="18" charset="0"/>
-              </a:rPr>
-              <a:t>szállásfoglalás</a:t>
-            </a:r>
-            <a:r>
-              <a:rPr lang="en-US" sz="3200" dirty="0">
-                <a:latin typeface="Cambria" panose="02040503050406030204" pitchFamily="18" charset="0"/>
-              </a:rPr>
-              <a:t> </a:t>
-            </a:r>
-            <a:r>
-              <a:rPr lang="en-US" sz="3200" dirty="0" err="1">
-                <a:latin typeface="Cambria" panose="02040503050406030204" pitchFamily="18" charset="0"/>
-              </a:rPr>
-              <a:t>nehézségei</a:t>
-            </a:r>
-            <a:endParaRPr lang="en-US" sz="3200" dirty="0">
-              <a:latin typeface="Cambria" panose="02040503050406030204" pitchFamily="18" charset="0"/>
-            </a:endParaRPr>
+              <a:rPr lang="hu-HU" sz="3200" dirty="0" smtClean="0">
+                <a:latin typeface="Cambria" panose="02040503050406030204" pitchFamily="18" charset="0"/>
+              </a:rPr>
+              <a:t> szállásfoglalás nehézségei</a:t>
+            </a:r>
           </a:p>
           <a:p>
             <a:pPr marL="357188" indent="-357188">
@@ -11121,38 +12540,23 @@
               <a:buChar char="§"/>
             </a:pPr>
             <a:r>
-              <a:rPr lang="en-US" sz="3200" dirty="0" err="1">
-                <a:latin typeface="Cambria" panose="02040503050406030204" pitchFamily="18" charset="0"/>
-              </a:rPr>
-              <a:t>Szálláshely</a:t>
-            </a:r>
-            <a:r>
-              <a:rPr lang="en-US" sz="3200" dirty="0">
-                <a:latin typeface="Cambria" panose="02040503050406030204" pitchFamily="18" charset="0"/>
-              </a:rPr>
-              <a:t> </a:t>
-            </a:r>
-            <a:r>
-              <a:rPr lang="en-US" sz="3200" dirty="0" err="1">
-                <a:latin typeface="Cambria" panose="02040503050406030204" pitchFamily="18" charset="0"/>
-              </a:rPr>
-              <a:t>korlátozott</a:t>
-            </a:r>
-            <a:r>
-              <a:rPr lang="en-US" sz="3200" dirty="0">
-                <a:latin typeface="Cambria" panose="02040503050406030204" pitchFamily="18" charset="0"/>
-              </a:rPr>
-              <a:t> </a:t>
-            </a:r>
-            <a:r>
-              <a:rPr lang="en-US" sz="3200" dirty="0" err="1">
-                <a:latin typeface="Cambria" panose="02040503050406030204" pitchFamily="18" charset="0"/>
-              </a:rPr>
-              <a:t>kapacitása</a:t>
-            </a:r>
-            <a:endParaRPr lang="en-US" sz="3200" dirty="0">
-              <a:latin typeface="Cambria" panose="02040503050406030204" pitchFamily="18" charset="0"/>
-            </a:endParaRPr>
+              <a:rPr lang="hu-HU" sz="3200" dirty="0" smtClean="0">
+                <a:latin typeface="Cambria" panose="02040503050406030204" pitchFamily="18" charset="0"/>
+              </a:rPr>
+              <a:t>Szálláshely </a:t>
+            </a:r>
+            <a:r>
+              <a:rPr lang="hu-HU" sz="3200" b="1" dirty="0" smtClean="0">
+                <a:latin typeface="Cambria" panose="02040503050406030204" pitchFamily="18" charset="0"/>
+              </a:rPr>
+              <a:t>korlátozott kapacitás</a:t>
+            </a:r>
+            <a:r>
+              <a:rPr lang="hu-HU" sz="3200" dirty="0" smtClean="0">
+                <a:latin typeface="Cambria" panose="02040503050406030204" pitchFamily="18" charset="0"/>
+              </a:rPr>
+              <a:t>a</a:t>
+            </a:r>
           </a:p>
           <a:p>
             <a:pPr marL="357188" indent="-357188">
@@ -11160,26 +12564,17 @@
               <a:buChar char="§"/>
             </a:pPr>
             <a:r>
-              <a:rPr lang="en-US" sz="3200" dirty="0" err="1">
+              <a:rPr lang="hu-HU" sz="3200" b="1" dirty="0" smtClean="0">
                 <a:latin typeface="Cambria" panose="02040503050406030204" pitchFamily="18" charset="0"/>
               </a:rPr>
               <a:t>Munkaigényes</a:t>
             </a:r>
             <a:r>
-              <a:rPr lang="en-US" sz="3200" dirty="0">
-                <a:latin typeface="Cambria" panose="02040503050406030204" pitchFamily="18" charset="0"/>
-              </a:rPr>
-              <a:t> </a:t>
-            </a:r>
-            <a:r>
-              <a:rPr lang="en-US" sz="3200" dirty="0" err="1">
-                <a:latin typeface="Cambria" panose="02040503050406030204" pitchFamily="18" charset="0"/>
-              </a:rPr>
-              <a:t>szálláshelykeresés</a:t>
-            </a:r>
-            <a:endParaRPr lang="en-US" sz="3200" dirty="0">
-              <a:latin typeface="Cambria" panose="02040503050406030204" pitchFamily="18" charset="0"/>
-            </a:endParaRPr>
+              <a:rPr lang="hu-HU" sz="3200" dirty="0" smtClean="0">
+                <a:latin typeface="Cambria" panose="02040503050406030204" pitchFamily="18" charset="0"/>
+              </a:rPr>
+              <a:t> szálláshelykeresés</a:t>
+            </a:r>
           </a:p>
           <a:p>
             <a:pPr marL="357188" indent="-357188">
@@ -11187,26 +12582,17 @@
               <a:buChar char="§"/>
             </a:pPr>
             <a:r>
-              <a:rPr lang="en-US" sz="3200" dirty="0" err="1">
+              <a:rPr lang="hu-HU" sz="3200" b="1" dirty="0" smtClean="0">
                 <a:latin typeface="Cambria" panose="02040503050406030204" pitchFamily="18" charset="0"/>
               </a:rPr>
               <a:t>Bonyolult</a:t>
             </a:r>
             <a:r>
-              <a:rPr lang="en-US" sz="3200" dirty="0">
-                <a:latin typeface="Cambria" panose="02040503050406030204" pitchFamily="18" charset="0"/>
-              </a:rPr>
-              <a:t> </a:t>
-            </a:r>
-            <a:r>
-              <a:rPr lang="en-US" sz="3200" dirty="0" err="1">
-                <a:latin typeface="Cambria" panose="02040503050406030204" pitchFamily="18" charset="0"/>
-              </a:rPr>
-              <a:t>szervezés</a:t>
-            </a:r>
-            <a:endParaRPr lang="en-US" sz="3200" dirty="0">
-              <a:latin typeface="Cambria" panose="02040503050406030204" pitchFamily="18" charset="0"/>
-            </a:endParaRPr>
+              <a:rPr lang="hu-HU" sz="3200" dirty="0" smtClean="0">
+                <a:latin typeface="Cambria" panose="02040503050406030204" pitchFamily="18" charset="0"/>
+              </a:rPr>
+              <a:t> szervezés</a:t>
+            </a:r>
           </a:p>
           <a:p>
             <a:pPr marL="0" indent="0">
@@ -11237,7 +12623,7 @@
               <a:rPr lang="hu-HU" sz="2000" smtClean="0">
                 <a:latin typeface="Cambria" panose="02040503050406030204" pitchFamily="18" charset="0"/>
               </a:rPr>
-              <a:t>2015. 04. 20.</a:t>
+              <a:t>2015. 04. 21.</a:t>
             </a:fld>
             <a:endParaRPr lang="en-US" sz="2000" dirty="0">
               <a:latin typeface="Cambria" panose="02040503050406030204" pitchFamily="18" charset="0"/>
@@ -11314,7 +12700,11 @@
           <a:lstStyle/>
           <a:p>
             <a:pPr algn="ctr"/>
-            <a:endParaRPr lang="en-US"/>
+            <a:endParaRPr lang="en-US" dirty="0">
+              <a:solidFill>
+                <a:schemeClr val="tx1"/>
+              </a:solidFill>
+            </a:endParaRPr>
           </a:p>
         </p:txBody>
       </p:sp>
@@ -11367,7 +12757,7 @@
         </p:nvSpPr>
         <p:spPr>
           <a:xfrm>
-            <a:off x="1097280" y="463826"/>
+            <a:off x="1097280" y="303256"/>
             <a:ext cx="10058400" cy="796456"/>
           </a:xfrm>
         </p:spPr>
@@ -11375,13 +12765,26 @@
           <a:bodyPr/>
           <a:lstStyle/>
           <a:p>
+            <a:pPr algn="ctr"/>
             <a:r>
               <a:rPr lang="hu-HU" dirty="0" smtClean="0">
+                <a:solidFill>
+                  <a:schemeClr val="tx1">
+                    <a:lumMod val="85000"/>
+                    <a:lumOff val="15000"/>
+                  </a:schemeClr>
+                </a:solidFill>
                 <a:latin typeface="Cambria" panose="02040503050406030204" pitchFamily="18" charset="0"/>
               </a:rPr>
               <a:t>Szálláskereső portálok szolgáltatásai</a:t>
             </a:r>
             <a:endParaRPr lang="en-US" dirty="0">
+              <a:solidFill>
+                <a:schemeClr val="tx1">
+                  <a:lumMod val="85000"/>
+                  <a:lumOff val="15000"/>
+                </a:schemeClr>
+              </a:solidFill>
               <a:latin typeface="Cambria" panose="02040503050406030204" pitchFamily="18" charset="0"/>
             </a:endParaRPr>
           </a:p>
@@ -11406,7 +12809,7 @@
               <a:rPr lang="hu-HU" sz="2000" smtClean="0">
                 <a:latin typeface="Cambria" panose="02040503050406030204" pitchFamily="18" charset="0"/>
               </a:rPr>
-              <a:t>2015. 04. 20.</a:t>
+              <a:t>2015. 04. 21.</a:t>
             </a:fld>
             <a:endParaRPr lang="en-US" sz="2000" dirty="0">
               <a:latin typeface="Cambria" panose="02040503050406030204" pitchFamily="18" charset="0"/>
@@ -11488,7 +12891,14 @@
           <a:lstStyle/>
           <a:p>
             <a:pPr algn="ctr"/>
-            <a:endParaRPr lang="en-US"/>
+            <a:endParaRPr lang="en-US" dirty="0">
+              <a:solidFill>
+                <a:schemeClr val="tx1">
+                  <a:lumMod val="75000"/>
+                  <a:lumOff val="25000"/>
+                </a:schemeClr>
+              </a:solidFill>
+            </a:endParaRPr>
           </a:p>
         </p:txBody>
       </p:sp>
@@ -11520,12 +12930,24 @@
               </a:spcAft>
             </a:pPr>
             <a:r>
-              <a:rPr lang="hu-HU" sz="3200" dirty="0" err="1" smtClean="0">
+              <a:rPr lang="hu-HU" sz="3200" b="1" dirty="0" smtClean="0">
+                <a:solidFill>
+                  <a:schemeClr val="tx1">
+                    <a:lumMod val="75000"/>
+                    <a:lumOff val="25000"/>
+                  </a:schemeClr>
+                </a:solidFill>
                 <a:latin typeface="Cambria" panose="02040503050406030204" pitchFamily="18" charset="0"/>
               </a:rPr>
               <a:t>Szállás.hu</a:t>
             </a:r>
-            <a:endParaRPr lang="hu-HU" sz="3200" dirty="0" smtClean="0">
+            <a:endParaRPr lang="hu-HU" sz="3200" b="1" dirty="0" smtClean="0">
+              <a:solidFill>
+                <a:schemeClr val="tx1">
+                  <a:lumMod val="75000"/>
+                  <a:lumOff val="25000"/>
+                </a:schemeClr>
+              </a:solidFill>
               <a:latin typeface="Cambria" panose="02040503050406030204" pitchFamily="18" charset="0"/>
             </a:endParaRPr>
           </a:p>
@@ -11539,12 +12961,24 @@
             </a:pPr>
             <a:r>
               <a:rPr lang="hu-HU" sz="2400" b="1" dirty="0" smtClean="0">
+                <a:solidFill>
+                  <a:schemeClr val="tx1">
+                    <a:lumMod val="75000"/>
+                    <a:lumOff val="25000"/>
+                  </a:schemeClr>
+                </a:solidFill>
                 <a:latin typeface="Cambria" panose="02040503050406030204" pitchFamily="18" charset="0"/>
               </a:rPr>
               <a:t>Részletes</a:t>
             </a:r>
             <a:r>
               <a:rPr lang="hu-HU" sz="2400" dirty="0" smtClean="0">
+                <a:solidFill>
+                  <a:schemeClr val="tx1">
+                    <a:lumMod val="75000"/>
+                    <a:lumOff val="25000"/>
+                  </a:schemeClr>
+                </a:solidFill>
                 <a:latin typeface="Cambria" panose="02040503050406030204" pitchFamily="18" charset="0"/>
               </a:rPr>
               <a:t> keresés</a:t>
@@ -11560,18 +12994,36 @@
             </a:pPr>
             <a:r>
               <a:rPr lang="hu-HU" sz="2400" dirty="0" smtClean="0">
+                <a:solidFill>
+                  <a:schemeClr val="tx1">
+                    <a:lumMod val="75000"/>
+                    <a:lumOff val="25000"/>
+                  </a:schemeClr>
+                </a:solidFill>
                 <a:latin typeface="Cambria" panose="02040503050406030204" pitchFamily="18" charset="0"/>
               </a:rPr>
               <a:t>Elsősorban </a:t>
             </a:r>
             <a:r>
               <a:rPr lang="hu-HU" sz="2400" b="1" dirty="0" smtClean="0">
+                <a:solidFill>
+                  <a:schemeClr val="tx1">
+                    <a:lumMod val="75000"/>
+                    <a:lumOff val="25000"/>
+                  </a:schemeClr>
+                </a:solidFill>
                 <a:latin typeface="Cambria" panose="02040503050406030204" pitchFamily="18" charset="0"/>
               </a:rPr>
               <a:t>szálláshelyek</a:t>
             </a:r>
             <a:r>
               <a:rPr lang="hu-HU" sz="2400" dirty="0" smtClean="0">
+                <a:solidFill>
+                  <a:schemeClr val="tx1">
+                    <a:lumMod val="75000"/>
+                    <a:lumOff val="25000"/>
+                  </a:schemeClr>
+                </a:solidFill>
                 <a:latin typeface="Cambria" panose="02040503050406030204" pitchFamily="18" charset="0"/>
               </a:rPr>
               <a:t>et sorol fel</a:t>
@@ -11587,18 +13039,36 @@
             </a:pPr>
             <a:r>
               <a:rPr lang="hu-HU" sz="2400" dirty="0" smtClean="0">
+                <a:solidFill>
+                  <a:schemeClr val="tx1">
+                    <a:lumMod val="75000"/>
+                    <a:lumOff val="25000"/>
+                  </a:schemeClr>
+                </a:solidFill>
                 <a:latin typeface="Cambria" panose="02040503050406030204" pitchFamily="18" charset="0"/>
               </a:rPr>
               <a:t>Egy foglalás </a:t>
             </a:r>
             <a:r>
               <a:rPr lang="hu-HU" sz="2400" b="1" dirty="0" smtClean="0">
+                <a:solidFill>
+                  <a:schemeClr val="tx1">
+                    <a:lumMod val="75000"/>
+                    <a:lumOff val="25000"/>
+                  </a:schemeClr>
+                </a:solidFill>
                 <a:latin typeface="Cambria" panose="02040503050406030204" pitchFamily="18" charset="0"/>
               </a:rPr>
               <a:t>csak egy szálláshely</a:t>
             </a:r>
             <a:r>
               <a:rPr lang="hu-HU" sz="2400" dirty="0" smtClean="0">
+                <a:solidFill>
+                  <a:schemeClr val="tx1">
+                    <a:lumMod val="75000"/>
+                    <a:lumOff val="25000"/>
+                  </a:schemeClr>
+                </a:solidFill>
                 <a:latin typeface="Cambria" panose="02040503050406030204" pitchFamily="18" charset="0"/>
               </a:rPr>
               <a:t>ről tartalmazhat szobákat</a:t>
@@ -11614,18 +13084,36 @@
             </a:pPr>
             <a:r>
               <a:rPr lang="hu-HU" sz="2400" dirty="0" smtClean="0">
+                <a:solidFill>
+                  <a:schemeClr val="tx1">
+                    <a:lumMod val="75000"/>
+                    <a:lumOff val="25000"/>
+                  </a:schemeClr>
+                </a:solidFill>
                 <a:latin typeface="Cambria" panose="02040503050406030204" pitchFamily="18" charset="0"/>
               </a:rPr>
               <a:t>A keresés limitált: </a:t>
             </a:r>
             <a:r>
               <a:rPr lang="hu-HU" sz="2400" b="1" dirty="0" smtClean="0">
+                <a:solidFill>
+                  <a:schemeClr val="tx1">
+                    <a:lumMod val="75000"/>
+                    <a:lumOff val="25000"/>
+                  </a:schemeClr>
+                </a:solidFill>
                 <a:latin typeface="Cambria" panose="02040503050406030204" pitchFamily="18" charset="0"/>
               </a:rPr>
               <a:t>30 felnőtt és 10 gyermek</a:t>
             </a:r>
             <a:r>
               <a:rPr lang="hu-HU" sz="2400" dirty="0" smtClean="0">
+                <a:solidFill>
+                  <a:schemeClr val="tx1">
+                    <a:lumMod val="75000"/>
+                    <a:lumOff val="25000"/>
+                  </a:schemeClr>
+                </a:solidFill>
                 <a:latin typeface="Cambria" panose="02040503050406030204" pitchFamily="18" charset="0"/>
               </a:rPr>
               <a:t> utas</a:t>
@@ -11661,12 +13149,24 @@
               </a:spcAft>
             </a:pPr>
             <a:r>
-              <a:rPr lang="hu-HU" sz="3200" dirty="0" err="1" smtClean="0">
+              <a:rPr lang="hu-HU" sz="3200" b="1" dirty="0" smtClean="0">
+                <a:solidFill>
+                  <a:schemeClr val="tx1">
+                    <a:lumMod val="75000"/>
+                    <a:lumOff val="25000"/>
+                  </a:schemeClr>
+                </a:solidFill>
                 <a:latin typeface="Cambria" panose="02040503050406030204" pitchFamily="18" charset="0"/>
               </a:rPr>
               <a:t>Booking.com</a:t>
             </a:r>
-            <a:endParaRPr lang="hu-HU" sz="3200" dirty="0" smtClean="0">
+            <a:endParaRPr lang="hu-HU" sz="3200" b="1" dirty="0" smtClean="0">
+              <a:solidFill>
+                <a:schemeClr val="tx1">
+                  <a:lumMod val="75000"/>
+                  <a:lumOff val="25000"/>
+                </a:schemeClr>
+              </a:solidFill>
               <a:latin typeface="Cambria" panose="02040503050406030204" pitchFamily="18" charset="0"/>
             </a:endParaRPr>
           </a:p>
@@ -11680,12 +13180,24 @@
             </a:pPr>
             <a:r>
               <a:rPr lang="hu-HU" sz="2400" b="1" dirty="0" smtClean="0">
+                <a:solidFill>
+                  <a:schemeClr val="tx1">
+                    <a:lumMod val="75000"/>
+                    <a:lumOff val="25000"/>
+                  </a:schemeClr>
+                </a:solidFill>
                 <a:latin typeface="Cambria" panose="02040503050406030204" pitchFamily="18" charset="0"/>
               </a:rPr>
               <a:t>Részletes</a:t>
             </a:r>
             <a:r>
               <a:rPr lang="hu-HU" sz="2400" dirty="0" smtClean="0">
+                <a:solidFill>
+                  <a:schemeClr val="tx1">
+                    <a:lumMod val="75000"/>
+                    <a:lumOff val="25000"/>
+                  </a:schemeClr>
+                </a:solidFill>
                 <a:latin typeface="Cambria" panose="02040503050406030204" pitchFamily="18" charset="0"/>
               </a:rPr>
               <a:t> keresés</a:t>
@@ -11701,18 +13213,36 @@
             </a:pPr>
             <a:r>
               <a:rPr lang="hu-HU" sz="2400" dirty="0" smtClean="0">
+                <a:solidFill>
+                  <a:schemeClr val="tx1">
+                    <a:lumMod val="75000"/>
+                    <a:lumOff val="25000"/>
+                  </a:schemeClr>
+                </a:solidFill>
                 <a:latin typeface="Cambria" panose="02040503050406030204" pitchFamily="18" charset="0"/>
               </a:rPr>
               <a:t>Elsősorban </a:t>
             </a:r>
             <a:r>
               <a:rPr lang="hu-HU" sz="2400" b="1" dirty="0" smtClean="0">
+                <a:solidFill>
+                  <a:schemeClr val="tx1">
+                    <a:lumMod val="75000"/>
+                    <a:lumOff val="25000"/>
+                  </a:schemeClr>
+                </a:solidFill>
                 <a:latin typeface="Cambria" panose="02040503050406030204" pitchFamily="18" charset="0"/>
               </a:rPr>
               <a:t>szálláshelyek</a:t>
             </a:r>
             <a:r>
               <a:rPr lang="hu-HU" sz="2400" dirty="0" smtClean="0">
+                <a:solidFill>
+                  <a:schemeClr val="tx1">
+                    <a:lumMod val="75000"/>
+                    <a:lumOff val="25000"/>
+                  </a:schemeClr>
+                </a:solidFill>
                 <a:latin typeface="Cambria" panose="02040503050406030204" pitchFamily="18" charset="0"/>
               </a:rPr>
               <a:t>et sorol fel</a:t>
@@ -11728,36 +13258,72 @@
             </a:pPr>
             <a:r>
               <a:rPr lang="hu-HU" sz="2400" dirty="0">
+                <a:solidFill>
+                  <a:schemeClr val="tx1">
+                    <a:lumMod val="75000"/>
+                    <a:lumOff val="25000"/>
+                  </a:schemeClr>
+                </a:solidFill>
                 <a:latin typeface="Cambria" panose="02040503050406030204" pitchFamily="18" charset="0"/>
               </a:rPr>
               <a:t>Egy </a:t>
             </a:r>
             <a:r>
               <a:rPr lang="hu-HU" sz="2400" dirty="0" smtClean="0">
+                <a:solidFill>
+                  <a:schemeClr val="tx1">
+                    <a:lumMod val="75000"/>
+                    <a:lumOff val="25000"/>
+                  </a:schemeClr>
+                </a:solidFill>
                 <a:latin typeface="Cambria" panose="02040503050406030204" pitchFamily="18" charset="0"/>
               </a:rPr>
               <a:t>foglalás csak </a:t>
             </a:r>
             <a:r>
               <a:rPr lang="hu-HU" sz="2400" b="1" dirty="0">
+                <a:solidFill>
+                  <a:schemeClr val="tx1">
+                    <a:lumMod val="75000"/>
+                    <a:lumOff val="25000"/>
+                  </a:schemeClr>
+                </a:solidFill>
                 <a:latin typeface="Cambria" panose="02040503050406030204" pitchFamily="18" charset="0"/>
               </a:rPr>
               <a:t>egy </a:t>
             </a:r>
             <a:r>
               <a:rPr lang="hu-HU" sz="2400" b="1" dirty="0" smtClean="0">
+                <a:solidFill>
+                  <a:schemeClr val="tx1">
+                    <a:lumMod val="75000"/>
+                    <a:lumOff val="25000"/>
+                  </a:schemeClr>
+                </a:solidFill>
                 <a:latin typeface="Cambria" panose="02040503050406030204" pitchFamily="18" charset="0"/>
               </a:rPr>
               <a:t>szálláshely</a:t>
             </a:r>
             <a:r>
               <a:rPr lang="hu-HU" sz="2400" dirty="0" smtClean="0">
+                <a:solidFill>
+                  <a:schemeClr val="tx1">
+                    <a:lumMod val="75000"/>
+                    <a:lumOff val="25000"/>
+                  </a:schemeClr>
+                </a:solidFill>
                 <a:latin typeface="Cambria" panose="02040503050406030204" pitchFamily="18" charset="0"/>
               </a:rPr>
               <a:t>ről </a:t>
             </a:r>
             <a:r>
               <a:rPr lang="hu-HU" sz="2400" dirty="0">
+                <a:solidFill>
+                  <a:schemeClr val="tx1">
+                    <a:lumMod val="75000"/>
+                    <a:lumOff val="25000"/>
+                  </a:schemeClr>
+                </a:solidFill>
                 <a:latin typeface="Cambria" panose="02040503050406030204" pitchFamily="18" charset="0"/>
               </a:rPr>
               <a:t>tartalmazhat szobákat</a:t>
@@ -11773,23 +13339,47 @@
             </a:pPr>
             <a:r>
               <a:rPr lang="hu-HU" sz="2400" dirty="0">
+                <a:solidFill>
+                  <a:schemeClr val="tx1">
+                    <a:lumMod val="75000"/>
+                    <a:lumOff val="25000"/>
+                  </a:schemeClr>
+                </a:solidFill>
                 <a:latin typeface="Cambria" panose="02040503050406030204" pitchFamily="18" charset="0"/>
               </a:rPr>
               <a:t>A keresés limitált: </a:t>
             </a:r>
             <a:r>
               <a:rPr lang="hu-HU" sz="2400" b="1" dirty="0">
+                <a:solidFill>
+                  <a:schemeClr val="tx1">
+                    <a:lumMod val="75000"/>
+                    <a:lumOff val="25000"/>
+                  </a:schemeClr>
+                </a:solidFill>
                 <a:latin typeface="Cambria" panose="02040503050406030204" pitchFamily="18" charset="0"/>
               </a:rPr>
               <a:t>30 felnőtt és 10 gyermek </a:t>
             </a:r>
             <a:r>
               <a:rPr lang="hu-HU" sz="2400" b="1" dirty="0" smtClean="0">
+                <a:solidFill>
+                  <a:schemeClr val="tx1">
+                    <a:lumMod val="75000"/>
+                    <a:lumOff val="25000"/>
+                  </a:schemeClr>
+                </a:solidFill>
                 <a:latin typeface="Cambria" panose="02040503050406030204" pitchFamily="18" charset="0"/>
               </a:rPr>
               <a:t>utas</a:t>
             </a:r>
             <a:endParaRPr lang="hu-HU" sz="2400" b="1" dirty="0">
+              <a:solidFill>
+                <a:schemeClr val="tx1">
+                  <a:lumMod val="75000"/>
+                  <a:lumOff val="25000"/>
+                </a:schemeClr>
+              </a:solidFill>
               <a:latin typeface="Cambria" panose="02040503050406030204" pitchFamily="18" charset="0"/>
             </a:endParaRPr>
           </a:p>
@@ -11802,6 +13392,12 @@
               <a:buChar char="§"/>
             </a:pPr>
             <a:endParaRPr lang="en-US" sz="2400" dirty="0">
+              <a:solidFill>
+                <a:schemeClr val="tx1">
+                  <a:lumMod val="75000"/>
+                  <a:lumOff val="25000"/>
+                </a:schemeClr>
+              </a:solidFill>
               <a:latin typeface="Cambria" panose="02040503050406030204" pitchFamily="18" charset="0"/>
             </a:endParaRPr>
           </a:p>
@@ -11835,12 +13431,24 @@
               </a:spcAft>
             </a:pPr>
             <a:r>
-              <a:rPr lang="hu-HU" sz="3200" dirty="0" err="1" smtClean="0">
+              <a:rPr lang="hu-HU" sz="3200" b="1" dirty="0" smtClean="0">
+                <a:solidFill>
+                  <a:schemeClr val="tx1">
+                    <a:lumMod val="75000"/>
+                    <a:lumOff val="25000"/>
+                  </a:schemeClr>
+                </a:solidFill>
                 <a:latin typeface="Cambria" panose="02040503050406030204" pitchFamily="18" charset="0"/>
               </a:rPr>
               <a:t>Trivago.hu</a:t>
             </a:r>
-            <a:endParaRPr lang="hu-HU" sz="3200" dirty="0" smtClean="0">
+            <a:endParaRPr lang="hu-HU" sz="3200" b="1" dirty="0" smtClean="0">
+              <a:solidFill>
+                <a:schemeClr val="tx1">
+                  <a:lumMod val="75000"/>
+                  <a:lumOff val="25000"/>
+                </a:schemeClr>
+              </a:solidFill>
               <a:latin typeface="Cambria" panose="02040503050406030204" pitchFamily="18" charset="0"/>
             </a:endParaRPr>
           </a:p>
@@ -11854,12 +13462,24 @@
             </a:pPr>
             <a:r>
               <a:rPr lang="hu-HU" sz="2400" dirty="0" smtClean="0">
+                <a:solidFill>
+                  <a:schemeClr val="tx1">
+                    <a:lumMod val="75000"/>
+                    <a:lumOff val="25000"/>
+                  </a:schemeClr>
+                </a:solidFill>
                 <a:latin typeface="Cambria" panose="02040503050406030204" pitchFamily="18" charset="0"/>
               </a:rPr>
               <a:t>Ajánlat összesítő, </a:t>
             </a:r>
             <a:r>
               <a:rPr lang="hu-HU" sz="2400" b="1" dirty="0" smtClean="0">
+                <a:solidFill>
+                  <a:schemeClr val="tx1">
+                    <a:lumMod val="75000"/>
+                    <a:lumOff val="25000"/>
+                  </a:schemeClr>
+                </a:solidFill>
                 <a:latin typeface="Cambria" panose="02040503050406030204" pitchFamily="18" charset="0"/>
               </a:rPr>
               <a:t>közvetlenül foglalni nem lehet</a:t>
@@ -11875,12 +13495,24 @@
             </a:pPr>
             <a:r>
               <a:rPr lang="hu-HU" sz="2400" b="1" dirty="0" smtClean="0">
+                <a:solidFill>
+                  <a:schemeClr val="tx1">
+                    <a:lumMod val="75000"/>
+                    <a:lumOff val="25000"/>
+                  </a:schemeClr>
+                </a:solidFill>
                 <a:latin typeface="Cambria" panose="02040503050406030204" pitchFamily="18" charset="0"/>
               </a:rPr>
               <a:t>Korlátozott</a:t>
             </a:r>
             <a:r>
               <a:rPr lang="hu-HU" sz="2400" dirty="0" smtClean="0">
+                <a:solidFill>
+                  <a:schemeClr val="tx1">
+                    <a:lumMod val="75000"/>
+                    <a:lumOff val="25000"/>
+                  </a:schemeClr>
+                </a:solidFill>
                 <a:latin typeface="Cambria" panose="02040503050406030204" pitchFamily="18" charset="0"/>
               </a:rPr>
               <a:t> mélységű keresés</a:t>
@@ -11896,18 +13528,36 @@
             </a:pPr>
             <a:r>
               <a:rPr lang="hu-HU" sz="2400" dirty="0" smtClean="0">
+                <a:solidFill>
+                  <a:schemeClr val="tx1">
+                    <a:lumMod val="75000"/>
+                    <a:lumOff val="25000"/>
+                  </a:schemeClr>
+                </a:solidFill>
                 <a:latin typeface="Cambria" panose="02040503050406030204" pitchFamily="18" charset="0"/>
               </a:rPr>
               <a:t>A keresési találatok </a:t>
             </a:r>
             <a:r>
               <a:rPr lang="hu-HU" sz="2400" b="1" dirty="0" smtClean="0">
+                <a:solidFill>
+                  <a:schemeClr val="tx1">
+                    <a:lumMod val="75000"/>
+                    <a:lumOff val="25000"/>
+                  </a:schemeClr>
+                </a:solidFill>
                 <a:latin typeface="Cambria" panose="02040503050406030204" pitchFamily="18" charset="0"/>
               </a:rPr>
               <a:t>szálláshelyek</a:t>
             </a:r>
             <a:r>
               <a:rPr lang="hu-HU" sz="2400" dirty="0" smtClean="0">
+                <a:solidFill>
+                  <a:schemeClr val="tx1">
+                    <a:lumMod val="75000"/>
+                    <a:lumOff val="25000"/>
+                  </a:schemeClr>
+                </a:solidFill>
                 <a:latin typeface="Cambria" panose="02040503050406030204" pitchFamily="18" charset="0"/>
               </a:rPr>
               <a:t>, nem tud szobákat vegyesen ajánlani</a:t>
@@ -11923,23 +13573,47 @@
             </a:pPr>
             <a:r>
               <a:rPr lang="hu-HU" sz="2400" dirty="0" smtClean="0">
+                <a:solidFill>
+                  <a:schemeClr val="tx1">
+                    <a:lumMod val="75000"/>
+                    <a:lumOff val="25000"/>
+                  </a:schemeClr>
+                </a:solidFill>
                 <a:latin typeface="Cambria" panose="02040503050406030204" pitchFamily="18" charset="0"/>
               </a:rPr>
               <a:t>A keresés limitált: </a:t>
             </a:r>
             <a:r>
               <a:rPr lang="hu-HU" sz="2400" b="1" dirty="0" smtClean="0">
+                <a:solidFill>
+                  <a:schemeClr val="tx1">
+                    <a:lumMod val="75000"/>
+                    <a:lumOff val="25000"/>
+                  </a:schemeClr>
+                </a:solidFill>
                 <a:latin typeface="Cambria" panose="02040503050406030204" pitchFamily="18" charset="0"/>
               </a:rPr>
               <a:t>16 felnőtt és 16 gyermek </a:t>
             </a:r>
             <a:r>
               <a:rPr lang="hu-HU" sz="2400" dirty="0" smtClean="0">
+                <a:solidFill>
+                  <a:schemeClr val="tx1">
+                    <a:lumMod val="75000"/>
+                    <a:lumOff val="25000"/>
+                  </a:schemeClr>
+                </a:solidFill>
                 <a:latin typeface="Cambria" panose="02040503050406030204" pitchFamily="18" charset="0"/>
               </a:rPr>
               <a:t>utas</a:t>
             </a:r>
             <a:endParaRPr lang="hu-HU" sz="2400" dirty="0">
+              <a:solidFill>
+                <a:schemeClr val="tx1">
+                  <a:lumMod val="75000"/>
+                  <a:lumOff val="25000"/>
+                </a:schemeClr>
+              </a:solidFill>
               <a:latin typeface="Cambria" panose="02040503050406030204" pitchFamily="18" charset="0"/>
             </a:endParaRPr>
           </a:p>
@@ -12024,7 +13698,14 @@
           <a:lstStyle/>
           <a:p>
             <a:pPr algn="ctr"/>
-            <a:endParaRPr lang="en-US"/>
+            <a:endParaRPr lang="en-US" dirty="0">
+              <a:solidFill>
+                <a:schemeClr val="tx1">
+                  <a:lumMod val="75000"/>
+                  <a:lumOff val="25000"/>
+                </a:schemeClr>
+              </a:solidFill>
+            </a:endParaRPr>
           </a:p>
         </p:txBody>
       </p:sp>
@@ -12040,7 +13721,7 @@
         </p:nvSpPr>
         <p:spPr>
           <a:xfrm>
-            <a:off x="1066800" y="490330"/>
+            <a:off x="1066800" y="291547"/>
             <a:ext cx="10058400" cy="769951"/>
           </a:xfrm>
         </p:spPr>
@@ -12048,6 +13729,7 @@
           <a:bodyPr/>
           <a:lstStyle/>
           <a:p>
+            <a:pPr algn="ctr"/>
             <a:r>
               <a:rPr lang="hu-HU" dirty="0" smtClean="0">
                 <a:latin typeface="Cambria" panose="02040503050406030204" pitchFamily="18" charset="0"/>
@@ -12079,7 +13761,7 @@
               <a:rPr lang="hu-HU" sz="2000" smtClean="0">
                 <a:latin typeface="Cambria" panose="02040503050406030204" pitchFamily="18" charset="0"/>
               </a:rPr>
-              <a:t>2015. 04. 20.</a:t>
+              <a:t>2015. 04. 21.</a:t>
             </a:fld>
             <a:endParaRPr lang="en-US" sz="2000" dirty="0">
               <a:latin typeface="Cambria" panose="02040503050406030204" pitchFamily="18" charset="0"/>
@@ -12145,9 +13827,51 @@
             </a:pPr>
             <a:r>
               <a:rPr lang="hu-HU" sz="2800" dirty="0">
-                <a:latin typeface="Cambria" panose="02040503050406030204" pitchFamily="18" charset="0"/>
-              </a:rPr>
-              <a:t>Megfelelő szálláshely és szobák kiválasztása</a:t>
+                <a:solidFill>
+                  <a:schemeClr val="tx1">
+                    <a:lumMod val="75000"/>
+                    <a:lumOff val="25000"/>
+                  </a:schemeClr>
+                </a:solidFill>
+                <a:latin typeface="Cambria" panose="02040503050406030204" pitchFamily="18" charset="0"/>
+              </a:rPr>
+              <a:t>Megfelelő </a:t>
+            </a:r>
+            <a:r>
+              <a:rPr lang="hu-HU" sz="2800" dirty="0" smtClean="0">
+                <a:solidFill>
+                  <a:schemeClr val="tx1">
+                    <a:lumMod val="75000"/>
+                    <a:lumOff val="25000"/>
+                  </a:schemeClr>
+                </a:solidFill>
+                <a:latin typeface="Cambria" panose="02040503050406030204" pitchFamily="18" charset="0"/>
+              </a:rPr>
+              <a:t>szobák </a:t>
+            </a:r>
+            <a:r>
+              <a:rPr lang="hu-HU" sz="2800" b="1" dirty="0">
+                <a:solidFill>
+                  <a:schemeClr val="tx1">
+                    <a:lumMod val="75000"/>
+                    <a:lumOff val="25000"/>
+                  </a:schemeClr>
+                </a:solidFill>
+                <a:latin typeface="Cambria" panose="02040503050406030204" pitchFamily="18" charset="0"/>
+              </a:rPr>
+              <a:t>kiválasztás</a:t>
+            </a:r>
+            <a:r>
+              <a:rPr lang="hu-HU" sz="2800" dirty="0">
+                <a:solidFill>
+                  <a:schemeClr val="tx1">
+                    <a:lumMod val="75000"/>
+                    <a:lumOff val="25000"/>
+                  </a:schemeClr>
+                </a:solidFill>
+                <a:latin typeface="Cambria" panose="02040503050406030204" pitchFamily="18" charset="0"/>
+              </a:rPr>
+              <a:t>a</a:t>
             </a:r>
           </a:p>
           <a:p>
@@ -12160,9 +13884,51 @@
             </a:pPr>
             <a:r>
               <a:rPr lang="hu-HU" sz="2800" dirty="0">
-                <a:latin typeface="Cambria" panose="02040503050406030204" pitchFamily="18" charset="0"/>
-              </a:rPr>
-              <a:t>Szempont: ár, távolság, felszereltség, szolgáltatások</a:t>
+                <a:solidFill>
+                  <a:schemeClr val="tx1">
+                    <a:lumMod val="75000"/>
+                    <a:lumOff val="25000"/>
+                  </a:schemeClr>
+                </a:solidFill>
+                <a:latin typeface="Cambria" panose="02040503050406030204" pitchFamily="18" charset="0"/>
+              </a:rPr>
+              <a:t>Szempont: </a:t>
+            </a:r>
+            <a:r>
+              <a:rPr lang="hu-HU" sz="2800" b="1" dirty="0">
+                <a:solidFill>
+                  <a:schemeClr val="tx1">
+                    <a:lumMod val="75000"/>
+                    <a:lumOff val="25000"/>
+                  </a:schemeClr>
+                </a:solidFill>
+                <a:latin typeface="Cambria" panose="02040503050406030204" pitchFamily="18" charset="0"/>
+              </a:rPr>
+              <a:t>ár, távolság, </a:t>
+            </a:r>
+            <a:r>
+              <a:rPr lang="hu-HU" sz="2800" b="1" dirty="0" smtClean="0">
+                <a:solidFill>
+                  <a:schemeClr val="tx1">
+                    <a:lumMod val="75000"/>
+                    <a:lumOff val="25000"/>
+                  </a:schemeClr>
+                </a:solidFill>
+                <a:latin typeface="Cambria" panose="02040503050406030204" pitchFamily="18" charset="0"/>
+              </a:rPr>
+              <a:t> értékelés, felszereltség</a:t>
+            </a:r>
+            <a:r>
+              <a:rPr lang="hu-HU" sz="2800" b="1" dirty="0">
+                <a:solidFill>
+                  <a:schemeClr val="tx1">
+                    <a:lumMod val="75000"/>
+                    <a:lumOff val="25000"/>
+                  </a:schemeClr>
+                </a:solidFill>
+                <a:latin typeface="Cambria" panose="02040503050406030204" pitchFamily="18" charset="0"/>
+              </a:rPr>
+              <a:t>, szolgáltatások</a:t>
             </a:r>
           </a:p>
           <a:p>
@@ -12174,18 +13940,36 @@
               <a:buChar char="§"/>
             </a:pPr>
             <a:r>
-              <a:rPr lang="hu-HU" sz="2800" dirty="0">
+              <a:rPr lang="hu-HU" sz="2800" b="1" dirty="0">
+                <a:solidFill>
+                  <a:schemeClr val="tx1">
+                    <a:lumMod val="75000"/>
+                    <a:lumOff val="25000"/>
+                  </a:schemeClr>
+                </a:solidFill>
                 <a:latin typeface="Cambria" panose="02040503050406030204" pitchFamily="18" charset="0"/>
               </a:rPr>
               <a:t>Optimalizálási </a:t>
             </a:r>
             <a:r>
-              <a:rPr lang="hu-HU" sz="2800" dirty="0" smtClean="0">
+              <a:rPr lang="hu-HU" sz="2800" b="1" dirty="0" smtClean="0">
+                <a:solidFill>
+                  <a:schemeClr val="tx1">
+                    <a:lumMod val="75000"/>
+                    <a:lumOff val="25000"/>
+                  </a:schemeClr>
+                </a:solidFill>
                 <a:latin typeface="Cambria" panose="02040503050406030204" pitchFamily="18" charset="0"/>
               </a:rPr>
               <a:t>feladat</a:t>
             </a:r>
-            <a:endParaRPr lang="hu-HU" sz="2800" dirty="0">
+            <a:endParaRPr lang="hu-HU" sz="2800" b="1" dirty="0">
+              <a:solidFill>
+                <a:schemeClr val="tx1">
+                  <a:lumMod val="75000"/>
+                  <a:lumOff val="25000"/>
+                </a:schemeClr>
+              </a:solidFill>
               <a:latin typeface="Cambria" panose="02040503050406030204" pitchFamily="18" charset="0"/>
             </a:endParaRPr>
           </a:p>
@@ -12198,7 +13982,7 @@
           <p:nvPr>
             <p:extLst>
               <p:ext uri="{D42A27DB-BD31-4B8C-83A1-F6EECF244321}">
-                <p14:modId xmlns:p14="http://schemas.microsoft.com/office/powerpoint/2010/main" val="4021842014"/>
+                <p14:modId xmlns:p14="http://schemas.microsoft.com/office/powerpoint/2010/main" val="3542146457"/>
               </p:ext>
             </p:extLst>
           </p:nvPr>
@@ -12243,18 +14027,60 @@
               <a:buChar char="§"/>
             </a:pPr>
             <a:r>
+              <a:rPr lang="hu-HU" sz="2800" b="1" dirty="0">
+                <a:solidFill>
+                  <a:schemeClr val="tx1">
+                    <a:lumMod val="75000"/>
+                    <a:lumOff val="25000"/>
+                  </a:schemeClr>
+                </a:solidFill>
+                <a:latin typeface="Cambria" panose="02040503050406030204" pitchFamily="18" charset="0"/>
+              </a:rPr>
+              <a:t>Szobák</a:t>
+            </a:r>
+            <a:r>
               <a:rPr lang="hu-HU" sz="2800" dirty="0">
-                <a:latin typeface="Cambria" panose="02040503050406030204" pitchFamily="18" charset="0"/>
-              </a:rPr>
-              <a:t>Szobák, mint </a:t>
+                <a:solidFill>
+                  <a:schemeClr val="tx1">
+                    <a:lumMod val="75000"/>
+                    <a:lumOff val="25000"/>
+                  </a:schemeClr>
+                </a:solidFill>
+                <a:latin typeface="Cambria" panose="02040503050406030204" pitchFamily="18" charset="0"/>
+              </a:rPr>
+              <a:t>, mint </a:t>
+            </a:r>
+            <a:r>
+              <a:rPr lang="hu-HU" sz="2800" b="1" dirty="0" smtClean="0">
+                <a:solidFill>
+                  <a:schemeClr val="tx1">
+                    <a:lumMod val="75000"/>
+                    <a:lumOff val="25000"/>
+                  </a:schemeClr>
+                </a:solidFill>
+                <a:latin typeface="Cambria" panose="02040503050406030204" pitchFamily="18" charset="0"/>
+              </a:rPr>
+              <a:t>individuális</a:t>
             </a:r>
             <a:r>
               <a:rPr lang="hu-HU" sz="2800" dirty="0" smtClean="0">
-                <a:latin typeface="Cambria" panose="02040503050406030204" pitchFamily="18" charset="0"/>
-              </a:rPr>
-              <a:t>individuális termékek</a:t>
+                <a:solidFill>
+                  <a:schemeClr val="tx1">
+                    <a:lumMod val="75000"/>
+                    <a:lumOff val="25000"/>
+                  </a:schemeClr>
+                </a:solidFill>
+                <a:latin typeface="Cambria" panose="02040503050406030204" pitchFamily="18" charset="0"/>
+              </a:rPr>
+              <a:t> termékek</a:t>
             </a:r>
             <a:endParaRPr lang="hu-HU" sz="2800" dirty="0">
+              <a:solidFill>
+                <a:schemeClr val="tx1">
+                  <a:lumMod val="75000"/>
+                  <a:lumOff val="25000"/>
+                </a:schemeClr>
+              </a:solidFill>
               <a:latin typeface="Cambria" panose="02040503050406030204" pitchFamily="18" charset="0"/>
             </a:endParaRPr>
           </a:p>
@@ -12267,13 +14093,37 @@
               <a:buChar char="§"/>
             </a:pPr>
             <a:r>
+              <a:rPr lang="hu-HU" sz="2800" b="1" dirty="0" smtClean="0">
+                <a:solidFill>
+                  <a:schemeClr val="tx1">
+                    <a:lumMod val="75000"/>
+                    <a:lumOff val="25000"/>
+                  </a:schemeClr>
+                </a:solidFill>
+                <a:latin typeface="Cambria" panose="02040503050406030204" pitchFamily="18" charset="0"/>
+              </a:rPr>
+              <a:t>Foglaltságok</a:t>
+            </a:r>
+            <a:r>
               <a:rPr lang="hu-HU" sz="2800" dirty="0" smtClean="0">
-                <a:latin typeface="Cambria" panose="02040503050406030204" pitchFamily="18" charset="0"/>
-              </a:rPr>
-              <a:t>Foglaltságok </a:t>
+                <a:solidFill>
+                  <a:schemeClr val="tx1">
+                    <a:lumMod val="75000"/>
+                    <a:lumOff val="25000"/>
+                  </a:schemeClr>
+                </a:solidFill>
+                <a:latin typeface="Cambria" panose="02040503050406030204" pitchFamily="18" charset="0"/>
+              </a:rPr>
+              <a:t> </a:t>
             </a:r>
             <a:r>
               <a:rPr lang="hu-HU" sz="2800" dirty="0">
+                <a:solidFill>
+                  <a:schemeClr val="tx1">
+                    <a:lumMod val="75000"/>
+                    <a:lumOff val="25000"/>
+                  </a:schemeClr>
+                </a:solidFill>
                 <a:latin typeface="Cambria" panose="02040503050406030204" pitchFamily="18" charset="0"/>
               </a:rPr>
               <a:t>ismerete</a:t>
@@ -12288,7 +14138,13 @@
               <a:buChar char="§"/>
             </a:pPr>
             <a:r>
-              <a:rPr lang="hu-HU" sz="2800" dirty="0">
+              <a:rPr lang="hu-HU" sz="2800" b="1" dirty="0">
+                <a:solidFill>
+                  <a:schemeClr val="tx1">
+                    <a:lumMod val="75000"/>
+                    <a:lumOff val="25000"/>
+                  </a:schemeClr>
+                </a:solidFill>
                 <a:latin typeface="Cambria" panose="02040503050406030204" pitchFamily="18" charset="0"/>
               </a:rPr>
               <a:t>Egy foglalás – több szoba – több szálláshely</a:t>
@@ -12432,7 +14288,14 @@
           <a:lstStyle/>
           <a:p>
             <a:pPr algn="ctr"/>
-            <a:endParaRPr lang="en-US"/>
+            <a:endParaRPr lang="en-US" dirty="0">
+              <a:solidFill>
+                <a:schemeClr val="tx1">
+                  <a:lumMod val="75000"/>
+                  <a:lumOff val="25000"/>
+                </a:schemeClr>
+              </a:solidFill>
+            </a:endParaRPr>
           </a:p>
         </p:txBody>
       </p:sp>
@@ -12448,7 +14311,7 @@
         </p:nvSpPr>
         <p:spPr>
           <a:xfrm>
-            <a:off x="1097280" y="511596"/>
+            <a:off x="1097280" y="344410"/>
             <a:ext cx="10058400" cy="743447"/>
           </a:xfrm>
         </p:spPr>
@@ -12456,6 +14319,7 @@
           <a:bodyPr/>
           <a:lstStyle/>
           <a:p>
+            <a:pPr algn="ctr"/>
             <a:r>
               <a:rPr lang="hu-HU" dirty="0" smtClean="0">
                 <a:latin typeface="Cambria" panose="02040503050406030204" pitchFamily="18" charset="0"/>
@@ -12501,7 +14365,7 @@
               <a:t>Széles körű közzététel: </a:t>
             </a:r>
             <a:r>
-              <a:rPr lang="hu-HU" sz="2800" b="1" dirty="0" err="1" smtClean="0">
+              <a:rPr lang="hu-HU" sz="2800" b="1" dirty="0" smtClean="0">
                 <a:latin typeface="Cambria" panose="02040503050406030204" pitchFamily="18" charset="0"/>
               </a:rPr>
               <a:t>webalkalamzás</a:t>
@@ -12603,13 +14467,25 @@
               <a:rPr lang="hu-HU" sz="2800" b="1" dirty="0" smtClean="0">
                 <a:latin typeface="Cambria" panose="02040503050406030204" pitchFamily="18" charset="0"/>
               </a:rPr>
-              <a:t>szoba ajánlás </a:t>
+              <a:t>automatikus</a:t>
             </a:r>
             <a:r>
               <a:rPr lang="hu-HU" sz="2800" dirty="0" smtClean="0">
                 <a:latin typeface="Cambria" panose="02040503050406030204" pitchFamily="18" charset="0"/>
               </a:rPr>
-              <a:t>csoportoknak. Ajánlás szempontjai: </a:t>
+              <a:t> </a:t>
+            </a:r>
+            <a:r>
+              <a:rPr lang="hu-HU" sz="2800" b="1" dirty="0" smtClean="0">
+                <a:latin typeface="Cambria" panose="02040503050406030204" pitchFamily="18" charset="0"/>
+              </a:rPr>
+              <a:t>szoba ajánlás</a:t>
+            </a:r>
+            <a:r>
+              <a:rPr lang="hu-HU" sz="2800" dirty="0" smtClean="0">
+                <a:latin typeface="Cambria" panose="02040503050406030204" pitchFamily="18" charset="0"/>
+              </a:rPr>
+              <a:t>. Ajánlás szempontjai: </a:t>
             </a:r>
             <a:r>
               <a:rPr lang="hu-HU" sz="2800" b="1" dirty="0" smtClean="0">
@@ -12639,7 +14515,7 @@
               <a:rPr lang="hu-HU" sz="2000" smtClean="0">
                 <a:latin typeface="Cambria" panose="02040503050406030204" pitchFamily="18" charset="0"/>
               </a:rPr>
-              <a:t>2015. 04. 20.</a:t>
+              <a:t>2015. 04. 21.</a:t>
             </a:fld>
             <a:endParaRPr lang="en-US" sz="2000" dirty="0">
               <a:latin typeface="Cambria" panose="02040503050406030204" pitchFamily="18" charset="0"/>
@@ -12713,6 +14589,59 @@
       </p:grpSpPr>
       <p:sp>
         <p:nvSpPr>
+          <p:cNvPr id="6" name="Téglalap 5"/>
+          <p:cNvSpPr/>
+          <p:nvPr/>
+        </p:nvSpPr>
+        <p:spPr>
+          <a:xfrm>
+            <a:off x="1066800" y="1563757"/>
+            <a:ext cx="10263809" cy="281977"/>
+          </a:xfrm>
+          <a:prstGeom prst="rect">
+            <a:avLst/>
+          </a:prstGeom>
+          <a:solidFill>
+            <a:schemeClr val="bg1"/>
+          </a:solidFill>
+          <a:ln>
+            <a:noFill/>
+          </a:ln>
+        </p:spPr>
+        <p:style>
+          <a:lnRef idx="2">
+            <a:schemeClr val="accent1">
+              <a:shade val="50000"/>
+            </a:schemeClr>
+          </a:lnRef>
+          <a:fillRef idx="1">
+            <a:schemeClr val="accent1"/>
+          </a:fillRef>
+          <a:effectRef idx="0">
+            <a:schemeClr val="accent1"/>
+          </a:effectRef>
+          <a:fontRef idx="minor">
+            <a:schemeClr val="lt1"/>
+          </a:fontRef>
+        </p:style>
+        <p:txBody>
+          <a:bodyPr rtlCol="0" anchor="ctr"/>
+          <a:lstStyle/>
+          <a:p>
+            <a:pPr algn="ctr"/>
+            <a:endParaRPr lang="en-US" dirty="0">
+              <a:solidFill>
+                <a:schemeClr val="tx1">
+                  <a:lumMod val="75000"/>
+                  <a:lumOff val="25000"/>
+                </a:schemeClr>
+              </a:solidFill>
+            </a:endParaRPr>
+          </a:p>
+        </p:txBody>
+      </p:sp>
+      <p:sp>
+        <p:nvSpPr>
           <p:cNvPr id="2" name="Cím 1"/>
           <p:cNvSpPr>
             <a:spLocks noGrp="1"/>
@@ -12721,11 +14650,17 @@
             <p:ph type="title"/>
           </p:nvPr>
         </p:nvSpPr>
-        <p:spPr/>
+        <p:spPr>
+          <a:xfrm>
+            <a:off x="1097280" y="304800"/>
+            <a:ext cx="10058400" cy="716943"/>
+          </a:xfrm>
+        </p:spPr>
         <p:txBody>
           <a:bodyPr/>
           <a:lstStyle/>
           <a:p>
+            <a:pPr algn="ctr"/>
             <a:r>
               <a:rPr lang="hu-HU" dirty="0" smtClean="0">
                 <a:latin typeface="Cambria" panose="02040503050406030204" pitchFamily="18" charset="0"/>
@@ -12748,14 +14683,28 @@
             <p:ph idx="1"/>
           </p:nvPr>
         </p:nvSpPr>
-        <p:spPr/>
+        <p:spPr>
+          <a:xfrm>
+            <a:off x="318052" y="1285462"/>
+            <a:ext cx="11542644" cy="954156"/>
+          </a:xfrm>
+        </p:spPr>
         <p:txBody>
-          <a:bodyPr/>
+          <a:bodyPr>
+            <a:normAutofit/>
+          </a:bodyPr>
           <a:lstStyle/>
           <a:p>
-            <a:endParaRPr lang="en-US">
-              <a:latin typeface="Cambria" panose="02040503050406030204" pitchFamily="18" charset="0"/>
-            </a:endParaRPr>
+            <a:pPr marL="357188" indent="-357188">
+              <a:buFont typeface="Wingdings" panose="05000000000000000000" pitchFamily="2" charset="2"/>
+              <a:buChar char="§"/>
+            </a:pPr>
+            <a:r>
+              <a:rPr lang="hu-HU" sz="2800" dirty="0" smtClean="0">
+                <a:latin typeface="Cambria" panose="02040503050406030204" pitchFamily="18" charset="0"/>
+              </a:rPr>
+              <a:t>Különböző nagyságrendű értékek aránytalanul érvényesülnek, egységesítés szükséges </a:t>
+            </a:r>
           </a:p>
         </p:txBody>
       </p:sp>
@@ -12778,7 +14727,7 @@
               <a:rPr lang="hu-HU" sz="2000" smtClean="0">
                 <a:latin typeface="Cambria" panose="02040503050406030204" pitchFamily="18" charset="0"/>
               </a:rPr>
-              <a:t>2015. 04. 20.</a:t>
+              <a:t>2015. 04. 21.</a:t>
             </a:fld>
             <a:endParaRPr lang="en-US" sz="2000" dirty="0">
               <a:latin typeface="Cambria" panose="02040503050406030204" pitchFamily="18" charset="0"/>
@@ -12813,6 +14762,645 @@
           </a:p>
         </p:txBody>
       </p:sp>
+      <mc:AlternateContent xmlns:mc="http://schemas.openxmlformats.org/markup-compatibility/2006">
+        <mc:Choice xmlns:a14="http://schemas.microsoft.com/office/drawing/2010/main" Requires="a14">
+          <p:sp>
+            <p:nvSpPr>
+              <p:cNvPr id="12" name="Szövegdoboz 11"/>
+              <p:cNvSpPr txBox="1"/>
+              <p:nvPr/>
+            </p:nvSpPr>
+            <p:spPr>
+              <a:xfrm>
+                <a:off x="331304" y="2397134"/>
+                <a:ext cx="5764696" cy="3693319"/>
+              </a:xfrm>
+              <a:prstGeom prst="rect">
+                <a:avLst/>
+              </a:prstGeom>
+              <a:noFill/>
+            </p:spPr>
+            <p:txBody>
+              <a:bodyPr wrap="square" rtlCol="0">
+                <a:spAutoFit/>
+              </a:bodyPr>
+              <a:lstStyle/>
+              <a:p>
+                <a:pPr algn="ctr">
+                  <a:spcAft>
+                    <a:spcPts val="1200"/>
+                  </a:spcAft>
+                </a:pPr>
+                <a:r>
+                  <a:rPr lang="hu-HU" sz="3200" b="1" dirty="0" smtClean="0">
+                    <a:solidFill>
+                      <a:schemeClr val="tx1">
+                        <a:lumMod val="75000"/>
+                        <a:lumOff val="25000"/>
+                      </a:schemeClr>
+                    </a:solidFill>
+                    <a:latin typeface="Cambria" panose="02040503050406030204" pitchFamily="18" charset="0"/>
+                  </a:rPr>
+                  <a:t>Arányképzés</a:t>
+                </a:r>
+              </a:p>
+              <a:p>
+                <a:pPr marL="342900" indent="-342900">
+                  <a:buClr>
+                    <a:schemeClr val="accent1"/>
+                  </a:buClr>
+                  <a:buFont typeface="Wingdings" panose="05000000000000000000" pitchFamily="2" charset="2"/>
+                  <a:buChar char="§"/>
+                </a:pPr>
+                <a:r>
+                  <a:rPr lang="hu-HU" sz="2400" dirty="0">
+                    <a:solidFill>
+                      <a:schemeClr val="tx1">
+                        <a:lumMod val="75000"/>
+                        <a:lumOff val="25000"/>
+                      </a:schemeClr>
+                    </a:solidFill>
+                    <a:latin typeface="Cambria" panose="02040503050406030204" pitchFamily="18" charset="0"/>
+                  </a:rPr>
+                  <a:t>Ár és távolság értékekből</a:t>
+                </a:r>
+              </a:p>
+              <a:p>
+                <a:pPr marL="342900" indent="-342900">
+                  <a:buClr>
+                    <a:schemeClr val="accent1"/>
+                  </a:buClr>
+                  <a:buFont typeface="Wingdings" panose="05000000000000000000" pitchFamily="2" charset="2"/>
+                  <a:buChar char="§"/>
+                </a:pPr>
+                <a:r>
+                  <a:rPr lang="hu-HU" sz="2400" dirty="0" smtClean="0">
+                    <a:solidFill>
+                      <a:schemeClr val="tx1">
+                        <a:lumMod val="75000"/>
+                        <a:lumOff val="25000"/>
+                      </a:schemeClr>
+                    </a:solidFill>
+                    <a:latin typeface="Cambria" panose="02040503050406030204" pitchFamily="18" charset="0"/>
+                  </a:rPr>
+                  <a:t>Módszer: </a:t>
+                </a:r>
+                <a:endParaRPr lang="hu-HU" sz="2400" b="1" i="1" dirty="0" smtClean="0">
+                  <a:solidFill>
+                    <a:schemeClr val="tx1">
+                      <a:lumMod val="75000"/>
+                      <a:lumOff val="25000"/>
+                    </a:schemeClr>
+                  </a:solidFill>
+                  <a:latin typeface="Cambria Math" panose="02040503050406030204" pitchFamily="18" charset="0"/>
+                </a:endParaRPr>
+              </a:p>
+              <a:p>
+                <a:pPr marL="373063">
+                  <a:buClr>
+                    <a:schemeClr val="accent1"/>
+                  </a:buClr>
+                </a:pPr>
+                <a14:m>
+                  <m:oMathPara xmlns:m="http://schemas.openxmlformats.org/officeDocument/2006/math">
+                    <m:oMathParaPr>
+                      <m:jc m:val="left"/>
+                    </m:oMathParaPr>
+                    <m:oMath xmlns:m="http://schemas.openxmlformats.org/officeDocument/2006/math">
+                      <m:r>
+                        <a:rPr lang="hu-HU" sz="2400" b="1" i="1" smtClean="0">
+                          <a:solidFill>
+                            <a:schemeClr val="tx1">
+                              <a:lumMod val="75000"/>
+                              <a:lumOff val="25000"/>
+                            </a:schemeClr>
+                          </a:solidFill>
+                          <a:latin typeface="Cambria Math" panose="02040503050406030204" pitchFamily="18" charset="0"/>
+                        </a:rPr>
+                        <m:t>𝒙</m:t>
+                      </m:r>
+                      <m:r>
+                        <a:rPr lang="hu-HU" sz="2400" b="1" i="1" smtClean="0">
+                          <a:solidFill>
+                            <a:schemeClr val="tx1">
+                              <a:lumMod val="75000"/>
+                              <a:lumOff val="25000"/>
+                            </a:schemeClr>
+                          </a:solidFill>
+                          <a:latin typeface="Cambria Math" panose="02040503050406030204" pitchFamily="18" charset="0"/>
+                        </a:rPr>
+                        <m:t>=</m:t>
+                      </m:r>
+                      <m:r>
+                        <a:rPr lang="hu-HU" sz="2400" b="1" i="1">
+                          <a:solidFill>
+                            <a:schemeClr val="tx1">
+                              <a:lumMod val="75000"/>
+                              <a:lumOff val="25000"/>
+                            </a:schemeClr>
+                          </a:solidFill>
+                          <a:latin typeface="Cambria Math" panose="02040503050406030204" pitchFamily="18" charset="0"/>
+                        </a:rPr>
+                        <m:t>𝒙</m:t>
+                      </m:r>
+                      <m:r>
+                        <a:rPr lang="hu-HU" sz="2400" b="1" i="1">
+                          <a:solidFill>
+                            <a:schemeClr val="tx1">
+                              <a:lumMod val="75000"/>
+                              <a:lumOff val="25000"/>
+                            </a:schemeClr>
+                          </a:solidFill>
+                          <a:latin typeface="Cambria Math" panose="02040503050406030204" pitchFamily="18" charset="0"/>
+                        </a:rPr>
+                        <m:t>/</m:t>
+                      </m:r>
+                      <m:r>
+                        <a:rPr lang="hu-HU" sz="2400" b="1">
+                          <a:solidFill>
+                            <a:schemeClr val="tx1">
+                              <a:lumMod val="75000"/>
+                              <a:lumOff val="25000"/>
+                            </a:schemeClr>
+                          </a:solidFill>
+                          <a:latin typeface="Cambria Math" panose="02040503050406030204" pitchFamily="18" charset="0"/>
+                        </a:rPr>
+                        <m:t>𝐦𝐢𝐧</m:t>
+                      </m:r>
+                      <m:r>
+                        <a:rPr lang="hu-HU" sz="2400" b="1" i="1">
+                          <a:solidFill>
+                            <a:schemeClr val="tx1">
+                              <a:lumMod val="75000"/>
+                              <a:lumOff val="25000"/>
+                            </a:schemeClr>
+                          </a:solidFill>
+                          <a:latin typeface="Cambria Math" panose="02040503050406030204" pitchFamily="18" charset="0"/>
+                        </a:rPr>
+                        <m:t>⁡(</m:t>
+                      </m:r>
+                      <m:r>
+                        <a:rPr lang="hu-HU" sz="2400" b="1" i="1">
+                          <a:solidFill>
+                            <a:schemeClr val="tx1">
+                              <a:lumMod val="75000"/>
+                              <a:lumOff val="25000"/>
+                            </a:schemeClr>
+                          </a:solidFill>
+                          <a:latin typeface="Cambria Math" panose="02040503050406030204" pitchFamily="18" charset="0"/>
+                        </a:rPr>
+                        <m:t>𝑿</m:t>
+                      </m:r>
+                      <m:r>
+                        <a:rPr lang="hu-HU" sz="2400" b="1" i="1">
+                          <a:solidFill>
+                            <a:schemeClr val="tx1">
+                              <a:lumMod val="75000"/>
+                              <a:lumOff val="25000"/>
+                            </a:schemeClr>
+                          </a:solidFill>
+                          <a:latin typeface="Cambria Math" panose="02040503050406030204" pitchFamily="18" charset="0"/>
+                        </a:rPr>
+                        <m:t>)</m:t>
+                      </m:r>
+                    </m:oMath>
+                  </m:oMathPara>
+                </a14:m>
+                <a:endParaRPr lang="hu-HU" sz="2400" dirty="0" smtClean="0">
+                  <a:solidFill>
+                    <a:schemeClr val="tx1">
+                      <a:lumMod val="75000"/>
+                      <a:lumOff val="25000"/>
+                    </a:schemeClr>
+                  </a:solidFill>
+                </a:endParaRPr>
+              </a:p>
+              <a:p>
+                <a:pPr marL="373063">
+                  <a:buClr>
+                    <a:schemeClr val="accent1"/>
+                  </a:buClr>
+                </a:pPr>
+                <a:endParaRPr lang="hu-HU" sz="2400" dirty="0">
+                  <a:solidFill>
+                    <a:schemeClr val="tx1">
+                      <a:lumMod val="75000"/>
+                      <a:lumOff val="25000"/>
+                    </a:schemeClr>
+                  </a:solidFill>
+                </a:endParaRPr>
+              </a:p>
+              <a:p>
+                <a:pPr marL="373063">
+                  <a:buClr>
+                    <a:schemeClr val="accent1"/>
+                  </a:buClr>
+                </a:pPr>
+                <a:endParaRPr lang="hu-HU" sz="2400" dirty="0" smtClean="0">
+                  <a:solidFill>
+                    <a:schemeClr val="tx1">
+                      <a:lumMod val="75000"/>
+                      <a:lumOff val="25000"/>
+                    </a:schemeClr>
+                  </a:solidFill>
+                </a:endParaRPr>
+              </a:p>
+              <a:p>
+                <a:pPr marL="373063">
+                  <a:buClr>
+                    <a:schemeClr val="accent1"/>
+                  </a:buClr>
+                </a:pPr>
+                <a:endParaRPr lang="hu-HU" sz="2400" dirty="0">
+                  <a:solidFill>
+                    <a:schemeClr val="tx1">
+                      <a:lumMod val="75000"/>
+                      <a:lumOff val="25000"/>
+                    </a:schemeClr>
+                  </a:solidFill>
+                </a:endParaRPr>
+              </a:p>
+              <a:p>
+                <a:pPr marL="373063">
+                  <a:buClr>
+                    <a:schemeClr val="accent1"/>
+                  </a:buClr>
+                </a:pPr>
+                <a:endParaRPr lang="hu-HU" sz="2400" dirty="0" smtClean="0">
+                  <a:solidFill>
+                    <a:schemeClr val="tx1">
+                      <a:lumMod val="75000"/>
+                      <a:lumOff val="25000"/>
+                    </a:schemeClr>
+                  </a:solidFill>
+                </a:endParaRPr>
+              </a:p>
+              <a:p>
+                <a:pPr marL="373063">
+                  <a:buClr>
+                    <a:schemeClr val="accent1"/>
+                  </a:buClr>
+                </a:pPr>
+                <a:endParaRPr lang="en-US" sz="2400" dirty="0">
+                  <a:solidFill>
+                    <a:schemeClr val="tx1">
+                      <a:lumMod val="75000"/>
+                      <a:lumOff val="25000"/>
+                    </a:schemeClr>
+                  </a:solidFill>
+                </a:endParaRPr>
+              </a:p>
+            </p:txBody>
+          </p:sp>
+        </mc:Choice>
+        <mc:Fallback>
+          <p:sp>
+            <p:nvSpPr>
+              <p:cNvPr id="12" name="Szövegdoboz 11"/>
+              <p:cNvSpPr txBox="1">
+                <a:spLocks noRot="1" noChangeAspect="1" noMove="1" noResize="1" noEditPoints="1" noAdjustHandles="1" noChangeArrowheads="1" noChangeShapeType="1" noTextEdit="1"/>
+              </p:cNvSpPr>
+              <p:nvPr/>
+            </p:nvSpPr>
+            <p:spPr>
+              <a:xfrm>
+                <a:off x="331304" y="2397134"/>
+                <a:ext cx="5764696" cy="3693319"/>
+              </a:xfrm>
+              <a:prstGeom prst="rect">
+                <a:avLst/>
+              </a:prstGeom>
+              <a:blipFill rotWithShape="0">
+                <a:blip r:embed="rId3"/>
+                <a:stretch>
+                  <a:fillRect l="-1374" t="-2145"/>
+                </a:stretch>
+              </a:blipFill>
+            </p:spPr>
+            <p:txBody>
+              <a:bodyPr/>
+              <a:lstStyle/>
+              <a:p>
+                <a:r>
+                  <a:rPr lang="hu-HU">
+                    <a:noFill/>
+                  </a:rPr>
+                  <a:t> </a:t>
+                </a:r>
+              </a:p>
+            </p:txBody>
+          </p:sp>
+        </mc:Fallback>
+      </mc:AlternateContent>
+      <p:sp>
+        <p:nvSpPr>
+          <p:cNvPr id="14" name="Szövegdoboz 13"/>
+          <p:cNvSpPr txBox="1"/>
+          <p:nvPr/>
+        </p:nvSpPr>
+        <p:spPr>
+          <a:xfrm>
+            <a:off x="6788132" y="2379515"/>
+            <a:ext cx="5072564" cy="2954655"/>
+          </a:xfrm>
+          <a:prstGeom prst="rect">
+            <a:avLst/>
+          </a:prstGeom>
+          <a:noFill/>
+        </p:spPr>
+        <p:txBody>
+          <a:bodyPr wrap="square" rtlCol="0">
+            <a:spAutoFit/>
+          </a:bodyPr>
+          <a:lstStyle/>
+          <a:p>
+            <a:pPr algn="ctr">
+              <a:spcAft>
+                <a:spcPts val="1200"/>
+              </a:spcAft>
+            </a:pPr>
+            <a:r>
+              <a:rPr lang="hu-HU" sz="3200" b="1" dirty="0">
+                <a:solidFill>
+                  <a:schemeClr val="tx1">
+                    <a:lumMod val="75000"/>
+                    <a:lumOff val="25000"/>
+                  </a:schemeClr>
+                </a:solidFill>
+                <a:latin typeface="Cambria" panose="02040503050406030204" pitchFamily="18" charset="0"/>
+              </a:rPr>
+              <a:t>Relatív szórás</a:t>
+            </a:r>
+            <a:endParaRPr lang="en-US" sz="3200" b="1" dirty="0">
+              <a:solidFill>
+                <a:schemeClr val="tx1">
+                  <a:lumMod val="75000"/>
+                  <a:lumOff val="25000"/>
+                </a:schemeClr>
+              </a:solidFill>
+              <a:latin typeface="Cambria" panose="02040503050406030204" pitchFamily="18" charset="0"/>
+            </a:endParaRPr>
+          </a:p>
+          <a:p>
+            <a:pPr marL="342900" indent="-342900">
+              <a:buClr>
+                <a:schemeClr val="accent1"/>
+              </a:buClr>
+              <a:buFont typeface="Wingdings" panose="05000000000000000000" pitchFamily="2" charset="2"/>
+              <a:buChar char="§"/>
+            </a:pPr>
+            <a:r>
+              <a:rPr lang="hu-HU" sz="2400" dirty="0" smtClean="0">
+                <a:solidFill>
+                  <a:schemeClr val="tx1">
+                    <a:lumMod val="75000"/>
+                    <a:lumOff val="25000"/>
+                  </a:schemeClr>
+                </a:solidFill>
+                <a:latin typeface="Cambria" panose="02040503050406030204" pitchFamily="18" charset="0"/>
+              </a:rPr>
+              <a:t>Eredmény </a:t>
+            </a:r>
+            <a:r>
+              <a:rPr lang="hu-HU" sz="2400" b="1" dirty="0" smtClean="0">
+                <a:solidFill>
+                  <a:schemeClr val="tx1">
+                    <a:lumMod val="75000"/>
+                    <a:lumOff val="25000"/>
+                  </a:schemeClr>
+                </a:solidFill>
+                <a:latin typeface="Cambria" panose="02040503050406030204" pitchFamily="18" charset="0"/>
+              </a:rPr>
+              <a:t>százalékos</a:t>
+            </a:r>
+            <a:r>
+              <a:rPr lang="hu-HU" sz="2400" dirty="0" smtClean="0">
+                <a:solidFill>
+                  <a:schemeClr val="tx1">
+                    <a:lumMod val="75000"/>
+                    <a:lumOff val="25000"/>
+                  </a:schemeClr>
+                </a:solidFill>
+                <a:latin typeface="Cambria" panose="02040503050406030204" pitchFamily="18" charset="0"/>
+              </a:rPr>
+              <a:t> érték, a </a:t>
+            </a:r>
+            <a:r>
+              <a:rPr lang="hu-HU" sz="2400" b="1" dirty="0" smtClean="0">
+                <a:solidFill>
+                  <a:schemeClr val="tx1">
+                    <a:lumMod val="75000"/>
+                    <a:lumOff val="25000"/>
+                  </a:schemeClr>
+                </a:solidFill>
+                <a:latin typeface="Cambria" panose="02040503050406030204" pitchFamily="18" charset="0"/>
+              </a:rPr>
+              <a:t>sokaság</a:t>
+            </a:r>
+            <a:r>
+              <a:rPr lang="hu-HU" sz="2400" dirty="0" smtClean="0">
+                <a:solidFill>
+                  <a:schemeClr val="tx1">
+                    <a:lumMod val="75000"/>
+                    <a:lumOff val="25000"/>
+                  </a:schemeClr>
+                </a:solidFill>
+                <a:latin typeface="Cambria" panose="02040503050406030204" pitchFamily="18" charset="0"/>
+              </a:rPr>
+              <a:t> tulajdonsága</a:t>
+            </a:r>
+          </a:p>
+          <a:p>
+            <a:pPr marL="342900" indent="-342900">
+              <a:buClr>
+                <a:schemeClr val="accent1"/>
+              </a:buClr>
+              <a:buFont typeface="Wingdings" panose="05000000000000000000" pitchFamily="2" charset="2"/>
+              <a:buChar char="§"/>
+            </a:pPr>
+            <a:r>
+              <a:rPr lang="hu-HU" sz="2400" dirty="0" smtClean="0">
+                <a:solidFill>
+                  <a:schemeClr val="tx1">
+                    <a:lumMod val="75000"/>
+                    <a:lumOff val="25000"/>
+                  </a:schemeClr>
+                </a:solidFill>
+                <a:latin typeface="Cambria" panose="02040503050406030204" pitchFamily="18" charset="0"/>
+              </a:rPr>
+              <a:t>Ár és távolság: </a:t>
+            </a:r>
+            <a:r>
+              <a:rPr lang="hu-HU" sz="2400" b="1" dirty="0" smtClean="0">
+                <a:solidFill>
+                  <a:schemeClr val="tx1">
+                    <a:lumMod val="75000"/>
+                    <a:lumOff val="25000"/>
+                  </a:schemeClr>
+                </a:solidFill>
+                <a:latin typeface="Cambria" panose="02040503050406030204" pitchFamily="18" charset="0"/>
+              </a:rPr>
+              <a:t>legkisebb értékhez közelítve</a:t>
+            </a:r>
+          </a:p>
+          <a:p>
+            <a:pPr marL="342900" indent="-342900">
+              <a:buClr>
+                <a:schemeClr val="accent1"/>
+              </a:buClr>
+              <a:buFont typeface="Wingdings" panose="05000000000000000000" pitchFamily="2" charset="2"/>
+              <a:buChar char="§"/>
+            </a:pPr>
+            <a:r>
+              <a:rPr lang="hu-HU" sz="2400" dirty="0" smtClean="0">
+                <a:solidFill>
+                  <a:schemeClr val="tx1">
+                    <a:lumMod val="75000"/>
+                    <a:lumOff val="25000"/>
+                  </a:schemeClr>
+                </a:solidFill>
+                <a:latin typeface="Cambria" panose="02040503050406030204" pitchFamily="18" charset="0"/>
+              </a:rPr>
+              <a:t>Értékelés: </a:t>
+            </a:r>
+            <a:r>
+              <a:rPr lang="hu-HU" sz="2400" b="1" dirty="0" smtClean="0">
+                <a:solidFill>
+                  <a:schemeClr val="tx1">
+                    <a:lumMod val="75000"/>
+                    <a:lumOff val="25000"/>
+                  </a:schemeClr>
+                </a:solidFill>
+                <a:latin typeface="Cambria" panose="02040503050406030204" pitchFamily="18" charset="0"/>
+              </a:rPr>
+              <a:t>legnagyobb értékhez közelítve</a:t>
+            </a:r>
+            <a:endParaRPr lang="en-US" sz="2400" b="1" dirty="0">
+              <a:solidFill>
+                <a:schemeClr val="tx1">
+                  <a:lumMod val="75000"/>
+                  <a:lumOff val="25000"/>
+                </a:schemeClr>
+              </a:solidFill>
+              <a:latin typeface="Cambria" panose="02040503050406030204" pitchFamily="18" charset="0"/>
+            </a:endParaRPr>
+          </a:p>
+        </p:txBody>
+      </p:sp>
+      <p:graphicFrame>
+        <p:nvGraphicFramePr>
+          <p:cNvPr id="15" name="Objektum 14"/>
+          <p:cNvGraphicFramePr>
+            <a:graphicFrameLocks noChangeAspect="1"/>
+          </p:cNvGraphicFramePr>
+          <p:nvPr>
+            <p:extLst>
+              <p:ext uri="{D42A27DB-BD31-4B8C-83A1-F6EECF244321}">
+                <p14:modId xmlns:p14="http://schemas.microsoft.com/office/powerpoint/2010/main" val="1572787895"/>
+              </p:ext>
+            </p:extLst>
+          </p:nvPr>
+        </p:nvGraphicFramePr>
+        <p:xfrm>
+          <a:off x="227013" y="5575300"/>
+          <a:ext cx="9244012" cy="555625"/>
+        </p:xfrm>
+        <a:graphic>
+          <a:graphicData uri="http://schemas.openxmlformats.org/presentationml/2006/ole">
+            <mc:AlternateContent xmlns:mc="http://schemas.openxmlformats.org/markup-compatibility/2006">
+              <mc:Choice xmlns:v="urn:schemas-microsoft-com:vml" Requires="v">
+                <p:oleObj spid="_x0000_s1055" name="Visio" r:id="rId4" imgW="4914735" imgH="295248" progId="Visio.Drawing.15">
+                  <p:link updateAutomatic="1"/>
+                </p:oleObj>
+              </mc:Choice>
+              <mc:Fallback>
+                <p:oleObj name="Visio" r:id="rId4" imgW="4914735" imgH="295248" progId="Visio.Drawing.15">
+                  <p:link updateAutomatic="1"/>
+                  <p:pic>
+                    <p:nvPicPr>
+                      <p:cNvPr id="0" name=""/>
+                      <p:cNvPicPr/>
+                      <p:nvPr/>
+                    </p:nvPicPr>
+                    <p:blipFill>
+                      <a:blip r:embed="rId5"/>
+                      <a:stretch>
+                        <a:fillRect/>
+                      </a:stretch>
+                    </p:blipFill>
+                    <p:spPr>
+                      <a:xfrm>
+                        <a:off x="227013" y="5575300"/>
+                        <a:ext cx="9244012" cy="555625"/>
+                      </a:xfrm>
+                      <a:prstGeom prst="rect">
+                        <a:avLst/>
+                      </a:prstGeom>
+                    </p:spPr>
+                  </p:pic>
+                </p:oleObj>
+              </mc:Fallback>
+            </mc:AlternateContent>
+          </a:graphicData>
+        </a:graphic>
+      </p:graphicFrame>
+      <p:graphicFrame>
+        <p:nvGraphicFramePr>
+          <p:cNvPr id="16" name="Objektum 15"/>
+          <p:cNvGraphicFramePr>
+            <a:graphicFrameLocks noChangeAspect="1"/>
+          </p:cNvGraphicFramePr>
+          <p:nvPr>
+            <p:extLst>
+              <p:ext uri="{D42A27DB-BD31-4B8C-83A1-F6EECF244321}">
+                <p14:modId xmlns:p14="http://schemas.microsoft.com/office/powerpoint/2010/main" val="3081347792"/>
+              </p:ext>
+            </p:extLst>
+          </p:nvPr>
+        </p:nvGraphicFramePr>
+        <p:xfrm>
+          <a:off x="188670" y="4682878"/>
+          <a:ext cx="6049963" cy="563562"/>
+        </p:xfrm>
+        <a:graphic>
+          <a:graphicData uri="http://schemas.openxmlformats.org/presentationml/2006/ole">
+            <mc:AlternateContent xmlns:mc="http://schemas.openxmlformats.org/markup-compatibility/2006">
+              <mc:Choice xmlns:v="urn:schemas-microsoft-com:vml" Requires="v">
+                <p:oleObj spid="_x0000_s1056" name="Visio" r:id="rId6" imgW="3162390" imgH="295248" progId="Visio.Drawing.15">
+                  <p:link updateAutomatic="1"/>
+                </p:oleObj>
+              </mc:Choice>
+              <mc:Fallback>
+                <p:oleObj name="Visio" r:id="rId6" imgW="3162390" imgH="295248" progId="Visio.Drawing.15">
+                  <p:link updateAutomatic="1"/>
+                  <p:pic>
+                    <p:nvPicPr>
+                      <p:cNvPr id="0" name=""/>
+                      <p:cNvPicPr/>
+                      <p:nvPr/>
+                    </p:nvPicPr>
+                    <p:blipFill>
+                      <a:blip r:embed="rId7"/>
+                      <a:stretch>
+                        <a:fillRect/>
+                      </a:stretch>
+                    </p:blipFill>
+                    <p:spPr>
+                      <a:xfrm>
+                        <a:off x="188670" y="4682878"/>
+                        <a:ext cx="6049963" cy="563562"/>
+                      </a:xfrm>
+                      <a:prstGeom prst="rect">
+                        <a:avLst/>
+                      </a:prstGeom>
+                    </p:spPr>
+                  </p:pic>
+                </p:oleObj>
+              </mc:Fallback>
+            </mc:AlternateContent>
+          </a:graphicData>
+        </a:graphic>
+      </p:graphicFrame>
     </p:spTree>
     <p:extLst>
       <p:ext uri="{BB962C8B-B14F-4D97-AF65-F5344CB8AC3E}">
@@ -12852,6 +15440,59 @@
       </p:grpSpPr>
       <p:sp>
         <p:nvSpPr>
+          <p:cNvPr id="6" name="Téglalap 5"/>
+          <p:cNvSpPr/>
+          <p:nvPr/>
+        </p:nvSpPr>
+        <p:spPr>
+          <a:xfrm>
+            <a:off x="1066800" y="1563757"/>
+            <a:ext cx="10263809" cy="281977"/>
+          </a:xfrm>
+          <a:prstGeom prst="rect">
+            <a:avLst/>
+          </a:prstGeom>
+          <a:solidFill>
+            <a:schemeClr val="bg1"/>
+          </a:solidFill>
+          <a:ln>
+            <a:noFill/>
+          </a:ln>
+        </p:spPr>
+        <p:style>
+          <a:lnRef idx="2">
+            <a:schemeClr val="accent1">
+              <a:shade val="50000"/>
+            </a:schemeClr>
+          </a:lnRef>
+          <a:fillRef idx="1">
+            <a:schemeClr val="accent1"/>
+          </a:fillRef>
+          <a:effectRef idx="0">
+            <a:schemeClr val="accent1"/>
+          </a:effectRef>
+          <a:fontRef idx="minor">
+            <a:schemeClr val="lt1"/>
+          </a:fontRef>
+        </p:style>
+        <p:txBody>
+          <a:bodyPr rtlCol="0" anchor="ctr"/>
+          <a:lstStyle/>
+          <a:p>
+            <a:pPr algn="ctr"/>
+            <a:endParaRPr lang="en-US" dirty="0">
+              <a:solidFill>
+                <a:schemeClr val="tx1">
+                  <a:lumMod val="75000"/>
+                  <a:lumOff val="25000"/>
+                </a:schemeClr>
+              </a:solidFill>
+            </a:endParaRPr>
+          </a:p>
+        </p:txBody>
+      </p:sp>
+      <p:sp>
+        <p:nvSpPr>
           <p:cNvPr id="2" name="Cím 1"/>
           <p:cNvSpPr>
             <a:spLocks noGrp="1"/>
@@ -12860,20 +15501,24 @@
             <p:ph type="title"/>
           </p:nvPr>
         </p:nvSpPr>
-        <p:spPr/>
+        <p:spPr>
+          <a:xfrm>
+            <a:off x="1066800" y="291547"/>
+            <a:ext cx="10058400" cy="756699"/>
+          </a:xfrm>
+        </p:spPr>
         <p:txBody>
           <a:bodyPr/>
           <a:lstStyle/>
           <a:p>
-            <a:r>
-              <a:rPr lang="hu-HU" dirty="0" smtClean="0">
-                <a:latin typeface="Cambria" panose="02040503050406030204" pitchFamily="18" charset="0"/>
-              </a:rPr>
-              <a:t>Megvalósítás - webalkalmazás</a:t>
-            </a:r>
-            <a:endParaRPr lang="en-US" dirty="0">
-              <a:latin typeface="Cambria" panose="02040503050406030204" pitchFamily="18" charset="0"/>
-            </a:endParaRPr>
+            <a:pPr algn="ctr"/>
+            <a:r>
+              <a:rPr lang="hu-HU" dirty="0">
+                <a:latin typeface="Cambria" panose="02040503050406030204" pitchFamily="18" charset="0"/>
+              </a:rPr>
+              <a:t>Megvalósítás - optimalizálás</a:t>
+            </a:r>
+            <a:endParaRPr lang="en-US" dirty="0"/>
           </a:p>
         </p:txBody>
       </p:sp>
@@ -12887,12 +15532,173 @@
             <p:ph idx="1"/>
           </p:nvPr>
         </p:nvSpPr>
-        <p:spPr/>
+        <p:spPr>
+          <a:xfrm>
+            <a:off x="331304" y="1258957"/>
+            <a:ext cx="11529392" cy="4610137"/>
+          </a:xfrm>
+        </p:spPr>
         <p:txBody>
-          <a:bodyPr/>
+          <a:bodyPr>
+            <a:normAutofit/>
+          </a:bodyPr>
           <a:lstStyle/>
           <a:p>
-            <a:endParaRPr lang="en-US" dirty="0">
+            <a:pPr marL="357188" indent="-357188">
+              <a:buFont typeface="Wingdings" panose="05000000000000000000" pitchFamily="2" charset="2"/>
+              <a:buChar char="§"/>
+            </a:pPr>
+            <a:r>
+              <a:rPr lang="hu-HU" sz="2800" dirty="0" smtClean="0">
+                <a:latin typeface="Cambria" panose="02040503050406030204" pitchFamily="18" charset="0"/>
+              </a:rPr>
+              <a:t>Cél: </a:t>
+            </a:r>
+            <a:r>
+              <a:rPr lang="hu-HU" sz="2800" b="1" dirty="0" smtClean="0">
+                <a:latin typeface="Cambria" panose="02040503050406030204" pitchFamily="18" charset="0"/>
+              </a:rPr>
+              <a:t>minimalizálás</a:t>
+            </a:r>
+            <a:endParaRPr lang="hu-HU" sz="2800" dirty="0" smtClean="0">
+              <a:latin typeface="Cambria" panose="02040503050406030204" pitchFamily="18" charset="0"/>
+            </a:endParaRPr>
+          </a:p>
+          <a:p>
+            <a:pPr marL="357188" indent="-357188">
+              <a:buFont typeface="Wingdings" panose="05000000000000000000" pitchFamily="2" charset="2"/>
+              <a:buChar char="§"/>
+            </a:pPr>
+            <a:r>
+              <a:rPr lang="hu-HU" sz="2800" b="1" dirty="0" smtClean="0">
+                <a:latin typeface="Cambria" panose="02040503050406030204" pitchFamily="18" charset="0"/>
+              </a:rPr>
+              <a:t>Bináris változók: </a:t>
+            </a:r>
+            <a:r>
+              <a:rPr lang="hu-HU" sz="2800" b="1" i="1" dirty="0" smtClean="0">
+                <a:latin typeface="Cambria" panose="02040503050406030204" pitchFamily="18" charset="0"/>
+              </a:rPr>
+              <a:t>x</a:t>
+            </a:r>
+          </a:p>
+          <a:p>
+            <a:pPr marL="357188" indent="-357188">
+              <a:buFont typeface="Wingdings" panose="05000000000000000000" pitchFamily="2" charset="2"/>
+              <a:buChar char="§"/>
+            </a:pPr>
+            <a:r>
+              <a:rPr lang="hu-HU" sz="2800" dirty="0" smtClean="0">
+                <a:latin typeface="Cambria" panose="02040503050406030204" pitchFamily="18" charset="0"/>
+              </a:rPr>
+              <a:t>Korlátozás a </a:t>
+            </a:r>
+            <a:r>
+              <a:rPr lang="hu-HU" sz="2800" b="1" dirty="0" smtClean="0">
+                <a:latin typeface="Cambria" panose="02040503050406030204" pitchFamily="18" charset="0"/>
+              </a:rPr>
+              <a:t>vendégek száma</a:t>
+            </a:r>
+          </a:p>
+          <a:p>
+            <a:pPr marL="357188" indent="-357188">
+              <a:buFont typeface="Wingdings" panose="05000000000000000000" pitchFamily="2" charset="2"/>
+              <a:buChar char="§"/>
+            </a:pPr>
+            <a:r>
+              <a:rPr lang="hu-HU" sz="2800" dirty="0" smtClean="0">
+                <a:latin typeface="Cambria" panose="02040503050406030204" pitchFamily="18" charset="0"/>
+              </a:rPr>
+              <a:t>2 bázisparaméter: </a:t>
+            </a:r>
+            <a:r>
+              <a:rPr lang="hu-HU" sz="2800" b="1" dirty="0" smtClean="0">
+                <a:latin typeface="Cambria" panose="02040503050406030204" pitchFamily="18" charset="0"/>
+              </a:rPr>
+              <a:t>kapacitás, értékelés</a:t>
+            </a:r>
+          </a:p>
+          <a:p>
+            <a:pPr marL="357188" indent="-357188">
+              <a:buFont typeface="Wingdings" panose="05000000000000000000" pitchFamily="2" charset="2"/>
+              <a:buChar char="§"/>
+            </a:pPr>
+            <a:r>
+              <a:rPr lang="hu-HU" sz="2800" dirty="0" smtClean="0">
+                <a:latin typeface="Cambria" panose="02040503050406030204" pitchFamily="18" charset="0"/>
+              </a:rPr>
+              <a:t>2 opcionális paraméter: </a:t>
+            </a:r>
+            <a:r>
+              <a:rPr lang="hu-HU" sz="2800" b="1" dirty="0" smtClean="0">
+                <a:latin typeface="Cambria" panose="02040503050406030204" pitchFamily="18" charset="0"/>
+              </a:rPr>
+              <a:t>ár, távolság</a:t>
+            </a:r>
+          </a:p>
+          <a:p>
+            <a:pPr marL="357188" indent="-357188">
+              <a:buFont typeface="Wingdings" panose="05000000000000000000" pitchFamily="2" charset="2"/>
+              <a:buChar char="§"/>
+            </a:pPr>
+            <a:r>
+              <a:rPr lang="hu-HU" sz="2800" b="1" dirty="0" smtClean="0">
+                <a:latin typeface="Cambria" panose="02040503050406030204" pitchFamily="18" charset="0"/>
+              </a:rPr>
+              <a:t>Nemlineáris</a:t>
+            </a:r>
+            <a:r>
+              <a:rPr lang="hu-HU" sz="2800" dirty="0" smtClean="0">
+                <a:latin typeface="Cambria" panose="02040503050406030204" pitchFamily="18" charset="0"/>
+              </a:rPr>
+              <a:t> feladat</a:t>
+            </a:r>
+          </a:p>
+          <a:p>
+            <a:pPr marL="357188" indent="-357188">
+              <a:buFont typeface="Wingdings" panose="05000000000000000000" pitchFamily="2" charset="2"/>
+              <a:buChar char="§"/>
+            </a:pPr>
+            <a:r>
+              <a:rPr lang="hu-HU" sz="2800" dirty="0" smtClean="0">
+                <a:latin typeface="Cambria" panose="02040503050406030204" pitchFamily="18" charset="0"/>
+              </a:rPr>
+              <a:t>Modellezés: </a:t>
+            </a:r>
+            <a:r>
+              <a:rPr lang="hu-HU" sz="2800" b="1" dirty="0" smtClean="0">
+                <a:latin typeface="Cambria" panose="02040503050406030204" pitchFamily="18" charset="0"/>
+              </a:rPr>
+              <a:t>AMPL</a:t>
+            </a:r>
+            <a:endParaRPr lang="hu-HU" sz="2800" dirty="0" smtClean="0">
+              <a:latin typeface="Cambria" panose="02040503050406030204" pitchFamily="18" charset="0"/>
+            </a:endParaRPr>
+          </a:p>
+          <a:p>
+            <a:pPr marL="357188" indent="-357188">
+              <a:buFont typeface="Wingdings" panose="05000000000000000000" pitchFamily="2" charset="2"/>
+              <a:buChar char="§"/>
+            </a:pPr>
+            <a:r>
+              <a:rPr lang="hu-HU" sz="2800" dirty="0" smtClean="0">
+                <a:latin typeface="Cambria" panose="02040503050406030204" pitchFamily="18" charset="0"/>
+              </a:rPr>
+              <a:t>Megoldóprogram</a:t>
+            </a:r>
+            <a:r>
+              <a:rPr lang="hu-HU" sz="2800" dirty="0" smtClean="0">
+                <a:latin typeface="Cambria" panose="02040503050406030204" pitchFamily="18" charset="0"/>
+              </a:rPr>
+              <a:t>: </a:t>
+            </a:r>
+            <a:r>
+              <a:rPr lang="hu-HU" sz="2800" b="1" dirty="0" smtClean="0">
+                <a:latin typeface="Cambria" panose="02040503050406030204" pitchFamily="18" charset="0"/>
+              </a:rPr>
+              <a:t>Bonmin</a:t>
+            </a:r>
+            <a:endParaRPr lang="en-US" sz="2800" b="1" dirty="0">
               <a:latin typeface="Cambria" panose="02040503050406030204" pitchFamily="18" charset="0"/>
             </a:endParaRPr>
           </a:p>
@@ -12913,11 +15719,11 @@
           <a:bodyPr/>
           <a:lstStyle/>
           <a:p>
-            <a:fld id="{CC3649EB-8EE1-460A-8A89-C53A6F059FCE}" type="datetime1">
+            <a:fld id="{E842C09C-9BD2-4EFE-87B5-E2FDB334D29E}" type="datetime1">
               <a:rPr lang="hu-HU" sz="2000" smtClean="0">
                 <a:latin typeface="Cambria" panose="02040503050406030204" pitchFamily="18" charset="0"/>
               </a:rPr>
-              <a:t>2015. 04. 20.</a:t>
+              <a:t>2015. 04. 21.</a:t>
             </a:fld>
             <a:endParaRPr lang="en-US" sz="2000" dirty="0">
               <a:latin typeface="Cambria" panose="02040503050406030204" pitchFamily="18" charset="0"/>
@@ -12952,10 +15758,1797 @@
           </a:p>
         </p:txBody>
       </p:sp>
+      <p:graphicFrame>
+        <p:nvGraphicFramePr>
+          <p:cNvPr id="8" name="Objektum 7"/>
+          <p:cNvGraphicFramePr>
+            <a:graphicFrameLocks noChangeAspect="1"/>
+          </p:cNvGraphicFramePr>
+          <p:nvPr>
+            <p:extLst>
+              <p:ext uri="{D42A27DB-BD31-4B8C-83A1-F6EECF244321}">
+                <p14:modId xmlns:p14="http://schemas.microsoft.com/office/powerpoint/2010/main" val="235183492"/>
+              </p:ext>
+            </p:extLst>
+          </p:nvPr>
+        </p:nvGraphicFramePr>
+        <p:xfrm>
+          <a:off x="6923088" y="1258888"/>
+          <a:ext cx="4945062" cy="2170112"/>
+        </p:xfrm>
+        <a:graphic>
+          <a:graphicData uri="http://schemas.openxmlformats.org/presentationml/2006/ole">
+            <mc:AlternateContent xmlns:mc="http://schemas.openxmlformats.org/markup-compatibility/2006">
+              <mc:Choice xmlns:v="urn:schemas-microsoft-com:vml" Requires="v">
+                <p:oleObj spid="_x0000_s2061" name="Visio" r:id="rId3" imgW="3343185" imgH="1466811" progId="Visio.Drawing.15">
+                  <p:link updateAutomatic="1"/>
+                </p:oleObj>
+              </mc:Choice>
+              <mc:Fallback>
+                <p:oleObj name="Visio" r:id="rId3" imgW="3343185" imgH="1466811" progId="Visio.Drawing.15">
+                  <p:link updateAutomatic="1"/>
+                  <p:pic>
+                    <p:nvPicPr>
+                      <p:cNvPr id="0" name=""/>
+                      <p:cNvPicPr/>
+                      <p:nvPr/>
+                    </p:nvPicPr>
+                    <p:blipFill>
+                      <a:blip r:embed="rId4"/>
+                      <a:stretch>
+                        <a:fillRect/>
+                      </a:stretch>
+                    </p:blipFill>
+                    <p:spPr>
+                      <a:xfrm>
+                        <a:off x="6923088" y="1258888"/>
+                        <a:ext cx="4945062" cy="2170112"/>
+                      </a:xfrm>
+                      <a:prstGeom prst="rect">
+                        <a:avLst/>
+                      </a:prstGeom>
+                    </p:spPr>
+                  </p:pic>
+                </p:oleObj>
+              </mc:Fallback>
+            </mc:AlternateContent>
+          </a:graphicData>
+        </a:graphic>
+      </p:graphicFrame>
+      <mc:AlternateContent xmlns:mc="http://schemas.openxmlformats.org/markup-compatibility/2006">
+        <mc:Choice xmlns:a14="http://schemas.microsoft.com/office/drawing/2010/main" Requires="a14">
+          <p:sp>
+            <p:nvSpPr>
+              <p:cNvPr id="9" name="Szövegdoboz 8"/>
+              <p:cNvSpPr txBox="1"/>
+              <p:nvPr/>
+            </p:nvSpPr>
+            <p:spPr>
+              <a:xfrm>
+                <a:off x="6136841" y="3839186"/>
+                <a:ext cx="6122504" cy="2694392"/>
+              </a:xfrm>
+              <a:prstGeom prst="rect">
+                <a:avLst/>
+              </a:prstGeom>
+              <a:noFill/>
+            </p:spPr>
+            <p:txBody>
+              <a:bodyPr wrap="square" rtlCol="0">
+                <a:spAutoFit/>
+              </a:bodyPr>
+              <a:lstStyle/>
+              <a:p>
+                <a:pPr/>
+                <a14:m>
+                  <m:oMathPara xmlns:m="http://schemas.openxmlformats.org/officeDocument/2006/math">
+                    <m:oMathParaPr>
+                      <m:jc m:val="centerGroup"/>
+                    </m:oMathParaPr>
+                    <m:oMath xmlns:m="http://schemas.openxmlformats.org/officeDocument/2006/math">
+                      <m:func>
+                        <m:funcPr>
+                          <m:ctrlPr>
+                            <a:rPr lang="en-US" b="1" i="1" smtClean="0">
+                              <a:solidFill>
+                                <a:schemeClr val="tx1">
+                                  <a:lumMod val="75000"/>
+                                  <a:lumOff val="25000"/>
+                                </a:schemeClr>
+                              </a:solidFill>
+                              <a:latin typeface="Cambria Math" panose="02040503050406030204" pitchFamily="18" charset="0"/>
+                            </a:rPr>
+                          </m:ctrlPr>
+                        </m:funcPr>
+                        <m:fName>
+                          <m:limLow>
+                            <m:limLowPr>
+                              <m:ctrlPr>
+                                <a:rPr lang="en-US" b="1" i="1">
+                                  <a:solidFill>
+                                    <a:schemeClr val="tx1">
+                                      <a:lumMod val="75000"/>
+                                      <a:lumOff val="25000"/>
+                                    </a:schemeClr>
+                                  </a:solidFill>
+                                  <a:latin typeface="Cambria Math" panose="02040503050406030204" pitchFamily="18" charset="0"/>
+                                </a:rPr>
+                              </m:ctrlPr>
+                            </m:limLowPr>
+                            <m:e>
+                              <m:r>
+                                <a:rPr lang="hu-HU" b="1" i="1">
+                                  <a:solidFill>
+                                    <a:schemeClr val="tx1">
+                                      <a:lumMod val="75000"/>
+                                      <a:lumOff val="25000"/>
+                                    </a:schemeClr>
+                                  </a:solidFill>
+                                  <a:latin typeface="Cambria Math" panose="02040503050406030204" pitchFamily="18" charset="0"/>
+                                </a:rPr>
+                                <m:t>𝒎𝒊𝒏</m:t>
+                              </m:r>
+                            </m:e>
+                            <m:lim/>
+                          </m:limLow>
+                        </m:fName>
+                        <m:e>
+                          <m:eqArr>
+                            <m:eqArrPr>
+                              <m:ctrlPr>
+                                <a:rPr lang="en-US" b="1" i="1">
+                                  <a:solidFill>
+                                    <a:schemeClr val="tx1">
+                                      <a:lumMod val="75000"/>
+                                      <a:lumOff val="25000"/>
+                                    </a:schemeClr>
+                                  </a:solidFill>
+                                  <a:latin typeface="Cambria Math" panose="02040503050406030204" pitchFamily="18" charset="0"/>
+                                </a:rPr>
+                              </m:ctrlPr>
+                            </m:eqArrPr>
+                            <m:e>
+                              <m:f>
+                                <m:fPr>
+                                  <m:ctrlPr>
+                                    <a:rPr lang="en-US" b="1" i="1">
+                                      <a:solidFill>
+                                        <a:schemeClr val="tx1">
+                                          <a:lumMod val="75000"/>
+                                          <a:lumOff val="25000"/>
+                                        </a:schemeClr>
+                                      </a:solidFill>
+                                      <a:latin typeface="Cambria Math" panose="02040503050406030204" pitchFamily="18" charset="0"/>
+                                    </a:rPr>
+                                  </m:ctrlPr>
+                                </m:fPr>
+                                <m:num>
+                                  <m:rad>
+                                    <m:radPr>
+                                      <m:degHide m:val="on"/>
+                                      <m:ctrlPr>
+                                        <a:rPr lang="en-US" b="1" i="1">
+                                          <a:solidFill>
+                                            <a:schemeClr val="tx1">
+                                              <a:lumMod val="75000"/>
+                                              <a:lumOff val="25000"/>
+                                            </a:schemeClr>
+                                          </a:solidFill>
+                                          <a:latin typeface="Cambria Math" panose="02040503050406030204" pitchFamily="18" charset="0"/>
+                                        </a:rPr>
+                                      </m:ctrlPr>
+                                    </m:radPr>
+                                    <m:deg/>
+                                    <m:e>
+                                      <m:f>
+                                        <m:fPr>
+                                          <m:ctrlPr>
+                                            <a:rPr lang="en-US" b="1" i="1">
+                                              <a:solidFill>
+                                                <a:schemeClr val="tx1">
+                                                  <a:lumMod val="75000"/>
+                                                  <a:lumOff val="25000"/>
+                                                </a:schemeClr>
+                                              </a:solidFill>
+                                              <a:latin typeface="Cambria Math" panose="02040503050406030204" pitchFamily="18" charset="0"/>
+                                            </a:rPr>
+                                          </m:ctrlPr>
+                                        </m:fPr>
+                                        <m:num>
+                                          <m:nary>
+                                            <m:naryPr>
+                                              <m:chr m:val="∑"/>
+                                              <m:limLoc m:val="undOvr"/>
+                                              <m:ctrlPr>
+                                                <a:rPr lang="en-US" b="1" i="1">
+                                                  <a:solidFill>
+                                                    <a:schemeClr val="tx1">
+                                                      <a:lumMod val="75000"/>
+                                                      <a:lumOff val="25000"/>
+                                                    </a:schemeClr>
+                                                  </a:solidFill>
+                                                  <a:latin typeface="Cambria Math" panose="02040503050406030204" pitchFamily="18" charset="0"/>
+                                                </a:rPr>
+                                              </m:ctrlPr>
+                                            </m:naryPr>
+                                            <m:sub>
+                                              <m:r>
+                                                <a:rPr lang="hu-HU" b="1" i="1">
+                                                  <a:solidFill>
+                                                    <a:schemeClr val="tx1">
+                                                      <a:lumMod val="75000"/>
+                                                      <a:lumOff val="25000"/>
+                                                    </a:schemeClr>
+                                                  </a:solidFill>
+                                                  <a:latin typeface="Cambria Math" panose="02040503050406030204" pitchFamily="18" charset="0"/>
+                                                </a:rPr>
+                                                <m:t>𝒊</m:t>
+                                              </m:r>
+                                              <m:r>
+                                                <a:rPr lang="hu-HU" b="1" i="1">
+                                                  <a:solidFill>
+                                                    <a:schemeClr val="tx1">
+                                                      <a:lumMod val="75000"/>
+                                                      <a:lumOff val="25000"/>
+                                                    </a:schemeClr>
+                                                  </a:solidFill>
+                                                  <a:latin typeface="Cambria Math" panose="02040503050406030204" pitchFamily="18" charset="0"/>
+                                                </a:rPr>
+                                                <m:t>=</m:t>
+                                              </m:r>
+                                              <m:r>
+                                                <a:rPr lang="hu-HU" b="1" i="1">
+                                                  <a:solidFill>
+                                                    <a:schemeClr val="tx1">
+                                                      <a:lumMod val="75000"/>
+                                                      <a:lumOff val="25000"/>
+                                                    </a:schemeClr>
+                                                  </a:solidFill>
+                                                  <a:latin typeface="Cambria Math" panose="02040503050406030204" pitchFamily="18" charset="0"/>
+                                                </a:rPr>
+                                                <m:t>𝟏</m:t>
+                                              </m:r>
+                                            </m:sub>
+                                            <m:sup>
+                                              <m:r>
+                                                <a:rPr lang="hu-HU" b="1" i="1">
+                                                  <a:solidFill>
+                                                    <a:schemeClr val="tx1">
+                                                      <a:lumMod val="75000"/>
+                                                      <a:lumOff val="25000"/>
+                                                    </a:schemeClr>
+                                                  </a:solidFill>
+                                                  <a:latin typeface="Cambria Math" panose="02040503050406030204" pitchFamily="18" charset="0"/>
+                                                </a:rPr>
+                                                <m:t>𝒏</m:t>
+                                              </m:r>
+                                            </m:sup>
+                                            <m:e>
+                                              <m:nary>
+                                                <m:naryPr>
+                                                  <m:chr m:val="∑"/>
+                                                  <m:limLoc m:val="undOvr"/>
+                                                  <m:ctrlPr>
+                                                    <a:rPr lang="en-US" b="1" i="1">
+                                                      <a:solidFill>
+                                                        <a:schemeClr val="tx1">
+                                                          <a:lumMod val="75000"/>
+                                                          <a:lumOff val="25000"/>
+                                                        </a:schemeClr>
+                                                      </a:solidFill>
+                                                      <a:latin typeface="Cambria Math" panose="02040503050406030204" pitchFamily="18" charset="0"/>
+                                                    </a:rPr>
+                                                  </m:ctrlPr>
+                                                </m:naryPr>
+                                                <m:sub>
+                                                  <m:r>
+                                                    <a:rPr lang="hu-HU" b="1" i="1">
+                                                      <a:solidFill>
+                                                        <a:schemeClr val="tx1">
+                                                          <a:lumMod val="75000"/>
+                                                          <a:lumOff val="25000"/>
+                                                        </a:schemeClr>
+                                                      </a:solidFill>
+                                                      <a:latin typeface="Cambria Math" panose="02040503050406030204" pitchFamily="18" charset="0"/>
+                                                    </a:rPr>
+                                                    <m:t>𝒋</m:t>
+                                                  </m:r>
+                                                  <m:r>
+                                                    <a:rPr lang="hu-HU" b="1" i="1">
+                                                      <a:solidFill>
+                                                        <a:schemeClr val="tx1">
+                                                          <a:lumMod val="75000"/>
+                                                          <a:lumOff val="25000"/>
+                                                        </a:schemeClr>
+                                                      </a:solidFill>
+                                                      <a:latin typeface="Cambria Math" panose="02040503050406030204" pitchFamily="18" charset="0"/>
+                                                    </a:rPr>
+                                                    <m:t>=</m:t>
+                                                  </m:r>
+                                                  <m:r>
+                                                    <a:rPr lang="hu-HU" b="1" i="1">
+                                                      <a:solidFill>
+                                                        <a:schemeClr val="tx1">
+                                                          <a:lumMod val="75000"/>
+                                                          <a:lumOff val="25000"/>
+                                                        </a:schemeClr>
+                                                      </a:solidFill>
+                                                      <a:latin typeface="Cambria Math" panose="02040503050406030204" pitchFamily="18" charset="0"/>
+                                                    </a:rPr>
+                                                    <m:t>𝟏</m:t>
+                                                  </m:r>
+                                                </m:sub>
+                                                <m:sup>
+                                                  <m:r>
+                                                    <a:rPr lang="hu-HU" b="1" i="1">
+                                                      <a:solidFill>
+                                                        <a:schemeClr val="tx1">
+                                                          <a:lumMod val="75000"/>
+                                                          <a:lumOff val="25000"/>
+                                                        </a:schemeClr>
+                                                      </a:solidFill>
+                                                      <a:latin typeface="Cambria Math" panose="02040503050406030204" pitchFamily="18" charset="0"/>
+                                                    </a:rPr>
+                                                    <m:t>𝒏</m:t>
+                                                  </m:r>
+                                                </m:sup>
+                                                <m:e>
+                                                  <m:sSub>
+                                                    <m:sSubPr>
+                                                      <m:ctrlPr>
+                                                        <a:rPr lang="en-US" b="1" i="1">
+                                                          <a:solidFill>
+                                                            <a:schemeClr val="tx1">
+                                                              <a:lumMod val="75000"/>
+                                                              <a:lumOff val="25000"/>
+                                                            </a:schemeClr>
+                                                          </a:solidFill>
+                                                          <a:latin typeface="Cambria Math" panose="02040503050406030204" pitchFamily="18" charset="0"/>
+                                                        </a:rPr>
+                                                      </m:ctrlPr>
+                                                    </m:sSubPr>
+                                                    <m:e>
+                                                      <m:r>
+                                                        <a:rPr lang="hu-HU" b="1" i="1">
+                                                          <a:solidFill>
+                                                            <a:schemeClr val="tx1">
+                                                              <a:lumMod val="75000"/>
+                                                              <a:lumOff val="25000"/>
+                                                            </a:schemeClr>
+                                                          </a:solidFill>
+                                                          <a:latin typeface="Cambria Math" panose="02040503050406030204" pitchFamily="18" charset="0"/>
+                                                        </a:rPr>
+                                                        <m:t>𝒙</m:t>
+                                                      </m:r>
+                                                    </m:e>
+                                                    <m:sub>
+                                                      <m:r>
+                                                        <a:rPr lang="hu-HU" b="1" i="1">
+                                                          <a:solidFill>
+                                                            <a:schemeClr val="tx1">
+                                                              <a:lumMod val="75000"/>
+                                                              <a:lumOff val="25000"/>
+                                                            </a:schemeClr>
+                                                          </a:solidFill>
+                                                          <a:latin typeface="Cambria Math" panose="02040503050406030204" pitchFamily="18" charset="0"/>
+                                                        </a:rPr>
+                                                        <m:t>𝒊</m:t>
+                                                      </m:r>
+                                                    </m:sub>
+                                                  </m:sSub>
+                                                  <m:sSub>
+                                                    <m:sSubPr>
+                                                      <m:ctrlPr>
+                                                        <a:rPr lang="en-US" b="1" i="1">
+                                                          <a:solidFill>
+                                                            <a:schemeClr val="tx1">
+                                                              <a:lumMod val="75000"/>
+                                                              <a:lumOff val="25000"/>
+                                                            </a:schemeClr>
+                                                          </a:solidFill>
+                                                          <a:latin typeface="Cambria Math" panose="02040503050406030204" pitchFamily="18" charset="0"/>
+                                                        </a:rPr>
+                                                      </m:ctrlPr>
+                                                    </m:sSubPr>
+                                                    <m:e>
+                                                      <m:r>
+                                                        <a:rPr lang="hu-HU" b="1" i="1">
+                                                          <a:solidFill>
+                                                            <a:schemeClr val="tx1">
+                                                              <a:lumMod val="75000"/>
+                                                              <a:lumOff val="25000"/>
+                                                            </a:schemeClr>
+                                                          </a:solidFill>
+                                                          <a:latin typeface="Cambria Math" panose="02040503050406030204" pitchFamily="18" charset="0"/>
+                                                        </a:rPr>
+                                                        <m:t>𝒙</m:t>
+                                                      </m:r>
+                                                    </m:e>
+                                                    <m:sub>
+                                                      <m:r>
+                                                        <a:rPr lang="hu-HU" b="1" i="1">
+                                                          <a:solidFill>
+                                                            <a:schemeClr val="tx1">
+                                                              <a:lumMod val="75000"/>
+                                                              <a:lumOff val="25000"/>
+                                                            </a:schemeClr>
+                                                          </a:solidFill>
+                                                          <a:latin typeface="Cambria Math" panose="02040503050406030204" pitchFamily="18" charset="0"/>
+                                                        </a:rPr>
+                                                        <m:t>𝒋</m:t>
+                                                      </m:r>
+                                                    </m:sub>
+                                                  </m:sSub>
+                                                  <m:sSup>
+                                                    <m:sSupPr>
+                                                      <m:ctrlPr>
+                                                        <a:rPr lang="en-US" b="1" i="1">
+                                                          <a:solidFill>
+                                                            <a:schemeClr val="tx1">
+                                                              <a:lumMod val="75000"/>
+                                                              <a:lumOff val="25000"/>
+                                                            </a:schemeClr>
+                                                          </a:solidFill>
+                                                          <a:latin typeface="Cambria Math" panose="02040503050406030204" pitchFamily="18" charset="0"/>
+                                                        </a:rPr>
+                                                      </m:ctrlPr>
+                                                    </m:sSupPr>
+                                                    <m:e>
+                                                      <m:r>
+                                                        <a:rPr lang="hu-HU" b="1" i="1">
+                                                          <a:solidFill>
+                                                            <a:schemeClr val="tx1">
+                                                              <a:lumMod val="75000"/>
+                                                              <a:lumOff val="25000"/>
+                                                            </a:schemeClr>
+                                                          </a:solidFill>
+                                                          <a:latin typeface="Cambria Math" panose="02040503050406030204" pitchFamily="18" charset="0"/>
+                                                        </a:rPr>
+                                                        <m:t>(</m:t>
+                                                      </m:r>
+                                                      <m:sSub>
+                                                        <m:sSubPr>
+                                                          <m:ctrlPr>
+                                                            <a:rPr lang="en-US" b="1" i="1">
+                                                              <a:solidFill>
+                                                                <a:schemeClr val="tx1">
+                                                                  <a:lumMod val="75000"/>
+                                                                  <a:lumOff val="25000"/>
+                                                                </a:schemeClr>
+                                                              </a:solidFill>
+                                                              <a:latin typeface="Cambria Math" panose="02040503050406030204" pitchFamily="18" charset="0"/>
+                                                            </a:rPr>
+                                                          </m:ctrlPr>
+                                                        </m:sSubPr>
+                                                        <m:e>
+                                                          <m:r>
+                                                            <a:rPr lang="hu-HU" b="1" i="1">
+                                                              <a:solidFill>
+                                                                <a:schemeClr val="tx1">
+                                                                  <a:lumMod val="75000"/>
+                                                                  <a:lumOff val="25000"/>
+                                                                </a:schemeClr>
+                                                              </a:solidFill>
+                                                              <a:latin typeface="Cambria Math" panose="02040503050406030204" pitchFamily="18" charset="0"/>
+                                                            </a:rPr>
+                                                            <m:t>𝒅</m:t>
+                                                          </m:r>
+                                                        </m:e>
+                                                        <m:sub>
+                                                          <m:r>
+                                                            <a:rPr lang="hu-HU" b="1" i="1">
+                                                              <a:solidFill>
+                                                                <a:schemeClr val="tx1">
+                                                                  <a:lumMod val="75000"/>
+                                                                  <a:lumOff val="25000"/>
+                                                                </a:schemeClr>
+                                                              </a:solidFill>
+                                                              <a:latin typeface="Cambria Math" panose="02040503050406030204" pitchFamily="18" charset="0"/>
+                                                            </a:rPr>
+                                                            <m:t>𝒊𝒋</m:t>
+                                                          </m:r>
+                                                        </m:sub>
+                                                      </m:sSub>
+                                                      <m:sSub>
+                                                        <m:sSubPr>
+                                                          <m:ctrlPr>
+                                                            <a:rPr lang="en-US" b="1" i="1">
+                                                              <a:solidFill>
+                                                                <a:schemeClr val="tx1">
+                                                                  <a:lumMod val="75000"/>
+                                                                  <a:lumOff val="25000"/>
+                                                                </a:schemeClr>
+                                                              </a:solidFill>
+                                                              <a:latin typeface="Cambria Math" panose="02040503050406030204" pitchFamily="18" charset="0"/>
+                                                            </a:rPr>
+                                                          </m:ctrlPr>
+                                                        </m:sSubPr>
+                                                        <m:e>
+                                                          <m:r>
+                                                            <a:rPr lang="hu-HU" b="1" i="1">
+                                                              <a:solidFill>
+                                                                <a:schemeClr val="tx1">
+                                                                  <a:lumMod val="75000"/>
+                                                                  <a:lumOff val="25000"/>
+                                                                </a:schemeClr>
+                                                              </a:solidFill>
+                                                              <a:latin typeface="Cambria Math" panose="02040503050406030204" pitchFamily="18" charset="0"/>
+                                                            </a:rPr>
+                                                            <m:t>−</m:t>
+                                                          </m:r>
+                                                          <m:r>
+                                                            <a:rPr lang="hu-HU" b="1" i="1">
+                                                              <a:solidFill>
+                                                                <a:schemeClr val="tx1">
+                                                                  <a:lumMod val="75000"/>
+                                                                  <a:lumOff val="25000"/>
+                                                                </a:schemeClr>
+                                                              </a:solidFill>
+                                                              <a:latin typeface="Cambria Math" panose="02040503050406030204" pitchFamily="18" charset="0"/>
+                                                            </a:rPr>
+                                                            <m:t>𝒅</m:t>
+                                                          </m:r>
+                                                        </m:e>
+                                                        <m:sub>
+                                                          <m:r>
+                                                            <a:rPr lang="hu-HU" b="1" i="1">
+                                                              <a:solidFill>
+                                                                <a:schemeClr val="tx1">
+                                                                  <a:lumMod val="75000"/>
+                                                                  <a:lumOff val="25000"/>
+                                                                </a:schemeClr>
+                                                              </a:solidFill>
+                                                              <a:latin typeface="Cambria Math" panose="02040503050406030204" pitchFamily="18" charset="0"/>
+                                                            </a:rPr>
+                                                            <m:t>𝒎𝒊𝒏</m:t>
+                                                          </m:r>
+                                                        </m:sub>
+                                                      </m:sSub>
+                                                      <m:r>
+                                                        <a:rPr lang="hu-HU" b="1" i="1">
+                                                          <a:solidFill>
+                                                            <a:schemeClr val="tx1">
+                                                              <a:lumMod val="75000"/>
+                                                              <a:lumOff val="25000"/>
+                                                            </a:schemeClr>
+                                                          </a:solidFill>
+                                                          <a:latin typeface="Cambria Math" panose="02040503050406030204" pitchFamily="18" charset="0"/>
+                                                        </a:rPr>
+                                                        <m:t>)</m:t>
+                                                      </m:r>
+                                                    </m:e>
+                                                    <m:sup>
+                                                      <m:r>
+                                                        <a:rPr lang="hu-HU" b="1" i="1">
+                                                          <a:solidFill>
+                                                            <a:schemeClr val="tx1">
+                                                              <a:lumMod val="75000"/>
+                                                              <a:lumOff val="25000"/>
+                                                            </a:schemeClr>
+                                                          </a:solidFill>
+                                                          <a:latin typeface="Cambria Math" panose="02040503050406030204" pitchFamily="18" charset="0"/>
+                                                        </a:rPr>
+                                                        <m:t>𝟐</m:t>
+                                                      </m:r>
+                                                    </m:sup>
+                                                  </m:sSup>
+                                                </m:e>
+                                              </m:nary>
+                                            </m:e>
+                                          </m:nary>
+                                        </m:num>
+                                        <m:den>
+                                          <m:nary>
+                                            <m:naryPr>
+                                              <m:chr m:val="∑"/>
+                                              <m:limLoc m:val="subSup"/>
+                                              <m:ctrlPr>
+                                                <a:rPr lang="en-US" b="1" i="1">
+                                                  <a:solidFill>
+                                                    <a:schemeClr val="tx1">
+                                                      <a:lumMod val="75000"/>
+                                                      <a:lumOff val="25000"/>
+                                                    </a:schemeClr>
+                                                  </a:solidFill>
+                                                  <a:latin typeface="Cambria Math" panose="02040503050406030204" pitchFamily="18" charset="0"/>
+                                                </a:rPr>
+                                              </m:ctrlPr>
+                                            </m:naryPr>
+                                            <m:sub>
+                                              <m:r>
+                                                <a:rPr lang="hu-HU" b="1" i="1">
+                                                  <a:solidFill>
+                                                    <a:schemeClr val="tx1">
+                                                      <a:lumMod val="75000"/>
+                                                      <a:lumOff val="25000"/>
+                                                    </a:schemeClr>
+                                                  </a:solidFill>
+                                                  <a:latin typeface="Cambria Math" panose="02040503050406030204" pitchFamily="18" charset="0"/>
+                                                </a:rPr>
+                                                <m:t>𝒊</m:t>
+                                              </m:r>
+                                              <m:r>
+                                                <a:rPr lang="hu-HU" b="1" i="1">
+                                                  <a:solidFill>
+                                                    <a:schemeClr val="tx1">
+                                                      <a:lumMod val="75000"/>
+                                                      <a:lumOff val="25000"/>
+                                                    </a:schemeClr>
+                                                  </a:solidFill>
+                                                  <a:latin typeface="Cambria Math" panose="02040503050406030204" pitchFamily="18" charset="0"/>
+                                                </a:rPr>
+                                                <m:t>=</m:t>
+                                              </m:r>
+                                              <m:r>
+                                                <a:rPr lang="hu-HU" b="1" i="1">
+                                                  <a:solidFill>
+                                                    <a:schemeClr val="tx1">
+                                                      <a:lumMod val="75000"/>
+                                                      <a:lumOff val="25000"/>
+                                                    </a:schemeClr>
+                                                  </a:solidFill>
+                                                  <a:latin typeface="Cambria Math" panose="02040503050406030204" pitchFamily="18" charset="0"/>
+                                                </a:rPr>
+                                                <m:t>𝟏</m:t>
+                                              </m:r>
+                                            </m:sub>
+                                            <m:sup>
+                                              <m:r>
+                                                <a:rPr lang="hu-HU" b="1" i="1">
+                                                  <a:solidFill>
+                                                    <a:schemeClr val="tx1">
+                                                      <a:lumMod val="75000"/>
+                                                      <a:lumOff val="25000"/>
+                                                    </a:schemeClr>
+                                                  </a:solidFill>
+                                                  <a:latin typeface="Cambria Math" panose="02040503050406030204" pitchFamily="18" charset="0"/>
+                                                </a:rPr>
+                                                <m:t>𝒏</m:t>
+                                              </m:r>
+                                            </m:sup>
+                                            <m:e>
+                                              <m:sSub>
+                                                <m:sSubPr>
+                                                  <m:ctrlPr>
+                                                    <a:rPr lang="en-US" b="1" i="1">
+                                                      <a:solidFill>
+                                                        <a:schemeClr val="tx1">
+                                                          <a:lumMod val="75000"/>
+                                                          <a:lumOff val="25000"/>
+                                                        </a:schemeClr>
+                                                      </a:solidFill>
+                                                      <a:latin typeface="Cambria Math" panose="02040503050406030204" pitchFamily="18" charset="0"/>
+                                                    </a:rPr>
+                                                  </m:ctrlPr>
+                                                </m:sSubPr>
+                                                <m:e>
+                                                  <m:r>
+                                                    <a:rPr lang="hu-HU" b="1" i="1">
+                                                      <a:solidFill>
+                                                        <a:schemeClr val="tx1">
+                                                          <a:lumMod val="75000"/>
+                                                          <a:lumOff val="25000"/>
+                                                        </a:schemeClr>
+                                                      </a:solidFill>
+                                                      <a:latin typeface="Cambria Math" panose="02040503050406030204" pitchFamily="18" charset="0"/>
+                                                    </a:rPr>
+                                                    <m:t>𝒙</m:t>
+                                                  </m:r>
+                                                </m:e>
+                                                <m:sub>
+                                                  <m:r>
+                                                    <a:rPr lang="hu-HU" b="1" i="1">
+                                                      <a:solidFill>
+                                                        <a:schemeClr val="tx1">
+                                                          <a:lumMod val="75000"/>
+                                                          <a:lumOff val="25000"/>
+                                                        </a:schemeClr>
+                                                      </a:solidFill>
+                                                      <a:latin typeface="Cambria Math" panose="02040503050406030204" pitchFamily="18" charset="0"/>
+                                                    </a:rPr>
+                                                    <m:t>𝒊</m:t>
+                                                  </m:r>
+                                                </m:sub>
+                                              </m:sSub>
+                                            </m:e>
+                                          </m:nary>
+                                        </m:den>
+                                      </m:f>
+                                    </m:e>
+                                  </m:rad>
+                                </m:num>
+                                <m:den>
+                                  <m:sSub>
+                                    <m:sSubPr>
+                                      <m:ctrlPr>
+                                        <a:rPr lang="en-US" b="1" i="1">
+                                          <a:solidFill>
+                                            <a:schemeClr val="tx1">
+                                              <a:lumMod val="75000"/>
+                                              <a:lumOff val="25000"/>
+                                            </a:schemeClr>
+                                          </a:solidFill>
+                                          <a:latin typeface="Cambria Math" panose="02040503050406030204" pitchFamily="18" charset="0"/>
+                                        </a:rPr>
+                                      </m:ctrlPr>
+                                    </m:sSubPr>
+                                    <m:e>
+                                      <m:r>
+                                        <a:rPr lang="hu-HU" b="1" i="1">
+                                          <a:solidFill>
+                                            <a:schemeClr val="tx1">
+                                              <a:lumMod val="75000"/>
+                                              <a:lumOff val="25000"/>
+                                            </a:schemeClr>
+                                          </a:solidFill>
+                                          <a:latin typeface="Cambria Math" panose="02040503050406030204" pitchFamily="18" charset="0"/>
+                                        </a:rPr>
+                                        <m:t>𝒅</m:t>
+                                      </m:r>
+                                    </m:e>
+                                    <m:sub>
+                                      <m:r>
+                                        <a:rPr lang="hu-HU" b="1" i="1">
+                                          <a:solidFill>
+                                            <a:schemeClr val="tx1">
+                                              <a:lumMod val="75000"/>
+                                              <a:lumOff val="25000"/>
+                                            </a:schemeClr>
+                                          </a:solidFill>
+                                          <a:latin typeface="Cambria Math" panose="02040503050406030204" pitchFamily="18" charset="0"/>
+                                        </a:rPr>
+                                        <m:t>𝒎𝒊𝒏</m:t>
+                                      </m:r>
+                                    </m:sub>
+                                  </m:sSub>
+                                </m:den>
+                              </m:f>
+                              <m:r>
+                                <a:rPr lang="hu-HU" b="1" i="1">
+                                  <a:solidFill>
+                                    <a:schemeClr val="tx1">
+                                      <a:lumMod val="75000"/>
+                                      <a:lumOff val="25000"/>
+                                    </a:schemeClr>
+                                  </a:solidFill>
+                                  <a:latin typeface="Cambria Math" panose="02040503050406030204" pitchFamily="18" charset="0"/>
+                                </a:rPr>
+                                <m:t>+</m:t>
+                              </m:r>
+                              <m:f>
+                                <m:fPr>
+                                  <m:ctrlPr>
+                                    <a:rPr lang="en-US" b="1" i="1">
+                                      <a:solidFill>
+                                        <a:schemeClr val="tx1">
+                                          <a:lumMod val="75000"/>
+                                          <a:lumOff val="25000"/>
+                                        </a:schemeClr>
+                                      </a:solidFill>
+                                      <a:latin typeface="Cambria Math" panose="02040503050406030204" pitchFamily="18" charset="0"/>
+                                    </a:rPr>
+                                  </m:ctrlPr>
+                                </m:fPr>
+                                <m:num>
+                                  <m:rad>
+                                    <m:radPr>
+                                      <m:degHide m:val="on"/>
+                                      <m:ctrlPr>
+                                        <a:rPr lang="en-US" b="1" i="1">
+                                          <a:solidFill>
+                                            <a:schemeClr val="tx1">
+                                              <a:lumMod val="75000"/>
+                                              <a:lumOff val="25000"/>
+                                            </a:schemeClr>
+                                          </a:solidFill>
+                                          <a:latin typeface="Cambria Math" panose="02040503050406030204" pitchFamily="18" charset="0"/>
+                                        </a:rPr>
+                                      </m:ctrlPr>
+                                    </m:radPr>
+                                    <m:deg/>
+                                    <m:e>
+                                      <m:f>
+                                        <m:fPr>
+                                          <m:ctrlPr>
+                                            <a:rPr lang="en-US" b="1" i="1">
+                                              <a:solidFill>
+                                                <a:schemeClr val="tx1">
+                                                  <a:lumMod val="75000"/>
+                                                  <a:lumOff val="25000"/>
+                                                </a:schemeClr>
+                                              </a:solidFill>
+                                              <a:latin typeface="Cambria Math" panose="02040503050406030204" pitchFamily="18" charset="0"/>
+                                            </a:rPr>
+                                          </m:ctrlPr>
+                                        </m:fPr>
+                                        <m:num>
+                                          <m:nary>
+                                            <m:naryPr>
+                                              <m:chr m:val="∑"/>
+                                              <m:limLoc m:val="undOvr"/>
+                                              <m:ctrlPr>
+                                                <a:rPr lang="en-US" b="1" i="1">
+                                                  <a:solidFill>
+                                                    <a:schemeClr val="tx1">
+                                                      <a:lumMod val="75000"/>
+                                                      <a:lumOff val="25000"/>
+                                                    </a:schemeClr>
+                                                  </a:solidFill>
+                                                  <a:latin typeface="Cambria Math" panose="02040503050406030204" pitchFamily="18" charset="0"/>
+                                                </a:rPr>
+                                              </m:ctrlPr>
+                                            </m:naryPr>
+                                            <m:sub>
+                                              <m:r>
+                                                <a:rPr lang="hu-HU" b="1" i="1">
+                                                  <a:solidFill>
+                                                    <a:schemeClr val="tx1">
+                                                      <a:lumMod val="75000"/>
+                                                      <a:lumOff val="25000"/>
+                                                    </a:schemeClr>
+                                                  </a:solidFill>
+                                                  <a:latin typeface="Cambria Math" panose="02040503050406030204" pitchFamily="18" charset="0"/>
+                                                </a:rPr>
+                                                <m:t>𝒊</m:t>
+                                              </m:r>
+                                              <m:r>
+                                                <a:rPr lang="hu-HU" b="1" i="1">
+                                                  <a:solidFill>
+                                                    <a:schemeClr val="tx1">
+                                                      <a:lumMod val="75000"/>
+                                                      <a:lumOff val="25000"/>
+                                                    </a:schemeClr>
+                                                  </a:solidFill>
+                                                  <a:latin typeface="Cambria Math" panose="02040503050406030204" pitchFamily="18" charset="0"/>
+                                                </a:rPr>
+                                                <m:t>=</m:t>
+                                              </m:r>
+                                              <m:r>
+                                                <a:rPr lang="hu-HU" b="1" i="1">
+                                                  <a:solidFill>
+                                                    <a:schemeClr val="tx1">
+                                                      <a:lumMod val="75000"/>
+                                                      <a:lumOff val="25000"/>
+                                                    </a:schemeClr>
+                                                  </a:solidFill>
+                                                  <a:latin typeface="Cambria Math" panose="02040503050406030204" pitchFamily="18" charset="0"/>
+                                                </a:rPr>
+                                                <m:t>𝟏</m:t>
+                                              </m:r>
+                                            </m:sub>
+                                            <m:sup>
+                                              <m:r>
+                                                <a:rPr lang="hu-HU" b="1" i="1">
+                                                  <a:solidFill>
+                                                    <a:schemeClr val="tx1">
+                                                      <a:lumMod val="75000"/>
+                                                      <a:lumOff val="25000"/>
+                                                    </a:schemeClr>
+                                                  </a:solidFill>
+                                                  <a:latin typeface="Cambria Math" panose="02040503050406030204" pitchFamily="18" charset="0"/>
+                                                </a:rPr>
+                                                <m:t>𝒏</m:t>
+                                              </m:r>
+                                            </m:sup>
+                                            <m:e>
+                                              <m:sSup>
+                                                <m:sSupPr>
+                                                  <m:ctrlPr>
+                                                    <a:rPr lang="en-US" b="1" i="1">
+                                                      <a:solidFill>
+                                                        <a:schemeClr val="tx1">
+                                                          <a:lumMod val="75000"/>
+                                                          <a:lumOff val="25000"/>
+                                                        </a:schemeClr>
+                                                      </a:solidFill>
+                                                      <a:latin typeface="Cambria Math" panose="02040503050406030204" pitchFamily="18" charset="0"/>
+                                                    </a:rPr>
+                                                  </m:ctrlPr>
+                                                </m:sSupPr>
+                                                <m:e>
+                                                  <m:sSub>
+                                                    <m:sSubPr>
+                                                      <m:ctrlPr>
+                                                        <a:rPr lang="en-US" b="1" i="1">
+                                                          <a:solidFill>
+                                                            <a:schemeClr val="tx1">
+                                                              <a:lumMod val="75000"/>
+                                                              <a:lumOff val="25000"/>
+                                                            </a:schemeClr>
+                                                          </a:solidFill>
+                                                          <a:latin typeface="Cambria Math" panose="02040503050406030204" pitchFamily="18" charset="0"/>
+                                                        </a:rPr>
+                                                      </m:ctrlPr>
+                                                    </m:sSubPr>
+                                                    <m:e>
+                                                      <m:r>
+                                                        <a:rPr lang="hu-HU" b="1" i="1">
+                                                          <a:solidFill>
+                                                            <a:schemeClr val="tx1">
+                                                              <a:lumMod val="75000"/>
+                                                              <a:lumOff val="25000"/>
+                                                            </a:schemeClr>
+                                                          </a:solidFill>
+                                                          <a:latin typeface="Cambria Math" panose="02040503050406030204" pitchFamily="18" charset="0"/>
+                                                        </a:rPr>
+                                                        <m:t>𝒙</m:t>
+                                                      </m:r>
+                                                    </m:e>
+                                                    <m:sub>
+                                                      <m:r>
+                                                        <a:rPr lang="hu-HU" b="1" i="1">
+                                                          <a:solidFill>
+                                                            <a:schemeClr val="tx1">
+                                                              <a:lumMod val="75000"/>
+                                                              <a:lumOff val="25000"/>
+                                                            </a:schemeClr>
+                                                          </a:solidFill>
+                                                          <a:latin typeface="Cambria Math" panose="02040503050406030204" pitchFamily="18" charset="0"/>
+                                                        </a:rPr>
+                                                        <m:t>𝒊</m:t>
+                                                      </m:r>
+                                                    </m:sub>
+                                                  </m:sSub>
+                                                  <m:r>
+                                                    <a:rPr lang="hu-HU" b="1" i="1">
+                                                      <a:solidFill>
+                                                        <a:schemeClr val="tx1">
+                                                          <a:lumMod val="75000"/>
+                                                          <a:lumOff val="25000"/>
+                                                        </a:schemeClr>
+                                                      </a:solidFill>
+                                                      <a:latin typeface="Cambria Math" panose="02040503050406030204" pitchFamily="18" charset="0"/>
+                                                    </a:rPr>
+                                                    <m:t>(</m:t>
+                                                  </m:r>
+                                                  <m:sSub>
+                                                    <m:sSubPr>
+                                                      <m:ctrlPr>
+                                                        <a:rPr lang="en-US" b="1" i="1">
+                                                          <a:solidFill>
+                                                            <a:schemeClr val="tx1">
+                                                              <a:lumMod val="75000"/>
+                                                              <a:lumOff val="25000"/>
+                                                            </a:schemeClr>
+                                                          </a:solidFill>
+                                                          <a:latin typeface="Cambria Math" panose="02040503050406030204" pitchFamily="18" charset="0"/>
+                                                        </a:rPr>
+                                                      </m:ctrlPr>
+                                                    </m:sSubPr>
+                                                    <m:e>
+                                                      <m:r>
+                                                        <a:rPr lang="hu-HU" b="1" i="1">
+                                                          <a:solidFill>
+                                                            <a:schemeClr val="tx1">
+                                                              <a:lumMod val="75000"/>
+                                                              <a:lumOff val="25000"/>
+                                                            </a:schemeClr>
+                                                          </a:solidFill>
+                                                          <a:latin typeface="Cambria Math" panose="02040503050406030204" pitchFamily="18" charset="0"/>
+                                                        </a:rPr>
+                                                        <m:t>𝒑</m:t>
+                                                      </m:r>
+                                                    </m:e>
+                                                    <m:sub>
+                                                      <m:r>
+                                                        <a:rPr lang="hu-HU" b="1" i="1">
+                                                          <a:solidFill>
+                                                            <a:schemeClr val="tx1">
+                                                              <a:lumMod val="75000"/>
+                                                              <a:lumOff val="25000"/>
+                                                            </a:schemeClr>
+                                                          </a:solidFill>
+                                                          <a:latin typeface="Cambria Math" panose="02040503050406030204" pitchFamily="18" charset="0"/>
+                                                        </a:rPr>
+                                                        <m:t>𝒊</m:t>
+                                                      </m:r>
+                                                    </m:sub>
+                                                  </m:sSub>
+                                                  <m:r>
+                                                    <a:rPr lang="hu-HU" b="1" i="1">
+                                                      <a:solidFill>
+                                                        <a:schemeClr val="tx1">
+                                                          <a:lumMod val="75000"/>
+                                                          <a:lumOff val="25000"/>
+                                                        </a:schemeClr>
+                                                      </a:solidFill>
+                                                      <a:latin typeface="Cambria Math" panose="02040503050406030204" pitchFamily="18" charset="0"/>
+                                                    </a:rPr>
+                                                    <m:t>−</m:t>
+                                                  </m:r>
+                                                  <m:sSub>
+                                                    <m:sSubPr>
+                                                      <m:ctrlPr>
+                                                        <a:rPr lang="en-US" b="1" i="1">
+                                                          <a:solidFill>
+                                                            <a:schemeClr val="tx1">
+                                                              <a:lumMod val="75000"/>
+                                                              <a:lumOff val="25000"/>
+                                                            </a:schemeClr>
+                                                          </a:solidFill>
+                                                          <a:latin typeface="Cambria Math" panose="02040503050406030204" pitchFamily="18" charset="0"/>
+                                                        </a:rPr>
+                                                      </m:ctrlPr>
+                                                    </m:sSubPr>
+                                                    <m:e>
+                                                      <m:r>
+                                                        <a:rPr lang="hu-HU" b="1" i="1">
+                                                          <a:solidFill>
+                                                            <a:schemeClr val="tx1">
+                                                              <a:lumMod val="75000"/>
+                                                              <a:lumOff val="25000"/>
+                                                            </a:schemeClr>
+                                                          </a:solidFill>
+                                                          <a:latin typeface="Cambria Math" panose="02040503050406030204" pitchFamily="18" charset="0"/>
+                                                        </a:rPr>
+                                                        <m:t>𝒑</m:t>
+                                                      </m:r>
+                                                    </m:e>
+                                                    <m:sub>
+                                                      <m:r>
+                                                        <a:rPr lang="hu-HU" b="1" i="1">
+                                                          <a:solidFill>
+                                                            <a:schemeClr val="tx1">
+                                                              <a:lumMod val="75000"/>
+                                                              <a:lumOff val="25000"/>
+                                                            </a:schemeClr>
+                                                          </a:solidFill>
+                                                          <a:latin typeface="Cambria Math" panose="02040503050406030204" pitchFamily="18" charset="0"/>
+                                                        </a:rPr>
+                                                        <m:t>𝒎𝒊𝒏</m:t>
+                                                      </m:r>
+                                                    </m:sub>
+                                                  </m:sSub>
+                                                  <m:r>
+                                                    <a:rPr lang="hu-HU" b="1" i="1">
+                                                      <a:solidFill>
+                                                        <a:schemeClr val="tx1">
+                                                          <a:lumMod val="75000"/>
+                                                          <a:lumOff val="25000"/>
+                                                        </a:schemeClr>
+                                                      </a:solidFill>
+                                                      <a:latin typeface="Cambria Math" panose="02040503050406030204" pitchFamily="18" charset="0"/>
+                                                    </a:rPr>
+                                                    <m:t>)</m:t>
+                                                  </m:r>
+                                                </m:e>
+                                                <m:sup>
+                                                  <m:r>
+                                                    <a:rPr lang="hu-HU" b="1" i="1">
+                                                      <a:solidFill>
+                                                        <a:schemeClr val="tx1">
+                                                          <a:lumMod val="75000"/>
+                                                          <a:lumOff val="25000"/>
+                                                        </a:schemeClr>
+                                                      </a:solidFill>
+                                                      <a:latin typeface="Cambria Math" panose="02040503050406030204" pitchFamily="18" charset="0"/>
+                                                    </a:rPr>
+                                                    <m:t>𝟐</m:t>
+                                                  </m:r>
+                                                </m:sup>
+                                              </m:sSup>
+                                            </m:e>
+                                          </m:nary>
+                                        </m:num>
+                                        <m:den>
+                                          <m:nary>
+                                            <m:naryPr>
+                                              <m:chr m:val="∑"/>
+                                              <m:limLoc m:val="subSup"/>
+                                              <m:ctrlPr>
+                                                <a:rPr lang="en-US" b="1" i="1">
+                                                  <a:solidFill>
+                                                    <a:schemeClr val="tx1">
+                                                      <a:lumMod val="75000"/>
+                                                      <a:lumOff val="25000"/>
+                                                    </a:schemeClr>
+                                                  </a:solidFill>
+                                                  <a:latin typeface="Cambria Math" panose="02040503050406030204" pitchFamily="18" charset="0"/>
+                                                </a:rPr>
+                                              </m:ctrlPr>
+                                            </m:naryPr>
+                                            <m:sub>
+                                              <m:r>
+                                                <a:rPr lang="hu-HU" b="1" i="1">
+                                                  <a:solidFill>
+                                                    <a:schemeClr val="tx1">
+                                                      <a:lumMod val="75000"/>
+                                                      <a:lumOff val="25000"/>
+                                                    </a:schemeClr>
+                                                  </a:solidFill>
+                                                  <a:latin typeface="Cambria Math" panose="02040503050406030204" pitchFamily="18" charset="0"/>
+                                                </a:rPr>
+                                                <m:t>𝒊</m:t>
+                                              </m:r>
+                                              <m:r>
+                                                <a:rPr lang="hu-HU" b="1" i="1">
+                                                  <a:solidFill>
+                                                    <a:schemeClr val="tx1">
+                                                      <a:lumMod val="75000"/>
+                                                      <a:lumOff val="25000"/>
+                                                    </a:schemeClr>
+                                                  </a:solidFill>
+                                                  <a:latin typeface="Cambria Math" panose="02040503050406030204" pitchFamily="18" charset="0"/>
+                                                </a:rPr>
+                                                <m:t>=</m:t>
+                                              </m:r>
+                                              <m:r>
+                                                <a:rPr lang="hu-HU" b="1" i="1">
+                                                  <a:solidFill>
+                                                    <a:schemeClr val="tx1">
+                                                      <a:lumMod val="75000"/>
+                                                      <a:lumOff val="25000"/>
+                                                    </a:schemeClr>
+                                                  </a:solidFill>
+                                                  <a:latin typeface="Cambria Math" panose="02040503050406030204" pitchFamily="18" charset="0"/>
+                                                </a:rPr>
+                                                <m:t>𝟏</m:t>
+                                              </m:r>
+                                            </m:sub>
+                                            <m:sup>
+                                              <m:r>
+                                                <a:rPr lang="hu-HU" b="1" i="1">
+                                                  <a:solidFill>
+                                                    <a:schemeClr val="tx1">
+                                                      <a:lumMod val="75000"/>
+                                                      <a:lumOff val="25000"/>
+                                                    </a:schemeClr>
+                                                  </a:solidFill>
+                                                  <a:latin typeface="Cambria Math" panose="02040503050406030204" pitchFamily="18" charset="0"/>
+                                                </a:rPr>
+                                                <m:t>𝒏</m:t>
+                                              </m:r>
+                                            </m:sup>
+                                            <m:e>
+                                              <m:sSub>
+                                                <m:sSubPr>
+                                                  <m:ctrlPr>
+                                                    <a:rPr lang="en-US" b="1" i="1">
+                                                      <a:solidFill>
+                                                        <a:schemeClr val="tx1">
+                                                          <a:lumMod val="75000"/>
+                                                          <a:lumOff val="25000"/>
+                                                        </a:schemeClr>
+                                                      </a:solidFill>
+                                                      <a:latin typeface="Cambria Math" panose="02040503050406030204" pitchFamily="18" charset="0"/>
+                                                    </a:rPr>
+                                                  </m:ctrlPr>
+                                                </m:sSubPr>
+                                                <m:e>
+                                                  <m:r>
+                                                    <a:rPr lang="hu-HU" b="1" i="1">
+                                                      <a:solidFill>
+                                                        <a:schemeClr val="tx1">
+                                                          <a:lumMod val="75000"/>
+                                                          <a:lumOff val="25000"/>
+                                                        </a:schemeClr>
+                                                      </a:solidFill>
+                                                      <a:latin typeface="Cambria Math" panose="02040503050406030204" pitchFamily="18" charset="0"/>
+                                                    </a:rPr>
+                                                    <m:t>𝒙</m:t>
+                                                  </m:r>
+                                                </m:e>
+                                                <m:sub>
+                                                  <m:r>
+                                                    <a:rPr lang="hu-HU" b="1" i="1">
+                                                      <a:solidFill>
+                                                        <a:schemeClr val="tx1">
+                                                          <a:lumMod val="75000"/>
+                                                          <a:lumOff val="25000"/>
+                                                        </a:schemeClr>
+                                                      </a:solidFill>
+                                                      <a:latin typeface="Cambria Math" panose="02040503050406030204" pitchFamily="18" charset="0"/>
+                                                    </a:rPr>
+                                                    <m:t>𝒊</m:t>
+                                                  </m:r>
+                                                </m:sub>
+                                              </m:sSub>
+                                            </m:e>
+                                          </m:nary>
+                                        </m:den>
+                                      </m:f>
+                                    </m:e>
+                                  </m:rad>
+                                </m:num>
+                                <m:den>
+                                  <m:sSub>
+                                    <m:sSubPr>
+                                      <m:ctrlPr>
+                                        <a:rPr lang="en-US" b="1" i="1">
+                                          <a:solidFill>
+                                            <a:schemeClr val="tx1">
+                                              <a:lumMod val="75000"/>
+                                              <a:lumOff val="25000"/>
+                                            </a:schemeClr>
+                                          </a:solidFill>
+                                          <a:latin typeface="Cambria Math" panose="02040503050406030204" pitchFamily="18" charset="0"/>
+                                        </a:rPr>
+                                      </m:ctrlPr>
+                                    </m:sSubPr>
+                                    <m:e>
+                                      <m:r>
+                                        <a:rPr lang="hu-HU" b="1" i="1">
+                                          <a:solidFill>
+                                            <a:schemeClr val="tx1">
+                                              <a:lumMod val="75000"/>
+                                              <a:lumOff val="25000"/>
+                                            </a:schemeClr>
+                                          </a:solidFill>
+                                          <a:latin typeface="Cambria Math" panose="02040503050406030204" pitchFamily="18" charset="0"/>
+                                        </a:rPr>
+                                        <m:t>𝒑</m:t>
+                                      </m:r>
+                                    </m:e>
+                                    <m:sub>
+                                      <m:r>
+                                        <a:rPr lang="hu-HU" b="1" i="1">
+                                          <a:solidFill>
+                                            <a:schemeClr val="tx1">
+                                              <a:lumMod val="75000"/>
+                                              <a:lumOff val="25000"/>
+                                            </a:schemeClr>
+                                          </a:solidFill>
+                                          <a:latin typeface="Cambria Math" panose="02040503050406030204" pitchFamily="18" charset="0"/>
+                                        </a:rPr>
+                                        <m:t>𝒎𝒊𝒏</m:t>
+                                      </m:r>
+                                    </m:sub>
+                                  </m:sSub>
+                                </m:den>
+                              </m:f>
+                            </m:e>
+                            <m:e>
+                              <m:r>
+                                <a:rPr lang="hu-HU" b="1" i="1">
+                                  <a:solidFill>
+                                    <a:schemeClr val="tx1">
+                                      <a:lumMod val="75000"/>
+                                      <a:lumOff val="25000"/>
+                                    </a:schemeClr>
+                                  </a:solidFill>
+                                  <a:latin typeface="Cambria Math" panose="02040503050406030204" pitchFamily="18" charset="0"/>
+                                </a:rPr>
+                                <m:t>+ </m:t>
+                              </m:r>
+                              <m:f>
+                                <m:fPr>
+                                  <m:ctrlPr>
+                                    <a:rPr lang="en-US" b="1" i="1">
+                                      <a:solidFill>
+                                        <a:schemeClr val="tx1">
+                                          <a:lumMod val="75000"/>
+                                          <a:lumOff val="25000"/>
+                                        </a:schemeClr>
+                                      </a:solidFill>
+                                      <a:latin typeface="Cambria Math" panose="02040503050406030204" pitchFamily="18" charset="0"/>
+                                    </a:rPr>
+                                  </m:ctrlPr>
+                                </m:fPr>
+                                <m:num>
+                                  <m:rad>
+                                    <m:radPr>
+                                      <m:degHide m:val="on"/>
+                                      <m:ctrlPr>
+                                        <a:rPr lang="en-US" b="1" i="1">
+                                          <a:solidFill>
+                                            <a:schemeClr val="tx1">
+                                              <a:lumMod val="75000"/>
+                                              <a:lumOff val="25000"/>
+                                            </a:schemeClr>
+                                          </a:solidFill>
+                                          <a:latin typeface="Cambria Math" panose="02040503050406030204" pitchFamily="18" charset="0"/>
+                                        </a:rPr>
+                                      </m:ctrlPr>
+                                    </m:radPr>
+                                    <m:deg/>
+                                    <m:e>
+                                      <m:f>
+                                        <m:fPr>
+                                          <m:ctrlPr>
+                                            <a:rPr lang="en-US" b="1" i="1">
+                                              <a:solidFill>
+                                                <a:schemeClr val="tx1">
+                                                  <a:lumMod val="75000"/>
+                                                  <a:lumOff val="25000"/>
+                                                </a:schemeClr>
+                                              </a:solidFill>
+                                              <a:latin typeface="Cambria Math" panose="02040503050406030204" pitchFamily="18" charset="0"/>
+                                            </a:rPr>
+                                          </m:ctrlPr>
+                                        </m:fPr>
+                                        <m:num>
+                                          <m:nary>
+                                            <m:naryPr>
+                                              <m:chr m:val="∑"/>
+                                              <m:limLoc m:val="undOvr"/>
+                                              <m:ctrlPr>
+                                                <a:rPr lang="en-US" b="1" i="1">
+                                                  <a:solidFill>
+                                                    <a:schemeClr val="tx1">
+                                                      <a:lumMod val="75000"/>
+                                                      <a:lumOff val="25000"/>
+                                                    </a:schemeClr>
+                                                  </a:solidFill>
+                                                  <a:latin typeface="Cambria Math" panose="02040503050406030204" pitchFamily="18" charset="0"/>
+                                                </a:rPr>
+                                              </m:ctrlPr>
+                                            </m:naryPr>
+                                            <m:sub>
+                                              <m:r>
+                                                <a:rPr lang="hu-HU" b="1" i="1">
+                                                  <a:solidFill>
+                                                    <a:schemeClr val="tx1">
+                                                      <a:lumMod val="75000"/>
+                                                      <a:lumOff val="25000"/>
+                                                    </a:schemeClr>
+                                                  </a:solidFill>
+                                                  <a:latin typeface="Cambria Math" panose="02040503050406030204" pitchFamily="18" charset="0"/>
+                                                </a:rPr>
+                                                <m:t>𝒊</m:t>
+                                              </m:r>
+                                              <m:r>
+                                                <a:rPr lang="hu-HU" b="1" i="1">
+                                                  <a:solidFill>
+                                                    <a:schemeClr val="tx1">
+                                                      <a:lumMod val="75000"/>
+                                                      <a:lumOff val="25000"/>
+                                                    </a:schemeClr>
+                                                  </a:solidFill>
+                                                  <a:latin typeface="Cambria Math" panose="02040503050406030204" pitchFamily="18" charset="0"/>
+                                                </a:rPr>
+                                                <m:t>=</m:t>
+                                              </m:r>
+                                              <m:r>
+                                                <a:rPr lang="hu-HU" b="1" i="1">
+                                                  <a:solidFill>
+                                                    <a:schemeClr val="tx1">
+                                                      <a:lumMod val="75000"/>
+                                                      <a:lumOff val="25000"/>
+                                                    </a:schemeClr>
+                                                  </a:solidFill>
+                                                  <a:latin typeface="Cambria Math" panose="02040503050406030204" pitchFamily="18" charset="0"/>
+                                                </a:rPr>
+                                                <m:t>𝟏</m:t>
+                                              </m:r>
+                                            </m:sub>
+                                            <m:sup>
+                                              <m:r>
+                                                <a:rPr lang="hu-HU" b="1" i="1">
+                                                  <a:solidFill>
+                                                    <a:schemeClr val="tx1">
+                                                      <a:lumMod val="75000"/>
+                                                      <a:lumOff val="25000"/>
+                                                    </a:schemeClr>
+                                                  </a:solidFill>
+                                                  <a:latin typeface="Cambria Math" panose="02040503050406030204" pitchFamily="18" charset="0"/>
+                                                </a:rPr>
+                                                <m:t>𝒏</m:t>
+                                              </m:r>
+                                            </m:sup>
+                                            <m:e>
+                                              <m:sSup>
+                                                <m:sSupPr>
+                                                  <m:ctrlPr>
+                                                    <a:rPr lang="en-US" b="1" i="1">
+                                                      <a:solidFill>
+                                                        <a:schemeClr val="tx1">
+                                                          <a:lumMod val="75000"/>
+                                                          <a:lumOff val="25000"/>
+                                                        </a:schemeClr>
+                                                      </a:solidFill>
+                                                      <a:latin typeface="Cambria Math" panose="02040503050406030204" pitchFamily="18" charset="0"/>
+                                                    </a:rPr>
+                                                  </m:ctrlPr>
+                                                </m:sSupPr>
+                                                <m:e>
+                                                  <m:sSub>
+                                                    <m:sSubPr>
+                                                      <m:ctrlPr>
+                                                        <a:rPr lang="en-US" b="1" i="1">
+                                                          <a:solidFill>
+                                                            <a:schemeClr val="tx1">
+                                                              <a:lumMod val="75000"/>
+                                                              <a:lumOff val="25000"/>
+                                                            </a:schemeClr>
+                                                          </a:solidFill>
+                                                          <a:latin typeface="Cambria Math" panose="02040503050406030204" pitchFamily="18" charset="0"/>
+                                                        </a:rPr>
+                                                      </m:ctrlPr>
+                                                    </m:sSubPr>
+                                                    <m:e>
+                                                      <m:r>
+                                                        <a:rPr lang="hu-HU" b="1" i="1">
+                                                          <a:solidFill>
+                                                            <a:schemeClr val="tx1">
+                                                              <a:lumMod val="75000"/>
+                                                              <a:lumOff val="25000"/>
+                                                            </a:schemeClr>
+                                                          </a:solidFill>
+                                                          <a:latin typeface="Cambria Math" panose="02040503050406030204" pitchFamily="18" charset="0"/>
+                                                        </a:rPr>
+                                                        <m:t>𝒙</m:t>
+                                                      </m:r>
+                                                    </m:e>
+                                                    <m:sub>
+                                                      <m:r>
+                                                        <a:rPr lang="hu-HU" b="1" i="1">
+                                                          <a:solidFill>
+                                                            <a:schemeClr val="tx1">
+                                                              <a:lumMod val="75000"/>
+                                                              <a:lumOff val="25000"/>
+                                                            </a:schemeClr>
+                                                          </a:solidFill>
+                                                          <a:latin typeface="Cambria Math" panose="02040503050406030204" pitchFamily="18" charset="0"/>
+                                                        </a:rPr>
+                                                        <m:t>𝒊</m:t>
+                                                      </m:r>
+                                                    </m:sub>
+                                                  </m:sSub>
+                                                  <m:r>
+                                                    <a:rPr lang="hu-HU" b="1" i="1">
+                                                      <a:solidFill>
+                                                        <a:schemeClr val="tx1">
+                                                          <a:lumMod val="75000"/>
+                                                          <a:lumOff val="25000"/>
+                                                        </a:schemeClr>
+                                                      </a:solidFill>
+                                                      <a:latin typeface="Cambria Math" panose="02040503050406030204" pitchFamily="18" charset="0"/>
+                                                    </a:rPr>
+                                                    <m:t>(</m:t>
+                                                  </m:r>
+                                                  <m:sSub>
+                                                    <m:sSubPr>
+                                                      <m:ctrlPr>
+                                                        <a:rPr lang="en-US" b="1" i="1" smtClean="0">
+                                                          <a:solidFill>
+                                                            <a:schemeClr val="tx1">
+                                                              <a:lumMod val="75000"/>
+                                                              <a:lumOff val="25000"/>
+                                                            </a:schemeClr>
+                                                          </a:solidFill>
+                                                          <a:latin typeface="Cambria Math" panose="02040503050406030204" pitchFamily="18" charset="0"/>
+                                                        </a:rPr>
+                                                      </m:ctrlPr>
+                                                    </m:sSubPr>
+                                                    <m:e>
+                                                      <m:r>
+                                                        <a:rPr lang="hu-HU" b="1" i="1">
+                                                          <a:solidFill>
+                                                            <a:schemeClr val="tx1">
+                                                              <a:lumMod val="75000"/>
+                                                              <a:lumOff val="25000"/>
+                                                            </a:schemeClr>
+                                                          </a:solidFill>
+                                                          <a:latin typeface="Cambria Math" panose="02040503050406030204" pitchFamily="18" charset="0"/>
+                                                        </a:rPr>
+                                                        <m:t>𝒓</m:t>
+                                                      </m:r>
+                                                    </m:e>
+                                                    <m:sub>
+                                                      <m:r>
+                                                        <a:rPr lang="hu-HU" b="1" i="1">
+                                                          <a:solidFill>
+                                                            <a:schemeClr val="tx1">
+                                                              <a:lumMod val="75000"/>
+                                                              <a:lumOff val="25000"/>
+                                                            </a:schemeClr>
+                                                          </a:solidFill>
+                                                          <a:latin typeface="Cambria Math" panose="02040503050406030204" pitchFamily="18" charset="0"/>
+                                                        </a:rPr>
+                                                        <m:t>𝒊</m:t>
+                                                      </m:r>
+                                                    </m:sub>
+                                                  </m:sSub>
+                                                  <m:r>
+                                                    <a:rPr lang="hu-HU" b="1" i="1">
+                                                      <a:solidFill>
+                                                        <a:schemeClr val="tx1">
+                                                          <a:lumMod val="75000"/>
+                                                          <a:lumOff val="25000"/>
+                                                        </a:schemeClr>
+                                                      </a:solidFill>
+                                                      <a:latin typeface="Cambria Math" panose="02040503050406030204" pitchFamily="18" charset="0"/>
+                                                    </a:rPr>
+                                                    <m:t>−</m:t>
+                                                  </m:r>
+                                                  <m:sSub>
+                                                    <m:sSubPr>
+                                                      <m:ctrlPr>
+                                                        <a:rPr lang="en-US" b="1" i="1">
+                                                          <a:solidFill>
+                                                            <a:schemeClr val="tx1">
+                                                              <a:lumMod val="75000"/>
+                                                              <a:lumOff val="25000"/>
+                                                            </a:schemeClr>
+                                                          </a:solidFill>
+                                                          <a:latin typeface="Cambria Math" panose="02040503050406030204" pitchFamily="18" charset="0"/>
+                                                        </a:rPr>
+                                                      </m:ctrlPr>
+                                                    </m:sSubPr>
+                                                    <m:e>
+                                                      <m:r>
+                                                        <a:rPr lang="hu-HU" b="1" i="1">
+                                                          <a:solidFill>
+                                                            <a:schemeClr val="tx1">
+                                                              <a:lumMod val="75000"/>
+                                                              <a:lumOff val="25000"/>
+                                                            </a:schemeClr>
+                                                          </a:solidFill>
+                                                          <a:latin typeface="Cambria Math" panose="02040503050406030204" pitchFamily="18" charset="0"/>
+                                                        </a:rPr>
+                                                        <m:t>𝒓</m:t>
+                                                      </m:r>
+                                                    </m:e>
+                                                    <m:sub>
+                                                      <m:r>
+                                                        <a:rPr lang="hu-HU" b="1" i="1">
+                                                          <a:solidFill>
+                                                            <a:schemeClr val="tx1">
+                                                              <a:lumMod val="75000"/>
+                                                              <a:lumOff val="25000"/>
+                                                            </a:schemeClr>
+                                                          </a:solidFill>
+                                                          <a:latin typeface="Cambria Math" panose="02040503050406030204" pitchFamily="18" charset="0"/>
+                                                        </a:rPr>
+                                                        <m:t>𝒎𝒂𝒙</m:t>
+                                                      </m:r>
+                                                    </m:sub>
+                                                  </m:sSub>
+                                                  <m:r>
+                                                    <a:rPr lang="hu-HU" b="1" i="1">
+                                                      <a:solidFill>
+                                                        <a:schemeClr val="tx1">
+                                                          <a:lumMod val="75000"/>
+                                                          <a:lumOff val="25000"/>
+                                                        </a:schemeClr>
+                                                      </a:solidFill>
+                                                      <a:latin typeface="Cambria Math" panose="02040503050406030204" pitchFamily="18" charset="0"/>
+                                                    </a:rPr>
+                                                    <m:t>)</m:t>
+                                                  </m:r>
+                                                </m:e>
+                                                <m:sup>
+                                                  <m:r>
+                                                    <a:rPr lang="hu-HU" b="1" i="1">
+                                                      <a:solidFill>
+                                                        <a:schemeClr val="tx1">
+                                                          <a:lumMod val="75000"/>
+                                                          <a:lumOff val="25000"/>
+                                                        </a:schemeClr>
+                                                      </a:solidFill>
+                                                      <a:latin typeface="Cambria Math" panose="02040503050406030204" pitchFamily="18" charset="0"/>
+                                                    </a:rPr>
+                                                    <m:t>𝟐</m:t>
+                                                  </m:r>
+                                                </m:sup>
+                                              </m:sSup>
+                                            </m:e>
+                                          </m:nary>
+                                        </m:num>
+                                        <m:den>
+                                          <m:nary>
+                                            <m:naryPr>
+                                              <m:chr m:val="∑"/>
+                                              <m:limLoc m:val="subSup"/>
+                                              <m:ctrlPr>
+                                                <a:rPr lang="en-US" b="1" i="1">
+                                                  <a:solidFill>
+                                                    <a:schemeClr val="tx1">
+                                                      <a:lumMod val="75000"/>
+                                                      <a:lumOff val="25000"/>
+                                                    </a:schemeClr>
+                                                  </a:solidFill>
+                                                  <a:latin typeface="Cambria Math" panose="02040503050406030204" pitchFamily="18" charset="0"/>
+                                                </a:rPr>
+                                              </m:ctrlPr>
+                                            </m:naryPr>
+                                            <m:sub>
+                                              <m:r>
+                                                <a:rPr lang="hu-HU" b="1" i="1">
+                                                  <a:solidFill>
+                                                    <a:schemeClr val="tx1">
+                                                      <a:lumMod val="75000"/>
+                                                      <a:lumOff val="25000"/>
+                                                    </a:schemeClr>
+                                                  </a:solidFill>
+                                                  <a:latin typeface="Cambria Math" panose="02040503050406030204" pitchFamily="18" charset="0"/>
+                                                </a:rPr>
+                                                <m:t>𝒊</m:t>
+                                              </m:r>
+                                              <m:r>
+                                                <a:rPr lang="hu-HU" b="1" i="1">
+                                                  <a:solidFill>
+                                                    <a:schemeClr val="tx1">
+                                                      <a:lumMod val="75000"/>
+                                                      <a:lumOff val="25000"/>
+                                                    </a:schemeClr>
+                                                  </a:solidFill>
+                                                  <a:latin typeface="Cambria Math" panose="02040503050406030204" pitchFamily="18" charset="0"/>
+                                                </a:rPr>
+                                                <m:t>=</m:t>
+                                              </m:r>
+                                              <m:r>
+                                                <a:rPr lang="hu-HU" b="1" i="1">
+                                                  <a:solidFill>
+                                                    <a:schemeClr val="tx1">
+                                                      <a:lumMod val="75000"/>
+                                                      <a:lumOff val="25000"/>
+                                                    </a:schemeClr>
+                                                  </a:solidFill>
+                                                  <a:latin typeface="Cambria Math" panose="02040503050406030204" pitchFamily="18" charset="0"/>
+                                                </a:rPr>
+                                                <m:t>𝟏</m:t>
+                                              </m:r>
+                                            </m:sub>
+                                            <m:sup>
+                                              <m:r>
+                                                <a:rPr lang="hu-HU" b="1" i="1">
+                                                  <a:solidFill>
+                                                    <a:schemeClr val="tx1">
+                                                      <a:lumMod val="75000"/>
+                                                      <a:lumOff val="25000"/>
+                                                    </a:schemeClr>
+                                                  </a:solidFill>
+                                                  <a:latin typeface="Cambria Math" panose="02040503050406030204" pitchFamily="18" charset="0"/>
+                                                </a:rPr>
+                                                <m:t>𝒏</m:t>
+                                              </m:r>
+                                            </m:sup>
+                                            <m:e>
+                                              <m:sSub>
+                                                <m:sSubPr>
+                                                  <m:ctrlPr>
+                                                    <a:rPr lang="en-US" b="1" i="1">
+                                                      <a:solidFill>
+                                                        <a:schemeClr val="tx1">
+                                                          <a:lumMod val="75000"/>
+                                                          <a:lumOff val="25000"/>
+                                                        </a:schemeClr>
+                                                      </a:solidFill>
+                                                      <a:latin typeface="Cambria Math" panose="02040503050406030204" pitchFamily="18" charset="0"/>
+                                                    </a:rPr>
+                                                  </m:ctrlPr>
+                                                </m:sSubPr>
+                                                <m:e>
+                                                  <m:r>
+                                                    <a:rPr lang="hu-HU" b="1" i="1">
+                                                      <a:solidFill>
+                                                        <a:schemeClr val="tx1">
+                                                          <a:lumMod val="75000"/>
+                                                          <a:lumOff val="25000"/>
+                                                        </a:schemeClr>
+                                                      </a:solidFill>
+                                                      <a:latin typeface="Cambria Math" panose="02040503050406030204" pitchFamily="18" charset="0"/>
+                                                    </a:rPr>
+                                                    <m:t>𝒙</m:t>
+                                                  </m:r>
+                                                </m:e>
+                                                <m:sub>
+                                                  <m:r>
+                                                    <a:rPr lang="hu-HU" b="1" i="1">
+                                                      <a:solidFill>
+                                                        <a:schemeClr val="tx1">
+                                                          <a:lumMod val="75000"/>
+                                                          <a:lumOff val="25000"/>
+                                                        </a:schemeClr>
+                                                      </a:solidFill>
+                                                      <a:latin typeface="Cambria Math" panose="02040503050406030204" pitchFamily="18" charset="0"/>
+                                                    </a:rPr>
+                                                    <m:t>𝒊</m:t>
+                                                  </m:r>
+                                                </m:sub>
+                                              </m:sSub>
+                                            </m:e>
+                                          </m:nary>
+                                        </m:den>
+                                      </m:f>
+                                    </m:e>
+                                  </m:rad>
+                                </m:num>
+                                <m:den>
+                                  <m:sSub>
+                                    <m:sSubPr>
+                                      <m:ctrlPr>
+                                        <a:rPr lang="en-US" b="1" i="1">
+                                          <a:solidFill>
+                                            <a:schemeClr val="tx1">
+                                              <a:lumMod val="75000"/>
+                                              <a:lumOff val="25000"/>
+                                            </a:schemeClr>
+                                          </a:solidFill>
+                                          <a:latin typeface="Cambria Math" panose="02040503050406030204" pitchFamily="18" charset="0"/>
+                                        </a:rPr>
+                                      </m:ctrlPr>
+                                    </m:sSubPr>
+                                    <m:e>
+                                      <m:r>
+                                        <a:rPr lang="hu-HU" b="1" i="1">
+                                          <a:solidFill>
+                                            <a:schemeClr val="tx1">
+                                              <a:lumMod val="75000"/>
+                                              <a:lumOff val="25000"/>
+                                            </a:schemeClr>
+                                          </a:solidFill>
+                                          <a:latin typeface="Cambria Math" panose="02040503050406030204" pitchFamily="18" charset="0"/>
+                                        </a:rPr>
+                                        <m:t>𝒓</m:t>
+                                      </m:r>
+                                    </m:e>
+                                    <m:sub>
+                                      <m:r>
+                                        <a:rPr lang="hu-HU" b="1" i="1">
+                                          <a:solidFill>
+                                            <a:schemeClr val="tx1">
+                                              <a:lumMod val="75000"/>
+                                              <a:lumOff val="25000"/>
+                                            </a:schemeClr>
+                                          </a:solidFill>
+                                          <a:latin typeface="Cambria Math" panose="02040503050406030204" pitchFamily="18" charset="0"/>
+                                        </a:rPr>
+                                        <m:t>𝒎𝒂𝒙</m:t>
+                                      </m:r>
+                                    </m:sub>
+                                  </m:sSub>
+                                </m:den>
+                              </m:f>
+                            </m:e>
+                          </m:eqArr>
+                        </m:e>
+                      </m:func>
+                    </m:oMath>
+                  </m:oMathPara>
+                </a14:m>
+                <a:endParaRPr lang="en-US" b="1" dirty="0"/>
+              </a:p>
+              <a:p>
+                <a:endParaRPr lang="en-US" b="1" dirty="0"/>
+              </a:p>
+            </p:txBody>
+          </p:sp>
+        </mc:Choice>
+        <mc:Fallback>
+          <p:sp>
+            <p:nvSpPr>
+              <p:cNvPr id="9" name="Szövegdoboz 8"/>
+              <p:cNvSpPr txBox="1">
+                <a:spLocks noRot="1" noChangeAspect="1" noMove="1" noResize="1" noEditPoints="1" noAdjustHandles="1" noChangeArrowheads="1" noChangeShapeType="1" noTextEdit="1"/>
+              </p:cNvSpPr>
+              <p:nvPr/>
+            </p:nvSpPr>
+            <p:spPr>
+              <a:xfrm>
+                <a:off x="6136841" y="3839186"/>
+                <a:ext cx="6122504" cy="2694392"/>
+              </a:xfrm>
+              <a:prstGeom prst="rect">
+                <a:avLst/>
+              </a:prstGeom>
+              <a:blipFill rotWithShape="0">
+                <a:blip r:embed="rId5"/>
+                <a:stretch>
+                  <a:fillRect/>
+                </a:stretch>
+              </a:blipFill>
+            </p:spPr>
+            <p:txBody>
+              <a:bodyPr/>
+              <a:lstStyle/>
+              <a:p>
+                <a:r>
+                  <a:rPr lang="hu-HU">
+                    <a:noFill/>
+                  </a:rPr>
+                  <a:t> </a:t>
+                </a:r>
+              </a:p>
+            </p:txBody>
+          </p:sp>
+        </mc:Fallback>
+      </mc:AlternateContent>
     </p:spTree>
     <p:extLst>
       <p:ext uri="{BB962C8B-B14F-4D97-AF65-F5344CB8AC3E}">
-        <p14:creationId xmlns:p14="http://schemas.microsoft.com/office/powerpoint/2010/main" val="116560969"/>
+        <p14:creationId xmlns:p14="http://schemas.microsoft.com/office/powerpoint/2010/main" val="3294381197"/>
       </p:ext>
     </p:extLst>
   </p:cSld>
@@ -12991,6 +17584,52 @@
       </p:grpSpPr>
       <p:sp>
         <p:nvSpPr>
+          <p:cNvPr id="6" name="Téglalap 5"/>
+          <p:cNvSpPr/>
+          <p:nvPr/>
+        </p:nvSpPr>
+        <p:spPr>
+          <a:xfrm>
+            <a:off x="1066800" y="1563757"/>
+            <a:ext cx="10263809" cy="281977"/>
+          </a:xfrm>
+          <a:prstGeom prst="rect">
+            <a:avLst/>
+          </a:prstGeom>
+          <a:solidFill>
+            <a:schemeClr val="bg1"/>
+          </a:solidFill>
+          <a:ln>
+            <a:noFill/>
+          </a:ln>
+        </p:spPr>
+        <p:style>
+          <a:lnRef idx="2">
+            <a:schemeClr val="accent1">
+              <a:shade val="50000"/>
+            </a:schemeClr>
+          </a:lnRef>
+          <a:fillRef idx="1">
+            <a:schemeClr val="accent1"/>
+          </a:fillRef>
+          <a:effectRef idx="0">
+            <a:schemeClr val="accent1"/>
+          </a:effectRef>
+          <a:fontRef idx="minor">
+            <a:schemeClr val="lt1"/>
+          </a:fontRef>
+        </p:style>
+        <p:txBody>
+          <a:bodyPr rtlCol="0" anchor="ctr"/>
+          <a:lstStyle/>
+          <a:p>
+            <a:pPr algn="ctr"/>
+            <a:endParaRPr lang="en-US" dirty="0"/>
+          </a:p>
+        </p:txBody>
+      </p:sp>
+      <p:sp>
+        <p:nvSpPr>
           <p:cNvPr id="2" name="Cím 1"/>
           <p:cNvSpPr>
             <a:spLocks noGrp="1"/>
@@ -12999,16 +17638,24 @@
             <p:ph type="title"/>
           </p:nvPr>
         </p:nvSpPr>
-        <p:spPr/>
+        <p:spPr>
+          <a:xfrm>
+            <a:off x="1097280" y="265043"/>
+            <a:ext cx="10058400" cy="755373"/>
+          </a:xfrm>
+        </p:spPr>
         <p:txBody>
-          <a:bodyPr/>
+          <a:bodyPr>
+            <a:normAutofit/>
+          </a:bodyPr>
           <a:lstStyle/>
           <a:p>
+            <a:pPr algn="ctr"/>
             <a:r>
               <a:rPr lang="hu-HU" dirty="0" smtClean="0">
                 <a:latin typeface="Cambria" panose="02040503050406030204" pitchFamily="18" charset="0"/>
               </a:rPr>
-              <a:t>Eredmények</a:t>
+              <a:t>Megvalósítás - webalkalmazás</a:t>
             </a:r>
             <a:endParaRPr lang="en-US" dirty="0">
               <a:latin typeface="Cambria" panose="02040503050406030204" pitchFamily="18" charset="0"/>
@@ -13026,12 +17673,112 @@
             <p:ph idx="1"/>
           </p:nvPr>
         </p:nvSpPr>
-        <p:spPr/>
+        <p:spPr>
+          <a:xfrm>
+            <a:off x="1048988" y="1704745"/>
+            <a:ext cx="10058400" cy="4023360"/>
+          </a:xfrm>
+        </p:spPr>
         <p:txBody>
-          <a:bodyPr/>
+          <a:bodyPr>
+            <a:normAutofit/>
+          </a:bodyPr>
           <a:lstStyle/>
           <a:p>
-            <a:endParaRPr lang="en-US">
+            <a:r>
+              <a:rPr lang="hu-HU" sz="2800" dirty="0" smtClean="0">
+                <a:latin typeface="Cambria" panose="02040503050406030204" pitchFamily="18" charset="0"/>
+              </a:rPr>
+              <a:t>Keretrendszer: </a:t>
+            </a:r>
+            <a:r>
+              <a:rPr lang="hu-HU" sz="2800" b="1" dirty="0" smtClean="0">
+                <a:latin typeface="Cambria" panose="02040503050406030204" pitchFamily="18" charset="0"/>
+              </a:rPr>
+              <a:t>Ruby on Rails</a:t>
+            </a:r>
+          </a:p>
+          <a:p>
+            <a:r>
+              <a:rPr lang="hu-HU" sz="2800" dirty="0" smtClean="0">
+                <a:latin typeface="Cambria" panose="02040503050406030204" pitchFamily="18" charset="0"/>
+              </a:rPr>
+              <a:t>Adatbázis: </a:t>
+            </a:r>
+            <a:r>
+              <a:rPr lang="hu-HU" sz="2800" b="1" dirty="0" smtClean="0">
+                <a:latin typeface="Cambria" panose="02040503050406030204" pitchFamily="18" charset="0"/>
+              </a:rPr>
+              <a:t>PostgreSQL</a:t>
+            </a:r>
+          </a:p>
+          <a:p>
+            <a:r>
+              <a:rPr lang="hu-HU" sz="2800" dirty="0" smtClean="0">
+                <a:latin typeface="Cambria" panose="02040503050406030204" pitchFamily="18" charset="0"/>
+              </a:rPr>
+              <a:t>Autentikáció: </a:t>
+            </a:r>
+            <a:r>
+              <a:rPr lang="hu-HU" sz="2800" b="1" dirty="0" smtClean="0">
+                <a:latin typeface="Cambria" panose="02040503050406030204" pitchFamily="18" charset="0"/>
+              </a:rPr>
+              <a:t>Devise</a:t>
+            </a:r>
+          </a:p>
+          <a:p>
+            <a:r>
+              <a:rPr lang="hu-HU" sz="2800" dirty="0" smtClean="0">
+                <a:latin typeface="Cambria" panose="02040503050406030204" pitchFamily="18" charset="0"/>
+              </a:rPr>
+              <a:t>Megjelenés: </a:t>
+            </a:r>
+            <a:r>
+              <a:rPr lang="hu-HU" sz="2800" b="1" dirty="0" smtClean="0">
+                <a:latin typeface="Cambria" panose="02040503050406030204" pitchFamily="18" charset="0"/>
+              </a:rPr>
+              <a:t>Bootstrap</a:t>
+            </a:r>
+          </a:p>
+          <a:p>
+            <a:r>
+              <a:rPr lang="hu-HU" sz="2800" dirty="0" smtClean="0">
+                <a:latin typeface="Cambria" panose="02040503050406030204" pitchFamily="18" charset="0"/>
+              </a:rPr>
+              <a:t>Térképek: </a:t>
+            </a:r>
+            <a:r>
+              <a:rPr lang="hu-HU" sz="2800" b="1" dirty="0" smtClean="0">
+                <a:latin typeface="Cambria" panose="02040503050406030204" pitchFamily="18" charset="0"/>
+              </a:rPr>
+              <a:t>Google Maps</a:t>
+            </a:r>
+          </a:p>
+          <a:p>
+            <a:r>
+              <a:rPr lang="hu-HU" sz="2800" dirty="0" smtClean="0">
+                <a:latin typeface="Cambria" panose="02040503050406030204" pitchFamily="18" charset="0"/>
+              </a:rPr>
+              <a:t>Verziókövetés: </a:t>
+            </a:r>
+            <a:r>
+              <a:rPr lang="hu-HU" sz="2800" b="1" dirty="0" smtClean="0">
+                <a:latin typeface="Cambria" panose="02040503050406030204" pitchFamily="18" charset="0"/>
+              </a:rPr>
+              <a:t>Git, </a:t>
+            </a:r>
+            <a:r>
+              <a:rPr lang="hu-HU" sz="2800" b="1" dirty="0" smtClean="0">
+                <a:latin typeface="Cambria" panose="02040503050406030204" pitchFamily="18" charset="0"/>
+              </a:rPr>
+              <a:t>GitHub</a:t>
+            </a:r>
+            <a:endParaRPr lang="hu-HU" sz="2800" b="1" dirty="0" smtClean="0">
+              <a:latin typeface="Cambria" panose="02040503050406030204" pitchFamily="18" charset="0"/>
+            </a:endParaRPr>
+          </a:p>
+          <a:p>
+            <a:endParaRPr lang="en-US" sz="2800" dirty="0">
               <a:latin typeface="Cambria" panose="02040503050406030204" pitchFamily="18" charset="0"/>
             </a:endParaRPr>
           </a:p>
@@ -13052,11 +17799,11 @@
           <a:bodyPr/>
           <a:lstStyle/>
           <a:p>
-            <a:fld id="{3F6615A3-6C0B-4F5B-8B84-9B42AA04F933}" type="datetime1">
+            <a:fld id="{CC3649EB-8EE1-460A-8A89-C53A6F059FCE}" type="datetime1">
               <a:rPr lang="hu-HU" sz="2000" smtClean="0">
                 <a:latin typeface="Cambria" panose="02040503050406030204" pitchFamily="18" charset="0"/>
               </a:rPr>
-              <a:t>2015. 04. 20.</a:t>
+              <a:t>2015. 04. 21.</a:t>
             </a:fld>
             <a:endParaRPr lang="en-US" sz="2000" dirty="0">
               <a:latin typeface="Cambria" panose="02040503050406030204" pitchFamily="18" charset="0"/>
@@ -13091,10 +17838,238 @@
           </a:p>
         </p:txBody>
       </p:sp>
+      <p:sp>
+        <p:nvSpPr>
+          <p:cNvPr id="20" name="Ellipszis 19"/>
+          <p:cNvSpPr/>
+          <p:nvPr/>
+        </p:nvSpPr>
+        <p:spPr>
+          <a:xfrm>
+            <a:off x="6995984" y="1384319"/>
+            <a:ext cx="4651513" cy="4651513"/>
+          </a:xfrm>
+          <a:prstGeom prst="ellipse">
+            <a:avLst/>
+          </a:prstGeom>
+          <a:solidFill>
+            <a:schemeClr val="bg1">
+              <a:lumMod val="85000"/>
+            </a:schemeClr>
+          </a:solidFill>
+          <a:effectLst>
+            <a:softEdge rad="635000"/>
+          </a:effectLst>
+        </p:spPr>
+        <p:style>
+          <a:lnRef idx="2">
+            <a:schemeClr val="accent1">
+              <a:shade val="50000"/>
+            </a:schemeClr>
+          </a:lnRef>
+          <a:fillRef idx="1">
+            <a:schemeClr val="accent1"/>
+          </a:fillRef>
+          <a:effectRef idx="0">
+            <a:schemeClr val="accent1"/>
+          </a:effectRef>
+          <a:fontRef idx="minor">
+            <a:schemeClr val="lt1"/>
+          </a:fontRef>
+        </p:style>
+        <p:txBody>
+          <a:bodyPr rtlCol="0" anchor="ctr"/>
+          <a:lstStyle/>
+          <a:p>
+            <a:pPr algn="ctr"/>
+            <a:endParaRPr lang="en-US" dirty="0"/>
+          </a:p>
+        </p:txBody>
+      </p:sp>
+      <p:pic>
+        <p:nvPicPr>
+          <p:cNvPr id="14" name="Kép 13"/>
+          <p:cNvPicPr>
+            <a:picLocks noChangeAspect="1"/>
+          </p:cNvPicPr>
+          <p:nvPr/>
+        </p:nvPicPr>
+        <p:blipFill>
+          <a:blip r:embed="rId2">
+            <a:extLst>
+              <a:ext uri="{28A0092B-C50C-407E-A947-70E740481C1C}">
+                <a14:useLocalDpi xmlns:a14="http://schemas.microsoft.com/office/drawing/2010/main" val="0"/>
+              </a:ext>
+            </a:extLst>
+          </a:blip>
+          <a:stretch>
+            <a:fillRect/>
+          </a:stretch>
+        </p:blipFill>
+        <p:spPr>
+          <a:xfrm>
+            <a:off x="8424193" y="2354746"/>
+            <a:ext cx="1863204" cy="2412037"/>
+          </a:xfrm>
+          <a:prstGeom prst="rect">
+            <a:avLst/>
+          </a:prstGeom>
+        </p:spPr>
+      </p:pic>
+      <p:pic>
+        <p:nvPicPr>
+          <p:cNvPr id="15" name="Kép 14"/>
+          <p:cNvPicPr>
+            <a:picLocks noChangeAspect="1"/>
+          </p:cNvPicPr>
+          <p:nvPr/>
+        </p:nvPicPr>
+        <p:blipFill>
+          <a:blip r:embed="rId3">
+            <a:extLst>
+              <a:ext uri="{28A0092B-C50C-407E-A947-70E740481C1C}">
+                <a14:useLocalDpi xmlns:a14="http://schemas.microsoft.com/office/drawing/2010/main" val="0"/>
+              </a:ext>
+            </a:extLst>
+          </a:blip>
+          <a:stretch>
+            <a:fillRect/>
+          </a:stretch>
+        </p:blipFill>
+        <p:spPr>
+          <a:xfrm>
+            <a:off x="7073361" y="1451375"/>
+            <a:ext cx="1020709" cy="1025246"/>
+          </a:xfrm>
+          <a:prstGeom prst="rect">
+            <a:avLst/>
+          </a:prstGeom>
+        </p:spPr>
+      </p:pic>
+      <p:pic>
+        <p:nvPicPr>
+          <p:cNvPr id="16" name="Kép 15"/>
+          <p:cNvPicPr>
+            <a:picLocks noChangeAspect="1"/>
+          </p:cNvPicPr>
+          <p:nvPr/>
+        </p:nvPicPr>
+        <p:blipFill>
+          <a:blip r:embed="rId4">
+            <a:extLst>
+              <a:ext uri="{28A0092B-C50C-407E-A947-70E740481C1C}">
+                <a14:useLocalDpi xmlns:a14="http://schemas.microsoft.com/office/drawing/2010/main" val="0"/>
+              </a:ext>
+            </a:extLst>
+          </a:blip>
+          <a:stretch>
+            <a:fillRect/>
+          </a:stretch>
+        </p:blipFill>
+        <p:spPr>
+          <a:xfrm>
+            <a:off x="6317974" y="3429000"/>
+            <a:ext cx="1026000" cy="1026000"/>
+          </a:xfrm>
+          <a:prstGeom prst="rect">
+            <a:avLst/>
+          </a:prstGeom>
+        </p:spPr>
+      </p:pic>
+      <p:pic>
+        <p:nvPicPr>
+          <p:cNvPr id="17" name="Kép 16"/>
+          <p:cNvPicPr>
+            <a:picLocks noChangeAspect="1"/>
+          </p:cNvPicPr>
+          <p:nvPr/>
+        </p:nvPicPr>
+        <p:blipFill>
+          <a:blip r:embed="rId5">
+            <a:extLst>
+              <a:ext uri="{28A0092B-C50C-407E-A947-70E740481C1C}">
+                <a14:useLocalDpi xmlns:a14="http://schemas.microsoft.com/office/drawing/2010/main" val="0"/>
+              </a:ext>
+            </a:extLst>
+          </a:blip>
+          <a:stretch>
+            <a:fillRect/>
+          </a:stretch>
+        </p:blipFill>
+        <p:spPr>
+          <a:xfrm>
+            <a:off x="10426859" y="1384319"/>
+            <a:ext cx="1026000" cy="1026000"/>
+          </a:xfrm>
+          <a:prstGeom prst="rect">
+            <a:avLst/>
+          </a:prstGeom>
+        </p:spPr>
+      </p:pic>
+      <p:pic>
+        <p:nvPicPr>
+          <p:cNvPr id="21" name="Kép 20"/>
+          <p:cNvPicPr>
+            <a:picLocks noChangeAspect="1"/>
+          </p:cNvPicPr>
+          <p:nvPr/>
+        </p:nvPicPr>
+        <p:blipFill>
+          <a:blip r:embed="rId6">
+            <a:extLst>
+              <a:ext uri="{28A0092B-C50C-407E-A947-70E740481C1C}">
+                <a14:useLocalDpi xmlns:a14="http://schemas.microsoft.com/office/drawing/2010/main" val="0"/>
+              </a:ext>
+            </a:extLst>
+          </a:blip>
+          <a:stretch>
+            <a:fillRect/>
+          </a:stretch>
+        </p:blipFill>
+        <p:spPr>
+          <a:xfrm>
+            <a:off x="10815349" y="3429000"/>
+            <a:ext cx="1152000" cy="1152000"/>
+          </a:xfrm>
+          <a:prstGeom prst="rect">
+            <a:avLst/>
+          </a:prstGeom>
+        </p:spPr>
+      </p:pic>
+      <p:pic>
+        <p:nvPicPr>
+          <p:cNvPr id="22" name="Kép 21"/>
+          <p:cNvPicPr>
+            <a:picLocks noChangeAspect="1"/>
+          </p:cNvPicPr>
+          <p:nvPr/>
+        </p:nvPicPr>
+        <p:blipFill>
+          <a:blip r:embed="rId7">
+            <a:extLst>
+              <a:ext uri="{28A0092B-C50C-407E-A947-70E740481C1C}">
+                <a14:useLocalDpi xmlns:a14="http://schemas.microsoft.com/office/drawing/2010/main" val="0"/>
+              </a:ext>
+            </a:extLst>
+          </a:blip>
+          <a:stretch>
+            <a:fillRect/>
+          </a:stretch>
+        </p:blipFill>
+        <p:spPr>
+          <a:xfrm>
+            <a:off x="8124595" y="4977493"/>
+            <a:ext cx="2462399" cy="1026000"/>
+          </a:xfrm>
+          <a:prstGeom prst="rect">
+            <a:avLst/>
+          </a:prstGeom>
+        </p:spPr>
+      </p:pic>
     </p:spTree>
     <p:extLst>
       <p:ext uri="{BB962C8B-B14F-4D97-AF65-F5344CB8AC3E}">
-        <p14:creationId xmlns:p14="http://schemas.microsoft.com/office/powerpoint/2010/main" val="2203452580"/>
+        <p14:creationId xmlns:p14="http://schemas.microsoft.com/office/powerpoint/2010/main" val="116560969"/>
       </p:ext>
     </p:extLst>
   </p:cSld>
